--- a/JeonJungKyu/2차수정본.pptx
+++ b/JeonJungKyu/2차수정본.pptx
@@ -16,8 +16,8 @@
     <p:sldId id="268" r:id="rId7"/>
     <p:sldId id="259" r:id="rId8"/>
     <p:sldId id="270" r:id="rId9"/>
-    <p:sldId id="262" r:id="rId10"/>
-    <p:sldId id="263" r:id="rId11"/>
+    <p:sldId id="263" r:id="rId10"/>
+    <p:sldId id="272" r:id="rId11"/>
     <p:sldId id="266" r:id="rId12"/>
     <p:sldId id="260" r:id="rId13"/>
     <p:sldId id="261" r:id="rId14"/>
@@ -1968,15 +1968,15 @@
 </file>
 
 <file path=ppt/diagrams/colors3.xml><?xml version="1.0" encoding="utf-8"?>
-<dgm:colorsDef xmlns:dgm="http://schemas.openxmlformats.org/drawingml/2006/diagram" xmlns:a="http://schemas.openxmlformats.org/drawingml/2006/main" uniqueId="urn:microsoft.com/office/officeart/2005/8/colors/colorful1">
+<dgm:colorsDef xmlns:dgm="http://schemas.openxmlformats.org/drawingml/2006/diagram" xmlns:a="http://schemas.openxmlformats.org/drawingml/2006/main" uniqueId="urn:microsoft.com/office/officeart/2005/8/colors/colorful5">
   <dgm:title val=""/>
   <dgm:desc val=""/>
   <dgm:catLst>
-    <dgm:cat type="colorful" pri="10100"/>
+    <dgm:cat type="colorful" pri="10500"/>
   </dgm:catLst>
   <dgm:styleLbl name="node0">
     <dgm:fillClrLst meth="repeat">
-      <a:schemeClr val="accent1"/>
+      <a:schemeClr val="accent4"/>
     </dgm:fillClrLst>
     <dgm:linClrLst meth="repeat">
       <a:schemeClr val="lt1"/>
@@ -1987,10 +1987,7 @@
     <dgm:txEffectClrLst/>
   </dgm:styleLbl>
   <dgm:styleLbl name="node1">
-    <dgm:fillClrLst meth="repeat">
-      <a:schemeClr val="accent2"/>
-      <a:schemeClr val="accent3"/>
-      <a:schemeClr val="accent4"/>
+    <dgm:fillClrLst>
       <a:schemeClr val="accent5"/>
       <a:schemeClr val="accent6"/>
     </dgm:fillClrLst>
@@ -2003,17 +2000,11 @@
     <dgm:txEffectClrLst/>
   </dgm:styleLbl>
   <dgm:styleLbl name="alignNode1">
-    <dgm:fillClrLst meth="repeat">
-      <a:schemeClr val="accent2"/>
-      <a:schemeClr val="accent3"/>
-      <a:schemeClr val="accent4"/>
+    <dgm:fillClrLst>
       <a:schemeClr val="accent5"/>
       <a:schemeClr val="accent6"/>
     </dgm:fillClrLst>
-    <dgm:linClrLst meth="repeat">
-      <a:schemeClr val="accent2"/>
-      <a:schemeClr val="accent3"/>
-      <a:schemeClr val="accent4"/>
+    <dgm:linClrLst>
       <a:schemeClr val="accent5"/>
       <a:schemeClr val="accent6"/>
     </dgm:linClrLst>
@@ -2023,10 +2014,7 @@
     <dgm:txEffectClrLst/>
   </dgm:styleLbl>
   <dgm:styleLbl name="lnNode1">
-    <dgm:fillClrLst meth="repeat">
-      <a:schemeClr val="accent2"/>
-      <a:schemeClr val="accent3"/>
-      <a:schemeClr val="accent4"/>
+    <dgm:fillClrLst>
       <a:schemeClr val="accent5"/>
       <a:schemeClr val="accent6"/>
     </dgm:fillClrLst>
@@ -2039,16 +2027,7 @@
     <dgm:txEffectClrLst/>
   </dgm:styleLbl>
   <dgm:styleLbl name="vennNode1">
-    <dgm:fillClrLst meth="repeat">
-      <a:schemeClr val="accent2">
-        <a:alpha val="50000"/>
-      </a:schemeClr>
-      <a:schemeClr val="accent3">
-        <a:alpha val="50000"/>
-      </a:schemeClr>
-      <a:schemeClr val="accent4">
-        <a:alpha val="50000"/>
-      </a:schemeClr>
+    <dgm:fillClrLst>
       <a:schemeClr val="accent5">
         <a:alpha val="50000"/>
       </a:schemeClr>
@@ -2066,6 +2045,30 @@
   </dgm:styleLbl>
   <dgm:styleLbl name="node2">
     <dgm:fillClrLst>
+      <a:schemeClr val="accent6"/>
+    </dgm:fillClrLst>
+    <dgm:linClrLst meth="repeat">
+      <a:schemeClr val="lt1"/>
+    </dgm:linClrLst>
+    <dgm:effectClrLst/>
+    <dgm:txLinClrLst/>
+    <dgm:txFillClrLst/>
+    <dgm:txEffectClrLst/>
+  </dgm:styleLbl>
+  <dgm:styleLbl name="node3">
+    <dgm:fillClrLst>
+      <a:schemeClr val="accent1"/>
+    </dgm:fillClrLst>
+    <dgm:linClrLst meth="repeat">
+      <a:schemeClr val="lt1"/>
+    </dgm:linClrLst>
+    <dgm:effectClrLst/>
+    <dgm:txLinClrLst/>
+    <dgm:txFillClrLst/>
+    <dgm:txEffectClrLst/>
+  </dgm:styleLbl>
+  <dgm:styleLbl name="node4">
+    <dgm:fillClrLst>
       <a:schemeClr val="accent2"/>
     </dgm:fillClrLst>
     <dgm:linClrLst meth="repeat">
@@ -2076,41 +2079,8 @@
     <dgm:txFillClrLst/>
     <dgm:txEffectClrLst/>
   </dgm:styleLbl>
-  <dgm:styleLbl name="node3">
+  <dgm:styleLbl name="fgImgPlace1">
     <dgm:fillClrLst>
-      <a:schemeClr val="accent3"/>
-    </dgm:fillClrLst>
-    <dgm:linClrLst meth="repeat">
-      <a:schemeClr val="lt1"/>
-    </dgm:linClrLst>
-    <dgm:effectClrLst/>
-    <dgm:txLinClrLst/>
-    <dgm:txFillClrLst/>
-    <dgm:txEffectClrLst/>
-  </dgm:styleLbl>
-  <dgm:styleLbl name="node4">
-    <dgm:fillClrLst>
-      <a:schemeClr val="accent4"/>
-    </dgm:fillClrLst>
-    <dgm:linClrLst meth="repeat">
-      <a:schemeClr val="lt1"/>
-    </dgm:linClrLst>
-    <dgm:effectClrLst/>
-    <dgm:txLinClrLst/>
-    <dgm:txFillClrLst/>
-    <dgm:txEffectClrLst/>
-  </dgm:styleLbl>
-  <dgm:styleLbl name="fgImgPlace1">
-    <dgm:fillClrLst meth="repeat">
-      <a:schemeClr val="accent2">
-        <a:tint val="50000"/>
-      </a:schemeClr>
-      <a:schemeClr val="accent3">
-        <a:tint val="50000"/>
-      </a:schemeClr>
-      <a:schemeClr val="accent4">
-        <a:tint val="50000"/>
-      </a:schemeClr>
       <a:schemeClr val="accent5">
         <a:tint val="50000"/>
       </a:schemeClr>
@@ -2130,10 +2100,10 @@
   </dgm:styleLbl>
   <dgm:styleLbl name="alignImgPlace1">
     <dgm:fillClrLst>
-      <a:schemeClr val="accent1">
+      <a:schemeClr val="accent5">
         <a:tint val="50000"/>
       </a:schemeClr>
-      <a:schemeClr val="accent2">
+      <a:schemeClr val="accent6">
         <a:tint val="20000"/>
       </a:schemeClr>
     </dgm:fillClrLst>
@@ -2149,10 +2119,10 @@
   </dgm:styleLbl>
   <dgm:styleLbl name="bgImgPlace1">
     <dgm:fillClrLst>
-      <a:schemeClr val="accent1">
+      <a:schemeClr val="accent5">
         <a:tint val="50000"/>
       </a:schemeClr>
-      <a:schemeClr val="accent2">
+      <a:schemeClr val="accent6">
         <a:tint val="20000"/>
       </a:schemeClr>
     </dgm:fillClrLst>
@@ -2167,14 +2137,11 @@
     <dgm:txEffectClrLst/>
   </dgm:styleLbl>
   <dgm:styleLbl name="sibTrans2D1">
-    <dgm:fillClrLst meth="repeat">
-      <a:schemeClr val="accent2"/>
-      <a:schemeClr val="accent3"/>
-      <a:schemeClr val="accent4"/>
+    <dgm:fillClrLst>
       <a:schemeClr val="accent5"/>
       <a:schemeClr val="accent6"/>
     </dgm:fillClrLst>
-    <dgm:linClrLst meth="cycle">
+    <dgm:linClrLst meth="repeat">
       <a:schemeClr val="lt1"/>
     </dgm:linClrLst>
     <dgm:effectClrLst/>
@@ -2183,14 +2150,11 @@
     <dgm:txEffectClrLst/>
   </dgm:styleLbl>
   <dgm:styleLbl name="fgSibTrans2D1">
-    <dgm:fillClrLst meth="repeat">
-      <a:schemeClr val="accent2"/>
-      <a:schemeClr val="accent3"/>
-      <a:schemeClr val="accent4"/>
+    <dgm:fillClrLst>
       <a:schemeClr val="accent5"/>
       <a:schemeClr val="accent6"/>
     </dgm:fillClrLst>
-    <dgm:linClrLst meth="cycle">
+    <dgm:linClrLst meth="repeat">
       <a:schemeClr val="lt1"/>
     </dgm:linClrLst>
     <dgm:effectClrLst/>
@@ -2201,14 +2165,11 @@
     <dgm:txEffectClrLst/>
   </dgm:styleLbl>
   <dgm:styleLbl name="bgSibTrans2D1">
-    <dgm:fillClrLst meth="repeat">
-      <a:schemeClr val="accent2"/>
-      <a:schemeClr val="accent3"/>
-      <a:schemeClr val="accent4"/>
+    <dgm:fillClrLst>
       <a:schemeClr val="accent5"/>
       <a:schemeClr val="accent6"/>
     </dgm:fillClrLst>
-    <dgm:linClrLst meth="cycle">
+    <dgm:linClrLst meth="repeat">
       <a:schemeClr val="lt1"/>
     </dgm:linClrLst>
     <dgm:effectClrLst/>
@@ -2219,17 +2180,8 @@
     <dgm:txEffectClrLst/>
   </dgm:styleLbl>
   <dgm:styleLbl name="sibTrans1D1">
-    <dgm:fillClrLst meth="repeat">
-      <a:schemeClr val="accent2"/>
-      <a:schemeClr val="accent3"/>
-      <a:schemeClr val="accent4"/>
-      <a:schemeClr val="accent5"/>
-      <a:schemeClr val="accent6"/>
-    </dgm:fillClrLst>
-    <dgm:linClrLst meth="repeat">
-      <a:schemeClr val="accent2"/>
-      <a:schemeClr val="accent3"/>
-      <a:schemeClr val="accent4"/>
+    <dgm:fillClrLst/>
+    <dgm:linClrLst>
       <a:schemeClr val="accent5"/>
       <a:schemeClr val="accent6"/>
     </dgm:linClrLst>
@@ -2242,10 +2194,10 @@
   </dgm:styleLbl>
   <dgm:styleLbl name="callout">
     <dgm:fillClrLst meth="repeat">
-      <a:schemeClr val="accent2"/>
+      <a:schemeClr val="accent5"/>
     </dgm:fillClrLst>
     <dgm:linClrLst meth="repeat">
-      <a:schemeClr val="accent2">
+      <a:schemeClr val="accent5">
         <a:tint val="50000"/>
       </a:schemeClr>
     </dgm:linClrLst>
@@ -2258,6 +2210,34 @@
   </dgm:styleLbl>
   <dgm:styleLbl name="asst0">
     <dgm:fillClrLst meth="repeat">
+      <a:schemeClr val="accent5"/>
+    </dgm:fillClrLst>
+    <dgm:linClrLst meth="repeat">
+      <a:schemeClr val="lt1">
+        <a:shade val="80000"/>
+      </a:schemeClr>
+    </dgm:linClrLst>
+    <dgm:effectClrLst/>
+    <dgm:txLinClrLst/>
+    <dgm:txFillClrLst/>
+    <dgm:txEffectClrLst/>
+  </dgm:styleLbl>
+  <dgm:styleLbl name="asst1">
+    <dgm:fillClrLst meth="repeat">
+      <a:schemeClr val="accent6"/>
+    </dgm:fillClrLst>
+    <dgm:linClrLst meth="repeat">
+      <a:schemeClr val="lt1">
+        <a:shade val="80000"/>
+      </a:schemeClr>
+    </dgm:linClrLst>
+    <dgm:effectClrLst/>
+    <dgm:txLinClrLst/>
+    <dgm:txFillClrLst/>
+    <dgm:txEffectClrLst/>
+  </dgm:styleLbl>
+  <dgm:styleLbl name="asst2">
+    <dgm:fillClrLst>
       <a:schemeClr val="accent1"/>
     </dgm:fillClrLst>
     <dgm:linClrLst meth="repeat">
@@ -2268,8 +2248,8 @@
     <dgm:txFillClrLst/>
     <dgm:txEffectClrLst/>
   </dgm:styleLbl>
-  <dgm:styleLbl name="asst1">
-    <dgm:fillClrLst meth="repeat">
+  <dgm:styleLbl name="asst3">
+    <dgm:fillClrLst>
       <a:schemeClr val="accent2"/>
     </dgm:fillClrLst>
     <dgm:linClrLst meth="repeat">
@@ -2280,7 +2260,7 @@
     <dgm:txFillClrLst/>
     <dgm:txEffectClrLst/>
   </dgm:styleLbl>
-  <dgm:styleLbl name="asst2">
+  <dgm:styleLbl name="asst4">
     <dgm:fillClrLst>
       <a:schemeClr val="accent3"/>
     </dgm:fillClrLst>
@@ -2292,69 +2272,7 @@
     <dgm:txFillClrLst/>
     <dgm:txEffectClrLst/>
   </dgm:styleLbl>
-  <dgm:styleLbl name="asst3">
-    <dgm:fillClrLst>
-      <a:schemeClr val="accent4"/>
-    </dgm:fillClrLst>
-    <dgm:linClrLst meth="repeat">
-      <a:schemeClr val="lt1"/>
-    </dgm:linClrLst>
-    <dgm:effectClrLst/>
-    <dgm:txLinClrLst/>
-    <dgm:txFillClrLst/>
-    <dgm:txEffectClrLst/>
-  </dgm:styleLbl>
-  <dgm:styleLbl name="asst4">
-    <dgm:fillClrLst>
-      <a:schemeClr val="accent5"/>
-    </dgm:fillClrLst>
-    <dgm:linClrLst meth="repeat">
-      <a:schemeClr val="lt1"/>
-    </dgm:linClrLst>
-    <dgm:effectClrLst/>
-    <dgm:txLinClrLst/>
-    <dgm:txFillClrLst/>
-    <dgm:txEffectClrLst/>
-  </dgm:styleLbl>
   <dgm:styleLbl name="parChTrans2D1">
-    <dgm:fillClrLst meth="repeat">
-      <a:schemeClr val="accent2"/>
-    </dgm:fillClrLst>
-    <dgm:linClrLst meth="repeat">
-      <a:schemeClr val="lt1"/>
-    </dgm:linClrLst>
-    <dgm:effectClrLst/>
-    <dgm:txLinClrLst/>
-    <dgm:txFillClrLst meth="repeat">
-      <a:schemeClr val="lt1"/>
-    </dgm:txFillClrLst>
-    <dgm:txEffectClrLst/>
-  </dgm:styleLbl>
-  <dgm:styleLbl name="parChTrans2D2">
-    <dgm:fillClrLst meth="repeat">
-      <a:schemeClr val="accent3"/>
-    </dgm:fillClrLst>
-    <dgm:linClrLst meth="repeat">
-      <a:schemeClr val="lt1"/>
-    </dgm:linClrLst>
-    <dgm:effectClrLst/>
-    <dgm:txLinClrLst/>
-    <dgm:txFillClrLst/>
-    <dgm:txEffectClrLst/>
-  </dgm:styleLbl>
-  <dgm:styleLbl name="parChTrans2D3">
-    <dgm:fillClrLst meth="repeat">
-      <a:schemeClr val="accent4"/>
-    </dgm:fillClrLst>
-    <dgm:linClrLst meth="repeat">
-      <a:schemeClr val="lt1"/>
-    </dgm:linClrLst>
-    <dgm:effectClrLst/>
-    <dgm:txLinClrLst/>
-    <dgm:txFillClrLst/>
-    <dgm:txEffectClrLst/>
-  </dgm:styleLbl>
-  <dgm:styleLbl name="parChTrans2D4">
     <dgm:fillClrLst meth="repeat">
       <a:schemeClr val="accent5"/>
     </dgm:fillClrLst>
@@ -2368,9 +2286,79 @@
     </dgm:txFillClrLst>
     <dgm:txEffectClrLst/>
   </dgm:styleLbl>
+  <dgm:styleLbl name="parChTrans2D2">
+    <dgm:fillClrLst meth="repeat">
+      <a:schemeClr val="accent6"/>
+    </dgm:fillClrLst>
+    <dgm:linClrLst meth="repeat">
+      <a:schemeClr val="lt1"/>
+    </dgm:linClrLst>
+    <dgm:effectClrLst/>
+    <dgm:txLinClrLst/>
+    <dgm:txFillClrLst/>
+    <dgm:txEffectClrLst/>
+  </dgm:styleLbl>
+  <dgm:styleLbl name="parChTrans2D3">
+    <dgm:fillClrLst meth="repeat">
+      <a:schemeClr val="accent6"/>
+    </dgm:fillClrLst>
+    <dgm:linClrLst meth="repeat">
+      <a:schemeClr val="lt1"/>
+    </dgm:linClrLst>
+    <dgm:effectClrLst/>
+    <dgm:txLinClrLst/>
+    <dgm:txFillClrLst/>
+    <dgm:txEffectClrLst/>
+  </dgm:styleLbl>
+  <dgm:styleLbl name="parChTrans2D4">
+    <dgm:fillClrLst meth="repeat">
+      <a:schemeClr val="accent1"/>
+    </dgm:fillClrLst>
+    <dgm:linClrLst meth="repeat">
+      <a:schemeClr val="lt1"/>
+    </dgm:linClrLst>
+    <dgm:effectClrLst/>
+    <dgm:txLinClrLst/>
+    <dgm:txFillClrLst meth="repeat">
+      <a:schemeClr val="lt1"/>
+    </dgm:txFillClrLst>
+    <dgm:txEffectClrLst/>
+  </dgm:styleLbl>
   <dgm:styleLbl name="parChTrans1D1">
     <dgm:fillClrLst meth="repeat">
-      <a:schemeClr val="accent2"/>
+      <a:schemeClr val="accent5"/>
+    </dgm:fillClrLst>
+    <dgm:linClrLst meth="repeat">
+      <a:schemeClr val="accent5"/>
+    </dgm:linClrLst>
+    <dgm:effectClrLst/>
+    <dgm:txLinClrLst/>
+    <dgm:txFillClrLst meth="repeat">
+      <a:schemeClr val="tx1"/>
+    </dgm:txFillClrLst>
+    <dgm:txEffectClrLst/>
+  </dgm:styleLbl>
+  <dgm:styleLbl name="parChTrans1D2">
+    <dgm:fillClrLst meth="repeat">
+      <a:schemeClr val="accent6">
+        <a:tint val="90000"/>
+      </a:schemeClr>
+    </dgm:fillClrLst>
+    <dgm:linClrLst meth="repeat">
+      <a:schemeClr val="accent6"/>
+    </dgm:linClrLst>
+    <dgm:effectClrLst/>
+    <dgm:txLinClrLst/>
+    <dgm:txFillClrLst meth="repeat">
+      <a:schemeClr val="tx1"/>
+    </dgm:txFillClrLst>
+    <dgm:txEffectClrLst/>
+  </dgm:styleLbl>
+  <dgm:styleLbl name="parChTrans1D3">
+    <dgm:fillClrLst meth="repeat">
+      <a:schemeClr val="accent6">
+        <a:tint val="70000"/>
+      </a:schemeClr>
     </dgm:fillClrLst>
     <dgm:linClrLst meth="repeat">
       <a:schemeClr val="accent1"/>
@@ -2382,10 +2370,10 @@
     </dgm:txFillClrLst>
     <dgm:txEffectClrLst/>
   </dgm:styleLbl>
-  <dgm:styleLbl name="parChTrans1D2">
+  <dgm:styleLbl name="parChTrans1D4">
     <dgm:fillClrLst meth="repeat">
-      <a:schemeClr val="accent3">
-        <a:tint val="90000"/>
+      <a:schemeClr val="accent6">
+        <a:tint val="50000"/>
       </a:schemeClr>
     </dgm:fillClrLst>
     <dgm:linClrLst meth="repeat">
@@ -2398,48 +2386,13 @@
     </dgm:txFillClrLst>
     <dgm:txEffectClrLst/>
   </dgm:styleLbl>
-  <dgm:styleLbl name="parChTrans1D3">
-    <dgm:fillClrLst meth="repeat">
-      <a:schemeClr val="accent4">
-        <a:tint val="70000"/>
-      </a:schemeClr>
-    </dgm:fillClrLst>
-    <dgm:linClrLst meth="repeat">
-      <a:schemeClr val="accent3"/>
-    </dgm:linClrLst>
-    <dgm:effectClrLst/>
-    <dgm:txLinClrLst/>
-    <dgm:txFillClrLst meth="repeat">
-      <a:schemeClr val="tx1"/>
-    </dgm:txFillClrLst>
-    <dgm:txEffectClrLst/>
-  </dgm:styleLbl>
-  <dgm:styleLbl name="parChTrans1D4">
-    <dgm:fillClrLst meth="repeat">
-      <a:schemeClr val="accent5">
-        <a:tint val="50000"/>
-      </a:schemeClr>
-    </dgm:fillClrLst>
-    <dgm:linClrLst meth="repeat">
-      <a:schemeClr val="accent4"/>
-    </dgm:linClrLst>
-    <dgm:effectClrLst/>
-    <dgm:txLinClrLst/>
-    <dgm:txFillClrLst meth="repeat">
-      <a:schemeClr val="tx1"/>
-    </dgm:txFillClrLst>
-    <dgm:txEffectClrLst/>
-  </dgm:styleLbl>
   <dgm:styleLbl name="fgAcc1">
     <dgm:fillClrLst meth="repeat">
       <a:schemeClr val="lt1">
         <a:alpha val="90000"/>
       </a:schemeClr>
     </dgm:fillClrLst>
-    <dgm:linClrLst meth="repeat">
-      <a:schemeClr val="accent2"/>
-      <a:schemeClr val="accent3"/>
-      <a:schemeClr val="accent4"/>
+    <dgm:linClrLst>
       <a:schemeClr val="accent5"/>
       <a:schemeClr val="accent6"/>
     </dgm:linClrLst>
@@ -2456,10 +2409,7 @@
         <a:alpha val="90000"/>
       </a:schemeClr>
     </dgm:fillClrLst>
-    <dgm:linClrLst meth="repeat">
-      <a:schemeClr val="accent2"/>
-      <a:schemeClr val="accent3"/>
-      <a:schemeClr val="accent4"/>
+    <dgm:linClrLst>
       <a:schemeClr val="accent5"/>
       <a:schemeClr val="accent6"/>
     </dgm:linClrLst>
@@ -2476,10 +2426,7 @@
         <a:alpha val="90000"/>
       </a:schemeClr>
     </dgm:fillClrLst>
-    <dgm:linClrLst meth="repeat">
-      <a:schemeClr val="accent2"/>
-      <a:schemeClr val="accent3"/>
-      <a:schemeClr val="accent4"/>
+    <dgm:linClrLst>
       <a:schemeClr val="accent5"/>
       <a:schemeClr val="accent6"/>
     </dgm:linClrLst>
@@ -2497,7 +2444,7 @@
       </a:schemeClr>
     </dgm:fillClrLst>
     <dgm:linClrLst meth="repeat">
-      <a:schemeClr val="accent1"/>
+      <a:schemeClr val="accent5"/>
     </dgm:linClrLst>
     <dgm:effectClrLst/>
     <dgm:txLinClrLst/>
@@ -2512,10 +2459,7 @@
         <a:alpha val="90000"/>
       </a:schemeClr>
     </dgm:fillClrLst>
-    <dgm:linClrLst meth="repeat">
-      <a:schemeClr val="accent2"/>
-      <a:schemeClr val="accent3"/>
-      <a:schemeClr val="accent4"/>
+    <dgm:linClrLst>
       <a:schemeClr val="accent5"/>
       <a:schemeClr val="accent6"/>
     </dgm:linClrLst>
@@ -2530,10 +2474,7 @@
     <dgm:fillClrLst meth="repeat">
       <a:schemeClr val="lt1"/>
     </dgm:fillClrLst>
-    <dgm:linClrLst meth="repeat">
-      <a:schemeClr val="accent2"/>
-      <a:schemeClr val="accent3"/>
-      <a:schemeClr val="accent4"/>
+    <dgm:linClrLst>
       <a:schemeClr val="accent5"/>
       <a:schemeClr val="accent6"/>
     </dgm:linClrLst>
@@ -2548,10 +2489,7 @@
     <dgm:fillClrLst meth="repeat">
       <a:schemeClr val="lt1"/>
     </dgm:fillClrLst>
-    <dgm:linClrLst meth="repeat">
-      <a:schemeClr val="accent2"/>
-      <a:schemeClr val="accent3"/>
-      <a:schemeClr val="accent4"/>
+    <dgm:linClrLst>
       <a:schemeClr val="accent5"/>
       <a:schemeClr val="accent6"/>
     </dgm:linClrLst>
@@ -2566,10 +2504,7 @@
     <dgm:fillClrLst meth="repeat">
       <a:schemeClr val="lt1"/>
     </dgm:fillClrLst>
-    <dgm:linClrLst meth="repeat">
-      <a:schemeClr val="accent2"/>
-      <a:schemeClr val="accent3"/>
-      <a:schemeClr val="accent4"/>
+    <dgm:linClrLst>
       <a:schemeClr val="accent5"/>
       <a:schemeClr val="accent6"/>
     </dgm:linClrLst>
@@ -2581,19 +2516,7 @@
     <dgm:txEffectClrLst/>
   </dgm:styleLbl>
   <dgm:styleLbl name="fgAccFollowNode1">
-    <dgm:fillClrLst meth="repeat">
-      <a:schemeClr val="accent2">
-        <a:tint val="40000"/>
-        <a:alpha val="90000"/>
-      </a:schemeClr>
-      <a:schemeClr val="accent3">
-        <a:tint val="40000"/>
-        <a:alpha val="90000"/>
-      </a:schemeClr>
-      <a:schemeClr val="accent4">
-        <a:tint val="40000"/>
-        <a:alpha val="90000"/>
-      </a:schemeClr>
+    <dgm:fillClrLst>
       <a:schemeClr val="accent5">
         <a:tint val="40000"/>
         <a:alpha val="90000"/>
@@ -2603,19 +2526,35 @@
         <a:alpha val="90000"/>
       </a:schemeClr>
     </dgm:fillClrLst>
-    <dgm:linClrLst meth="repeat">
-      <a:schemeClr val="accent2">
+    <dgm:linClrLst>
+      <a:schemeClr val="accent5">
         <a:tint val="40000"/>
         <a:alpha val="90000"/>
       </a:schemeClr>
-      <a:schemeClr val="accent3">
+      <a:schemeClr val="accent5">
         <a:tint val="40000"/>
         <a:alpha val="90000"/>
       </a:schemeClr>
-      <a:schemeClr val="accent4">
+    </dgm:linClrLst>
+    <dgm:effectClrLst/>
+    <dgm:txLinClrLst/>
+    <dgm:txFillClrLst meth="repeat">
+      <a:schemeClr val="dk1"/>
+    </dgm:txFillClrLst>
+    <dgm:txEffectClrLst/>
+  </dgm:styleLbl>
+  <dgm:styleLbl name="alignAccFollowNode1">
+    <dgm:fillClrLst>
+      <a:schemeClr val="accent5">
         <a:tint val="40000"/>
         <a:alpha val="90000"/>
       </a:schemeClr>
+      <a:schemeClr val="accent6">
+        <a:tint val="40000"/>
+        <a:alpha val="90000"/>
+      </a:schemeClr>
+    </dgm:fillClrLst>
+    <dgm:linClrLst>
       <a:schemeClr val="accent5">
         <a:tint val="40000"/>
         <a:alpha val="90000"/>
@@ -2632,20 +2571,8 @@
     </dgm:txFillClrLst>
     <dgm:txEffectClrLst/>
   </dgm:styleLbl>
-  <dgm:styleLbl name="alignAccFollowNode1">
-    <dgm:fillClrLst meth="repeat">
-      <a:schemeClr val="accent2">
-        <a:tint val="40000"/>
-        <a:alpha val="90000"/>
-      </a:schemeClr>
-      <a:schemeClr val="accent3">
-        <a:tint val="40000"/>
-        <a:alpha val="90000"/>
-      </a:schemeClr>
-      <a:schemeClr val="accent4">
-        <a:tint val="40000"/>
-        <a:alpha val="90000"/>
-      </a:schemeClr>
+  <dgm:styleLbl name="bgAccFollowNode1">
+    <dgm:fillClrLst>
       <a:schemeClr val="accent5">
         <a:tint val="40000"/>
         <a:alpha val="90000"/>
@@ -2655,19 +2582,7 @@
         <a:alpha val="90000"/>
       </a:schemeClr>
     </dgm:fillClrLst>
-    <dgm:linClrLst meth="repeat">
-      <a:schemeClr val="accent2">
-        <a:tint val="40000"/>
-        <a:alpha val="90000"/>
-      </a:schemeClr>
-      <a:schemeClr val="accent3">
-        <a:tint val="40000"/>
-        <a:alpha val="90000"/>
-      </a:schemeClr>
-      <a:schemeClr val="accent4">
-        <a:tint val="40000"/>
-        <a:alpha val="90000"/>
-      </a:schemeClr>
+    <dgm:linClrLst>
       <a:schemeClr val="accent5">
         <a:tint val="40000"/>
         <a:alpha val="90000"/>
@@ -2684,50 +2599,14 @@
     </dgm:txFillClrLst>
     <dgm:txEffectClrLst/>
   </dgm:styleLbl>
-  <dgm:styleLbl name="bgAccFollowNode1">
+  <dgm:styleLbl name="fgAcc0">
     <dgm:fillClrLst meth="repeat">
-      <a:schemeClr val="accent2">
-        <a:tint val="40000"/>
-        <a:alpha val="90000"/>
-      </a:schemeClr>
-      <a:schemeClr val="accent3">
-        <a:tint val="40000"/>
-        <a:alpha val="90000"/>
-      </a:schemeClr>
-      <a:schemeClr val="accent4">
-        <a:tint val="40000"/>
-        <a:alpha val="90000"/>
-      </a:schemeClr>
-      <a:schemeClr val="accent5">
-        <a:tint val="40000"/>
-        <a:alpha val="90000"/>
-      </a:schemeClr>
-      <a:schemeClr val="accent6">
-        <a:tint val="40000"/>
+      <a:schemeClr val="lt1">
         <a:alpha val="90000"/>
       </a:schemeClr>
     </dgm:fillClrLst>
-    <dgm:linClrLst meth="repeat">
-      <a:schemeClr val="accent2">
-        <a:tint val="40000"/>
-        <a:alpha val="90000"/>
-      </a:schemeClr>
-      <a:schemeClr val="accent3">
-        <a:tint val="40000"/>
-        <a:alpha val="90000"/>
-      </a:schemeClr>
-      <a:schemeClr val="accent4">
-        <a:tint val="40000"/>
-        <a:alpha val="90000"/>
-      </a:schemeClr>
-      <a:schemeClr val="accent5">
-        <a:tint val="40000"/>
-        <a:alpha val="90000"/>
-      </a:schemeClr>
-      <a:schemeClr val="accent6">
-        <a:tint val="40000"/>
-        <a:alpha val="90000"/>
-      </a:schemeClr>
+    <dgm:linClrLst>
+      <a:schemeClr val="accent4"/>
     </dgm:linClrLst>
     <dgm:effectClrLst/>
     <dgm:txLinClrLst/>
@@ -2736,7 +2615,23 @@
     </dgm:txFillClrLst>
     <dgm:txEffectClrLst/>
   </dgm:styleLbl>
-  <dgm:styleLbl name="fgAcc0">
+  <dgm:styleLbl name="fgAcc2">
+    <dgm:fillClrLst meth="repeat">
+      <a:schemeClr val="lt1">
+        <a:alpha val="90000"/>
+      </a:schemeClr>
+    </dgm:fillClrLst>
+    <dgm:linClrLst>
+      <a:schemeClr val="accent6"/>
+    </dgm:linClrLst>
+    <dgm:effectClrLst/>
+    <dgm:txLinClrLst/>
+    <dgm:txFillClrLst meth="repeat">
+      <a:schemeClr val="dk1"/>
+    </dgm:txFillClrLst>
+    <dgm:txEffectClrLst/>
+  </dgm:styleLbl>
+  <dgm:styleLbl name="fgAcc3">
     <dgm:fillClrLst meth="repeat">
       <a:schemeClr val="lt1">
         <a:alpha val="90000"/>
@@ -2752,7 +2647,7 @@
     </dgm:txFillClrLst>
     <dgm:txEffectClrLst/>
   </dgm:styleLbl>
-  <dgm:styleLbl name="fgAcc2">
+  <dgm:styleLbl name="fgAcc4">
     <dgm:fillClrLst meth="repeat">
       <a:schemeClr val="lt1">
         <a:alpha val="90000"/>
@@ -2768,41 +2663,9 @@
     </dgm:txFillClrLst>
     <dgm:txEffectClrLst/>
   </dgm:styleLbl>
-  <dgm:styleLbl name="fgAcc3">
-    <dgm:fillClrLst meth="repeat">
-      <a:schemeClr val="lt1">
-        <a:alpha val="90000"/>
-      </a:schemeClr>
-    </dgm:fillClrLst>
-    <dgm:linClrLst>
-      <a:schemeClr val="accent3"/>
-    </dgm:linClrLst>
-    <dgm:effectClrLst/>
-    <dgm:txLinClrLst/>
-    <dgm:txFillClrLst meth="repeat">
-      <a:schemeClr val="dk1"/>
-    </dgm:txFillClrLst>
-    <dgm:txEffectClrLst/>
-  </dgm:styleLbl>
-  <dgm:styleLbl name="fgAcc4">
-    <dgm:fillClrLst meth="repeat">
-      <a:schemeClr val="lt1">
-        <a:alpha val="90000"/>
-      </a:schemeClr>
-    </dgm:fillClrLst>
-    <dgm:linClrLst>
-      <a:schemeClr val="accent4"/>
-    </dgm:linClrLst>
-    <dgm:effectClrLst/>
-    <dgm:txLinClrLst/>
-    <dgm:txFillClrLst meth="repeat">
-      <a:schemeClr val="dk1"/>
-    </dgm:txFillClrLst>
-    <dgm:txEffectClrLst/>
-  </dgm:styleLbl>
   <dgm:styleLbl name="bgShp">
     <dgm:fillClrLst meth="repeat">
-      <a:schemeClr val="accent2">
+      <a:schemeClr val="accent5">
         <a:tint val="40000"/>
       </a:schemeClr>
     </dgm:fillClrLst>
@@ -2818,7 +2681,7 @@
   </dgm:styleLbl>
   <dgm:styleLbl name="dkBgShp">
     <dgm:fillClrLst meth="repeat">
-      <a:schemeClr val="accent2">
+      <a:schemeClr val="accent5">
         <a:shade val="90000"/>
       </a:schemeClr>
     </dgm:fillClrLst>
@@ -2834,13 +2697,13 @@
   </dgm:styleLbl>
   <dgm:styleLbl name="trBgShp">
     <dgm:fillClrLst meth="repeat">
-      <a:schemeClr val="accent1">
+      <a:schemeClr val="accent5">
         <a:tint val="50000"/>
         <a:alpha val="40000"/>
       </a:schemeClr>
     </dgm:fillClrLst>
     <dgm:linClrLst meth="repeat">
-      <a:schemeClr val="accent2"/>
+      <a:schemeClr val="accent5"/>
     </dgm:linClrLst>
     <dgm:effectClrLst/>
     <dgm:txLinClrLst/>
@@ -2851,7 +2714,7 @@
   </dgm:styleLbl>
   <dgm:styleLbl name="fgShp">
     <dgm:fillClrLst meth="repeat">
-      <a:schemeClr val="accent2">
+      <a:schemeClr val="accent5">
         <a:tint val="40000"/>
       </a:schemeClr>
     </dgm:fillClrLst>
@@ -3691,7 +3554,7 @@
 <dgm:dataModel xmlns:dgm="http://schemas.openxmlformats.org/drawingml/2006/diagram" xmlns:a="http://schemas.openxmlformats.org/drawingml/2006/main">
   <dgm:ptLst>
     <dgm:pt modelId="{4FA73841-1F06-4AB3-A216-21598BC5E637}" type="doc">
-      <dgm:prSet loTypeId="urn:microsoft.com/office/officeart/2005/8/layout/vList2" loCatId="list" qsTypeId="urn:microsoft.com/office/officeart/2005/8/quickstyle/simple1" qsCatId="simple" csTypeId="urn:microsoft.com/office/officeart/2005/8/colors/colorful1" csCatId="colorful" phldr="1"/>
+      <dgm:prSet loTypeId="urn:microsoft.com/office/officeart/2008/layout/LinedList" loCatId="list" qsTypeId="urn:microsoft.com/office/officeart/2005/8/quickstyle/simple1" qsCatId="simple" csTypeId="urn:microsoft.com/office/officeart/2005/8/colors/colorful1" csCatId="colorful" phldr="1"/>
       <dgm:spPr/>
       <dgm:t>
         <a:bodyPr/>
@@ -3702,7 +3565,7 @@
       </dgm:t>
     </dgm:pt>
     <dgm:pt modelId="{8DF6ED0F-DE87-46D4-879E-9374096ABB08}">
-      <dgm:prSet custT="1"/>
+      <dgm:prSet/>
       <dgm:spPr>
         <a:solidFill>
           <a:schemeClr val="accent2"/>
@@ -3712,20 +3575,11 @@
         <a:bodyPr/>
         <a:lstStyle/>
         <a:p>
-          <a:pPr algn="l"/>
           <a:r>
-            <a:rPr lang="ko-KR" sz="2000" b="1" i="0" dirty="0">
-              <a:latin typeface="Malgun Gothic Semilight" panose="020B0502040204020203" pitchFamily="50" charset="-127"/>
-              <a:ea typeface="Malgun Gothic Semilight" panose="020B0502040204020203" pitchFamily="50" charset="-127"/>
-              <a:cs typeface="Malgun Gothic Semilight" panose="020B0502040204020203" pitchFamily="50" charset="-127"/>
-            </a:rPr>
+            <a:rPr lang="ko-KR" dirty="0"/>
             <a:t>여행 안전 앱 시장</a:t>
           </a:r>
-          <a:endParaRPr lang="en-US" sz="2000" dirty="0">
-            <a:latin typeface="Malgun Gothic Semilight" panose="020B0502040204020203" pitchFamily="50" charset="-127"/>
-            <a:ea typeface="Malgun Gothic Semilight" panose="020B0502040204020203" pitchFamily="50" charset="-127"/>
-            <a:cs typeface="Malgun Gothic Semilight" panose="020B0502040204020203" pitchFamily="50" charset="-127"/>
-          </a:endParaRPr>
+          <a:endParaRPr lang="en-US" dirty="0"/>
         </a:p>
       </dgm:t>
     </dgm:pt>
@@ -3737,7 +3591,7 @@
         <a:lstStyle/>
         <a:p>
           <a:endParaRPr lang="en-US" sz="2000">
-            <a:latin typeface="Malgun Gothic Semilight" panose="020B0502040204020203" pitchFamily="50" charset="-127"/>
+            <a:latin typeface="맑은"/>
             <a:ea typeface="Malgun Gothic Semilight" panose="020B0502040204020203" pitchFamily="50" charset="-127"/>
             <a:cs typeface="Malgun Gothic Semilight" panose="020B0502040204020203" pitchFamily="50" charset="-127"/>
           </a:endParaRPr>
@@ -3752,7 +3606,7 @@
         <a:lstStyle/>
         <a:p>
           <a:endParaRPr lang="en-US" sz="2000">
-            <a:latin typeface="Malgun Gothic Semilight" panose="020B0502040204020203" pitchFamily="50" charset="-127"/>
+            <a:latin typeface="맑은"/>
             <a:ea typeface="Malgun Gothic Semilight" panose="020B0502040204020203" pitchFamily="50" charset="-127"/>
             <a:cs typeface="Malgun Gothic Semilight" panose="020B0502040204020203" pitchFamily="50" charset="-127"/>
           </a:endParaRPr>
@@ -3771,15 +3625,15 @@
         <a:lstStyle/>
         <a:p>
           <a:r>
-            <a:rPr lang="ko-KR" sz="2000" i="0">
-              <a:latin typeface="Malgun Gothic Semilight" panose="020B0502040204020203" pitchFamily="50" charset="-127"/>
+            <a:rPr lang="ko-KR" sz="2000" i="0" dirty="0">
+              <a:latin typeface="맑은"/>
               <a:ea typeface="Malgun Gothic Semilight" panose="020B0502040204020203" pitchFamily="50" charset="-127"/>
               <a:cs typeface="Malgun Gothic Semilight" panose="020B0502040204020203" pitchFamily="50" charset="-127"/>
             </a:rPr>
             <a:t>아시아-태평양 지역을 중심으로 여행 안전 앱 시장이 급속도로 성장하고 있습니다</a:t>
           </a:r>
-          <a:endParaRPr lang="en-US" sz="2000">
-            <a:latin typeface="Malgun Gothic Semilight" panose="020B0502040204020203" pitchFamily="50" charset="-127"/>
+          <a:endParaRPr lang="en-US" sz="2000" dirty="0">
+            <a:latin typeface="맑은"/>
             <a:ea typeface="Malgun Gothic Semilight" panose="020B0502040204020203" pitchFamily="50" charset="-127"/>
             <a:cs typeface="Malgun Gothic Semilight" panose="020B0502040204020203" pitchFamily="50" charset="-127"/>
           </a:endParaRPr>
@@ -3794,7 +3648,7 @@
         <a:lstStyle/>
         <a:p>
           <a:endParaRPr lang="en-US" sz="2000">
-            <a:latin typeface="Malgun Gothic Semilight" panose="020B0502040204020203" pitchFamily="50" charset="-127"/>
+            <a:latin typeface="맑은"/>
             <a:ea typeface="Malgun Gothic Semilight" panose="020B0502040204020203" pitchFamily="50" charset="-127"/>
             <a:cs typeface="Malgun Gothic Semilight" panose="020B0502040204020203" pitchFamily="50" charset="-127"/>
           </a:endParaRPr>
@@ -3809,7 +3663,7 @@
         <a:lstStyle/>
         <a:p>
           <a:endParaRPr lang="en-US" sz="2000">
-            <a:latin typeface="Malgun Gothic Semilight" panose="020B0502040204020203" pitchFamily="50" charset="-127"/>
+            <a:latin typeface="맑은"/>
             <a:ea typeface="Malgun Gothic Semilight" panose="020B0502040204020203" pitchFamily="50" charset="-127"/>
             <a:cs typeface="Malgun Gothic Semilight" panose="020B0502040204020203" pitchFamily="50" charset="-127"/>
           </a:endParaRPr>
@@ -3817,7 +3671,7 @@
       </dgm:t>
     </dgm:pt>
     <dgm:pt modelId="{77789D32-24FF-4B34-AD20-FCB8A97813E4}">
-      <dgm:prSet custT="1"/>
+      <dgm:prSet/>
       <dgm:spPr>
         <a:solidFill>
           <a:schemeClr val="accent1">
@@ -3830,28 +3684,14 @@
         <a:bodyPr/>
         <a:lstStyle/>
         <a:p>
-          <a:pPr algn="l"/>
           <a:r>
-            <a:rPr lang="ko-KR" sz="2000" b="1">
-              <a:latin typeface="Malgun Gothic Semilight" panose="020B0502040204020203" pitchFamily="50" charset="-127"/>
-              <a:ea typeface="Malgun Gothic Semilight" panose="020B0502040204020203" pitchFamily="50" charset="-127"/>
-              <a:cs typeface="Malgun Gothic Semilight" panose="020B0502040204020203" pitchFamily="50" charset="-127"/>
-            </a:rPr>
+            <a:rPr lang="ko-KR" dirty="0"/>
             <a:t>국제사례</a:t>
           </a:r>
           <a:r>
-            <a:rPr lang="en-US" sz="2000" b="1">
-              <a:latin typeface="Malgun Gothic Semilight" panose="020B0502040204020203" pitchFamily="50" charset="-127"/>
-              <a:ea typeface="Malgun Gothic Semilight" panose="020B0502040204020203" pitchFamily="50" charset="-127"/>
-              <a:cs typeface="Malgun Gothic Semilight" panose="020B0502040204020203" pitchFamily="50" charset="-127"/>
-            </a:rPr>
+            <a:rPr lang="en-US" dirty="0"/>
             <a:t>: Watch-Out</a:t>
           </a:r>
-          <a:endParaRPr lang="en-US" sz="2000">
-            <a:latin typeface="Malgun Gothic Semilight" panose="020B0502040204020203" pitchFamily="50" charset="-127"/>
-            <a:ea typeface="Malgun Gothic Semilight" panose="020B0502040204020203" pitchFamily="50" charset="-127"/>
-            <a:cs typeface="Malgun Gothic Semilight" panose="020B0502040204020203" pitchFamily="50" charset="-127"/>
-          </a:endParaRPr>
         </a:p>
       </dgm:t>
     </dgm:pt>
@@ -3863,7 +3703,7 @@
         <a:lstStyle/>
         <a:p>
           <a:endParaRPr lang="en-US" sz="2000">
-            <a:latin typeface="Malgun Gothic Semilight" panose="020B0502040204020203" pitchFamily="50" charset="-127"/>
+            <a:latin typeface="맑은"/>
             <a:ea typeface="Malgun Gothic Semilight" panose="020B0502040204020203" pitchFamily="50" charset="-127"/>
             <a:cs typeface="Malgun Gothic Semilight" panose="020B0502040204020203" pitchFamily="50" charset="-127"/>
           </a:endParaRPr>
@@ -3878,7 +3718,7 @@
         <a:lstStyle/>
         <a:p>
           <a:endParaRPr lang="en-US" sz="2000">
-            <a:latin typeface="Malgun Gothic Semilight" panose="020B0502040204020203" pitchFamily="50" charset="-127"/>
+            <a:latin typeface="맑은"/>
             <a:ea typeface="Malgun Gothic Semilight" panose="020B0502040204020203" pitchFamily="50" charset="-127"/>
             <a:cs typeface="Malgun Gothic Semilight" panose="020B0502040204020203" pitchFamily="50" charset="-127"/>
           </a:endParaRPr>
@@ -3901,14 +3741,14 @@
         <a:p>
           <a:r>
             <a:rPr lang="ko-KR" sz="2000" i="0">
-              <a:latin typeface="Malgun Gothic Semilight" panose="020B0502040204020203" pitchFamily="50" charset="-127"/>
+              <a:latin typeface="맑은"/>
               <a:ea typeface="Malgun Gothic Semilight" panose="020B0502040204020203" pitchFamily="50" charset="-127"/>
               <a:cs typeface="Malgun Gothic Semilight" panose="020B0502040204020203" pitchFamily="50" charset="-127"/>
             </a:rPr>
             <a:t>사고 다발 지역 500m 전 음성 알림 제공으로 사고 예방에 기여하고 있습니다</a:t>
           </a:r>
           <a:endParaRPr lang="en-US" sz="2000">
-            <a:latin typeface="Malgun Gothic Semilight" panose="020B0502040204020203" pitchFamily="50" charset="-127"/>
+            <a:latin typeface="맑은"/>
             <a:ea typeface="Malgun Gothic Semilight" panose="020B0502040204020203" pitchFamily="50" charset="-127"/>
             <a:cs typeface="Malgun Gothic Semilight" panose="020B0502040204020203" pitchFamily="50" charset="-127"/>
           </a:endParaRPr>
@@ -3923,7 +3763,7 @@
         <a:lstStyle/>
         <a:p>
           <a:endParaRPr lang="en-US" sz="2000">
-            <a:latin typeface="Malgun Gothic Semilight" panose="020B0502040204020203" pitchFamily="50" charset="-127"/>
+            <a:latin typeface="맑은"/>
             <a:ea typeface="Malgun Gothic Semilight" panose="020B0502040204020203" pitchFamily="50" charset="-127"/>
             <a:cs typeface="Malgun Gothic Semilight" panose="020B0502040204020203" pitchFamily="50" charset="-127"/>
           </a:endParaRPr>
@@ -3938,7 +3778,7 @@
         <a:lstStyle/>
         <a:p>
           <a:endParaRPr lang="en-US" sz="2000">
-            <a:latin typeface="Malgun Gothic Semilight" panose="020B0502040204020203" pitchFamily="50" charset="-127"/>
+            <a:latin typeface="맑은"/>
             <a:ea typeface="Malgun Gothic Semilight" panose="020B0502040204020203" pitchFamily="50" charset="-127"/>
             <a:cs typeface="Malgun Gothic Semilight" panose="020B0502040204020203" pitchFamily="50" charset="-127"/>
           </a:endParaRPr>
@@ -3946,7 +3786,7 @@
       </dgm:t>
     </dgm:pt>
     <dgm:pt modelId="{95FFC762-30C5-490E-BA93-E84051F2B679}">
-      <dgm:prSet custT="1"/>
+      <dgm:prSet/>
       <dgm:spPr>
         <a:solidFill>
           <a:schemeClr val="accent1">
@@ -3959,28 +3799,14 @@
         <a:bodyPr/>
         <a:lstStyle/>
         <a:p>
-          <a:pPr algn="l"/>
           <a:r>
-            <a:rPr lang="ko-KR" sz="2000" b="1" dirty="0">
-              <a:latin typeface="Malgun Gothic Semilight" panose="020B0502040204020203" pitchFamily="50" charset="-127"/>
-              <a:ea typeface="Malgun Gothic Semilight" panose="020B0502040204020203" pitchFamily="50" charset="-127"/>
-              <a:cs typeface="Malgun Gothic Semilight" panose="020B0502040204020203" pitchFamily="50" charset="-127"/>
-            </a:rPr>
+            <a:rPr lang="ko-KR" dirty="0"/>
             <a:t>국제사례</a:t>
           </a:r>
           <a:r>
-            <a:rPr lang="en-US" sz="2000" b="1" dirty="0">
-              <a:latin typeface="Malgun Gothic Semilight" panose="020B0502040204020203" pitchFamily="50" charset="-127"/>
-              <a:ea typeface="Malgun Gothic Semilight" panose="020B0502040204020203" pitchFamily="50" charset="-127"/>
-              <a:cs typeface="Malgun Gothic Semilight" panose="020B0502040204020203" pitchFamily="50" charset="-127"/>
-            </a:rPr>
+            <a:rPr lang="en-US" dirty="0"/>
             <a:t>2: Move</a:t>
           </a:r>
-          <a:endParaRPr lang="en-US" sz="2000" dirty="0">
-            <a:latin typeface="Malgun Gothic Semilight" panose="020B0502040204020203" pitchFamily="50" charset="-127"/>
-            <a:ea typeface="Malgun Gothic Semilight" panose="020B0502040204020203" pitchFamily="50" charset="-127"/>
-            <a:cs typeface="Malgun Gothic Semilight" panose="020B0502040204020203" pitchFamily="50" charset="-127"/>
-          </a:endParaRPr>
         </a:p>
       </dgm:t>
     </dgm:pt>
@@ -3992,7 +3818,7 @@
         <a:lstStyle/>
         <a:p>
           <a:endParaRPr lang="en-US" sz="2000">
-            <a:latin typeface="Malgun Gothic Semilight" panose="020B0502040204020203" pitchFamily="50" charset="-127"/>
+            <a:latin typeface="맑은"/>
             <a:ea typeface="Malgun Gothic Semilight" panose="020B0502040204020203" pitchFamily="50" charset="-127"/>
             <a:cs typeface="Malgun Gothic Semilight" panose="020B0502040204020203" pitchFamily="50" charset="-127"/>
           </a:endParaRPr>
@@ -4007,7 +3833,7 @@
         <a:lstStyle/>
         <a:p>
           <a:endParaRPr lang="en-US" sz="2000">
-            <a:latin typeface="Malgun Gothic Semilight" panose="020B0502040204020203" pitchFamily="50" charset="-127"/>
+            <a:latin typeface="맑은"/>
             <a:ea typeface="Malgun Gothic Semilight" panose="020B0502040204020203" pitchFamily="50" charset="-127"/>
             <a:cs typeface="Malgun Gothic Semilight" panose="020B0502040204020203" pitchFamily="50" charset="-127"/>
           </a:endParaRPr>
@@ -4029,55 +3855,63 @@
         <a:lstStyle/>
         <a:p>
           <a:r>
-            <a:rPr lang="ko-KR" sz="2000" i="0">
-              <a:latin typeface="Malgun Gothic Semilight" panose="020B0502040204020203" pitchFamily="50" charset="-127"/>
+            <a:rPr lang="ko-KR" sz="2000" i="0" dirty="0" err="1">
+              <a:latin typeface="맑은"/>
               <a:ea typeface="Malgun Gothic Semilight" panose="020B0502040204020203" pitchFamily="50" charset="-127"/>
               <a:cs typeface="Malgun Gothic Semilight" panose="020B0502040204020203" pitchFamily="50" charset="-127"/>
             </a:rPr>
             <a:t>블랙스팟</a:t>
           </a:r>
           <a:r>
-            <a:rPr lang="en-US" sz="2000" i="0">
-              <a:latin typeface="Malgun Gothic Semilight" panose="020B0502040204020203" pitchFamily="50" charset="-127"/>
+            <a:rPr lang="en-US" sz="2000" i="0" dirty="0">
+              <a:latin typeface="맑은"/>
               <a:ea typeface="Malgun Gothic Semilight" panose="020B0502040204020203" pitchFamily="50" charset="-127"/>
               <a:cs typeface="Malgun Gothic Semilight" panose="020B0502040204020203" pitchFamily="50" charset="-127"/>
             </a:rPr>
             <a:t>, </a:t>
           </a:r>
           <a:r>
-            <a:rPr lang="ko-KR" sz="2000" i="0">
-              <a:latin typeface="Malgun Gothic Semilight" panose="020B0502040204020203" pitchFamily="50" charset="-127"/>
+            <a:rPr lang="ko-KR" sz="2000" i="0" dirty="0">
+              <a:latin typeface="맑은"/>
               <a:ea typeface="Malgun Gothic Semilight" panose="020B0502040204020203" pitchFamily="50" charset="-127"/>
               <a:cs typeface="Malgun Gothic Semilight" panose="020B0502040204020203" pitchFamily="50" charset="-127"/>
             </a:rPr>
-            <a:t>과속 방지턱</a:t>
+            <a:t>과속 </a:t>
           </a:r>
           <a:r>
-            <a:rPr lang="en-US" sz="2000" i="0">
-              <a:latin typeface="Malgun Gothic Semilight" panose="020B0502040204020203" pitchFamily="50" charset="-127"/>
+            <a:rPr lang="ko-KR" sz="2000" i="0" dirty="0" err="1">
+              <a:latin typeface="맑은"/>
+              <a:ea typeface="Malgun Gothic Semilight" panose="020B0502040204020203" pitchFamily="50" charset="-127"/>
+              <a:cs typeface="Malgun Gothic Semilight" panose="020B0502040204020203" pitchFamily="50" charset="-127"/>
+            </a:rPr>
+            <a:t>방지턱</a:t>
+          </a:r>
+          <a:r>
+            <a:rPr lang="en-US" sz="2000" i="0" dirty="0">
+              <a:latin typeface="맑은"/>
               <a:ea typeface="Malgun Gothic Semilight" panose="020B0502040204020203" pitchFamily="50" charset="-127"/>
               <a:cs typeface="Malgun Gothic Semilight" panose="020B0502040204020203" pitchFamily="50" charset="-127"/>
             </a:rPr>
             <a:t>, </a:t>
           </a:r>
           <a:r>
-            <a:rPr lang="ko-KR" sz="2000" i="0">
-              <a:latin typeface="Malgun Gothic Semilight" panose="020B0502040204020203" pitchFamily="50" charset="-127"/>
+            <a:rPr lang="ko-KR" sz="2000" i="0" dirty="0">
+              <a:latin typeface="맑은"/>
               <a:ea typeface="Malgun Gothic Semilight" panose="020B0502040204020203" pitchFamily="50" charset="-127"/>
               <a:cs typeface="Malgun Gothic Semilight" panose="020B0502040204020203" pitchFamily="50" charset="-127"/>
             </a:rPr>
             <a:t>급커브 등 도로 위험 요소에 대한 시각적 및 음성 알림을 제공합니다</a:t>
           </a:r>
           <a:r>
-            <a:rPr lang="en-US" sz="2000" i="0">
-              <a:latin typeface="Malgun Gothic Semilight" panose="020B0502040204020203" pitchFamily="50" charset="-127"/>
+            <a:rPr lang="en-US" sz="2000" i="0" dirty="0">
+              <a:latin typeface="맑은"/>
               <a:ea typeface="Malgun Gothic Semilight" panose="020B0502040204020203" pitchFamily="50" charset="-127"/>
               <a:cs typeface="Malgun Gothic Semilight" panose="020B0502040204020203" pitchFamily="50" charset="-127"/>
             </a:rPr>
             <a:t>. </a:t>
           </a:r>
-          <a:endParaRPr lang="en-US" sz="2000">
-            <a:latin typeface="Malgun Gothic Semilight" panose="020B0502040204020203" pitchFamily="50" charset="-127"/>
+          <a:endParaRPr lang="en-US" sz="2000" dirty="0">
+            <a:latin typeface="맑은"/>
             <a:ea typeface="Malgun Gothic Semilight" panose="020B0502040204020203" pitchFamily="50" charset="-127"/>
             <a:cs typeface="Malgun Gothic Semilight" panose="020B0502040204020203" pitchFamily="50" charset="-127"/>
           </a:endParaRPr>
@@ -4092,7 +3926,7 @@
         <a:lstStyle/>
         <a:p>
           <a:endParaRPr lang="en-US" sz="2000">
-            <a:latin typeface="Malgun Gothic Semilight" panose="020B0502040204020203" pitchFamily="50" charset="-127"/>
+            <a:latin typeface="맑은"/>
             <a:ea typeface="Malgun Gothic Semilight" panose="020B0502040204020203" pitchFamily="50" charset="-127"/>
             <a:cs typeface="Malgun Gothic Semilight" panose="020B0502040204020203" pitchFamily="50" charset="-127"/>
           </a:endParaRPr>
@@ -4107,122 +3941,158 @@
         <a:lstStyle/>
         <a:p>
           <a:endParaRPr lang="en-US" sz="2000">
-            <a:latin typeface="Malgun Gothic Semilight" panose="020B0502040204020203" pitchFamily="50" charset="-127"/>
+            <a:latin typeface="맑은"/>
             <a:ea typeface="Malgun Gothic Semilight" panose="020B0502040204020203" pitchFamily="50" charset="-127"/>
             <a:cs typeface="Malgun Gothic Semilight" panose="020B0502040204020203" pitchFamily="50" charset="-127"/>
           </a:endParaRPr>
         </a:p>
       </dgm:t>
     </dgm:pt>
-    <dgm:pt modelId="{293CCF61-E8E0-4A99-9621-59652C45DA27}" type="pres">
-      <dgm:prSet presAssocID="{4FA73841-1F06-4AB3-A216-21598BC5E637}" presName="linear" presStyleCnt="0">
+    <dgm:pt modelId="{B8DCF5E3-CB46-49C0-AE46-0737959C507C}" type="pres">
+      <dgm:prSet presAssocID="{4FA73841-1F06-4AB3-A216-21598BC5E637}" presName="vert0" presStyleCnt="0">
         <dgm:presLayoutVars>
+          <dgm:dir/>
+          <dgm:animOne val="branch"/>
           <dgm:animLvl val="lvl"/>
-          <dgm:resizeHandles val="exact"/>
         </dgm:presLayoutVars>
       </dgm:prSet>
       <dgm:spPr/>
     </dgm:pt>
-    <dgm:pt modelId="{5FD666D0-EC3C-4BC7-A63E-D7E629C66328}" type="pres">
-      <dgm:prSet presAssocID="{8DF6ED0F-DE87-46D4-879E-9374096ABB08}" presName="parentText" presStyleLbl="node1" presStyleIdx="0" presStyleCnt="6" custFlipHor="0" custScaleX="38326" custLinFactNeighborX="-42142" custLinFactNeighborY="72159">
-        <dgm:presLayoutVars>
-          <dgm:chMax val="0"/>
-          <dgm:bulletEnabled val="1"/>
-        </dgm:presLayoutVars>
-      </dgm:prSet>
+    <dgm:pt modelId="{555F7E22-3306-4872-9673-94A1E8D073A2}" type="pres">
+      <dgm:prSet presAssocID="{8DF6ED0F-DE87-46D4-879E-9374096ABB08}" presName="thickLine" presStyleLbl="alignNode1" presStyleIdx="0" presStyleCnt="6"/>
       <dgm:spPr/>
     </dgm:pt>
-    <dgm:pt modelId="{73DB135B-348D-4E67-A6FD-0A69412EEF75}" type="pres">
-      <dgm:prSet presAssocID="{971316C9-F3DC-42C1-AA14-5CFF3186D008}" presName="spacer" presStyleCnt="0"/>
+    <dgm:pt modelId="{2E1436D5-B5F0-480D-AF73-B0D0DDF8A731}" type="pres">
+      <dgm:prSet presAssocID="{8DF6ED0F-DE87-46D4-879E-9374096ABB08}" presName="horz1" presStyleCnt="0"/>
       <dgm:spPr/>
     </dgm:pt>
-    <dgm:pt modelId="{D75DAFB4-5F2E-4145-AA4E-321533BC7D2A}" type="pres">
-      <dgm:prSet presAssocID="{A0CD2F10-2CE8-4A62-AEFB-112118BF46FB}" presName="parentText" presStyleLbl="node1" presStyleIdx="1" presStyleCnt="6">
-        <dgm:presLayoutVars>
-          <dgm:chMax val="0"/>
-          <dgm:bulletEnabled val="1"/>
-        </dgm:presLayoutVars>
-      </dgm:prSet>
+    <dgm:pt modelId="{EE737420-48BC-4764-A7DB-89D9EFD1A516}" type="pres">
+      <dgm:prSet presAssocID="{8DF6ED0F-DE87-46D4-879E-9374096ABB08}" presName="tx1" presStyleLbl="revTx" presStyleIdx="0" presStyleCnt="6" custLinFactNeighborY="-5657"/>
       <dgm:spPr/>
     </dgm:pt>
-    <dgm:pt modelId="{AB9A44A8-FBD1-4528-8894-C831D2A92DD1}" type="pres">
-      <dgm:prSet presAssocID="{57AEDA46-B984-4382-861E-96642AAF9368}" presName="spacer" presStyleCnt="0"/>
+    <dgm:pt modelId="{82301616-7FB5-407E-8737-4C6D008E156E}" type="pres">
+      <dgm:prSet presAssocID="{8DF6ED0F-DE87-46D4-879E-9374096ABB08}" presName="vert1" presStyleCnt="0"/>
       <dgm:spPr/>
     </dgm:pt>
-    <dgm:pt modelId="{84E2BFA0-82B8-48BF-BD10-F5EA7E6AF337}" type="pres">
-      <dgm:prSet presAssocID="{77789D32-24FF-4B34-AD20-FCB8A97813E4}" presName="parentText" presStyleLbl="node1" presStyleIdx="2" presStyleCnt="6" custScaleX="38198" custLinFactNeighborX="-41393" custLinFactNeighborY="-18040">
-        <dgm:presLayoutVars>
-          <dgm:chMax val="0"/>
-          <dgm:bulletEnabled val="1"/>
-        </dgm:presLayoutVars>
-      </dgm:prSet>
+    <dgm:pt modelId="{685EFC9F-09B5-412D-A099-27ECCEBC68E7}" type="pres">
+      <dgm:prSet presAssocID="{A0CD2F10-2CE8-4A62-AEFB-112118BF46FB}" presName="thickLine" presStyleLbl="alignNode1" presStyleIdx="1" presStyleCnt="6"/>
       <dgm:spPr/>
     </dgm:pt>
-    <dgm:pt modelId="{F12A755D-42C8-4F20-87B2-CABEEE4B5068}" type="pres">
-      <dgm:prSet presAssocID="{F444AFA0-3FF5-4E24-9A07-162F67408A3C}" presName="spacer" presStyleCnt="0"/>
+    <dgm:pt modelId="{2718231A-8349-4613-96DC-DBD5A76A6002}" type="pres">
+      <dgm:prSet presAssocID="{A0CD2F10-2CE8-4A62-AEFB-112118BF46FB}" presName="horz1" presStyleCnt="0"/>
       <dgm:spPr/>
     </dgm:pt>
-    <dgm:pt modelId="{BACEC919-3211-4286-B743-1A6ED6C40E0D}" type="pres">
-      <dgm:prSet presAssocID="{F3D5B20D-6FE5-4146-883E-3B923FF1D4A5}" presName="parentText" presStyleLbl="node1" presStyleIdx="3" presStyleCnt="6">
-        <dgm:presLayoutVars>
-          <dgm:chMax val="0"/>
-          <dgm:bulletEnabled val="1"/>
-        </dgm:presLayoutVars>
-      </dgm:prSet>
+    <dgm:pt modelId="{71087D26-FFC6-485A-8905-0E2F7E464B0A}" type="pres">
+      <dgm:prSet presAssocID="{A0CD2F10-2CE8-4A62-AEFB-112118BF46FB}" presName="tx1" presStyleLbl="revTx" presStyleIdx="1" presStyleCnt="6"/>
       <dgm:spPr/>
     </dgm:pt>
-    <dgm:pt modelId="{843AE70F-B3AB-4458-B901-CF098D6220AC}" type="pres">
-      <dgm:prSet presAssocID="{BE1A6DE5-8E93-452D-B934-80E2864B4619}" presName="spacer" presStyleCnt="0"/>
+    <dgm:pt modelId="{B40EFC92-2843-4153-995E-0BFC086BF346}" type="pres">
+      <dgm:prSet presAssocID="{A0CD2F10-2CE8-4A62-AEFB-112118BF46FB}" presName="vert1" presStyleCnt="0"/>
       <dgm:spPr/>
     </dgm:pt>
-    <dgm:pt modelId="{153D44D9-72A9-404A-AF29-C0DA80DE29F8}" type="pres">
-      <dgm:prSet presAssocID="{95FFC762-30C5-490E-BA93-E84051F2B679}" presName="parentText" presStyleLbl="node1" presStyleIdx="4" presStyleCnt="6" custScaleX="39255" custLinFactNeighborX="-32030" custLinFactNeighborY="-22956">
-        <dgm:presLayoutVars>
-          <dgm:chMax val="0"/>
-          <dgm:bulletEnabled val="1"/>
-        </dgm:presLayoutVars>
-      </dgm:prSet>
+    <dgm:pt modelId="{DD9243E3-8900-466E-AB97-5AC1954A92FD}" type="pres">
+      <dgm:prSet presAssocID="{77789D32-24FF-4B34-AD20-FCB8A97813E4}" presName="thickLine" presStyleLbl="alignNode1" presStyleIdx="2" presStyleCnt="6"/>
       <dgm:spPr/>
     </dgm:pt>
-    <dgm:pt modelId="{21137623-DBA9-40F6-889C-A8955C074367}" type="pres">
-      <dgm:prSet presAssocID="{5197C454-41CC-4C92-AB06-B019F3B19821}" presName="spacer" presStyleCnt="0"/>
+    <dgm:pt modelId="{0A8646C3-5FF5-4041-98EA-A041D9A61329}" type="pres">
+      <dgm:prSet presAssocID="{77789D32-24FF-4B34-AD20-FCB8A97813E4}" presName="horz1" presStyleCnt="0"/>
       <dgm:spPr/>
     </dgm:pt>
-    <dgm:pt modelId="{48AF2B30-5D22-49E3-AD11-17FCB0675A1A}" type="pres">
-      <dgm:prSet presAssocID="{F558018B-B72A-4982-92B6-544D9D7C9651}" presName="parentText" presStyleLbl="node1" presStyleIdx="5" presStyleCnt="6">
-        <dgm:presLayoutVars>
-          <dgm:chMax val="0"/>
-          <dgm:bulletEnabled val="1"/>
-        </dgm:presLayoutVars>
-      </dgm:prSet>
+    <dgm:pt modelId="{CA7CA6E4-9F4F-47CE-92EE-364E3208BBF5}" type="pres">
+      <dgm:prSet presAssocID="{77789D32-24FF-4B34-AD20-FCB8A97813E4}" presName="tx1" presStyleLbl="revTx" presStyleIdx="2" presStyleCnt="6"/>
+      <dgm:spPr/>
+    </dgm:pt>
+    <dgm:pt modelId="{86A258CB-9C35-4C5B-9A57-79F8F1C12C88}" type="pres">
+      <dgm:prSet presAssocID="{77789D32-24FF-4B34-AD20-FCB8A97813E4}" presName="vert1" presStyleCnt="0"/>
+      <dgm:spPr/>
+    </dgm:pt>
+    <dgm:pt modelId="{3DC365B4-5B86-433B-A509-1C9F8A267C96}" type="pres">
+      <dgm:prSet presAssocID="{F3D5B20D-6FE5-4146-883E-3B923FF1D4A5}" presName="thickLine" presStyleLbl="alignNode1" presStyleIdx="3" presStyleCnt="6"/>
+      <dgm:spPr/>
+    </dgm:pt>
+    <dgm:pt modelId="{3EFB9D2F-4DEF-4B54-8F61-13855F95BC10}" type="pres">
+      <dgm:prSet presAssocID="{F3D5B20D-6FE5-4146-883E-3B923FF1D4A5}" presName="horz1" presStyleCnt="0"/>
+      <dgm:spPr/>
+    </dgm:pt>
+    <dgm:pt modelId="{BF1F53F0-8E24-4FC7-AD79-F97A3BA33250}" type="pres">
+      <dgm:prSet presAssocID="{F3D5B20D-6FE5-4146-883E-3B923FF1D4A5}" presName="tx1" presStyleLbl="revTx" presStyleIdx="3" presStyleCnt="6"/>
+      <dgm:spPr/>
+    </dgm:pt>
+    <dgm:pt modelId="{90EA5C00-B963-4E07-8820-4452366B103C}" type="pres">
+      <dgm:prSet presAssocID="{F3D5B20D-6FE5-4146-883E-3B923FF1D4A5}" presName="vert1" presStyleCnt="0"/>
+      <dgm:spPr/>
+    </dgm:pt>
+    <dgm:pt modelId="{9F723E61-C56C-49C3-8D49-D2A44769ACD2}" type="pres">
+      <dgm:prSet presAssocID="{95FFC762-30C5-490E-BA93-E84051F2B679}" presName="thickLine" presStyleLbl="alignNode1" presStyleIdx="4" presStyleCnt="6"/>
+      <dgm:spPr/>
+    </dgm:pt>
+    <dgm:pt modelId="{CDD2616D-E193-4EB6-8C73-C5C5E57B587C}" type="pres">
+      <dgm:prSet presAssocID="{95FFC762-30C5-490E-BA93-E84051F2B679}" presName="horz1" presStyleCnt="0"/>
+      <dgm:spPr/>
+    </dgm:pt>
+    <dgm:pt modelId="{CDB2F800-70BD-4B37-9294-8673F31A2907}" type="pres">
+      <dgm:prSet presAssocID="{95FFC762-30C5-490E-BA93-E84051F2B679}" presName="tx1" presStyleLbl="revTx" presStyleIdx="4" presStyleCnt="6"/>
+      <dgm:spPr/>
+    </dgm:pt>
+    <dgm:pt modelId="{A1612382-D9F1-42B0-AD59-1D7900127F4F}" type="pres">
+      <dgm:prSet presAssocID="{95FFC762-30C5-490E-BA93-E84051F2B679}" presName="vert1" presStyleCnt="0"/>
+      <dgm:spPr/>
+    </dgm:pt>
+    <dgm:pt modelId="{06D34C8F-A25D-4A56-A0E7-4C4AD35EA918}" type="pres">
+      <dgm:prSet presAssocID="{F558018B-B72A-4982-92B6-544D9D7C9651}" presName="thickLine" presStyleLbl="alignNode1" presStyleIdx="5" presStyleCnt="6"/>
+      <dgm:spPr/>
+    </dgm:pt>
+    <dgm:pt modelId="{61DB5226-9888-4201-822B-7303D8507DF2}" type="pres">
+      <dgm:prSet presAssocID="{F558018B-B72A-4982-92B6-544D9D7C9651}" presName="horz1" presStyleCnt="0"/>
+      <dgm:spPr/>
+    </dgm:pt>
+    <dgm:pt modelId="{61868617-A65D-49E7-B8A2-D4E751131E61}" type="pres">
+      <dgm:prSet presAssocID="{F558018B-B72A-4982-92B6-544D9D7C9651}" presName="tx1" presStyleLbl="revTx" presStyleIdx="5" presStyleCnt="6"/>
+      <dgm:spPr/>
+    </dgm:pt>
+    <dgm:pt modelId="{4A6DAB05-A4F1-4B0D-8DDC-AB490274E09D}" type="pres">
+      <dgm:prSet presAssocID="{F558018B-B72A-4982-92B6-544D9D7C9651}" presName="vert1" presStyleCnt="0"/>
       <dgm:spPr/>
     </dgm:pt>
   </dgm:ptLst>
   <dgm:cxnLst>
     <dgm:cxn modelId="{5BC35E03-006F-407A-8147-E0D7DD74175B}" srcId="{4FA73841-1F06-4AB3-A216-21598BC5E637}" destId="{77789D32-24FF-4B34-AD20-FCB8A97813E4}" srcOrd="2" destOrd="0" parTransId="{EDD41261-84FC-4AEE-B6BB-8C92BEB043B5}" sibTransId="{F444AFA0-3FF5-4E24-9A07-162F67408A3C}"/>
+    <dgm:cxn modelId="{33FD0204-8B33-4C53-87E1-4ABBD0E5D29D}" type="presOf" srcId="{A0CD2F10-2CE8-4A62-AEFB-112118BF46FB}" destId="{71087D26-FFC6-485A-8905-0E2F7E464B0A}" srcOrd="0" destOrd="0" presId="urn:microsoft.com/office/officeart/2008/layout/LinedList"/>
+    <dgm:cxn modelId="{72EA5210-957F-4AF4-A861-2F4A01BBABE4}" type="presOf" srcId="{F558018B-B72A-4982-92B6-544D9D7C9651}" destId="{61868617-A65D-49E7-B8A2-D4E751131E61}" srcOrd="0" destOrd="0" presId="urn:microsoft.com/office/officeart/2008/layout/LinedList"/>
     <dgm:cxn modelId="{BD33FC1F-C1CE-4741-83B8-FED950E979C9}" srcId="{4FA73841-1F06-4AB3-A216-21598BC5E637}" destId="{8DF6ED0F-DE87-46D4-879E-9374096ABB08}" srcOrd="0" destOrd="0" parTransId="{D88815BD-6B79-4880-AB90-015DB78DCB7E}" sibTransId="{971316C9-F3DC-42C1-AA14-5CFF3186D008}"/>
-    <dgm:cxn modelId="{04B78224-E7B2-4354-AF65-59F9774BECFA}" type="presOf" srcId="{A0CD2F10-2CE8-4A62-AEFB-112118BF46FB}" destId="{D75DAFB4-5F2E-4145-AA4E-321533BC7D2A}" srcOrd="0" destOrd="0" presId="urn:microsoft.com/office/officeart/2005/8/layout/vList2"/>
     <dgm:cxn modelId="{2836CB27-E119-4DE8-B476-0C84BBACEC42}" srcId="{4FA73841-1F06-4AB3-A216-21598BC5E637}" destId="{F558018B-B72A-4982-92B6-544D9D7C9651}" srcOrd="5" destOrd="0" parTransId="{78DE9E33-3ED8-4A3D-85A6-AEEABB389C6E}" sibTransId="{2527BEDE-C671-4032-92F2-B3CFE29ACDBC}"/>
-    <dgm:cxn modelId="{82505060-7A9E-4BC1-9045-AB4FF5838F02}" type="presOf" srcId="{4FA73841-1F06-4AB3-A216-21598BC5E637}" destId="{293CCF61-E8E0-4A99-9621-59652C45DA27}" srcOrd="0" destOrd="0" presId="urn:microsoft.com/office/officeart/2005/8/layout/vList2"/>
-    <dgm:cxn modelId="{E1BD266A-4D7E-4904-9AC7-21F48CA4F20E}" type="presOf" srcId="{95FFC762-30C5-490E-BA93-E84051F2B679}" destId="{153D44D9-72A9-404A-AF29-C0DA80DE29F8}" srcOrd="0" destOrd="0" presId="urn:microsoft.com/office/officeart/2005/8/layout/vList2"/>
-    <dgm:cxn modelId="{2E23C06E-4916-4E12-9DA1-76F093F96A38}" type="presOf" srcId="{F3D5B20D-6FE5-4146-883E-3B923FF1D4A5}" destId="{BACEC919-3211-4286-B743-1A6ED6C40E0D}" srcOrd="0" destOrd="0" presId="urn:microsoft.com/office/officeart/2005/8/layout/vList2"/>
+    <dgm:cxn modelId="{2532FF5D-C11A-4361-B00F-7322A04A0B23}" type="presOf" srcId="{77789D32-24FF-4B34-AD20-FCB8A97813E4}" destId="{CA7CA6E4-9F4F-47CE-92EE-364E3208BBF5}" srcOrd="0" destOrd="0" presId="urn:microsoft.com/office/officeart/2008/layout/LinedList"/>
     <dgm:cxn modelId="{8A294454-594F-4F8D-B40B-026D6BA56E3B}" srcId="{4FA73841-1F06-4AB3-A216-21598BC5E637}" destId="{F3D5B20D-6FE5-4146-883E-3B923FF1D4A5}" srcOrd="3" destOrd="0" parTransId="{7B6A618F-DAC5-4FE2-BECD-B16F423D5089}" sibTransId="{BE1A6DE5-8E93-452D-B934-80E2864B4619}"/>
-    <dgm:cxn modelId="{DCD56555-5067-494E-B3B2-EB63F3C0AE8A}" type="presOf" srcId="{77789D32-24FF-4B34-AD20-FCB8A97813E4}" destId="{84E2BFA0-82B8-48BF-BD10-F5EA7E6AF337}" srcOrd="0" destOrd="0" presId="urn:microsoft.com/office/officeart/2005/8/layout/vList2"/>
-    <dgm:cxn modelId="{29E11D7B-6ECC-4694-8D36-E3F98ECE5A7A}" type="presOf" srcId="{F558018B-B72A-4982-92B6-544D9D7C9651}" destId="{48AF2B30-5D22-49E3-AD11-17FCB0675A1A}" srcOrd="0" destOrd="0" presId="urn:microsoft.com/office/officeart/2005/8/layout/vList2"/>
+    <dgm:cxn modelId="{2A26B189-4D97-4B9D-9516-1B3C3AC005CA}" type="presOf" srcId="{95FFC762-30C5-490E-BA93-E84051F2B679}" destId="{CDB2F800-70BD-4B37-9294-8673F31A2907}" srcOrd="0" destOrd="0" presId="urn:microsoft.com/office/officeart/2008/layout/LinedList"/>
     <dgm:cxn modelId="{F2C740A0-3914-42FD-8C18-368A75454CB4}" srcId="{4FA73841-1F06-4AB3-A216-21598BC5E637}" destId="{95FFC762-30C5-490E-BA93-E84051F2B679}" srcOrd="4" destOrd="0" parTransId="{091DBF34-DD20-4FFA-B3A1-BEF07A96BBBB}" sibTransId="{5197C454-41CC-4C92-AB06-B019F3B19821}"/>
+    <dgm:cxn modelId="{E05751C9-F9BB-4ECC-A38A-953B15A6945F}" type="presOf" srcId="{F3D5B20D-6FE5-4146-883E-3B923FF1D4A5}" destId="{BF1F53F0-8E24-4FC7-AD79-F97A3BA33250}" srcOrd="0" destOrd="0" presId="urn:microsoft.com/office/officeart/2008/layout/LinedList"/>
+    <dgm:cxn modelId="{16B585CD-22C3-4C3C-9096-3BACC6963EFD}" type="presOf" srcId="{8DF6ED0F-DE87-46D4-879E-9374096ABB08}" destId="{EE737420-48BC-4764-A7DB-89D9EFD1A516}" srcOrd="0" destOrd="0" presId="urn:microsoft.com/office/officeart/2008/layout/LinedList"/>
     <dgm:cxn modelId="{F73DEDD5-52DE-4F23-AE6C-531082E56CB0}" srcId="{4FA73841-1F06-4AB3-A216-21598BC5E637}" destId="{A0CD2F10-2CE8-4A62-AEFB-112118BF46FB}" srcOrd="1" destOrd="0" parTransId="{8E16539E-0194-49D2-981E-0C6A10680EC5}" sibTransId="{57AEDA46-B984-4382-861E-96642AAF9368}"/>
-    <dgm:cxn modelId="{246BD9EC-6B92-438F-86B8-D8D0D03D64BE}" type="presOf" srcId="{8DF6ED0F-DE87-46D4-879E-9374096ABB08}" destId="{5FD666D0-EC3C-4BC7-A63E-D7E629C66328}" srcOrd="0" destOrd="0" presId="urn:microsoft.com/office/officeart/2005/8/layout/vList2"/>
-    <dgm:cxn modelId="{E39E71BA-653F-4003-818F-9CEB41B63357}" type="presParOf" srcId="{293CCF61-E8E0-4A99-9621-59652C45DA27}" destId="{5FD666D0-EC3C-4BC7-A63E-D7E629C66328}" srcOrd="0" destOrd="0" presId="urn:microsoft.com/office/officeart/2005/8/layout/vList2"/>
-    <dgm:cxn modelId="{B757FF63-C84D-41B5-87CB-03F6FE1C9B6C}" type="presParOf" srcId="{293CCF61-E8E0-4A99-9621-59652C45DA27}" destId="{73DB135B-348D-4E67-A6FD-0A69412EEF75}" srcOrd="1" destOrd="0" presId="urn:microsoft.com/office/officeart/2005/8/layout/vList2"/>
-    <dgm:cxn modelId="{3A936563-3040-4726-AAF5-D0BBBDCB4088}" type="presParOf" srcId="{293CCF61-E8E0-4A99-9621-59652C45DA27}" destId="{D75DAFB4-5F2E-4145-AA4E-321533BC7D2A}" srcOrd="2" destOrd="0" presId="urn:microsoft.com/office/officeart/2005/8/layout/vList2"/>
-    <dgm:cxn modelId="{8EB2D258-3B9B-46EE-B886-164296AED651}" type="presParOf" srcId="{293CCF61-E8E0-4A99-9621-59652C45DA27}" destId="{AB9A44A8-FBD1-4528-8894-C831D2A92DD1}" srcOrd="3" destOrd="0" presId="urn:microsoft.com/office/officeart/2005/8/layout/vList2"/>
-    <dgm:cxn modelId="{94579A1E-9B28-4EE9-B027-97DA464F77E7}" type="presParOf" srcId="{293CCF61-E8E0-4A99-9621-59652C45DA27}" destId="{84E2BFA0-82B8-48BF-BD10-F5EA7E6AF337}" srcOrd="4" destOrd="0" presId="urn:microsoft.com/office/officeart/2005/8/layout/vList2"/>
-    <dgm:cxn modelId="{57F7752C-339D-4AC7-BBD1-7CB8CB1BA504}" type="presParOf" srcId="{293CCF61-E8E0-4A99-9621-59652C45DA27}" destId="{F12A755D-42C8-4F20-87B2-CABEEE4B5068}" srcOrd="5" destOrd="0" presId="urn:microsoft.com/office/officeart/2005/8/layout/vList2"/>
-    <dgm:cxn modelId="{162B33EC-0230-4B30-BF8B-435F5F0D26BA}" type="presParOf" srcId="{293CCF61-E8E0-4A99-9621-59652C45DA27}" destId="{BACEC919-3211-4286-B743-1A6ED6C40E0D}" srcOrd="6" destOrd="0" presId="urn:microsoft.com/office/officeart/2005/8/layout/vList2"/>
-    <dgm:cxn modelId="{A0C20A33-4016-4086-A633-FC298AC746D6}" type="presParOf" srcId="{293CCF61-E8E0-4A99-9621-59652C45DA27}" destId="{843AE70F-B3AB-4458-B901-CF098D6220AC}" srcOrd="7" destOrd="0" presId="urn:microsoft.com/office/officeart/2005/8/layout/vList2"/>
-    <dgm:cxn modelId="{1D600412-065A-4700-91B9-FC8234355D2D}" type="presParOf" srcId="{293CCF61-E8E0-4A99-9621-59652C45DA27}" destId="{153D44D9-72A9-404A-AF29-C0DA80DE29F8}" srcOrd="8" destOrd="0" presId="urn:microsoft.com/office/officeart/2005/8/layout/vList2"/>
-    <dgm:cxn modelId="{0175B6AA-91A8-4615-923D-4124C948ACBE}" type="presParOf" srcId="{293CCF61-E8E0-4A99-9621-59652C45DA27}" destId="{21137623-DBA9-40F6-889C-A8955C074367}" srcOrd="9" destOrd="0" presId="urn:microsoft.com/office/officeart/2005/8/layout/vList2"/>
-    <dgm:cxn modelId="{A69BB064-A622-45DC-B12C-8B8751A78160}" type="presParOf" srcId="{293CCF61-E8E0-4A99-9621-59652C45DA27}" destId="{48AF2B30-5D22-49E3-AD11-17FCB0675A1A}" srcOrd="10" destOrd="0" presId="urn:microsoft.com/office/officeart/2005/8/layout/vList2"/>
+    <dgm:cxn modelId="{B8AECAE4-8CE5-438E-9587-84E9C9C46611}" type="presOf" srcId="{4FA73841-1F06-4AB3-A216-21598BC5E637}" destId="{B8DCF5E3-CB46-49C0-AE46-0737959C507C}" srcOrd="0" destOrd="0" presId="urn:microsoft.com/office/officeart/2008/layout/LinedList"/>
+    <dgm:cxn modelId="{8D7A64E7-8BAF-47D2-BE52-CC696BF494F6}" type="presParOf" srcId="{B8DCF5E3-CB46-49C0-AE46-0737959C507C}" destId="{555F7E22-3306-4872-9673-94A1E8D073A2}" srcOrd="0" destOrd="0" presId="urn:microsoft.com/office/officeart/2008/layout/LinedList"/>
+    <dgm:cxn modelId="{AFC49806-D5AB-4770-B121-96706D5AE843}" type="presParOf" srcId="{B8DCF5E3-CB46-49C0-AE46-0737959C507C}" destId="{2E1436D5-B5F0-480D-AF73-B0D0DDF8A731}" srcOrd="1" destOrd="0" presId="urn:microsoft.com/office/officeart/2008/layout/LinedList"/>
+    <dgm:cxn modelId="{8B2BC409-DD45-413F-869D-1062AEE7E661}" type="presParOf" srcId="{2E1436D5-B5F0-480D-AF73-B0D0DDF8A731}" destId="{EE737420-48BC-4764-A7DB-89D9EFD1A516}" srcOrd="0" destOrd="0" presId="urn:microsoft.com/office/officeart/2008/layout/LinedList"/>
+    <dgm:cxn modelId="{46624239-6479-419F-97E7-50DD5241347E}" type="presParOf" srcId="{2E1436D5-B5F0-480D-AF73-B0D0DDF8A731}" destId="{82301616-7FB5-407E-8737-4C6D008E156E}" srcOrd="1" destOrd="0" presId="urn:microsoft.com/office/officeart/2008/layout/LinedList"/>
+    <dgm:cxn modelId="{DBE0CF8B-91AB-49F8-B555-B98F05D006C6}" type="presParOf" srcId="{B8DCF5E3-CB46-49C0-AE46-0737959C507C}" destId="{685EFC9F-09B5-412D-A099-27ECCEBC68E7}" srcOrd="2" destOrd="0" presId="urn:microsoft.com/office/officeart/2008/layout/LinedList"/>
+    <dgm:cxn modelId="{192A7345-1B0C-4E88-BD5A-980842EC96A5}" type="presParOf" srcId="{B8DCF5E3-CB46-49C0-AE46-0737959C507C}" destId="{2718231A-8349-4613-96DC-DBD5A76A6002}" srcOrd="3" destOrd="0" presId="urn:microsoft.com/office/officeart/2008/layout/LinedList"/>
+    <dgm:cxn modelId="{77A6A58E-ABBB-41DB-B527-99E518294398}" type="presParOf" srcId="{2718231A-8349-4613-96DC-DBD5A76A6002}" destId="{71087D26-FFC6-485A-8905-0E2F7E464B0A}" srcOrd="0" destOrd="0" presId="urn:microsoft.com/office/officeart/2008/layout/LinedList"/>
+    <dgm:cxn modelId="{B0CA4CE5-3EF1-4A1C-A611-6B32840B32F7}" type="presParOf" srcId="{2718231A-8349-4613-96DC-DBD5A76A6002}" destId="{B40EFC92-2843-4153-995E-0BFC086BF346}" srcOrd="1" destOrd="0" presId="urn:microsoft.com/office/officeart/2008/layout/LinedList"/>
+    <dgm:cxn modelId="{CDC37D22-2AE3-405E-8EF8-4204AFC8B8C5}" type="presParOf" srcId="{B8DCF5E3-CB46-49C0-AE46-0737959C507C}" destId="{DD9243E3-8900-466E-AB97-5AC1954A92FD}" srcOrd="4" destOrd="0" presId="urn:microsoft.com/office/officeart/2008/layout/LinedList"/>
+    <dgm:cxn modelId="{4A902239-2322-4140-862C-ADE9D19167C3}" type="presParOf" srcId="{B8DCF5E3-CB46-49C0-AE46-0737959C507C}" destId="{0A8646C3-5FF5-4041-98EA-A041D9A61329}" srcOrd="5" destOrd="0" presId="urn:microsoft.com/office/officeart/2008/layout/LinedList"/>
+    <dgm:cxn modelId="{52DF369E-297F-4A36-8586-80AD6D9ACA50}" type="presParOf" srcId="{0A8646C3-5FF5-4041-98EA-A041D9A61329}" destId="{CA7CA6E4-9F4F-47CE-92EE-364E3208BBF5}" srcOrd="0" destOrd="0" presId="urn:microsoft.com/office/officeart/2008/layout/LinedList"/>
+    <dgm:cxn modelId="{3794AE37-BF8C-459A-86AE-14C2BFF4B7C8}" type="presParOf" srcId="{0A8646C3-5FF5-4041-98EA-A041D9A61329}" destId="{86A258CB-9C35-4C5B-9A57-79F8F1C12C88}" srcOrd="1" destOrd="0" presId="urn:microsoft.com/office/officeart/2008/layout/LinedList"/>
+    <dgm:cxn modelId="{28FCF918-7758-4046-BCF5-9DA631D16C47}" type="presParOf" srcId="{B8DCF5E3-CB46-49C0-AE46-0737959C507C}" destId="{3DC365B4-5B86-433B-A509-1C9F8A267C96}" srcOrd="6" destOrd="0" presId="urn:microsoft.com/office/officeart/2008/layout/LinedList"/>
+    <dgm:cxn modelId="{59FCD1C6-780F-4E1C-B391-FE3B326C342B}" type="presParOf" srcId="{B8DCF5E3-CB46-49C0-AE46-0737959C507C}" destId="{3EFB9D2F-4DEF-4B54-8F61-13855F95BC10}" srcOrd="7" destOrd="0" presId="urn:microsoft.com/office/officeart/2008/layout/LinedList"/>
+    <dgm:cxn modelId="{97AAB4EF-E032-439D-AAC8-7BA83E596C20}" type="presParOf" srcId="{3EFB9D2F-4DEF-4B54-8F61-13855F95BC10}" destId="{BF1F53F0-8E24-4FC7-AD79-F97A3BA33250}" srcOrd="0" destOrd="0" presId="urn:microsoft.com/office/officeart/2008/layout/LinedList"/>
+    <dgm:cxn modelId="{B8E5973C-36CA-4EE1-A4AC-ADD38B82456B}" type="presParOf" srcId="{3EFB9D2F-4DEF-4B54-8F61-13855F95BC10}" destId="{90EA5C00-B963-4E07-8820-4452366B103C}" srcOrd="1" destOrd="0" presId="urn:microsoft.com/office/officeart/2008/layout/LinedList"/>
+    <dgm:cxn modelId="{7111F176-F38A-4908-8FED-E55968AACAA0}" type="presParOf" srcId="{B8DCF5E3-CB46-49C0-AE46-0737959C507C}" destId="{9F723E61-C56C-49C3-8D49-D2A44769ACD2}" srcOrd="8" destOrd="0" presId="urn:microsoft.com/office/officeart/2008/layout/LinedList"/>
+    <dgm:cxn modelId="{92E3719F-5AC1-4102-BF1E-CC378BC79313}" type="presParOf" srcId="{B8DCF5E3-CB46-49C0-AE46-0737959C507C}" destId="{CDD2616D-E193-4EB6-8C73-C5C5E57B587C}" srcOrd="9" destOrd="0" presId="urn:microsoft.com/office/officeart/2008/layout/LinedList"/>
+    <dgm:cxn modelId="{6A7293F0-FC16-4751-B7F5-CDEB99BD9D2A}" type="presParOf" srcId="{CDD2616D-E193-4EB6-8C73-C5C5E57B587C}" destId="{CDB2F800-70BD-4B37-9294-8673F31A2907}" srcOrd="0" destOrd="0" presId="urn:microsoft.com/office/officeart/2008/layout/LinedList"/>
+    <dgm:cxn modelId="{636C3258-C1A2-48BF-B2EE-1E14B5F69C61}" type="presParOf" srcId="{CDD2616D-E193-4EB6-8C73-C5C5E57B587C}" destId="{A1612382-D9F1-42B0-AD59-1D7900127F4F}" srcOrd="1" destOrd="0" presId="urn:microsoft.com/office/officeart/2008/layout/LinedList"/>
+    <dgm:cxn modelId="{89F0FAAB-0AB8-4607-84C0-B5CF633A4C3A}" type="presParOf" srcId="{B8DCF5E3-CB46-49C0-AE46-0737959C507C}" destId="{06D34C8F-A25D-4A56-A0E7-4C4AD35EA918}" srcOrd="10" destOrd="0" presId="urn:microsoft.com/office/officeart/2008/layout/LinedList"/>
+    <dgm:cxn modelId="{B35FB7B5-B6A4-4B08-993E-74BF173CB937}" type="presParOf" srcId="{B8DCF5E3-CB46-49C0-AE46-0737959C507C}" destId="{61DB5226-9888-4201-822B-7303D8507DF2}" srcOrd="11" destOrd="0" presId="urn:microsoft.com/office/officeart/2008/layout/LinedList"/>
+    <dgm:cxn modelId="{6DD87CED-ED1B-4024-B562-6B70B232FDBA}" type="presParOf" srcId="{61DB5226-9888-4201-822B-7303D8507DF2}" destId="{61868617-A65D-49E7-B8A2-D4E751131E61}" srcOrd="0" destOrd="0" presId="urn:microsoft.com/office/officeart/2008/layout/LinedList"/>
+    <dgm:cxn modelId="{EFE837B9-4E33-4EC0-93C8-D646F40DC3A4}" type="presParOf" srcId="{61DB5226-9888-4201-822B-7303D8507DF2}" destId="{4A6DAB05-A4F1-4B0D-8DDC-AB490274E09D}" srcOrd="1" destOrd="0" presId="urn:microsoft.com/office/officeart/2008/layout/LinedList"/>
   </dgm:cxnLst>
   <dgm:bg/>
   <dgm:whole/>
@@ -4238,7 +4108,7 @@
 <dgm:dataModel xmlns:dgm="http://schemas.openxmlformats.org/drawingml/2006/diagram" xmlns:a="http://schemas.openxmlformats.org/drawingml/2006/main">
   <dgm:ptLst>
     <dgm:pt modelId="{CF25AA06-E1D3-44EB-B6CD-DD7CB6233EDF}" type="doc">
-      <dgm:prSet loTypeId="urn:microsoft.com/office/officeart/2016/7/layout/RepeatingBendingProcessNew" loCatId="process" qsTypeId="urn:microsoft.com/office/officeart/2005/8/quickstyle/simple1" qsCatId="simple" csTypeId="urn:microsoft.com/office/officeart/2005/8/colors/colorful1" csCatId="colorful" phldr="1"/>
+      <dgm:prSet loTypeId="urn:microsoft.com/office/officeart/2016/7/layout/RepeatingBendingProcessNew" loCatId="process" qsTypeId="urn:microsoft.com/office/officeart/2005/8/quickstyle/simple1" qsCatId="simple" csTypeId="urn:microsoft.com/office/officeart/2005/8/colors/colorful5" csCatId="colorful" phldr="1"/>
       <dgm:spPr/>
       <dgm:t>
         <a:bodyPr/>
@@ -4249,21 +4119,29 @@
       </dgm:t>
     </dgm:pt>
     <dgm:pt modelId="{08F6676A-16B8-4996-965C-7C84F30E4D86}">
-      <dgm:prSet custT="1"/>
-      <dgm:spPr>
-        <a:solidFill>
-          <a:schemeClr val="accent1">
-            <a:lumMod val="60000"/>
-            <a:lumOff val="40000"/>
-          </a:schemeClr>
-        </a:solidFill>
-      </dgm:spPr>
+      <dgm:prSet/>
+      <dgm:spPr/>
       <dgm:t>
         <a:bodyPr/>
         <a:lstStyle/>
         <a:p>
           <a:r>
-            <a:rPr lang="ko-KR" sz="1800" b="0" i="0" dirty="0">
+            <a:rPr lang="ko-KR" altLang="en-US" b="0" i="0" dirty="0">
+              <a:latin typeface="Malgun Gothic Semilight" panose="020B0502040204020203" pitchFamily="50" charset="-127"/>
+              <a:ea typeface="Malgun Gothic Semilight" panose="020B0502040204020203" pitchFamily="50" charset="-127"/>
+              <a:cs typeface="Malgun Gothic Semilight" panose="020B0502040204020203" pitchFamily="50" charset="-127"/>
+            </a:rPr>
+            <a:t>공공데이터</a:t>
+          </a:r>
+          <a:endParaRPr lang="en-US" altLang="ko-KR" b="0" i="0" dirty="0">
+            <a:latin typeface="Malgun Gothic Semilight" panose="020B0502040204020203" pitchFamily="50" charset="-127"/>
+            <a:ea typeface="Malgun Gothic Semilight" panose="020B0502040204020203" pitchFamily="50" charset="-127"/>
+            <a:cs typeface="Malgun Gothic Semilight" panose="020B0502040204020203" pitchFamily="50" charset="-127"/>
+          </a:endParaRPr>
+        </a:p>
+        <a:p>
+          <a:r>
+            <a:rPr lang="ko-KR" b="0" i="0" dirty="0">
               <a:latin typeface="Malgun Gothic Semilight" panose="020B0502040204020203" pitchFamily="50" charset="-127"/>
               <a:ea typeface="Malgun Gothic Semilight" panose="020B0502040204020203" pitchFamily="50" charset="-127"/>
               <a:cs typeface="Malgun Gothic Semilight" panose="020B0502040204020203" pitchFamily="50" charset="-127"/>
@@ -4271,14 +4149,14 @@
             <a:t>데이터 </a:t>
           </a:r>
           <a:r>
-            <a:rPr lang="ko-KR" sz="1800" b="0" i="0" dirty="0" err="1">
+            <a:rPr lang="ko-KR" b="0" i="0" dirty="0" err="1">
               <a:latin typeface="Malgun Gothic Semilight" panose="020B0502040204020203" pitchFamily="50" charset="-127"/>
               <a:ea typeface="Malgun Gothic Semilight" panose="020B0502040204020203" pitchFamily="50" charset="-127"/>
               <a:cs typeface="Malgun Gothic Semilight" panose="020B0502040204020203" pitchFamily="50" charset="-127"/>
             </a:rPr>
             <a:t>전처리</a:t>
           </a:r>
-          <a:endParaRPr lang="en-US" sz="1800" dirty="0">
+          <a:endParaRPr lang="en-US" dirty="0">
             <a:latin typeface="Malgun Gothic Semilight" panose="020B0502040204020203" pitchFamily="50" charset="-127"/>
             <a:ea typeface="Malgun Gothic Semilight" panose="020B0502040204020203" pitchFamily="50" charset="-127"/>
             <a:cs typeface="Malgun Gothic Semilight" panose="020B0502040204020203" pitchFamily="50" charset="-127"/>
@@ -4302,13 +4180,13 @@
       </dgm:t>
     </dgm:pt>
     <dgm:pt modelId="{F8DC08E6-D033-4FC0-9024-9551EB08F9A0}" type="sibTrans" cxnId="{92DB7B3E-C0B3-42A3-8663-3F39EA2632EE}">
-      <dgm:prSet custT="1"/>
+      <dgm:prSet/>
       <dgm:spPr/>
       <dgm:t>
         <a:bodyPr/>
         <a:lstStyle/>
         <a:p>
-          <a:endParaRPr lang="en-US" sz="1800">
+          <a:endParaRPr lang="en-US">
             <a:latin typeface="Malgun Gothic Semilight" panose="020B0502040204020203" pitchFamily="50" charset="-127"/>
             <a:ea typeface="Malgun Gothic Semilight" panose="020B0502040204020203" pitchFamily="50" charset="-127"/>
             <a:cs typeface="Malgun Gothic Semilight" panose="020B0502040204020203" pitchFamily="50" charset="-127"/>
@@ -4317,29 +4195,38 @@
       </dgm:t>
     </dgm:pt>
     <dgm:pt modelId="{58675835-54A6-492B-891C-FD53FFA3BE33}">
-      <dgm:prSet custT="1"/>
-      <dgm:spPr>
-        <a:solidFill>
-          <a:schemeClr val="accent1">
-            <a:lumMod val="60000"/>
-            <a:lumOff val="40000"/>
-          </a:schemeClr>
-        </a:solidFill>
-      </dgm:spPr>
+      <dgm:prSet/>
+      <dgm:spPr/>
       <dgm:t>
         <a:bodyPr/>
         <a:lstStyle/>
         <a:p>
           <a:r>
-            <a:rPr lang="ko-KR" sz="1800" b="0" i="0">
+            <a:rPr lang="ko-KR" b="0" i="0" dirty="0">
               <a:latin typeface="Malgun Gothic Semilight" panose="020B0502040204020203" pitchFamily="50" charset="-127"/>
               <a:ea typeface="Malgun Gothic Semilight" panose="020B0502040204020203" pitchFamily="50" charset="-127"/>
               <a:cs typeface="Malgun Gothic Semilight" panose="020B0502040204020203" pitchFamily="50" charset="-127"/>
             </a:rPr>
-            <a:t>공공데이터 지역코드 전처리 후 </a:t>
+            <a:t>공공데이터 지역코드 </a:t>
           </a:r>
           <a:r>
-            <a:rPr lang="en-US" sz="1800" b="0" i="0">
+            <a:rPr lang="ko-KR" b="0" i="0" dirty="0" err="1">
+              <a:latin typeface="Malgun Gothic Semilight" panose="020B0502040204020203" pitchFamily="50" charset="-127"/>
+              <a:ea typeface="Malgun Gothic Semilight" panose="020B0502040204020203" pitchFamily="50" charset="-127"/>
+              <a:cs typeface="Malgun Gothic Semilight" panose="020B0502040204020203" pitchFamily="50" charset="-127"/>
+            </a:rPr>
+            <a:t>전처리</a:t>
+          </a:r>
+          <a:r>
+            <a:rPr lang="ko-KR" b="0" i="0" dirty="0">
+              <a:latin typeface="Malgun Gothic Semilight" panose="020B0502040204020203" pitchFamily="50" charset="-127"/>
+              <a:ea typeface="Malgun Gothic Semilight" panose="020B0502040204020203" pitchFamily="50" charset="-127"/>
+              <a:cs typeface="Malgun Gothic Semilight" panose="020B0502040204020203" pitchFamily="50" charset="-127"/>
+            </a:rPr>
+            <a:t> 후 </a:t>
+          </a:r>
+          <a:r>
+            <a:rPr lang="en-US" b="0" i="0" dirty="0">
               <a:latin typeface="Malgun Gothic Semilight" panose="020B0502040204020203" pitchFamily="50" charset="-127"/>
               <a:ea typeface="Malgun Gothic Semilight" panose="020B0502040204020203" pitchFamily="50" charset="-127"/>
               <a:cs typeface="Malgun Gothic Semilight" panose="020B0502040204020203" pitchFamily="50" charset="-127"/>
@@ -4347,14 +4234,14 @@
             <a:t>MySQL </a:t>
           </a:r>
           <a:r>
-            <a:rPr lang="ko-KR" sz="1800" b="0" i="0">
+            <a:rPr lang="ko-KR" b="0" i="0" dirty="0">
               <a:latin typeface="Malgun Gothic Semilight" panose="020B0502040204020203" pitchFamily="50" charset="-127"/>
               <a:ea typeface="Malgun Gothic Semilight" panose="020B0502040204020203" pitchFamily="50" charset="-127"/>
               <a:cs typeface="Malgun Gothic Semilight" panose="020B0502040204020203" pitchFamily="50" charset="-127"/>
             </a:rPr>
             <a:t>지역테이블 생성</a:t>
           </a:r>
-          <a:endParaRPr lang="en-US" sz="1800">
+          <a:endParaRPr lang="en-US" dirty="0">
             <a:latin typeface="Malgun Gothic Semilight" panose="020B0502040204020203" pitchFamily="50" charset="-127"/>
             <a:ea typeface="Malgun Gothic Semilight" panose="020B0502040204020203" pitchFamily="50" charset="-127"/>
             <a:cs typeface="Malgun Gothic Semilight" panose="020B0502040204020203" pitchFamily="50" charset="-127"/>
@@ -4378,13 +4265,13 @@
       </dgm:t>
     </dgm:pt>
     <dgm:pt modelId="{C718AEA3-4B8E-472F-8496-7C6DEA445DA0}" type="sibTrans" cxnId="{A93F8026-0A2E-4333-90D0-757B769C4C75}">
-      <dgm:prSet custT="1"/>
+      <dgm:prSet/>
       <dgm:spPr/>
       <dgm:t>
         <a:bodyPr/>
         <a:lstStyle/>
         <a:p>
-          <a:endParaRPr lang="en-US" sz="1800">
+          <a:endParaRPr lang="en-US">
             <a:latin typeface="Malgun Gothic Semilight" panose="020B0502040204020203" pitchFamily="50" charset="-127"/>
             <a:ea typeface="Malgun Gothic Semilight" panose="020B0502040204020203" pitchFamily="50" charset="-127"/>
             <a:cs typeface="Malgun Gothic Semilight" panose="020B0502040204020203" pitchFamily="50" charset="-127"/>
@@ -4393,28 +4280,21 @@
       </dgm:t>
     </dgm:pt>
     <dgm:pt modelId="{B4A5715A-8660-427E-BCC3-8946B7DE3075}">
-      <dgm:prSet custT="1"/>
-      <dgm:spPr>
-        <a:solidFill>
-          <a:schemeClr val="accent1">
-            <a:lumMod val="60000"/>
-            <a:lumOff val="40000"/>
-          </a:schemeClr>
-        </a:solidFill>
-      </dgm:spPr>
+      <dgm:prSet/>
+      <dgm:spPr/>
       <dgm:t>
         <a:bodyPr/>
         <a:lstStyle/>
         <a:p>
           <a:r>
-            <a:rPr lang="ko-KR" sz="1800" b="0" i="0">
+            <a:rPr lang="ko-KR" b="0" i="0" dirty="0">
               <a:latin typeface="Malgun Gothic Semilight" panose="020B0502040204020203" pitchFamily="50" charset="-127"/>
               <a:ea typeface="Malgun Gothic Semilight" panose="020B0502040204020203" pitchFamily="50" charset="-127"/>
               <a:cs typeface="Malgun Gothic Semilight" panose="020B0502040204020203" pitchFamily="50" charset="-127"/>
             </a:rPr>
-            <a:t>지도 시각화</a:t>
+            <a:t>교통사고 데이터와 지역코드 연결하여 지도에 매핑</a:t>
           </a:r>
-          <a:endParaRPr lang="en-US" sz="1800">
+          <a:endParaRPr lang="en-US" dirty="0">
             <a:latin typeface="Malgun Gothic Semilight" panose="020B0502040204020203" pitchFamily="50" charset="-127"/>
             <a:ea typeface="Malgun Gothic Semilight" panose="020B0502040204020203" pitchFamily="50" charset="-127"/>
             <a:cs typeface="Malgun Gothic Semilight" panose="020B0502040204020203" pitchFamily="50" charset="-127"/>
@@ -4438,13 +4318,13 @@
       </dgm:t>
     </dgm:pt>
     <dgm:pt modelId="{C8AAC224-8972-4AE3-93C1-34FFD2FF488D}" type="sibTrans" cxnId="{8910ABDE-5AC7-410A-9367-064EB32BE060}">
-      <dgm:prSet custT="1"/>
+      <dgm:prSet/>
       <dgm:spPr/>
       <dgm:t>
         <a:bodyPr/>
         <a:lstStyle/>
         <a:p>
-          <a:endParaRPr lang="en-US" sz="1800">
+          <a:endParaRPr lang="en-US">
             <a:latin typeface="Malgun Gothic Semilight" panose="020B0502040204020203" pitchFamily="50" charset="-127"/>
             <a:ea typeface="Malgun Gothic Semilight" panose="020B0502040204020203" pitchFamily="50" charset="-127"/>
             <a:cs typeface="Malgun Gothic Semilight" panose="020B0502040204020203" pitchFamily="50" charset="-127"/>
@@ -4453,28 +4333,21 @@
       </dgm:t>
     </dgm:pt>
     <dgm:pt modelId="{93FE500F-924B-4448-BBE6-D456C6567474}">
-      <dgm:prSet custT="1"/>
-      <dgm:spPr>
-        <a:solidFill>
-          <a:schemeClr val="accent1">
-            <a:lumMod val="60000"/>
-            <a:lumOff val="40000"/>
-          </a:schemeClr>
-        </a:solidFill>
-      </dgm:spPr>
+      <dgm:prSet/>
+      <dgm:spPr/>
       <dgm:t>
         <a:bodyPr/>
         <a:lstStyle/>
         <a:p>
           <a:r>
-            <a:rPr lang="ko-KR" sz="1800" b="0" i="0">
+            <a:rPr lang="ko-KR" altLang="en-US" b="0" i="0">
               <a:latin typeface="Malgun Gothic Semilight" panose="020B0502040204020203" pitchFamily="50" charset="-127"/>
               <a:ea typeface="Malgun Gothic Semilight" panose="020B0502040204020203" pitchFamily="50" charset="-127"/>
               <a:cs typeface="Malgun Gothic Semilight" panose="020B0502040204020203" pitchFamily="50" charset="-127"/>
             </a:rPr>
-            <a:t>교통사고 데이터와 지역코드 연결하여 지도에 매핑</a:t>
+            <a:t>지도 시각화</a:t>
           </a:r>
-          <a:endParaRPr lang="en-US" sz="1800">
+          <a:endParaRPr lang="en-US" dirty="0">
             <a:latin typeface="Malgun Gothic Semilight" panose="020B0502040204020203" pitchFamily="50" charset="-127"/>
             <a:ea typeface="Malgun Gothic Semilight" panose="020B0502040204020203" pitchFamily="50" charset="-127"/>
             <a:cs typeface="Malgun Gothic Semilight" panose="020B0502040204020203" pitchFamily="50" charset="-127"/>
@@ -4498,13 +4371,13 @@
       </dgm:t>
     </dgm:pt>
     <dgm:pt modelId="{D46040D0-442D-40B2-850C-F44CA7CF7E9D}" type="sibTrans" cxnId="{3F8DA38F-66F2-4D74-9830-CBAA1EC5E19C}">
-      <dgm:prSet custT="1"/>
+      <dgm:prSet/>
       <dgm:spPr/>
       <dgm:t>
         <a:bodyPr/>
         <a:lstStyle/>
         <a:p>
-          <a:endParaRPr lang="en-US" sz="1800">
+          <a:endParaRPr lang="en-US">
             <a:latin typeface="Malgun Gothic Semilight" panose="020B0502040204020203" pitchFamily="50" charset="-127"/>
             <a:ea typeface="Malgun Gothic Semilight" panose="020B0502040204020203" pitchFamily="50" charset="-127"/>
             <a:cs typeface="Malgun Gothic Semilight" panose="020B0502040204020203" pitchFamily="50" charset="-127"/>
@@ -4513,28 +4386,21 @@
       </dgm:t>
     </dgm:pt>
     <dgm:pt modelId="{6B5DBB10-E23F-4352-8BB7-C832720544E3}">
-      <dgm:prSet custT="1"/>
-      <dgm:spPr>
-        <a:solidFill>
-          <a:schemeClr val="accent1">
-            <a:lumMod val="60000"/>
-            <a:lumOff val="40000"/>
-          </a:schemeClr>
-        </a:solidFill>
-      </dgm:spPr>
+      <dgm:prSet/>
+      <dgm:spPr/>
       <dgm:t>
         <a:bodyPr/>
         <a:lstStyle/>
         <a:p>
           <a:r>
-            <a:rPr lang="ko-KR" sz="1800" b="0" i="0">
+            <a:rPr lang="ko-KR" b="0" i="0">
               <a:latin typeface="Malgun Gothic Semilight" panose="020B0502040204020203" pitchFamily="50" charset="-127"/>
               <a:ea typeface="Malgun Gothic Semilight" panose="020B0502040204020203" pitchFamily="50" charset="-127"/>
               <a:cs typeface="Malgun Gothic Semilight" panose="020B0502040204020203" pitchFamily="50" charset="-127"/>
             </a:rPr>
             <a:t>뉴스 크롤링</a:t>
           </a:r>
-          <a:endParaRPr lang="en-US" sz="1800">
+          <a:endParaRPr lang="en-US">
             <a:latin typeface="Malgun Gothic Semilight" panose="020B0502040204020203" pitchFamily="50" charset="-127"/>
             <a:ea typeface="Malgun Gothic Semilight" panose="020B0502040204020203" pitchFamily="50" charset="-127"/>
             <a:cs typeface="Malgun Gothic Semilight" panose="020B0502040204020203" pitchFamily="50" charset="-127"/>
@@ -4558,13 +4424,13 @@
       </dgm:t>
     </dgm:pt>
     <dgm:pt modelId="{5923A8E0-F0F3-46A5-84BC-4AAA573950C6}" type="sibTrans" cxnId="{EF355A6C-059C-4770-8BA1-C562420E28A4}">
-      <dgm:prSet custT="1"/>
+      <dgm:prSet/>
       <dgm:spPr/>
       <dgm:t>
         <a:bodyPr/>
         <a:lstStyle/>
         <a:p>
-          <a:endParaRPr lang="en-US" sz="1800">
+          <a:endParaRPr lang="en-US">
             <a:latin typeface="Malgun Gothic Semilight" panose="020B0502040204020203" pitchFamily="50" charset="-127"/>
             <a:ea typeface="Malgun Gothic Semilight" panose="020B0502040204020203" pitchFamily="50" charset="-127"/>
             <a:cs typeface="Malgun Gothic Semilight" panose="020B0502040204020203" pitchFamily="50" charset="-127"/>
@@ -4573,21 +4439,14 @@
       </dgm:t>
     </dgm:pt>
     <dgm:pt modelId="{F4E1F8FE-0782-461C-81CF-A38A3A3A463E}">
-      <dgm:prSet custT="1"/>
-      <dgm:spPr>
-        <a:solidFill>
-          <a:schemeClr val="accent1">
-            <a:lumMod val="60000"/>
-            <a:lumOff val="40000"/>
-          </a:schemeClr>
-        </a:solidFill>
-      </dgm:spPr>
+      <dgm:prSet/>
+      <dgm:spPr/>
       <dgm:t>
         <a:bodyPr/>
         <a:lstStyle/>
         <a:p>
           <a:r>
-            <a:rPr lang="ko-KR" sz="1800" b="0" i="0">
+            <a:rPr lang="ko-KR" b="0" i="0">
               <a:latin typeface="Malgun Gothic Semilight" panose="020B0502040204020203" pitchFamily="50" charset="-127"/>
               <a:ea typeface="Malgun Gothic Semilight" panose="020B0502040204020203" pitchFamily="50" charset="-127"/>
               <a:cs typeface="Malgun Gothic Semilight" panose="020B0502040204020203" pitchFamily="50" charset="-127"/>
@@ -4595,7 +4454,7 @@
             <a:t>선택된 지역명과 </a:t>
           </a:r>
           <a:r>
-            <a:rPr lang="en-US" sz="1800" b="0" i="0">
+            <a:rPr lang="en-US" b="0" i="0">
               <a:latin typeface="Malgun Gothic Semilight" panose="020B0502040204020203" pitchFamily="50" charset="-127"/>
               <a:ea typeface="Malgun Gothic Semilight" panose="020B0502040204020203" pitchFamily="50" charset="-127"/>
               <a:cs typeface="Malgun Gothic Semilight" panose="020B0502040204020203" pitchFamily="50" charset="-127"/>
@@ -4603,7 +4462,7 @@
             <a:t>'</a:t>
           </a:r>
           <a:r>
-            <a:rPr lang="ko-KR" sz="1800" b="0" i="0">
+            <a:rPr lang="ko-KR" b="0" i="0">
               <a:latin typeface="Malgun Gothic Semilight" panose="020B0502040204020203" pitchFamily="50" charset="-127"/>
               <a:ea typeface="Malgun Gothic Semilight" panose="020B0502040204020203" pitchFamily="50" charset="-127"/>
               <a:cs typeface="Malgun Gothic Semilight" panose="020B0502040204020203" pitchFamily="50" charset="-127"/>
@@ -4611,7 +4470,7 @@
             <a:t>교통사고</a:t>
           </a:r>
           <a:r>
-            <a:rPr lang="en-US" sz="1800" b="0" i="0">
+            <a:rPr lang="en-US" b="0" i="0">
               <a:latin typeface="Malgun Gothic Semilight" panose="020B0502040204020203" pitchFamily="50" charset="-127"/>
               <a:ea typeface="Malgun Gothic Semilight" panose="020B0502040204020203" pitchFamily="50" charset="-127"/>
               <a:cs typeface="Malgun Gothic Semilight" panose="020B0502040204020203" pitchFamily="50" charset="-127"/>
@@ -4619,14 +4478,14 @@
             <a:t>' </a:t>
           </a:r>
           <a:r>
-            <a:rPr lang="ko-KR" sz="1800" b="0" i="0">
+            <a:rPr lang="ko-KR" b="0" i="0">
               <a:latin typeface="Malgun Gothic Semilight" panose="020B0502040204020203" pitchFamily="50" charset="-127"/>
               <a:ea typeface="Malgun Gothic Semilight" panose="020B0502040204020203" pitchFamily="50" charset="-127"/>
               <a:cs typeface="Malgun Gothic Semilight" panose="020B0502040204020203" pitchFamily="50" charset="-127"/>
             </a:rPr>
             <a:t>키워드로 네이버 뉴스 검색 및 저장</a:t>
           </a:r>
-          <a:endParaRPr lang="en-US" sz="1800">
+          <a:endParaRPr lang="en-US">
             <a:latin typeface="Malgun Gothic Semilight" panose="020B0502040204020203" pitchFamily="50" charset="-127"/>
             <a:ea typeface="Malgun Gothic Semilight" panose="020B0502040204020203" pitchFamily="50" charset="-127"/>
             <a:cs typeface="Malgun Gothic Semilight" panose="020B0502040204020203" pitchFamily="50" charset="-127"/>
@@ -4650,13 +4509,13 @@
       </dgm:t>
     </dgm:pt>
     <dgm:pt modelId="{B744D887-29EA-4382-994C-08F6177AEC25}" type="sibTrans" cxnId="{E45AEA35-D141-4FDD-95AB-118241AD25C5}">
-      <dgm:prSet custT="1"/>
+      <dgm:prSet/>
       <dgm:spPr/>
       <dgm:t>
         <a:bodyPr/>
         <a:lstStyle/>
         <a:p>
-          <a:endParaRPr lang="en-US" sz="1800">
+          <a:endParaRPr lang="en-US">
             <a:latin typeface="Malgun Gothic Semilight" panose="020B0502040204020203" pitchFamily="50" charset="-127"/>
             <a:ea typeface="Malgun Gothic Semilight" panose="020B0502040204020203" pitchFamily="50" charset="-127"/>
             <a:cs typeface="Malgun Gothic Semilight" panose="020B0502040204020203" pitchFamily="50" charset="-127"/>
@@ -4665,21 +4524,14 @@
       </dgm:t>
     </dgm:pt>
     <dgm:pt modelId="{25BBE17E-8B9A-47AE-B15A-C0C510CF6DE3}">
-      <dgm:prSet custT="1"/>
-      <dgm:spPr>
-        <a:solidFill>
-          <a:schemeClr val="accent1">
-            <a:lumMod val="60000"/>
-            <a:lumOff val="40000"/>
-          </a:schemeClr>
-        </a:solidFill>
-      </dgm:spPr>
+      <dgm:prSet/>
+      <dgm:spPr/>
       <dgm:t>
         <a:bodyPr/>
         <a:lstStyle/>
         <a:p>
           <a:r>
-            <a:rPr lang="en-US" sz="1800" b="0" i="0">
+            <a:rPr lang="en-US" b="0" i="0">
               <a:latin typeface="Malgun Gothic Semilight" panose="020B0502040204020203" pitchFamily="50" charset="-127"/>
               <a:ea typeface="Malgun Gothic Semilight" panose="020B0502040204020203" pitchFamily="50" charset="-127"/>
               <a:cs typeface="Malgun Gothic Semilight" panose="020B0502040204020203" pitchFamily="50" charset="-127"/>
@@ -4687,14 +4539,14 @@
             <a:t>AI </a:t>
           </a:r>
           <a:r>
-            <a:rPr lang="ko-KR" sz="1800" b="0" i="0">
+            <a:rPr lang="ko-KR" b="0" i="0">
               <a:latin typeface="Malgun Gothic Semilight" panose="020B0502040204020203" pitchFamily="50" charset="-127"/>
               <a:ea typeface="Malgun Gothic Semilight" panose="020B0502040204020203" pitchFamily="50" charset="-127"/>
               <a:cs typeface="Malgun Gothic Semilight" panose="020B0502040204020203" pitchFamily="50" charset="-127"/>
             </a:rPr>
             <a:t>요약</a:t>
           </a:r>
-          <a:endParaRPr lang="en-US" sz="1800">
+          <a:endParaRPr lang="en-US">
             <a:latin typeface="Malgun Gothic Semilight" panose="020B0502040204020203" pitchFamily="50" charset="-127"/>
             <a:ea typeface="Malgun Gothic Semilight" panose="020B0502040204020203" pitchFamily="50" charset="-127"/>
             <a:cs typeface="Malgun Gothic Semilight" panose="020B0502040204020203" pitchFamily="50" charset="-127"/>
@@ -4718,13 +4570,13 @@
       </dgm:t>
     </dgm:pt>
     <dgm:pt modelId="{D18E6593-E0A3-43CB-99C3-17F1926B5FED}" type="sibTrans" cxnId="{80839A50-790C-40C2-BBC8-4B87C60C1932}">
-      <dgm:prSet custT="1"/>
+      <dgm:prSet/>
       <dgm:spPr/>
       <dgm:t>
         <a:bodyPr/>
         <a:lstStyle/>
         <a:p>
-          <a:endParaRPr lang="en-US" sz="1800">
+          <a:endParaRPr lang="en-US">
             <a:latin typeface="Malgun Gothic Semilight" panose="020B0502040204020203" pitchFamily="50" charset="-127"/>
             <a:ea typeface="Malgun Gothic Semilight" panose="020B0502040204020203" pitchFamily="50" charset="-127"/>
             <a:cs typeface="Malgun Gothic Semilight" panose="020B0502040204020203" pitchFamily="50" charset="-127"/>
@@ -4733,21 +4585,14 @@
       </dgm:t>
     </dgm:pt>
     <dgm:pt modelId="{5411EBC8-88D4-4034-9A25-829F47B29A2F}">
-      <dgm:prSet custT="1"/>
-      <dgm:spPr>
-        <a:solidFill>
-          <a:schemeClr val="accent1">
-            <a:lumMod val="60000"/>
-            <a:lumOff val="40000"/>
-          </a:schemeClr>
-        </a:solidFill>
-      </dgm:spPr>
+      <dgm:prSet/>
+      <dgm:spPr/>
       <dgm:t>
         <a:bodyPr/>
         <a:lstStyle/>
         <a:p>
           <a:r>
-            <a:rPr lang="en-US" sz="1800" b="0" i="0">
+            <a:rPr lang="en-US" b="0" i="0">
               <a:latin typeface="Malgun Gothic Semilight" panose="020B0502040204020203" pitchFamily="50" charset="-127"/>
               <a:ea typeface="Malgun Gothic Semilight" panose="020B0502040204020203" pitchFamily="50" charset="-127"/>
               <a:cs typeface="Malgun Gothic Semilight" panose="020B0502040204020203" pitchFamily="50" charset="-127"/>
@@ -4755,14 +4600,14 @@
             <a:t>LLM </a:t>
           </a:r>
           <a:r>
-            <a:rPr lang="ko-KR" sz="1800" b="0" i="0">
+            <a:rPr lang="ko-KR" b="0" i="0">
               <a:latin typeface="Malgun Gothic Semilight" panose="020B0502040204020203" pitchFamily="50" charset="-127"/>
               <a:ea typeface="Malgun Gothic Semilight" panose="020B0502040204020203" pitchFamily="50" charset="-127"/>
               <a:cs typeface="Malgun Gothic Semilight" panose="020B0502040204020203" pitchFamily="50" charset="-127"/>
             </a:rPr>
             <a:t>모델을 활용한 뉴스 기사 요약 및 음성 변환</a:t>
           </a:r>
-          <a:endParaRPr lang="en-US" sz="1800">
+          <a:endParaRPr lang="en-US">
             <a:latin typeface="Malgun Gothic Semilight" panose="020B0502040204020203" pitchFamily="50" charset="-127"/>
             <a:ea typeface="Malgun Gothic Semilight" panose="020B0502040204020203" pitchFamily="50" charset="-127"/>
             <a:cs typeface="Malgun Gothic Semilight" panose="020B0502040204020203" pitchFamily="50" charset="-127"/>
@@ -4792,7 +4637,7 @@
         <a:bodyPr/>
         <a:lstStyle/>
         <a:p>
-          <a:endParaRPr lang="en-US" sz="1800">
+          <a:endParaRPr lang="en-US">
             <a:latin typeface="Malgun Gothic Semilight" panose="020B0502040204020203" pitchFamily="50" charset="-127"/>
             <a:ea typeface="Malgun Gothic Semilight" panose="020B0502040204020203" pitchFamily="50" charset="-127"/>
             <a:cs typeface="Malgun Gothic Semilight" panose="020B0502040204020203" pitchFamily="50" charset="-127"/>
@@ -4800,7 +4645,7 @@
         </a:p>
       </dgm:t>
     </dgm:pt>
-    <dgm:pt modelId="{BD8DBB17-DF08-436B-898D-E2C90ADDB7E9}" type="pres">
+    <dgm:pt modelId="{9B675E45-A826-4CE9-AC85-9FBFC5DB3558}" type="pres">
       <dgm:prSet presAssocID="{CF25AA06-E1D3-44EB-B6CD-DD7CB6233EDF}" presName="Name0" presStyleCnt="0">
         <dgm:presLayoutVars>
           <dgm:dir/>
@@ -4809,7 +4654,7 @@
       </dgm:prSet>
       <dgm:spPr/>
     </dgm:pt>
-    <dgm:pt modelId="{7CE2CC30-ED54-498F-A08A-39A08A775E48}" type="pres">
+    <dgm:pt modelId="{78822E08-0B45-468F-B5E4-534686D19A87}" type="pres">
       <dgm:prSet presAssocID="{08F6676A-16B8-4996-965C-7C84F30E4D86}" presName="node" presStyleLbl="node1" presStyleIdx="0" presStyleCnt="8">
         <dgm:presLayoutVars>
           <dgm:bulletEnabled val="1"/>
@@ -4817,15 +4662,15 @@
       </dgm:prSet>
       <dgm:spPr/>
     </dgm:pt>
-    <dgm:pt modelId="{6845C02D-2B4B-48AC-9CF5-61EBA48AC95D}" type="pres">
+    <dgm:pt modelId="{6C4C3296-8950-4CC0-9B85-0C5C573A1189}" type="pres">
       <dgm:prSet presAssocID="{F8DC08E6-D033-4FC0-9024-9551EB08F9A0}" presName="sibTrans" presStyleLbl="sibTrans1D1" presStyleIdx="0" presStyleCnt="7"/>
       <dgm:spPr/>
     </dgm:pt>
-    <dgm:pt modelId="{E77ABE03-9C20-4A86-A058-9E21E8BD6D55}" type="pres">
+    <dgm:pt modelId="{5FCC1F56-DA86-4539-8910-A734E963A088}" type="pres">
       <dgm:prSet presAssocID="{F8DC08E6-D033-4FC0-9024-9551EB08F9A0}" presName="connectorText" presStyleLbl="sibTrans1D1" presStyleIdx="0" presStyleCnt="7"/>
       <dgm:spPr/>
     </dgm:pt>
-    <dgm:pt modelId="{C9BB235A-3E04-4709-85F9-191C75806D9C}" type="pres">
+    <dgm:pt modelId="{72085849-71F1-4990-844F-4D8E9E606741}" type="pres">
       <dgm:prSet presAssocID="{58675835-54A6-492B-891C-FD53FFA3BE33}" presName="node" presStyleLbl="node1" presStyleIdx="1" presStyleCnt="8">
         <dgm:presLayoutVars>
           <dgm:bulletEnabled val="1"/>
@@ -4833,31 +4678,31 @@
       </dgm:prSet>
       <dgm:spPr/>
     </dgm:pt>
-    <dgm:pt modelId="{9D58B9FC-07D0-437C-B862-2003AD09FAFE}" type="pres">
+    <dgm:pt modelId="{535E5FFB-EB16-41E7-B278-10F2747EB4F6}" type="pres">
       <dgm:prSet presAssocID="{C718AEA3-4B8E-472F-8496-7C6DEA445DA0}" presName="sibTrans" presStyleLbl="sibTrans1D1" presStyleIdx="1" presStyleCnt="7"/>
       <dgm:spPr/>
     </dgm:pt>
-    <dgm:pt modelId="{5828EA89-2E2B-466B-B520-53B928C02451}" type="pres">
+    <dgm:pt modelId="{DCCA440D-BE90-46F8-9AF4-76C17AC97C8E}" type="pres">
       <dgm:prSet presAssocID="{C718AEA3-4B8E-472F-8496-7C6DEA445DA0}" presName="connectorText" presStyleLbl="sibTrans1D1" presStyleIdx="1" presStyleCnt="7"/>
       <dgm:spPr/>
     </dgm:pt>
-    <dgm:pt modelId="{B56A4F43-36F3-44E4-9F8C-B56378712F71}" type="pres">
-      <dgm:prSet presAssocID="{B4A5715A-8660-427E-BCC3-8946B7DE3075}" presName="node" presStyleLbl="node1" presStyleIdx="2" presStyleCnt="8">
+    <dgm:pt modelId="{8B28A891-CDA6-4E12-9642-D89AFDB80A1E}" type="pres">
+      <dgm:prSet presAssocID="{B4A5715A-8660-427E-BCC3-8946B7DE3075}" presName="node" presStyleLbl="node1" presStyleIdx="2" presStyleCnt="8" custLinFactNeighborX="-1255" custLinFactNeighborY="-697">
         <dgm:presLayoutVars>
           <dgm:bulletEnabled val="1"/>
         </dgm:presLayoutVars>
       </dgm:prSet>
       <dgm:spPr/>
     </dgm:pt>
-    <dgm:pt modelId="{A5B4E91D-2772-4622-B48E-4BD053049523}" type="pres">
+    <dgm:pt modelId="{F8C82E69-E18E-4507-B70C-018B92A38D7D}" type="pres">
       <dgm:prSet presAssocID="{C8AAC224-8972-4AE3-93C1-34FFD2FF488D}" presName="sibTrans" presStyleLbl="sibTrans1D1" presStyleIdx="2" presStyleCnt="7"/>
       <dgm:spPr/>
     </dgm:pt>
-    <dgm:pt modelId="{32C92006-282F-4561-8B37-2DCE99E57103}" type="pres">
+    <dgm:pt modelId="{78FF02A2-9C8F-4CED-96D5-14D3A25AD6A7}" type="pres">
       <dgm:prSet presAssocID="{C8AAC224-8972-4AE3-93C1-34FFD2FF488D}" presName="connectorText" presStyleLbl="sibTrans1D1" presStyleIdx="2" presStyleCnt="7"/>
       <dgm:spPr/>
     </dgm:pt>
-    <dgm:pt modelId="{2C5FC553-3EC2-4B91-BD9C-6075FB93CD57}" type="pres">
+    <dgm:pt modelId="{F1C9BADA-D24B-4C2F-AEB6-48AC63158E43}" type="pres">
       <dgm:prSet presAssocID="{93FE500F-924B-4448-BBE6-D456C6567474}" presName="node" presStyleLbl="node1" presStyleIdx="3" presStyleCnt="8">
         <dgm:presLayoutVars>
           <dgm:bulletEnabled val="1"/>
@@ -4865,15 +4710,15 @@
       </dgm:prSet>
       <dgm:spPr/>
     </dgm:pt>
-    <dgm:pt modelId="{4950B29E-C8D8-4185-8369-86584EF07BCE}" type="pres">
+    <dgm:pt modelId="{8C13196F-A6C0-4194-A1D2-C4F73B5ABC89}" type="pres">
       <dgm:prSet presAssocID="{D46040D0-442D-40B2-850C-F44CA7CF7E9D}" presName="sibTrans" presStyleLbl="sibTrans1D1" presStyleIdx="3" presStyleCnt="7"/>
       <dgm:spPr/>
     </dgm:pt>
-    <dgm:pt modelId="{033D992A-91B6-493E-866F-AD154708C1FA}" type="pres">
+    <dgm:pt modelId="{F0639597-1AEE-4A67-B4BF-EFE8EB967A01}" type="pres">
       <dgm:prSet presAssocID="{D46040D0-442D-40B2-850C-F44CA7CF7E9D}" presName="connectorText" presStyleLbl="sibTrans1D1" presStyleIdx="3" presStyleCnt="7"/>
       <dgm:spPr/>
     </dgm:pt>
-    <dgm:pt modelId="{9DCC8A2A-A637-4C0C-BA04-ACCB7A6B6E17}" type="pres">
+    <dgm:pt modelId="{EEB1C634-FA1E-4923-8A99-7CDD3E47F562}" type="pres">
       <dgm:prSet presAssocID="{6B5DBB10-E23F-4352-8BB7-C832720544E3}" presName="node" presStyleLbl="node1" presStyleIdx="4" presStyleCnt="8">
         <dgm:presLayoutVars>
           <dgm:bulletEnabled val="1"/>
@@ -4881,15 +4726,15 @@
       </dgm:prSet>
       <dgm:spPr/>
     </dgm:pt>
-    <dgm:pt modelId="{8ACF7E4C-BC86-4BB6-8DE0-C58B43EE8825}" type="pres">
+    <dgm:pt modelId="{B6A9826A-AE3B-4312-8616-FE2CB4A428B6}" type="pres">
       <dgm:prSet presAssocID="{5923A8E0-F0F3-46A5-84BC-4AAA573950C6}" presName="sibTrans" presStyleLbl="sibTrans1D1" presStyleIdx="4" presStyleCnt="7"/>
       <dgm:spPr/>
     </dgm:pt>
-    <dgm:pt modelId="{979F2EF8-492F-4D48-8AE0-4EA86FEE4C6D}" type="pres">
+    <dgm:pt modelId="{FE172167-EE64-45BC-B82B-24B97EA739FB}" type="pres">
       <dgm:prSet presAssocID="{5923A8E0-F0F3-46A5-84BC-4AAA573950C6}" presName="connectorText" presStyleLbl="sibTrans1D1" presStyleIdx="4" presStyleCnt="7"/>
       <dgm:spPr/>
     </dgm:pt>
-    <dgm:pt modelId="{CF89C4C6-9D05-4BEE-BBA4-D18B235D5310}" type="pres">
+    <dgm:pt modelId="{CA3A5890-C566-4718-9D93-0A3C29011C41}" type="pres">
       <dgm:prSet presAssocID="{F4E1F8FE-0782-461C-81CF-A38A3A3A463E}" presName="node" presStyleLbl="node1" presStyleIdx="5" presStyleCnt="8">
         <dgm:presLayoutVars>
           <dgm:bulletEnabled val="1"/>
@@ -4897,15 +4742,15 @@
       </dgm:prSet>
       <dgm:spPr/>
     </dgm:pt>
-    <dgm:pt modelId="{ED33C6E2-A683-4457-8607-FFF5FD0D2828}" type="pres">
+    <dgm:pt modelId="{D3DB01C5-D50A-4558-A87E-E0494A6D7E33}" type="pres">
       <dgm:prSet presAssocID="{B744D887-29EA-4382-994C-08F6177AEC25}" presName="sibTrans" presStyleLbl="sibTrans1D1" presStyleIdx="5" presStyleCnt="7"/>
       <dgm:spPr/>
     </dgm:pt>
-    <dgm:pt modelId="{52BF18FC-8CA5-4EBB-8F02-8BDB26A4CA17}" type="pres">
+    <dgm:pt modelId="{61F051E3-F6AA-425F-8B13-5E6935179EC2}" type="pres">
       <dgm:prSet presAssocID="{B744D887-29EA-4382-994C-08F6177AEC25}" presName="connectorText" presStyleLbl="sibTrans1D1" presStyleIdx="5" presStyleCnt="7"/>
       <dgm:spPr/>
     </dgm:pt>
-    <dgm:pt modelId="{13D786CC-7497-4AAD-B765-C97C960F248E}" type="pres">
+    <dgm:pt modelId="{3B2D3CB5-1FA7-40BB-B8C7-927BBD3D7DEE}" type="pres">
       <dgm:prSet presAssocID="{25BBE17E-8B9A-47AE-B15A-C0C510CF6DE3}" presName="node" presStyleLbl="node1" presStyleIdx="6" presStyleCnt="8">
         <dgm:presLayoutVars>
           <dgm:bulletEnabled val="1"/>
@@ -4913,15 +4758,15 @@
       </dgm:prSet>
       <dgm:spPr/>
     </dgm:pt>
-    <dgm:pt modelId="{7336C6DA-39C5-40A8-A07B-7BFBAB47584D}" type="pres">
+    <dgm:pt modelId="{1A394F9B-1884-44B6-BC8D-463824435020}" type="pres">
       <dgm:prSet presAssocID="{D18E6593-E0A3-43CB-99C3-17F1926B5FED}" presName="sibTrans" presStyleLbl="sibTrans1D1" presStyleIdx="6" presStyleCnt="7"/>
       <dgm:spPr/>
     </dgm:pt>
-    <dgm:pt modelId="{8BA030F6-4E69-4D92-88CC-A4B79D70B122}" type="pres">
+    <dgm:pt modelId="{DEE153EF-68B0-4B2A-852C-71E0FF80261D}" type="pres">
       <dgm:prSet presAssocID="{D18E6593-E0A3-43CB-99C3-17F1926B5FED}" presName="connectorText" presStyleLbl="sibTrans1D1" presStyleIdx="6" presStyleCnt="7"/>
       <dgm:spPr/>
     </dgm:pt>
-    <dgm:pt modelId="{2204336E-AB55-4F9D-9490-D2A6A56A0F25}" type="pres">
+    <dgm:pt modelId="{F4FFDADB-FEA3-4FF6-BECD-F51E353FD66A}" type="pres">
       <dgm:prSet presAssocID="{5411EBC8-88D4-4034-9A25-829F47B29A2F}" presName="node" presStyleLbl="node1" presStyleIdx="7" presStyleCnt="8">
         <dgm:presLayoutVars>
           <dgm:bulletEnabled val="1"/>
@@ -4931,59 +4776,59 @@
     </dgm:pt>
   </dgm:ptLst>
   <dgm:cxnLst>
-    <dgm:cxn modelId="{F9DBDF11-75D0-4633-8102-BEA2F3E18A75}" type="presOf" srcId="{5411EBC8-88D4-4034-9A25-829F47B29A2F}" destId="{2204336E-AB55-4F9D-9490-D2A6A56A0F25}" srcOrd="0" destOrd="0" presId="urn:microsoft.com/office/officeart/2016/7/layout/RepeatingBendingProcessNew"/>
-    <dgm:cxn modelId="{71364E17-F929-4ECA-838A-C0D68FE5EC77}" type="presOf" srcId="{B744D887-29EA-4382-994C-08F6177AEC25}" destId="{52BF18FC-8CA5-4EBB-8F02-8BDB26A4CA17}" srcOrd="1" destOrd="0" presId="urn:microsoft.com/office/officeart/2016/7/layout/RepeatingBendingProcessNew"/>
-    <dgm:cxn modelId="{934BBF17-3B4D-4942-90F2-344B6CE2D4F9}" type="presOf" srcId="{D46040D0-442D-40B2-850C-F44CA7CF7E9D}" destId="{4950B29E-C8D8-4185-8369-86584EF07BCE}" srcOrd="0" destOrd="0" presId="urn:microsoft.com/office/officeart/2016/7/layout/RepeatingBendingProcessNew"/>
-    <dgm:cxn modelId="{7285D61A-E831-4E46-881C-58974196CCC5}" type="presOf" srcId="{25BBE17E-8B9A-47AE-B15A-C0C510CF6DE3}" destId="{13D786CC-7497-4AAD-B765-C97C960F248E}" srcOrd="0" destOrd="0" presId="urn:microsoft.com/office/officeart/2016/7/layout/RepeatingBendingProcessNew"/>
+    <dgm:cxn modelId="{626F3D00-CCC4-4CC2-B44A-6FA4EC5436D2}" type="presOf" srcId="{93FE500F-924B-4448-BBE6-D456C6567474}" destId="{F1C9BADA-D24B-4C2F-AEB6-48AC63158E43}" srcOrd="0" destOrd="0" presId="urn:microsoft.com/office/officeart/2016/7/layout/RepeatingBendingProcessNew"/>
+    <dgm:cxn modelId="{A9E16D10-C8D1-4B78-B9A4-D920760C84E7}" type="presOf" srcId="{B744D887-29EA-4382-994C-08F6177AEC25}" destId="{D3DB01C5-D50A-4558-A87E-E0494A6D7E33}" srcOrd="0" destOrd="0" presId="urn:microsoft.com/office/officeart/2016/7/layout/RepeatingBendingProcessNew"/>
+    <dgm:cxn modelId="{8C41CA25-6420-4879-B76D-260FB2B5AC7D}" type="presOf" srcId="{C718AEA3-4B8E-472F-8496-7C6DEA445DA0}" destId="{DCCA440D-BE90-46F8-9AF4-76C17AC97C8E}" srcOrd="1" destOrd="0" presId="urn:microsoft.com/office/officeart/2016/7/layout/RepeatingBendingProcessNew"/>
     <dgm:cxn modelId="{A93F8026-0A2E-4333-90D0-757B769C4C75}" srcId="{CF25AA06-E1D3-44EB-B6CD-DD7CB6233EDF}" destId="{58675835-54A6-492B-891C-FD53FFA3BE33}" srcOrd="1" destOrd="0" parTransId="{5C269968-7CD4-40BC-A831-490FB8FAF5F7}" sibTransId="{C718AEA3-4B8E-472F-8496-7C6DEA445DA0}"/>
-    <dgm:cxn modelId="{F86D6027-CDDE-43EC-B914-7ACF9606B1B1}" type="presOf" srcId="{5923A8E0-F0F3-46A5-84BC-4AAA573950C6}" destId="{8ACF7E4C-BC86-4BB6-8DE0-C58B43EE8825}" srcOrd="0" destOrd="0" presId="urn:microsoft.com/office/officeart/2016/7/layout/RepeatingBendingProcessNew"/>
+    <dgm:cxn modelId="{A0CE0930-9C02-4BD5-A961-C375653D91DB}" type="presOf" srcId="{58675835-54A6-492B-891C-FD53FFA3BE33}" destId="{72085849-71F1-4990-844F-4D8E9E606741}" srcOrd="0" destOrd="0" presId="urn:microsoft.com/office/officeart/2016/7/layout/RepeatingBendingProcessNew"/>
     <dgm:cxn modelId="{E45AEA35-D141-4FDD-95AB-118241AD25C5}" srcId="{CF25AA06-E1D3-44EB-B6CD-DD7CB6233EDF}" destId="{F4E1F8FE-0782-461C-81CF-A38A3A3A463E}" srcOrd="5" destOrd="0" parTransId="{0C19DE1B-682E-4BA2-92F6-2DE8238160E0}" sibTransId="{B744D887-29EA-4382-994C-08F6177AEC25}"/>
+    <dgm:cxn modelId="{6945B539-F9DA-4976-91F1-75F729A782C9}" type="presOf" srcId="{B744D887-29EA-4382-994C-08F6177AEC25}" destId="{61F051E3-F6AA-425F-8B13-5E6935179EC2}" srcOrd="1" destOrd="0" presId="urn:microsoft.com/office/officeart/2016/7/layout/RepeatingBendingProcessNew"/>
+    <dgm:cxn modelId="{B877383B-8BE0-49DE-8E8B-1711958BDFDC}" type="presOf" srcId="{F4E1F8FE-0782-461C-81CF-A38A3A3A463E}" destId="{CA3A5890-C566-4718-9D93-0A3C29011C41}" srcOrd="0" destOrd="0" presId="urn:microsoft.com/office/officeart/2016/7/layout/RepeatingBendingProcessNew"/>
     <dgm:cxn modelId="{92DB7B3E-C0B3-42A3-8663-3F39EA2632EE}" srcId="{CF25AA06-E1D3-44EB-B6CD-DD7CB6233EDF}" destId="{08F6676A-16B8-4996-965C-7C84F30E4D86}" srcOrd="0" destOrd="0" parTransId="{6C1BCCF1-B383-46CD-B1FF-0A9E49615A0C}" sibTransId="{F8DC08E6-D033-4FC0-9024-9551EB08F9A0}"/>
-    <dgm:cxn modelId="{A350315B-1BE9-4793-88CF-527E4D483AF4}" type="presOf" srcId="{C8AAC224-8972-4AE3-93C1-34FFD2FF488D}" destId="{A5B4E91D-2772-4622-B48E-4BD053049523}" srcOrd="0" destOrd="0" presId="urn:microsoft.com/office/officeart/2016/7/layout/RepeatingBendingProcessNew"/>
+    <dgm:cxn modelId="{8FF9CC45-15B9-4CF0-BD3C-6459E9808C70}" type="presOf" srcId="{D46040D0-442D-40B2-850C-F44CA7CF7E9D}" destId="{F0639597-1AEE-4A67-B4BF-EFE8EB967A01}" srcOrd="1" destOrd="0" presId="urn:microsoft.com/office/officeart/2016/7/layout/RepeatingBendingProcessNew"/>
+    <dgm:cxn modelId="{B02FF647-1903-43A3-979C-18983FAE518A}" type="presOf" srcId="{C718AEA3-4B8E-472F-8496-7C6DEA445DA0}" destId="{535E5FFB-EB16-41E7-B278-10F2747EB4F6}" srcOrd="0" destOrd="0" presId="urn:microsoft.com/office/officeart/2016/7/layout/RepeatingBendingProcessNew"/>
+    <dgm:cxn modelId="{21B1E76A-AB04-406B-9433-42C7471D8153}" type="presOf" srcId="{D18E6593-E0A3-43CB-99C3-17F1926B5FED}" destId="{DEE153EF-68B0-4B2A-852C-71E0FF80261D}" srcOrd="1" destOrd="0" presId="urn:microsoft.com/office/officeart/2016/7/layout/RepeatingBendingProcessNew"/>
     <dgm:cxn modelId="{EF355A6C-059C-4770-8BA1-C562420E28A4}" srcId="{CF25AA06-E1D3-44EB-B6CD-DD7CB6233EDF}" destId="{6B5DBB10-E23F-4352-8BB7-C832720544E3}" srcOrd="4" destOrd="0" parTransId="{F1DACCF9-07AF-4000-A2C0-F2E7133C2B22}" sibTransId="{5923A8E0-F0F3-46A5-84BC-4AAA573950C6}"/>
-    <dgm:cxn modelId="{DD209050-9299-4272-B3A6-A5CBFE69CC53}" type="presOf" srcId="{C718AEA3-4B8E-472F-8496-7C6DEA445DA0}" destId="{9D58B9FC-07D0-437C-B862-2003AD09FAFE}" srcOrd="0" destOrd="0" presId="urn:microsoft.com/office/officeart/2016/7/layout/RepeatingBendingProcessNew"/>
     <dgm:cxn modelId="{80839A50-790C-40C2-BBC8-4B87C60C1932}" srcId="{CF25AA06-E1D3-44EB-B6CD-DD7CB6233EDF}" destId="{25BBE17E-8B9A-47AE-B15A-C0C510CF6DE3}" srcOrd="6" destOrd="0" parTransId="{F4D62F17-0E45-4916-A725-E6EA09271AB5}" sibTransId="{D18E6593-E0A3-43CB-99C3-17F1926B5FED}"/>
-    <dgm:cxn modelId="{392C0355-482D-4736-B51B-B15CB918F711}" type="presOf" srcId="{D18E6593-E0A3-43CB-99C3-17F1926B5FED}" destId="{7336C6DA-39C5-40A8-A07B-7BFBAB47584D}" srcOrd="0" destOrd="0" presId="urn:microsoft.com/office/officeart/2016/7/layout/RepeatingBendingProcessNew"/>
-    <dgm:cxn modelId="{CC568155-670D-4086-B0BD-B1EA8DDD673C}" type="presOf" srcId="{F4E1F8FE-0782-461C-81CF-A38A3A3A463E}" destId="{CF89C4C6-9D05-4BEE-BBA4-D18B235D5310}" srcOrd="0" destOrd="0" presId="urn:microsoft.com/office/officeart/2016/7/layout/RepeatingBendingProcessNew"/>
-    <dgm:cxn modelId="{3A6EEC55-9B87-4EB0-A3FF-38EC82C4E4DA}" type="presOf" srcId="{F8DC08E6-D033-4FC0-9024-9551EB08F9A0}" destId="{E77ABE03-9C20-4A86-A058-9E21E8BD6D55}" srcOrd="1" destOrd="0" presId="urn:microsoft.com/office/officeart/2016/7/layout/RepeatingBendingProcessNew"/>
-    <dgm:cxn modelId="{B9423689-AA21-45F1-84C6-D2DEA9A06A60}" type="presOf" srcId="{C718AEA3-4B8E-472F-8496-7C6DEA445DA0}" destId="{5828EA89-2E2B-466B-B520-53B928C02451}" srcOrd="1" destOrd="0" presId="urn:microsoft.com/office/officeart/2016/7/layout/RepeatingBendingProcessNew"/>
+    <dgm:cxn modelId="{72CD2258-5FA9-4F8F-A368-0D6E3E4B66FA}" type="presOf" srcId="{6B5DBB10-E23F-4352-8BB7-C832720544E3}" destId="{EEB1C634-FA1E-4923-8A99-7CDD3E47F562}" srcOrd="0" destOrd="0" presId="urn:microsoft.com/office/officeart/2016/7/layout/RepeatingBendingProcessNew"/>
+    <dgm:cxn modelId="{2DBD1482-F2C6-4D0D-94C5-23A0F74DC975}" type="presOf" srcId="{F8DC08E6-D033-4FC0-9024-9551EB08F9A0}" destId="{5FCC1F56-DA86-4539-8910-A734E963A088}" srcOrd="1" destOrd="0" presId="urn:microsoft.com/office/officeart/2016/7/layout/RepeatingBendingProcessNew"/>
     <dgm:cxn modelId="{3F8DA38F-66F2-4D74-9830-CBAA1EC5E19C}" srcId="{CF25AA06-E1D3-44EB-B6CD-DD7CB6233EDF}" destId="{93FE500F-924B-4448-BBE6-D456C6567474}" srcOrd="3" destOrd="0" parTransId="{85A14A79-90AC-45B2-896B-10D288AA26C8}" sibTransId="{D46040D0-442D-40B2-850C-F44CA7CF7E9D}"/>
-    <dgm:cxn modelId="{EFDC0193-D7D7-40DC-8061-9DA9D0AD884C}" type="presOf" srcId="{93FE500F-924B-4448-BBE6-D456C6567474}" destId="{2C5FC553-3EC2-4B91-BD9C-6075FB93CD57}" srcOrd="0" destOrd="0" presId="urn:microsoft.com/office/officeart/2016/7/layout/RepeatingBendingProcessNew"/>
-    <dgm:cxn modelId="{87CD749A-14B2-4009-B96E-C9AC1D57149C}" type="presOf" srcId="{D46040D0-442D-40B2-850C-F44CA7CF7E9D}" destId="{033D992A-91B6-493E-866F-AD154708C1FA}" srcOrd="1" destOrd="0" presId="urn:microsoft.com/office/officeart/2016/7/layout/RepeatingBendingProcessNew"/>
-    <dgm:cxn modelId="{2592189E-8A3C-4113-A379-A909AEDC55DC}" type="presOf" srcId="{08F6676A-16B8-4996-965C-7C84F30E4D86}" destId="{7CE2CC30-ED54-498F-A08A-39A08A775E48}" srcOrd="0" destOrd="0" presId="urn:microsoft.com/office/officeart/2016/7/layout/RepeatingBendingProcessNew"/>
-    <dgm:cxn modelId="{062B3EA3-4257-4FB0-802D-AE5338B02998}" type="presOf" srcId="{D18E6593-E0A3-43CB-99C3-17F1926B5FED}" destId="{8BA030F6-4E69-4D92-88CC-A4B79D70B122}" srcOrd="1" destOrd="0" presId="urn:microsoft.com/office/officeart/2016/7/layout/RepeatingBendingProcessNew"/>
-    <dgm:cxn modelId="{6E66BEB1-AB7E-43C2-AF18-A812F33F3C57}" type="presOf" srcId="{F8DC08E6-D033-4FC0-9024-9551EB08F9A0}" destId="{6845C02D-2B4B-48AC-9CF5-61EBA48AC95D}" srcOrd="0" destOrd="0" presId="urn:microsoft.com/office/officeart/2016/7/layout/RepeatingBendingProcessNew"/>
-    <dgm:cxn modelId="{491810BC-0C5B-4344-A20C-44938E2A2E9D}" type="presOf" srcId="{5923A8E0-F0F3-46A5-84BC-4AAA573950C6}" destId="{979F2EF8-492F-4D48-8AE0-4EA86FEE4C6D}" srcOrd="1" destOrd="0" presId="urn:microsoft.com/office/officeart/2016/7/layout/RepeatingBendingProcessNew"/>
-    <dgm:cxn modelId="{65B3A1C9-58ED-4F1B-BF5F-7C2139A315BB}" type="presOf" srcId="{C8AAC224-8972-4AE3-93C1-34FFD2FF488D}" destId="{32C92006-282F-4561-8B37-2DCE99E57103}" srcOrd="1" destOrd="0" presId="urn:microsoft.com/office/officeart/2016/7/layout/RepeatingBendingProcessNew"/>
-    <dgm:cxn modelId="{D01746D7-9390-4B27-BACA-86F5AD8431D6}" type="presOf" srcId="{B4A5715A-8660-427E-BCC3-8946B7DE3075}" destId="{B56A4F43-36F3-44E4-9F8C-B56378712F71}" srcOrd="0" destOrd="0" presId="urn:microsoft.com/office/officeart/2016/7/layout/RepeatingBendingProcessNew"/>
-    <dgm:cxn modelId="{E51537DD-9321-490F-9236-56803FD39AB1}" type="presOf" srcId="{6B5DBB10-E23F-4352-8BB7-C832720544E3}" destId="{9DCC8A2A-A637-4C0C-BA04-ACCB7A6B6E17}" srcOrd="0" destOrd="0" presId="urn:microsoft.com/office/officeart/2016/7/layout/RepeatingBendingProcessNew"/>
+    <dgm:cxn modelId="{D05F4A92-DF84-4012-A83B-1317DAD92293}" type="presOf" srcId="{08F6676A-16B8-4996-965C-7C84F30E4D86}" destId="{78822E08-0B45-468F-B5E4-534686D19A87}" srcOrd="0" destOrd="0" presId="urn:microsoft.com/office/officeart/2016/7/layout/RepeatingBendingProcessNew"/>
+    <dgm:cxn modelId="{2BA7CDA4-1E99-4D11-A439-3B8C36C00BBB}" type="presOf" srcId="{B4A5715A-8660-427E-BCC3-8946B7DE3075}" destId="{8B28A891-CDA6-4E12-9642-D89AFDB80A1E}" srcOrd="0" destOrd="0" presId="urn:microsoft.com/office/officeart/2016/7/layout/RepeatingBendingProcessNew"/>
+    <dgm:cxn modelId="{BD4F8FA5-009A-40FB-9F52-D3870052CCBB}" type="presOf" srcId="{5411EBC8-88D4-4034-9A25-829F47B29A2F}" destId="{F4FFDADB-FEA3-4FF6-BECD-F51E353FD66A}" srcOrd="0" destOrd="0" presId="urn:microsoft.com/office/officeart/2016/7/layout/RepeatingBendingProcessNew"/>
+    <dgm:cxn modelId="{624628AE-3661-4188-96A0-9715A02BDA81}" type="presOf" srcId="{C8AAC224-8972-4AE3-93C1-34FFD2FF488D}" destId="{78FF02A2-9C8F-4CED-96D5-14D3A25AD6A7}" srcOrd="1" destOrd="0" presId="urn:microsoft.com/office/officeart/2016/7/layout/RepeatingBendingProcessNew"/>
+    <dgm:cxn modelId="{7E9F6FBD-5AAE-4178-9C18-BA1FFC83CA1C}" type="presOf" srcId="{D46040D0-442D-40B2-850C-F44CA7CF7E9D}" destId="{8C13196F-A6C0-4194-A1D2-C4F73B5ABC89}" srcOrd="0" destOrd="0" presId="urn:microsoft.com/office/officeart/2016/7/layout/RepeatingBendingProcessNew"/>
+    <dgm:cxn modelId="{95EA6AC2-358D-4131-9BA5-F763F633F789}" type="presOf" srcId="{D18E6593-E0A3-43CB-99C3-17F1926B5FED}" destId="{1A394F9B-1884-44B6-BC8D-463824435020}" srcOrd="0" destOrd="0" presId="urn:microsoft.com/office/officeart/2016/7/layout/RepeatingBendingProcessNew"/>
+    <dgm:cxn modelId="{E1FACAC2-842B-4CB2-8C16-8E1B2A9B180D}" type="presOf" srcId="{5923A8E0-F0F3-46A5-84BC-4AAA573950C6}" destId="{B6A9826A-AE3B-4312-8616-FE2CB4A428B6}" srcOrd="0" destOrd="0" presId="urn:microsoft.com/office/officeart/2016/7/layout/RepeatingBendingProcessNew"/>
+    <dgm:cxn modelId="{DC4B5BC8-DF8C-4930-B53D-E9587FDABC99}" type="presOf" srcId="{F8DC08E6-D033-4FC0-9024-9551EB08F9A0}" destId="{6C4C3296-8950-4CC0-9B85-0C5C573A1189}" srcOrd="0" destOrd="0" presId="urn:microsoft.com/office/officeart/2016/7/layout/RepeatingBendingProcessNew"/>
     <dgm:cxn modelId="{8910ABDE-5AC7-410A-9367-064EB32BE060}" srcId="{CF25AA06-E1D3-44EB-B6CD-DD7CB6233EDF}" destId="{B4A5715A-8660-427E-BCC3-8946B7DE3075}" srcOrd="2" destOrd="0" parTransId="{B04219FF-76FD-4A54-8B64-B566664A4FBC}" sibTransId="{C8AAC224-8972-4AE3-93C1-34FFD2FF488D}"/>
-    <dgm:cxn modelId="{1C8337E7-9E5B-4212-AA51-69E5A858B3EF}" type="presOf" srcId="{CF25AA06-E1D3-44EB-B6CD-DD7CB6233EDF}" destId="{BD8DBB17-DF08-436B-898D-E2C90ADDB7E9}" srcOrd="0" destOrd="0" presId="urn:microsoft.com/office/officeart/2016/7/layout/RepeatingBendingProcessNew"/>
     <dgm:cxn modelId="{129778EE-C6E3-4FD9-83EF-3A563A0FEFC7}" srcId="{CF25AA06-E1D3-44EB-B6CD-DD7CB6233EDF}" destId="{5411EBC8-88D4-4034-9A25-829F47B29A2F}" srcOrd="7" destOrd="0" parTransId="{DF6D576D-F851-49BB-8B77-B5A90B5A4007}" sibTransId="{318BBDEB-97FF-43C1-8D6F-E5B124590BFC}"/>
-    <dgm:cxn modelId="{4DD83CFB-77FE-4DA9-9AD8-3B188CC63190}" type="presOf" srcId="{B744D887-29EA-4382-994C-08F6177AEC25}" destId="{ED33C6E2-A683-4457-8607-FFF5FD0D2828}" srcOrd="0" destOrd="0" presId="urn:microsoft.com/office/officeart/2016/7/layout/RepeatingBendingProcessNew"/>
-    <dgm:cxn modelId="{1EF593FF-9200-44AD-ADE4-ADF3E7D0B133}" type="presOf" srcId="{58675835-54A6-492B-891C-FD53FFA3BE33}" destId="{C9BB235A-3E04-4709-85F9-191C75806D9C}" srcOrd="0" destOrd="0" presId="urn:microsoft.com/office/officeart/2016/7/layout/RepeatingBendingProcessNew"/>
-    <dgm:cxn modelId="{2BB5F885-F9AA-48A1-924C-EBB57296C26E}" type="presParOf" srcId="{BD8DBB17-DF08-436B-898D-E2C90ADDB7E9}" destId="{7CE2CC30-ED54-498F-A08A-39A08A775E48}" srcOrd="0" destOrd="0" presId="urn:microsoft.com/office/officeart/2016/7/layout/RepeatingBendingProcessNew"/>
-    <dgm:cxn modelId="{FA2CE7FD-672B-4877-9B0A-E44B2DA2E936}" type="presParOf" srcId="{BD8DBB17-DF08-436B-898D-E2C90ADDB7E9}" destId="{6845C02D-2B4B-48AC-9CF5-61EBA48AC95D}" srcOrd="1" destOrd="0" presId="urn:microsoft.com/office/officeart/2016/7/layout/RepeatingBendingProcessNew"/>
-    <dgm:cxn modelId="{DAF859FB-A2AF-4D87-8B8F-7FEF39C15E82}" type="presParOf" srcId="{6845C02D-2B4B-48AC-9CF5-61EBA48AC95D}" destId="{E77ABE03-9C20-4A86-A058-9E21E8BD6D55}" srcOrd="0" destOrd="0" presId="urn:microsoft.com/office/officeart/2016/7/layout/RepeatingBendingProcessNew"/>
-    <dgm:cxn modelId="{7F37F1B1-1DD3-4D3C-9B8D-277F9B79899C}" type="presParOf" srcId="{BD8DBB17-DF08-436B-898D-E2C90ADDB7E9}" destId="{C9BB235A-3E04-4709-85F9-191C75806D9C}" srcOrd="2" destOrd="0" presId="urn:microsoft.com/office/officeart/2016/7/layout/RepeatingBendingProcessNew"/>
-    <dgm:cxn modelId="{D26F8409-80CF-43DC-AEA6-CA01AC8825DC}" type="presParOf" srcId="{BD8DBB17-DF08-436B-898D-E2C90ADDB7E9}" destId="{9D58B9FC-07D0-437C-B862-2003AD09FAFE}" srcOrd="3" destOrd="0" presId="urn:microsoft.com/office/officeart/2016/7/layout/RepeatingBendingProcessNew"/>
-    <dgm:cxn modelId="{AFE1FEFA-8F81-4E62-A742-195009B46B30}" type="presParOf" srcId="{9D58B9FC-07D0-437C-B862-2003AD09FAFE}" destId="{5828EA89-2E2B-466B-B520-53B928C02451}" srcOrd="0" destOrd="0" presId="urn:microsoft.com/office/officeart/2016/7/layout/RepeatingBendingProcessNew"/>
-    <dgm:cxn modelId="{EB7C6D35-0094-40D7-BCD6-7B86FDC9A0C6}" type="presParOf" srcId="{BD8DBB17-DF08-436B-898D-E2C90ADDB7E9}" destId="{B56A4F43-36F3-44E4-9F8C-B56378712F71}" srcOrd="4" destOrd="0" presId="urn:microsoft.com/office/officeart/2016/7/layout/RepeatingBendingProcessNew"/>
-    <dgm:cxn modelId="{8992B595-54E2-4DA9-8956-1A044B63CE18}" type="presParOf" srcId="{BD8DBB17-DF08-436B-898D-E2C90ADDB7E9}" destId="{A5B4E91D-2772-4622-B48E-4BD053049523}" srcOrd="5" destOrd="0" presId="urn:microsoft.com/office/officeart/2016/7/layout/RepeatingBendingProcessNew"/>
-    <dgm:cxn modelId="{A5F3B09F-2ABD-4B58-914D-4DE0B8489E79}" type="presParOf" srcId="{A5B4E91D-2772-4622-B48E-4BD053049523}" destId="{32C92006-282F-4561-8B37-2DCE99E57103}" srcOrd="0" destOrd="0" presId="urn:microsoft.com/office/officeart/2016/7/layout/RepeatingBendingProcessNew"/>
-    <dgm:cxn modelId="{15A5EB3C-BB91-4496-AB69-18640971EE8F}" type="presParOf" srcId="{BD8DBB17-DF08-436B-898D-E2C90ADDB7E9}" destId="{2C5FC553-3EC2-4B91-BD9C-6075FB93CD57}" srcOrd="6" destOrd="0" presId="urn:microsoft.com/office/officeart/2016/7/layout/RepeatingBendingProcessNew"/>
-    <dgm:cxn modelId="{63A61396-0FB2-4D70-98C4-C710B99E428C}" type="presParOf" srcId="{BD8DBB17-DF08-436B-898D-E2C90ADDB7E9}" destId="{4950B29E-C8D8-4185-8369-86584EF07BCE}" srcOrd="7" destOrd="0" presId="urn:microsoft.com/office/officeart/2016/7/layout/RepeatingBendingProcessNew"/>
-    <dgm:cxn modelId="{6AC7A93C-917B-4DC2-8885-26D0946E0651}" type="presParOf" srcId="{4950B29E-C8D8-4185-8369-86584EF07BCE}" destId="{033D992A-91B6-493E-866F-AD154708C1FA}" srcOrd="0" destOrd="0" presId="urn:microsoft.com/office/officeart/2016/7/layout/RepeatingBendingProcessNew"/>
-    <dgm:cxn modelId="{B38B5587-7F2D-4325-A251-8753ACB5A038}" type="presParOf" srcId="{BD8DBB17-DF08-436B-898D-E2C90ADDB7E9}" destId="{9DCC8A2A-A637-4C0C-BA04-ACCB7A6B6E17}" srcOrd="8" destOrd="0" presId="urn:microsoft.com/office/officeart/2016/7/layout/RepeatingBendingProcessNew"/>
-    <dgm:cxn modelId="{83CF6873-5012-47F9-925C-2AC99DBE4D49}" type="presParOf" srcId="{BD8DBB17-DF08-436B-898D-E2C90ADDB7E9}" destId="{8ACF7E4C-BC86-4BB6-8DE0-C58B43EE8825}" srcOrd="9" destOrd="0" presId="urn:microsoft.com/office/officeart/2016/7/layout/RepeatingBendingProcessNew"/>
-    <dgm:cxn modelId="{4173AE67-0E43-4F19-914E-B7170769BD62}" type="presParOf" srcId="{8ACF7E4C-BC86-4BB6-8DE0-C58B43EE8825}" destId="{979F2EF8-492F-4D48-8AE0-4EA86FEE4C6D}" srcOrd="0" destOrd="0" presId="urn:microsoft.com/office/officeart/2016/7/layout/RepeatingBendingProcessNew"/>
-    <dgm:cxn modelId="{0F54F738-3C22-4A70-9900-490FD8EC0AF9}" type="presParOf" srcId="{BD8DBB17-DF08-436B-898D-E2C90ADDB7E9}" destId="{CF89C4C6-9D05-4BEE-BBA4-D18B235D5310}" srcOrd="10" destOrd="0" presId="urn:microsoft.com/office/officeart/2016/7/layout/RepeatingBendingProcessNew"/>
-    <dgm:cxn modelId="{C0DD8DD2-6285-4B16-9B4F-913EE0285130}" type="presParOf" srcId="{BD8DBB17-DF08-436B-898D-E2C90ADDB7E9}" destId="{ED33C6E2-A683-4457-8607-FFF5FD0D2828}" srcOrd="11" destOrd="0" presId="urn:microsoft.com/office/officeart/2016/7/layout/RepeatingBendingProcessNew"/>
-    <dgm:cxn modelId="{9F8825AE-377A-4B09-B4A8-F471EE44C1CE}" type="presParOf" srcId="{ED33C6E2-A683-4457-8607-FFF5FD0D2828}" destId="{52BF18FC-8CA5-4EBB-8F02-8BDB26A4CA17}" srcOrd="0" destOrd="0" presId="urn:microsoft.com/office/officeart/2016/7/layout/RepeatingBendingProcessNew"/>
-    <dgm:cxn modelId="{535EECF6-3050-473F-8569-3975D0F26EA5}" type="presParOf" srcId="{BD8DBB17-DF08-436B-898D-E2C90ADDB7E9}" destId="{13D786CC-7497-4AAD-B765-C97C960F248E}" srcOrd="12" destOrd="0" presId="urn:microsoft.com/office/officeart/2016/7/layout/RepeatingBendingProcessNew"/>
-    <dgm:cxn modelId="{366B7725-4917-493D-82AA-C9D87F34342E}" type="presParOf" srcId="{BD8DBB17-DF08-436B-898D-E2C90ADDB7E9}" destId="{7336C6DA-39C5-40A8-A07B-7BFBAB47584D}" srcOrd="13" destOrd="0" presId="urn:microsoft.com/office/officeart/2016/7/layout/RepeatingBendingProcessNew"/>
-    <dgm:cxn modelId="{5E9C91FE-46F2-4EBD-BE5E-1277F6FCA0F4}" type="presParOf" srcId="{7336C6DA-39C5-40A8-A07B-7BFBAB47584D}" destId="{8BA030F6-4E69-4D92-88CC-A4B79D70B122}" srcOrd="0" destOrd="0" presId="urn:microsoft.com/office/officeart/2016/7/layout/RepeatingBendingProcessNew"/>
-    <dgm:cxn modelId="{E816AC4A-722A-43B3-ACE3-44043E7A947B}" type="presParOf" srcId="{BD8DBB17-DF08-436B-898D-E2C90ADDB7E9}" destId="{2204336E-AB55-4F9D-9490-D2A6A56A0F25}" srcOrd="14" destOrd="0" presId="urn:microsoft.com/office/officeart/2016/7/layout/RepeatingBendingProcessNew"/>
+    <dgm:cxn modelId="{F746D7F1-5051-4D78-B39D-73A9F56485AB}" type="presOf" srcId="{CF25AA06-E1D3-44EB-B6CD-DD7CB6233EDF}" destId="{9B675E45-A826-4CE9-AC85-9FBFC5DB3558}" srcOrd="0" destOrd="0" presId="urn:microsoft.com/office/officeart/2016/7/layout/RepeatingBendingProcessNew"/>
+    <dgm:cxn modelId="{BA6EABF2-5DD8-48A8-A233-7F2FFC7B4EC6}" type="presOf" srcId="{C8AAC224-8972-4AE3-93C1-34FFD2FF488D}" destId="{F8C82E69-E18E-4507-B70C-018B92A38D7D}" srcOrd="0" destOrd="0" presId="urn:microsoft.com/office/officeart/2016/7/layout/RepeatingBendingProcessNew"/>
+    <dgm:cxn modelId="{E84722F3-96F5-47FA-9A26-64C32E397C9F}" type="presOf" srcId="{5923A8E0-F0F3-46A5-84BC-4AAA573950C6}" destId="{FE172167-EE64-45BC-B82B-24B97EA739FB}" srcOrd="1" destOrd="0" presId="urn:microsoft.com/office/officeart/2016/7/layout/RepeatingBendingProcessNew"/>
+    <dgm:cxn modelId="{CD7204F6-616A-4C15-9E3A-D2A2AC2D3152}" type="presOf" srcId="{25BBE17E-8B9A-47AE-B15A-C0C510CF6DE3}" destId="{3B2D3CB5-1FA7-40BB-B8C7-927BBD3D7DEE}" srcOrd="0" destOrd="0" presId="urn:microsoft.com/office/officeart/2016/7/layout/RepeatingBendingProcessNew"/>
+    <dgm:cxn modelId="{94E857F6-BCCE-42FD-9D26-484CEFB449E4}" type="presParOf" srcId="{9B675E45-A826-4CE9-AC85-9FBFC5DB3558}" destId="{78822E08-0B45-468F-B5E4-534686D19A87}" srcOrd="0" destOrd="0" presId="urn:microsoft.com/office/officeart/2016/7/layout/RepeatingBendingProcessNew"/>
+    <dgm:cxn modelId="{F7B7BB00-43E5-4F0F-8688-03B06C830BFA}" type="presParOf" srcId="{9B675E45-A826-4CE9-AC85-9FBFC5DB3558}" destId="{6C4C3296-8950-4CC0-9B85-0C5C573A1189}" srcOrd="1" destOrd="0" presId="urn:microsoft.com/office/officeart/2016/7/layout/RepeatingBendingProcessNew"/>
+    <dgm:cxn modelId="{8C041D8E-413C-4A65-8C41-316BACAA6CFD}" type="presParOf" srcId="{6C4C3296-8950-4CC0-9B85-0C5C573A1189}" destId="{5FCC1F56-DA86-4539-8910-A734E963A088}" srcOrd="0" destOrd="0" presId="urn:microsoft.com/office/officeart/2016/7/layout/RepeatingBendingProcessNew"/>
+    <dgm:cxn modelId="{036872B4-0107-4C31-B0F1-014FC33B84CF}" type="presParOf" srcId="{9B675E45-A826-4CE9-AC85-9FBFC5DB3558}" destId="{72085849-71F1-4990-844F-4D8E9E606741}" srcOrd="2" destOrd="0" presId="urn:microsoft.com/office/officeart/2016/7/layout/RepeatingBendingProcessNew"/>
+    <dgm:cxn modelId="{A859C2B8-7442-48F4-9A1E-668595F5C901}" type="presParOf" srcId="{9B675E45-A826-4CE9-AC85-9FBFC5DB3558}" destId="{535E5FFB-EB16-41E7-B278-10F2747EB4F6}" srcOrd="3" destOrd="0" presId="urn:microsoft.com/office/officeart/2016/7/layout/RepeatingBendingProcessNew"/>
+    <dgm:cxn modelId="{F0717147-A942-4E5E-B552-D81620D40FE8}" type="presParOf" srcId="{535E5FFB-EB16-41E7-B278-10F2747EB4F6}" destId="{DCCA440D-BE90-46F8-9AF4-76C17AC97C8E}" srcOrd="0" destOrd="0" presId="urn:microsoft.com/office/officeart/2016/7/layout/RepeatingBendingProcessNew"/>
+    <dgm:cxn modelId="{82CFC20A-FCBB-402D-A234-8DB3E2C1F1F1}" type="presParOf" srcId="{9B675E45-A826-4CE9-AC85-9FBFC5DB3558}" destId="{8B28A891-CDA6-4E12-9642-D89AFDB80A1E}" srcOrd="4" destOrd="0" presId="urn:microsoft.com/office/officeart/2016/7/layout/RepeatingBendingProcessNew"/>
+    <dgm:cxn modelId="{5ABA18AE-1D61-4EA6-A43A-0F49DBBD01F7}" type="presParOf" srcId="{9B675E45-A826-4CE9-AC85-9FBFC5DB3558}" destId="{F8C82E69-E18E-4507-B70C-018B92A38D7D}" srcOrd="5" destOrd="0" presId="urn:microsoft.com/office/officeart/2016/7/layout/RepeatingBendingProcessNew"/>
+    <dgm:cxn modelId="{7146B5AE-3D81-4558-9526-3E80F14AD0D8}" type="presParOf" srcId="{F8C82E69-E18E-4507-B70C-018B92A38D7D}" destId="{78FF02A2-9C8F-4CED-96D5-14D3A25AD6A7}" srcOrd="0" destOrd="0" presId="urn:microsoft.com/office/officeart/2016/7/layout/RepeatingBendingProcessNew"/>
+    <dgm:cxn modelId="{BC6E6E14-101A-4FE8-9156-D2AF6922FD6D}" type="presParOf" srcId="{9B675E45-A826-4CE9-AC85-9FBFC5DB3558}" destId="{F1C9BADA-D24B-4C2F-AEB6-48AC63158E43}" srcOrd="6" destOrd="0" presId="urn:microsoft.com/office/officeart/2016/7/layout/RepeatingBendingProcessNew"/>
+    <dgm:cxn modelId="{56B0689B-6205-43A4-A7F0-0532CD9C821F}" type="presParOf" srcId="{9B675E45-A826-4CE9-AC85-9FBFC5DB3558}" destId="{8C13196F-A6C0-4194-A1D2-C4F73B5ABC89}" srcOrd="7" destOrd="0" presId="urn:microsoft.com/office/officeart/2016/7/layout/RepeatingBendingProcessNew"/>
+    <dgm:cxn modelId="{A645FE26-C3EA-4899-A261-8E3467BE9917}" type="presParOf" srcId="{8C13196F-A6C0-4194-A1D2-C4F73B5ABC89}" destId="{F0639597-1AEE-4A67-B4BF-EFE8EB967A01}" srcOrd="0" destOrd="0" presId="urn:microsoft.com/office/officeart/2016/7/layout/RepeatingBendingProcessNew"/>
+    <dgm:cxn modelId="{40DB9A04-23BF-4BD5-AA9B-1BA2ACAE8C68}" type="presParOf" srcId="{9B675E45-A826-4CE9-AC85-9FBFC5DB3558}" destId="{EEB1C634-FA1E-4923-8A99-7CDD3E47F562}" srcOrd="8" destOrd="0" presId="urn:microsoft.com/office/officeart/2016/7/layout/RepeatingBendingProcessNew"/>
+    <dgm:cxn modelId="{D38A8CCD-7CF9-41E2-90A5-3335341AD565}" type="presParOf" srcId="{9B675E45-A826-4CE9-AC85-9FBFC5DB3558}" destId="{B6A9826A-AE3B-4312-8616-FE2CB4A428B6}" srcOrd="9" destOrd="0" presId="urn:microsoft.com/office/officeart/2016/7/layout/RepeatingBendingProcessNew"/>
+    <dgm:cxn modelId="{F347349F-2F26-4093-AAD1-89FF3F4802F1}" type="presParOf" srcId="{B6A9826A-AE3B-4312-8616-FE2CB4A428B6}" destId="{FE172167-EE64-45BC-B82B-24B97EA739FB}" srcOrd="0" destOrd="0" presId="urn:microsoft.com/office/officeart/2016/7/layout/RepeatingBendingProcessNew"/>
+    <dgm:cxn modelId="{F1D8C97B-1AF2-4A5B-BA32-866FCF44DFD5}" type="presParOf" srcId="{9B675E45-A826-4CE9-AC85-9FBFC5DB3558}" destId="{CA3A5890-C566-4718-9D93-0A3C29011C41}" srcOrd="10" destOrd="0" presId="urn:microsoft.com/office/officeart/2016/7/layout/RepeatingBendingProcessNew"/>
+    <dgm:cxn modelId="{DAC5B310-09BE-41A9-867B-9ED367E9B69B}" type="presParOf" srcId="{9B675E45-A826-4CE9-AC85-9FBFC5DB3558}" destId="{D3DB01C5-D50A-4558-A87E-E0494A6D7E33}" srcOrd="11" destOrd="0" presId="urn:microsoft.com/office/officeart/2016/7/layout/RepeatingBendingProcessNew"/>
+    <dgm:cxn modelId="{A1076B79-DB5F-4D69-B095-A0ED05BFBDBA}" type="presParOf" srcId="{D3DB01C5-D50A-4558-A87E-E0494A6D7E33}" destId="{61F051E3-F6AA-425F-8B13-5E6935179EC2}" srcOrd="0" destOrd="0" presId="urn:microsoft.com/office/officeart/2016/7/layout/RepeatingBendingProcessNew"/>
+    <dgm:cxn modelId="{0A5DE2BA-673C-452A-A73E-CB3B70305DED}" type="presParOf" srcId="{9B675E45-A826-4CE9-AC85-9FBFC5DB3558}" destId="{3B2D3CB5-1FA7-40BB-B8C7-927BBD3D7DEE}" srcOrd="12" destOrd="0" presId="urn:microsoft.com/office/officeart/2016/7/layout/RepeatingBendingProcessNew"/>
+    <dgm:cxn modelId="{4FD6402E-2A84-4B17-887C-C1B5251E866D}" type="presParOf" srcId="{9B675E45-A826-4CE9-AC85-9FBFC5DB3558}" destId="{1A394F9B-1884-44B6-BC8D-463824435020}" srcOrd="13" destOrd="0" presId="urn:microsoft.com/office/officeart/2016/7/layout/RepeatingBendingProcessNew"/>
+    <dgm:cxn modelId="{E03C23B5-14B6-4759-94DA-5E774246C56D}" type="presParOf" srcId="{1A394F9B-1884-44B6-BC8D-463824435020}" destId="{DEE153EF-68B0-4B2A-852C-71E0FF80261D}" srcOrd="0" destOrd="0" presId="urn:microsoft.com/office/officeart/2016/7/layout/RepeatingBendingProcessNew"/>
+    <dgm:cxn modelId="{0F09D32E-03C0-4043-932B-40977A4D1625}" type="presParOf" srcId="{9B675E45-A826-4CE9-AC85-9FBFC5DB3558}" destId="{F4FFDADB-FEA3-4FF6-BECD-F51E353FD66A}" srcOrd="14" destOrd="0" presId="urn:microsoft.com/office/officeart/2016/7/layout/RepeatingBendingProcessNew"/>
   </dgm:cxnLst>
   <dgm:bg/>
   <dgm:whole/>
@@ -6165,25 +6010,30 @@
       <dsp:cNvGrpSpPr/>
     </dsp:nvGrpSpPr>
     <dsp:grpSpPr/>
-    <dsp:sp modelId="{5FD666D0-EC3C-4BC7-A63E-D7E629C66328}">
+    <dsp:sp modelId="{555F7E22-3306-4872-9673-94A1E8D073A2}">
       <dsp:nvSpPr>
         <dsp:cNvPr id="0" name=""/>
         <dsp:cNvSpPr/>
       </dsp:nvSpPr>
       <dsp:spPr>
         <a:xfrm>
-          <a:off x="0" y="86314"/>
-          <a:ext cx="4227338" cy="636480"/>
+          <a:off x="0" y="2350"/>
+          <a:ext cx="11426923" cy="0"/>
         </a:xfrm>
-        <a:prstGeom prst="roundRect">
+        <a:prstGeom prst="line">
           <a:avLst/>
         </a:prstGeom>
         <a:solidFill>
-          <a:schemeClr val="accent2"/>
+          <a:schemeClr val="accent2">
+            <a:hueOff val="0"/>
+            <a:satOff val="0"/>
+            <a:lumOff val="0"/>
+            <a:alphaOff val="0"/>
+          </a:schemeClr>
         </a:solidFill>
         <a:ln w="22225" cap="rnd" cmpd="sng" algn="ctr">
           <a:solidFill>
-            <a:schemeClr val="lt1">
+            <a:schemeClr val="accent2">
               <a:hueOff val="0"/>
               <a:satOff val="0"/>
               <a:lumOff val="0"/>
@@ -6208,13 +6058,47 @@
           <a:schemeClr val="lt1"/>
         </a:fontRef>
       </dsp:style>
+    </dsp:sp>
+    <dsp:sp modelId="{EE737420-48BC-4764-A7DB-89D9EFD1A516}">
+      <dsp:nvSpPr>
+        <dsp:cNvPr id="0" name=""/>
+        <dsp:cNvSpPr/>
+      </dsp:nvSpPr>
+      <dsp:spPr>
+        <a:xfrm>
+          <a:off x="0" y="0"/>
+          <a:ext cx="11426923" cy="801436"/>
+        </a:xfrm>
+        <a:prstGeom prst="rect">
+          <a:avLst/>
+        </a:prstGeom>
+        <a:solidFill>
+          <a:schemeClr val="accent2"/>
+        </a:solidFill>
+        <a:ln>
+          <a:noFill/>
+        </a:ln>
+        <a:effectLst/>
+      </dsp:spPr>
+      <dsp:style>
+        <a:lnRef idx="0">
+          <a:scrgbClr r="0" g="0" b="0"/>
+        </a:lnRef>
+        <a:fillRef idx="0">
+          <a:scrgbClr r="0" g="0" b="0"/>
+        </a:fillRef>
+        <a:effectRef idx="0">
+          <a:scrgbClr r="0" g="0" b="0"/>
+        </a:effectRef>
+        <a:fontRef idx="minor"/>
+      </dsp:style>
       <dsp:txBody>
-        <a:bodyPr spcFirstLastPara="0" vert="horz" wrap="square" lIns="76200" tIns="76200" rIns="76200" bIns="76200" numCol="1" spcCol="1270" anchor="ctr" anchorCtr="0">
+        <a:bodyPr spcFirstLastPara="0" vert="horz" wrap="square" lIns="114300" tIns="114300" rIns="114300" bIns="114300" numCol="1" spcCol="1270" anchor="t" anchorCtr="0">
           <a:noAutofit/>
         </a:bodyPr>
         <a:lstStyle/>
         <a:p>
-          <a:pPr marL="0" lvl="0" indent="0" algn="l" defTabSz="889000">
+          <a:pPr marL="0" lvl="0" indent="0" algn="l" defTabSz="1333500">
             <a:lnSpc>
               <a:spcPct val="90000"/>
             </a:lnSpc>
@@ -6227,44 +6111,41 @@
             <a:buNone/>
           </a:pPr>
           <a:r>
-            <a:rPr lang="ko-KR" sz="2000" b="1" i="0" kern="1200" dirty="0">
-              <a:latin typeface="Malgun Gothic Semilight" panose="020B0502040204020203" pitchFamily="50" charset="-127"/>
-              <a:ea typeface="Malgun Gothic Semilight" panose="020B0502040204020203" pitchFamily="50" charset="-127"/>
-              <a:cs typeface="Malgun Gothic Semilight" panose="020B0502040204020203" pitchFamily="50" charset="-127"/>
-            </a:rPr>
+            <a:rPr lang="ko-KR" sz="3000" kern="1200" dirty="0"/>
             <a:t>여행 안전 앱 시장</a:t>
           </a:r>
-          <a:endParaRPr lang="en-US" sz="2000" kern="1200" dirty="0">
-            <a:latin typeface="Malgun Gothic Semilight" panose="020B0502040204020203" pitchFamily="50" charset="-127"/>
-            <a:ea typeface="Malgun Gothic Semilight" panose="020B0502040204020203" pitchFamily="50" charset="-127"/>
-            <a:cs typeface="Malgun Gothic Semilight" panose="020B0502040204020203" pitchFamily="50" charset="-127"/>
-          </a:endParaRPr>
+          <a:endParaRPr lang="en-US" sz="3000" kern="1200" dirty="0"/>
         </a:p>
       </dsp:txBody>
       <dsp:txXfrm>
-        <a:off x="31070" y="117384"/>
-        <a:ext cx="4165198" cy="574340"/>
+        <a:off x="0" y="0"/>
+        <a:ext cx="11426923" cy="801436"/>
       </dsp:txXfrm>
     </dsp:sp>
-    <dsp:sp modelId="{D75DAFB4-5F2E-4145-AA4E-321533BC7D2A}">
+    <dsp:sp modelId="{685EFC9F-09B5-412D-A099-27ECCEBC68E7}">
       <dsp:nvSpPr>
         <dsp:cNvPr id="0" name=""/>
         <dsp:cNvSpPr/>
       </dsp:nvSpPr>
       <dsp:spPr>
         <a:xfrm>
-          <a:off x="0" y="750055"/>
-          <a:ext cx="11029950" cy="636480"/>
+          <a:off x="0" y="803786"/>
+          <a:ext cx="11426923" cy="0"/>
         </a:xfrm>
-        <a:prstGeom prst="roundRect">
+        <a:prstGeom prst="line">
           <a:avLst/>
         </a:prstGeom>
         <a:solidFill>
-          <a:schemeClr val="accent2"/>
+          <a:schemeClr val="accent3">
+            <a:hueOff val="0"/>
+            <a:satOff val="0"/>
+            <a:lumOff val="0"/>
+            <a:alphaOff val="0"/>
+          </a:schemeClr>
         </a:solidFill>
         <a:ln w="22225" cap="rnd" cmpd="sng" algn="ctr">
           <a:solidFill>
-            <a:schemeClr val="lt1">
+            <a:schemeClr val="accent3">
               <a:hueOff val="0"/>
               <a:satOff val="0"/>
               <a:lumOff val="0"/>
@@ -6289,8 +6170,42 @@
           <a:schemeClr val="lt1"/>
         </a:fontRef>
       </dsp:style>
+    </dsp:sp>
+    <dsp:sp modelId="{71087D26-FFC6-485A-8905-0E2F7E464B0A}">
+      <dsp:nvSpPr>
+        <dsp:cNvPr id="0" name=""/>
+        <dsp:cNvSpPr/>
+      </dsp:nvSpPr>
+      <dsp:spPr>
+        <a:xfrm>
+          <a:off x="0" y="803786"/>
+          <a:ext cx="11426923" cy="801436"/>
+        </a:xfrm>
+        <a:prstGeom prst="rect">
+          <a:avLst/>
+        </a:prstGeom>
+        <a:solidFill>
+          <a:schemeClr val="accent2"/>
+        </a:solidFill>
+        <a:ln>
+          <a:noFill/>
+        </a:ln>
+        <a:effectLst/>
+      </dsp:spPr>
+      <dsp:style>
+        <a:lnRef idx="0">
+          <a:scrgbClr r="0" g="0" b="0"/>
+        </a:lnRef>
+        <a:fillRef idx="0">
+          <a:scrgbClr r="0" g="0" b="0"/>
+        </a:fillRef>
+        <a:effectRef idx="0">
+          <a:scrgbClr r="0" g="0" b="0"/>
+        </a:effectRef>
+        <a:fontRef idx="minor"/>
+      </dsp:style>
       <dsp:txBody>
-        <a:bodyPr spcFirstLastPara="0" vert="horz" wrap="square" lIns="76200" tIns="76200" rIns="76200" bIns="76200" numCol="1" spcCol="1270" anchor="ctr" anchorCtr="0">
+        <a:bodyPr spcFirstLastPara="0" vert="horz" wrap="square" lIns="76200" tIns="76200" rIns="76200" bIns="76200" numCol="1" spcCol="1270" anchor="t" anchorCtr="0">
           <a:noAutofit/>
         </a:bodyPr>
         <a:lstStyle/>
@@ -6308,47 +6223,49 @@
             <a:buNone/>
           </a:pPr>
           <a:r>
-            <a:rPr lang="ko-KR" sz="2000" i="0" kern="1200">
-              <a:latin typeface="Malgun Gothic Semilight" panose="020B0502040204020203" pitchFamily="50" charset="-127"/>
+            <a:rPr lang="ko-KR" sz="2000" i="0" kern="1200" dirty="0">
+              <a:latin typeface="맑은"/>
               <a:ea typeface="Malgun Gothic Semilight" panose="020B0502040204020203" pitchFamily="50" charset="-127"/>
               <a:cs typeface="Malgun Gothic Semilight" panose="020B0502040204020203" pitchFamily="50" charset="-127"/>
             </a:rPr>
             <a:t>아시아-태평양 지역을 중심으로 여행 안전 앱 시장이 급속도로 성장하고 있습니다</a:t>
           </a:r>
-          <a:endParaRPr lang="en-US" sz="2000" kern="1200">
-            <a:latin typeface="Malgun Gothic Semilight" panose="020B0502040204020203" pitchFamily="50" charset="-127"/>
+          <a:endParaRPr lang="en-US" sz="2000" kern="1200" dirty="0">
+            <a:latin typeface="맑은"/>
             <a:ea typeface="Malgun Gothic Semilight" panose="020B0502040204020203" pitchFamily="50" charset="-127"/>
             <a:cs typeface="Malgun Gothic Semilight" panose="020B0502040204020203" pitchFamily="50" charset="-127"/>
           </a:endParaRPr>
         </a:p>
       </dsp:txBody>
       <dsp:txXfrm>
-        <a:off x="31070" y="781125"/>
-        <a:ext cx="10967810" cy="574340"/>
+        <a:off x="0" y="803786"/>
+        <a:ext cx="11426923" cy="801436"/>
       </dsp:txXfrm>
     </dsp:sp>
-    <dsp:sp modelId="{84E2BFA0-82B8-48BF-BD10-F5EA7E6AF337}">
+    <dsp:sp modelId="{DD9243E3-8900-466E-AB97-5AC1954A92FD}">
       <dsp:nvSpPr>
         <dsp:cNvPr id="0" name=""/>
         <dsp:cNvSpPr/>
       </dsp:nvSpPr>
       <dsp:spPr>
         <a:xfrm>
-          <a:off x="0" y="1466791"/>
-          <a:ext cx="4213220" cy="636480"/>
+          <a:off x="0" y="1605223"/>
+          <a:ext cx="11426923" cy="0"/>
         </a:xfrm>
-        <a:prstGeom prst="roundRect">
+        <a:prstGeom prst="line">
           <a:avLst/>
         </a:prstGeom>
         <a:solidFill>
-          <a:schemeClr val="accent1">
-            <a:lumMod val="60000"/>
-            <a:lumOff val="40000"/>
+          <a:schemeClr val="accent4">
+            <a:hueOff val="0"/>
+            <a:satOff val="0"/>
+            <a:lumOff val="0"/>
+            <a:alphaOff val="0"/>
           </a:schemeClr>
         </a:solidFill>
         <a:ln w="22225" cap="rnd" cmpd="sng" algn="ctr">
           <a:solidFill>
-            <a:schemeClr val="lt1">
+            <a:schemeClr val="accent4">
               <a:hueOff val="0"/>
               <a:satOff val="0"/>
               <a:lumOff val="0"/>
@@ -6373,13 +6290,50 @@
           <a:schemeClr val="lt1"/>
         </a:fontRef>
       </dsp:style>
+    </dsp:sp>
+    <dsp:sp modelId="{CA7CA6E4-9F4F-47CE-92EE-364E3208BBF5}">
+      <dsp:nvSpPr>
+        <dsp:cNvPr id="0" name=""/>
+        <dsp:cNvSpPr/>
+      </dsp:nvSpPr>
+      <dsp:spPr>
+        <a:xfrm>
+          <a:off x="0" y="1605223"/>
+          <a:ext cx="11426923" cy="801436"/>
+        </a:xfrm>
+        <a:prstGeom prst="rect">
+          <a:avLst/>
+        </a:prstGeom>
+        <a:solidFill>
+          <a:schemeClr val="accent1">
+            <a:lumMod val="60000"/>
+            <a:lumOff val="40000"/>
+          </a:schemeClr>
+        </a:solidFill>
+        <a:ln>
+          <a:noFill/>
+        </a:ln>
+        <a:effectLst/>
+      </dsp:spPr>
+      <dsp:style>
+        <a:lnRef idx="0">
+          <a:scrgbClr r="0" g="0" b="0"/>
+        </a:lnRef>
+        <a:fillRef idx="0">
+          <a:scrgbClr r="0" g="0" b="0"/>
+        </a:fillRef>
+        <a:effectRef idx="0">
+          <a:scrgbClr r="0" g="0" b="0"/>
+        </a:effectRef>
+        <a:fontRef idx="minor"/>
+      </dsp:style>
       <dsp:txBody>
-        <a:bodyPr spcFirstLastPara="0" vert="horz" wrap="square" lIns="76200" tIns="76200" rIns="76200" bIns="76200" numCol="1" spcCol="1270" anchor="ctr" anchorCtr="0">
+        <a:bodyPr spcFirstLastPara="0" vert="horz" wrap="square" lIns="114300" tIns="114300" rIns="114300" bIns="114300" numCol="1" spcCol="1270" anchor="t" anchorCtr="0">
           <a:noAutofit/>
         </a:bodyPr>
         <a:lstStyle/>
         <a:p>
-          <a:pPr marL="0" lvl="0" indent="0" algn="l" defTabSz="889000">
+          <a:pPr marL="0" lvl="0" indent="0" algn="l" defTabSz="1333500">
             <a:lnSpc>
               <a:spcPct val="90000"/>
             </a:lnSpc>
@@ -6392,55 +6346,44 @@
             <a:buNone/>
           </a:pPr>
           <a:r>
-            <a:rPr lang="ko-KR" sz="2000" b="1" kern="1200">
-              <a:latin typeface="Malgun Gothic Semilight" panose="020B0502040204020203" pitchFamily="50" charset="-127"/>
-              <a:ea typeface="Malgun Gothic Semilight" panose="020B0502040204020203" pitchFamily="50" charset="-127"/>
-              <a:cs typeface="Malgun Gothic Semilight" panose="020B0502040204020203" pitchFamily="50" charset="-127"/>
-            </a:rPr>
+            <a:rPr lang="ko-KR" sz="3000" kern="1200" dirty="0"/>
             <a:t>국제사례</a:t>
           </a:r>
           <a:r>
-            <a:rPr lang="en-US" sz="2000" b="1" kern="1200">
-              <a:latin typeface="Malgun Gothic Semilight" panose="020B0502040204020203" pitchFamily="50" charset="-127"/>
-              <a:ea typeface="Malgun Gothic Semilight" panose="020B0502040204020203" pitchFamily="50" charset="-127"/>
-              <a:cs typeface="Malgun Gothic Semilight" panose="020B0502040204020203" pitchFamily="50" charset="-127"/>
-            </a:rPr>
+            <a:rPr lang="en-US" sz="3000" kern="1200" dirty="0"/>
             <a:t>: Watch-Out</a:t>
           </a:r>
-          <a:endParaRPr lang="en-US" sz="2000" kern="1200">
-            <a:latin typeface="Malgun Gothic Semilight" panose="020B0502040204020203" pitchFamily="50" charset="-127"/>
-            <a:ea typeface="Malgun Gothic Semilight" panose="020B0502040204020203" pitchFamily="50" charset="-127"/>
-            <a:cs typeface="Malgun Gothic Semilight" panose="020B0502040204020203" pitchFamily="50" charset="-127"/>
-          </a:endParaRPr>
         </a:p>
       </dsp:txBody>
       <dsp:txXfrm>
-        <a:off x="31070" y="1497861"/>
-        <a:ext cx="4151080" cy="574340"/>
+        <a:off x="0" y="1605223"/>
+        <a:ext cx="11426923" cy="801436"/>
       </dsp:txXfrm>
     </dsp:sp>
-    <dsp:sp modelId="{BACEC919-3211-4286-B743-1A6ED6C40E0D}">
+    <dsp:sp modelId="{3DC365B4-5B86-433B-A509-1C9F8A267C96}">
       <dsp:nvSpPr>
         <dsp:cNvPr id="0" name=""/>
         <dsp:cNvSpPr/>
       </dsp:nvSpPr>
       <dsp:spPr>
         <a:xfrm>
-          <a:off x="0" y="2218855"/>
-          <a:ext cx="11029950" cy="636480"/>
+          <a:off x="0" y="2406660"/>
+          <a:ext cx="11426923" cy="0"/>
         </a:xfrm>
-        <a:prstGeom prst="roundRect">
+        <a:prstGeom prst="line">
           <a:avLst/>
         </a:prstGeom>
         <a:solidFill>
-          <a:schemeClr val="accent1">
-            <a:lumMod val="60000"/>
-            <a:lumOff val="40000"/>
+          <a:schemeClr val="accent5">
+            <a:hueOff val="0"/>
+            <a:satOff val="0"/>
+            <a:lumOff val="0"/>
+            <a:alphaOff val="0"/>
           </a:schemeClr>
         </a:solidFill>
         <a:ln w="22225" cap="rnd" cmpd="sng" algn="ctr">
           <a:solidFill>
-            <a:schemeClr val="lt1">
+            <a:schemeClr val="accent5">
               <a:hueOff val="0"/>
               <a:satOff val="0"/>
               <a:lumOff val="0"/>
@@ -6465,8 +6408,45 @@
           <a:schemeClr val="lt1"/>
         </a:fontRef>
       </dsp:style>
+    </dsp:sp>
+    <dsp:sp modelId="{BF1F53F0-8E24-4FC7-AD79-F97A3BA33250}">
+      <dsp:nvSpPr>
+        <dsp:cNvPr id="0" name=""/>
+        <dsp:cNvSpPr/>
+      </dsp:nvSpPr>
+      <dsp:spPr>
+        <a:xfrm>
+          <a:off x="0" y="2406660"/>
+          <a:ext cx="11426923" cy="801436"/>
+        </a:xfrm>
+        <a:prstGeom prst="rect">
+          <a:avLst/>
+        </a:prstGeom>
+        <a:solidFill>
+          <a:schemeClr val="accent1">
+            <a:lumMod val="60000"/>
+            <a:lumOff val="40000"/>
+          </a:schemeClr>
+        </a:solidFill>
+        <a:ln>
+          <a:noFill/>
+        </a:ln>
+        <a:effectLst/>
+      </dsp:spPr>
+      <dsp:style>
+        <a:lnRef idx="0">
+          <a:scrgbClr r="0" g="0" b="0"/>
+        </a:lnRef>
+        <a:fillRef idx="0">
+          <a:scrgbClr r="0" g="0" b="0"/>
+        </a:fillRef>
+        <a:effectRef idx="0">
+          <a:scrgbClr r="0" g="0" b="0"/>
+        </a:effectRef>
+        <a:fontRef idx="minor"/>
+      </dsp:style>
       <dsp:txBody>
-        <a:bodyPr spcFirstLastPara="0" vert="horz" wrap="square" lIns="76200" tIns="76200" rIns="76200" bIns="76200" numCol="1" spcCol="1270" anchor="ctr" anchorCtr="0">
+        <a:bodyPr spcFirstLastPara="0" vert="horz" wrap="square" lIns="76200" tIns="76200" rIns="76200" bIns="76200" numCol="1" spcCol="1270" anchor="t" anchorCtr="0">
           <a:noAutofit/>
         </a:bodyPr>
         <a:lstStyle/>
@@ -6485,46 +6465,48 @@
           </a:pPr>
           <a:r>
             <a:rPr lang="ko-KR" sz="2000" i="0" kern="1200">
-              <a:latin typeface="Malgun Gothic Semilight" panose="020B0502040204020203" pitchFamily="50" charset="-127"/>
+              <a:latin typeface="맑은"/>
               <a:ea typeface="Malgun Gothic Semilight" panose="020B0502040204020203" pitchFamily="50" charset="-127"/>
               <a:cs typeface="Malgun Gothic Semilight" panose="020B0502040204020203" pitchFamily="50" charset="-127"/>
             </a:rPr>
             <a:t>사고 다발 지역 500m 전 음성 알림 제공으로 사고 예방에 기여하고 있습니다</a:t>
           </a:r>
           <a:endParaRPr lang="en-US" sz="2000" kern="1200">
-            <a:latin typeface="Malgun Gothic Semilight" panose="020B0502040204020203" pitchFamily="50" charset="-127"/>
+            <a:latin typeface="맑은"/>
             <a:ea typeface="Malgun Gothic Semilight" panose="020B0502040204020203" pitchFamily="50" charset="-127"/>
             <a:cs typeface="Malgun Gothic Semilight" panose="020B0502040204020203" pitchFamily="50" charset="-127"/>
           </a:endParaRPr>
         </a:p>
       </dsp:txBody>
       <dsp:txXfrm>
-        <a:off x="31070" y="2249925"/>
-        <a:ext cx="10967810" cy="574340"/>
+        <a:off x="0" y="2406660"/>
+        <a:ext cx="11426923" cy="801436"/>
       </dsp:txXfrm>
     </dsp:sp>
-    <dsp:sp modelId="{153D44D9-72A9-404A-AF29-C0DA80DE29F8}">
+    <dsp:sp modelId="{9F723E61-C56C-49C3-8D49-D2A44769ACD2}">
       <dsp:nvSpPr>
         <dsp:cNvPr id="0" name=""/>
         <dsp:cNvSpPr/>
       </dsp:nvSpPr>
       <dsp:spPr>
         <a:xfrm>
-          <a:off x="0" y="2930777"/>
-          <a:ext cx="4329806" cy="636480"/>
+          <a:off x="0" y="3208096"/>
+          <a:ext cx="11426923" cy="0"/>
         </a:xfrm>
-        <a:prstGeom prst="roundRect">
+        <a:prstGeom prst="line">
           <a:avLst/>
         </a:prstGeom>
         <a:solidFill>
-          <a:schemeClr val="accent1">
-            <a:lumMod val="40000"/>
-            <a:lumOff val="60000"/>
+          <a:schemeClr val="accent6">
+            <a:hueOff val="0"/>
+            <a:satOff val="0"/>
+            <a:lumOff val="0"/>
+            <a:alphaOff val="0"/>
           </a:schemeClr>
         </a:solidFill>
         <a:ln w="22225" cap="rnd" cmpd="sng" algn="ctr">
           <a:solidFill>
-            <a:schemeClr val="lt1">
+            <a:schemeClr val="accent6">
               <a:hueOff val="0"/>
               <a:satOff val="0"/>
               <a:lumOff val="0"/>
@@ -6549,13 +6531,50 @@
           <a:schemeClr val="lt1"/>
         </a:fontRef>
       </dsp:style>
+    </dsp:sp>
+    <dsp:sp modelId="{CDB2F800-70BD-4B37-9294-8673F31A2907}">
+      <dsp:nvSpPr>
+        <dsp:cNvPr id="0" name=""/>
+        <dsp:cNvSpPr/>
+      </dsp:nvSpPr>
+      <dsp:spPr>
+        <a:xfrm>
+          <a:off x="0" y="3208096"/>
+          <a:ext cx="11426923" cy="801436"/>
+        </a:xfrm>
+        <a:prstGeom prst="rect">
+          <a:avLst/>
+        </a:prstGeom>
+        <a:solidFill>
+          <a:schemeClr val="accent1">
+            <a:lumMod val="40000"/>
+            <a:lumOff val="60000"/>
+          </a:schemeClr>
+        </a:solidFill>
+        <a:ln>
+          <a:noFill/>
+        </a:ln>
+        <a:effectLst/>
+      </dsp:spPr>
+      <dsp:style>
+        <a:lnRef idx="0">
+          <a:scrgbClr r="0" g="0" b="0"/>
+        </a:lnRef>
+        <a:fillRef idx="0">
+          <a:scrgbClr r="0" g="0" b="0"/>
+        </a:fillRef>
+        <a:effectRef idx="0">
+          <a:scrgbClr r="0" g="0" b="0"/>
+        </a:effectRef>
+        <a:fontRef idx="minor"/>
+      </dsp:style>
       <dsp:txBody>
-        <a:bodyPr spcFirstLastPara="0" vert="horz" wrap="square" lIns="76200" tIns="76200" rIns="76200" bIns="76200" numCol="1" spcCol="1270" anchor="ctr" anchorCtr="0">
+        <a:bodyPr spcFirstLastPara="0" vert="horz" wrap="square" lIns="114300" tIns="114300" rIns="114300" bIns="114300" numCol="1" spcCol="1270" anchor="t" anchorCtr="0">
           <a:noAutofit/>
         </a:bodyPr>
         <a:lstStyle/>
         <a:p>
-          <a:pPr marL="0" lvl="0" indent="0" algn="l" defTabSz="889000">
+          <a:pPr marL="0" lvl="0" indent="0" algn="l" defTabSz="1333500">
             <a:lnSpc>
               <a:spcPct val="90000"/>
             </a:lnSpc>
@@ -6568,55 +6587,44 @@
             <a:buNone/>
           </a:pPr>
           <a:r>
-            <a:rPr lang="ko-KR" sz="2000" b="1" kern="1200" dirty="0">
-              <a:latin typeface="Malgun Gothic Semilight" panose="020B0502040204020203" pitchFamily="50" charset="-127"/>
-              <a:ea typeface="Malgun Gothic Semilight" panose="020B0502040204020203" pitchFamily="50" charset="-127"/>
-              <a:cs typeface="Malgun Gothic Semilight" panose="020B0502040204020203" pitchFamily="50" charset="-127"/>
-            </a:rPr>
+            <a:rPr lang="ko-KR" sz="3000" kern="1200" dirty="0"/>
             <a:t>국제사례</a:t>
           </a:r>
           <a:r>
-            <a:rPr lang="en-US" sz="2000" b="1" kern="1200" dirty="0">
-              <a:latin typeface="Malgun Gothic Semilight" panose="020B0502040204020203" pitchFamily="50" charset="-127"/>
-              <a:ea typeface="Malgun Gothic Semilight" panose="020B0502040204020203" pitchFamily="50" charset="-127"/>
-              <a:cs typeface="Malgun Gothic Semilight" panose="020B0502040204020203" pitchFamily="50" charset="-127"/>
-            </a:rPr>
+            <a:rPr lang="en-US" sz="3000" kern="1200" dirty="0"/>
             <a:t>2: Move</a:t>
           </a:r>
-          <a:endParaRPr lang="en-US" sz="2000" kern="1200" dirty="0">
-            <a:latin typeface="Malgun Gothic Semilight" panose="020B0502040204020203" pitchFamily="50" charset="-127"/>
-            <a:ea typeface="Malgun Gothic Semilight" panose="020B0502040204020203" pitchFamily="50" charset="-127"/>
-            <a:cs typeface="Malgun Gothic Semilight" panose="020B0502040204020203" pitchFamily="50" charset="-127"/>
-          </a:endParaRPr>
         </a:p>
       </dsp:txBody>
       <dsp:txXfrm>
-        <a:off x="31070" y="2961847"/>
-        <a:ext cx="4267666" cy="574340"/>
+        <a:off x="0" y="3208096"/>
+        <a:ext cx="11426923" cy="801436"/>
       </dsp:txXfrm>
     </dsp:sp>
-    <dsp:sp modelId="{48AF2B30-5D22-49E3-AD11-17FCB0675A1A}">
+    <dsp:sp modelId="{06D34C8F-A25D-4A56-A0E7-4C4AD35EA918}">
       <dsp:nvSpPr>
         <dsp:cNvPr id="0" name=""/>
         <dsp:cNvSpPr/>
       </dsp:nvSpPr>
       <dsp:spPr>
         <a:xfrm>
-          <a:off x="0" y="3687655"/>
-          <a:ext cx="11029950" cy="636480"/>
+          <a:off x="0" y="4009533"/>
+          <a:ext cx="11426923" cy="0"/>
         </a:xfrm>
-        <a:prstGeom prst="roundRect">
+        <a:prstGeom prst="line">
           <a:avLst/>
         </a:prstGeom>
         <a:solidFill>
-          <a:schemeClr val="accent1">
-            <a:lumMod val="40000"/>
-            <a:lumOff val="60000"/>
+          <a:schemeClr val="accent2">
+            <a:hueOff val="0"/>
+            <a:satOff val="0"/>
+            <a:lumOff val="0"/>
+            <a:alphaOff val="0"/>
           </a:schemeClr>
         </a:solidFill>
         <a:ln w="22225" cap="rnd" cmpd="sng" algn="ctr">
           <a:solidFill>
-            <a:schemeClr val="lt1">
+            <a:schemeClr val="accent2">
               <a:hueOff val="0"/>
               <a:satOff val="0"/>
               <a:lumOff val="0"/>
@@ -6641,8 +6649,45 @@
           <a:schemeClr val="lt1"/>
         </a:fontRef>
       </dsp:style>
+    </dsp:sp>
+    <dsp:sp modelId="{61868617-A65D-49E7-B8A2-D4E751131E61}">
+      <dsp:nvSpPr>
+        <dsp:cNvPr id="0" name=""/>
+        <dsp:cNvSpPr/>
+      </dsp:nvSpPr>
+      <dsp:spPr>
+        <a:xfrm>
+          <a:off x="0" y="4009533"/>
+          <a:ext cx="11426923" cy="801436"/>
+        </a:xfrm>
+        <a:prstGeom prst="rect">
+          <a:avLst/>
+        </a:prstGeom>
+        <a:solidFill>
+          <a:schemeClr val="accent1">
+            <a:lumMod val="40000"/>
+            <a:lumOff val="60000"/>
+          </a:schemeClr>
+        </a:solidFill>
+        <a:ln>
+          <a:noFill/>
+        </a:ln>
+        <a:effectLst/>
+      </dsp:spPr>
+      <dsp:style>
+        <a:lnRef idx="0">
+          <a:scrgbClr r="0" g="0" b="0"/>
+        </a:lnRef>
+        <a:fillRef idx="0">
+          <a:scrgbClr r="0" g="0" b="0"/>
+        </a:fillRef>
+        <a:effectRef idx="0">
+          <a:scrgbClr r="0" g="0" b="0"/>
+        </a:effectRef>
+        <a:fontRef idx="minor"/>
+      </dsp:style>
       <dsp:txBody>
-        <a:bodyPr spcFirstLastPara="0" vert="horz" wrap="square" lIns="76200" tIns="76200" rIns="76200" bIns="76200" numCol="1" spcCol="1270" anchor="ctr" anchorCtr="0">
+        <a:bodyPr spcFirstLastPara="0" vert="horz" wrap="square" lIns="76200" tIns="76200" rIns="76200" bIns="76200" numCol="1" spcCol="1270" anchor="t" anchorCtr="0">
           <a:noAutofit/>
         </a:bodyPr>
         <a:lstStyle/>
@@ -6660,63 +6705,71 @@
             <a:buNone/>
           </a:pPr>
           <a:r>
-            <a:rPr lang="ko-KR" sz="2000" i="0" kern="1200">
-              <a:latin typeface="Malgun Gothic Semilight" panose="020B0502040204020203" pitchFamily="50" charset="-127"/>
+            <a:rPr lang="ko-KR" sz="2000" i="0" kern="1200" dirty="0" err="1">
+              <a:latin typeface="맑은"/>
               <a:ea typeface="Malgun Gothic Semilight" panose="020B0502040204020203" pitchFamily="50" charset="-127"/>
               <a:cs typeface="Malgun Gothic Semilight" panose="020B0502040204020203" pitchFamily="50" charset="-127"/>
             </a:rPr>
             <a:t>블랙스팟</a:t>
           </a:r>
           <a:r>
-            <a:rPr lang="en-US" sz="2000" i="0" kern="1200">
-              <a:latin typeface="Malgun Gothic Semilight" panose="020B0502040204020203" pitchFamily="50" charset="-127"/>
+            <a:rPr lang="en-US" sz="2000" i="0" kern="1200" dirty="0">
+              <a:latin typeface="맑은"/>
               <a:ea typeface="Malgun Gothic Semilight" panose="020B0502040204020203" pitchFamily="50" charset="-127"/>
               <a:cs typeface="Malgun Gothic Semilight" panose="020B0502040204020203" pitchFamily="50" charset="-127"/>
             </a:rPr>
             <a:t>, </a:t>
           </a:r>
           <a:r>
-            <a:rPr lang="ko-KR" sz="2000" i="0" kern="1200">
-              <a:latin typeface="Malgun Gothic Semilight" panose="020B0502040204020203" pitchFamily="50" charset="-127"/>
+            <a:rPr lang="ko-KR" sz="2000" i="0" kern="1200" dirty="0">
+              <a:latin typeface="맑은"/>
               <a:ea typeface="Malgun Gothic Semilight" panose="020B0502040204020203" pitchFamily="50" charset="-127"/>
               <a:cs typeface="Malgun Gothic Semilight" panose="020B0502040204020203" pitchFamily="50" charset="-127"/>
             </a:rPr>
-            <a:t>과속 방지턱</a:t>
+            <a:t>과속 </a:t>
           </a:r>
           <a:r>
-            <a:rPr lang="en-US" sz="2000" i="0" kern="1200">
-              <a:latin typeface="Malgun Gothic Semilight" panose="020B0502040204020203" pitchFamily="50" charset="-127"/>
+            <a:rPr lang="ko-KR" sz="2000" i="0" kern="1200" dirty="0" err="1">
+              <a:latin typeface="맑은"/>
+              <a:ea typeface="Malgun Gothic Semilight" panose="020B0502040204020203" pitchFamily="50" charset="-127"/>
+              <a:cs typeface="Malgun Gothic Semilight" panose="020B0502040204020203" pitchFamily="50" charset="-127"/>
+            </a:rPr>
+            <a:t>방지턱</a:t>
+          </a:r>
+          <a:r>
+            <a:rPr lang="en-US" sz="2000" i="0" kern="1200" dirty="0">
+              <a:latin typeface="맑은"/>
               <a:ea typeface="Malgun Gothic Semilight" panose="020B0502040204020203" pitchFamily="50" charset="-127"/>
               <a:cs typeface="Malgun Gothic Semilight" panose="020B0502040204020203" pitchFamily="50" charset="-127"/>
             </a:rPr>
             <a:t>, </a:t>
           </a:r>
           <a:r>
-            <a:rPr lang="ko-KR" sz="2000" i="0" kern="1200">
-              <a:latin typeface="Malgun Gothic Semilight" panose="020B0502040204020203" pitchFamily="50" charset="-127"/>
+            <a:rPr lang="ko-KR" sz="2000" i="0" kern="1200" dirty="0">
+              <a:latin typeface="맑은"/>
               <a:ea typeface="Malgun Gothic Semilight" panose="020B0502040204020203" pitchFamily="50" charset="-127"/>
               <a:cs typeface="Malgun Gothic Semilight" panose="020B0502040204020203" pitchFamily="50" charset="-127"/>
             </a:rPr>
             <a:t>급커브 등 도로 위험 요소에 대한 시각적 및 음성 알림을 제공합니다</a:t>
           </a:r>
           <a:r>
-            <a:rPr lang="en-US" sz="2000" i="0" kern="1200">
-              <a:latin typeface="Malgun Gothic Semilight" panose="020B0502040204020203" pitchFamily="50" charset="-127"/>
+            <a:rPr lang="en-US" sz="2000" i="0" kern="1200" dirty="0">
+              <a:latin typeface="맑은"/>
               <a:ea typeface="Malgun Gothic Semilight" panose="020B0502040204020203" pitchFamily="50" charset="-127"/>
               <a:cs typeface="Malgun Gothic Semilight" panose="020B0502040204020203" pitchFamily="50" charset="-127"/>
             </a:rPr>
             <a:t>. </a:t>
           </a:r>
-          <a:endParaRPr lang="en-US" sz="2000" kern="1200">
-            <a:latin typeface="Malgun Gothic Semilight" panose="020B0502040204020203" pitchFamily="50" charset="-127"/>
+          <a:endParaRPr lang="en-US" sz="2000" kern="1200" dirty="0">
+            <a:latin typeface="맑은"/>
             <a:ea typeface="Malgun Gothic Semilight" panose="020B0502040204020203" pitchFamily="50" charset="-127"/>
             <a:cs typeface="Malgun Gothic Semilight" panose="020B0502040204020203" pitchFamily="50" charset="-127"/>
           </a:endParaRPr>
         </a:p>
       </dsp:txBody>
       <dsp:txXfrm>
-        <a:off x="31070" y="3718725"/>
-        <a:ext cx="10967810" cy="574340"/>
+        <a:off x="0" y="4009533"/>
+        <a:ext cx="11426923" cy="801436"/>
       </dsp:txXfrm>
     </dsp:sp>
   </dsp:spTree>
@@ -6731,15 +6784,15 @@
       <dsp:cNvGrpSpPr/>
     </dsp:nvGrpSpPr>
     <dsp:grpSpPr/>
-    <dsp:sp modelId="{6845C02D-2B4B-48AC-9CF5-61EBA48AC95D}">
+    <dsp:sp modelId="{6C4C3296-8950-4CC0-9B85-0C5C573A1189}">
       <dsp:nvSpPr>
         <dsp:cNvPr id="0" name=""/>
         <dsp:cNvSpPr/>
       </dsp:nvSpPr>
       <dsp:spPr>
         <a:xfrm>
-          <a:off x="2458486" y="1172803"/>
-          <a:ext cx="533445" cy="91440"/>
+          <a:off x="2351260" y="885811"/>
+          <a:ext cx="510099" cy="91440"/>
         </a:xfrm>
         <a:custGeom>
           <a:avLst/>
@@ -6753,541 +6806,7 @@
                 <a:pt x="0" y="45720"/>
               </a:moveTo>
               <a:lnTo>
-                <a:pt x="533445" y="45720"/>
-              </a:lnTo>
-            </a:path>
-          </a:pathLst>
-        </a:custGeom>
-        <a:noFill/>
-        <a:ln w="12700" cap="rnd" cmpd="sng" algn="ctr">
-          <a:solidFill>
-            <a:schemeClr val="accent2">
-              <a:hueOff val="0"/>
-              <a:satOff val="0"/>
-              <a:lumOff val="0"/>
-              <a:alphaOff val="0"/>
-            </a:schemeClr>
-          </a:solidFill>
-          <a:prstDash val="solid"/>
-          <a:tailEnd type="arrow"/>
-        </a:ln>
-        <a:effectLst/>
-      </dsp:spPr>
-      <dsp:style>
-        <a:lnRef idx="1">
-          <a:scrgbClr r="0" g="0" b="0"/>
-        </a:lnRef>
-        <a:fillRef idx="0">
-          <a:scrgbClr r="0" g="0" b="0"/>
-        </a:fillRef>
-        <a:effectRef idx="0">
-          <a:scrgbClr r="0" g="0" b="0"/>
-        </a:effectRef>
-        <a:fontRef idx="minor"/>
-      </dsp:style>
-      <dsp:txBody>
-        <a:bodyPr spcFirstLastPara="0" vert="horz" wrap="square" lIns="12700" tIns="0" rIns="12700" bIns="0" numCol="1" spcCol="1270" anchor="ctr" anchorCtr="0">
-          <a:noAutofit/>
-        </a:bodyPr>
-        <a:lstStyle/>
-        <a:p>
-          <a:pPr marL="0" lvl="0" indent="0" algn="ctr" defTabSz="800100">
-            <a:lnSpc>
-              <a:spcPct val="90000"/>
-            </a:lnSpc>
-            <a:spcBef>
-              <a:spcPct val="0"/>
-            </a:spcBef>
-            <a:spcAft>
-              <a:spcPct val="35000"/>
-            </a:spcAft>
-            <a:buNone/>
-          </a:pPr>
-          <a:endParaRPr lang="en-US" sz="1800" kern="1200">
-            <a:latin typeface="Malgun Gothic Semilight" panose="020B0502040204020203" pitchFamily="50" charset="-127"/>
-            <a:ea typeface="Malgun Gothic Semilight" panose="020B0502040204020203" pitchFamily="50" charset="-127"/>
-            <a:cs typeface="Malgun Gothic Semilight" panose="020B0502040204020203" pitchFamily="50" charset="-127"/>
-          </a:endParaRPr>
-        </a:p>
-      </dsp:txBody>
-      <dsp:txXfrm>
-        <a:off x="2711108" y="1215700"/>
-        <a:ext cx="28202" cy="5645"/>
-      </dsp:txXfrm>
-    </dsp:sp>
-    <dsp:sp modelId="{7CE2CC30-ED54-498F-A08A-39A08A775E48}">
-      <dsp:nvSpPr>
-        <dsp:cNvPr id="0" name=""/>
-        <dsp:cNvSpPr/>
-      </dsp:nvSpPr>
-      <dsp:spPr>
-        <a:xfrm>
-          <a:off x="7913" y="482811"/>
-          <a:ext cx="2452373" cy="1471423"/>
-        </a:xfrm>
-        <a:prstGeom prst="rect">
-          <a:avLst/>
-        </a:prstGeom>
-        <a:solidFill>
-          <a:schemeClr val="accent1">
-            <a:lumMod val="60000"/>
-            <a:lumOff val="40000"/>
-          </a:schemeClr>
-        </a:solidFill>
-        <a:ln w="22225" cap="rnd" cmpd="sng" algn="ctr">
-          <a:solidFill>
-            <a:schemeClr val="lt1">
-              <a:hueOff val="0"/>
-              <a:satOff val="0"/>
-              <a:lumOff val="0"/>
-              <a:alphaOff val="0"/>
-            </a:schemeClr>
-          </a:solidFill>
-          <a:prstDash val="solid"/>
-        </a:ln>
-        <a:effectLst/>
-      </dsp:spPr>
-      <dsp:style>
-        <a:lnRef idx="2">
-          <a:scrgbClr r="0" g="0" b="0"/>
-        </a:lnRef>
-        <a:fillRef idx="1">
-          <a:scrgbClr r="0" g="0" b="0"/>
-        </a:fillRef>
-        <a:effectRef idx="0">
-          <a:scrgbClr r="0" g="0" b="0"/>
-        </a:effectRef>
-        <a:fontRef idx="minor">
-          <a:schemeClr val="lt1"/>
-        </a:fontRef>
-      </dsp:style>
-      <dsp:txBody>
-        <a:bodyPr spcFirstLastPara="0" vert="horz" wrap="square" lIns="120168" tIns="126138" rIns="120168" bIns="126138" numCol="1" spcCol="1270" anchor="ctr" anchorCtr="0">
-          <a:noAutofit/>
-        </a:bodyPr>
-        <a:lstStyle/>
-        <a:p>
-          <a:pPr marL="0" lvl="0" indent="0" algn="ctr" defTabSz="800100">
-            <a:lnSpc>
-              <a:spcPct val="90000"/>
-            </a:lnSpc>
-            <a:spcBef>
-              <a:spcPct val="0"/>
-            </a:spcBef>
-            <a:spcAft>
-              <a:spcPct val="35000"/>
-            </a:spcAft>
-            <a:buNone/>
-          </a:pPr>
-          <a:r>
-            <a:rPr lang="ko-KR" sz="1800" b="0" i="0" kern="1200" dirty="0">
-              <a:latin typeface="Malgun Gothic Semilight" panose="020B0502040204020203" pitchFamily="50" charset="-127"/>
-              <a:ea typeface="Malgun Gothic Semilight" panose="020B0502040204020203" pitchFamily="50" charset="-127"/>
-              <a:cs typeface="Malgun Gothic Semilight" panose="020B0502040204020203" pitchFamily="50" charset="-127"/>
-            </a:rPr>
-            <a:t>데이터 </a:t>
-          </a:r>
-          <a:r>
-            <a:rPr lang="ko-KR" sz="1800" b="0" i="0" kern="1200" dirty="0" err="1">
-              <a:latin typeface="Malgun Gothic Semilight" panose="020B0502040204020203" pitchFamily="50" charset="-127"/>
-              <a:ea typeface="Malgun Gothic Semilight" panose="020B0502040204020203" pitchFamily="50" charset="-127"/>
-              <a:cs typeface="Malgun Gothic Semilight" panose="020B0502040204020203" pitchFamily="50" charset="-127"/>
-            </a:rPr>
-            <a:t>전처리</a:t>
-          </a:r>
-          <a:endParaRPr lang="en-US" sz="1800" kern="1200" dirty="0">
-            <a:latin typeface="Malgun Gothic Semilight" panose="020B0502040204020203" pitchFamily="50" charset="-127"/>
-            <a:ea typeface="Malgun Gothic Semilight" panose="020B0502040204020203" pitchFamily="50" charset="-127"/>
-            <a:cs typeface="Malgun Gothic Semilight" panose="020B0502040204020203" pitchFamily="50" charset="-127"/>
-          </a:endParaRPr>
-        </a:p>
-      </dsp:txBody>
-      <dsp:txXfrm>
-        <a:off x="7913" y="482811"/>
-        <a:ext cx="2452373" cy="1471423"/>
-      </dsp:txXfrm>
-    </dsp:sp>
-    <dsp:sp modelId="{9D58B9FC-07D0-437C-B862-2003AD09FAFE}">
-      <dsp:nvSpPr>
-        <dsp:cNvPr id="0" name=""/>
-        <dsp:cNvSpPr/>
-      </dsp:nvSpPr>
-      <dsp:spPr>
-        <a:xfrm>
-          <a:off x="5474905" y="1172803"/>
-          <a:ext cx="533445" cy="91440"/>
-        </a:xfrm>
-        <a:custGeom>
-          <a:avLst/>
-          <a:gdLst/>
-          <a:ahLst/>
-          <a:cxnLst/>
-          <a:rect l="0" t="0" r="0" b="0"/>
-          <a:pathLst>
-            <a:path>
-              <a:moveTo>
-                <a:pt x="0" y="45720"/>
-              </a:moveTo>
-              <a:lnTo>
-                <a:pt x="533445" y="45720"/>
-              </a:lnTo>
-            </a:path>
-          </a:pathLst>
-        </a:custGeom>
-        <a:noFill/>
-        <a:ln w="12700" cap="rnd" cmpd="sng" algn="ctr">
-          <a:solidFill>
-            <a:schemeClr val="accent3">
-              <a:hueOff val="0"/>
-              <a:satOff val="0"/>
-              <a:lumOff val="0"/>
-              <a:alphaOff val="0"/>
-            </a:schemeClr>
-          </a:solidFill>
-          <a:prstDash val="solid"/>
-          <a:tailEnd type="arrow"/>
-        </a:ln>
-        <a:effectLst/>
-      </dsp:spPr>
-      <dsp:style>
-        <a:lnRef idx="1">
-          <a:scrgbClr r="0" g="0" b="0"/>
-        </a:lnRef>
-        <a:fillRef idx="0">
-          <a:scrgbClr r="0" g="0" b="0"/>
-        </a:fillRef>
-        <a:effectRef idx="0">
-          <a:scrgbClr r="0" g="0" b="0"/>
-        </a:effectRef>
-        <a:fontRef idx="minor"/>
-      </dsp:style>
-      <dsp:txBody>
-        <a:bodyPr spcFirstLastPara="0" vert="horz" wrap="square" lIns="12700" tIns="0" rIns="12700" bIns="0" numCol="1" spcCol="1270" anchor="ctr" anchorCtr="0">
-          <a:noAutofit/>
-        </a:bodyPr>
-        <a:lstStyle/>
-        <a:p>
-          <a:pPr marL="0" lvl="0" indent="0" algn="ctr" defTabSz="800100">
-            <a:lnSpc>
-              <a:spcPct val="90000"/>
-            </a:lnSpc>
-            <a:spcBef>
-              <a:spcPct val="0"/>
-            </a:spcBef>
-            <a:spcAft>
-              <a:spcPct val="35000"/>
-            </a:spcAft>
-            <a:buNone/>
-          </a:pPr>
-          <a:endParaRPr lang="en-US" sz="1800" kern="1200">
-            <a:latin typeface="Malgun Gothic Semilight" panose="020B0502040204020203" pitchFamily="50" charset="-127"/>
-            <a:ea typeface="Malgun Gothic Semilight" panose="020B0502040204020203" pitchFamily="50" charset="-127"/>
-            <a:cs typeface="Malgun Gothic Semilight" panose="020B0502040204020203" pitchFamily="50" charset="-127"/>
-          </a:endParaRPr>
-        </a:p>
-      </dsp:txBody>
-      <dsp:txXfrm>
-        <a:off x="5727527" y="1215700"/>
-        <a:ext cx="28202" cy="5645"/>
-      </dsp:txXfrm>
-    </dsp:sp>
-    <dsp:sp modelId="{C9BB235A-3E04-4709-85F9-191C75806D9C}">
-      <dsp:nvSpPr>
-        <dsp:cNvPr id="0" name=""/>
-        <dsp:cNvSpPr/>
-      </dsp:nvSpPr>
-      <dsp:spPr>
-        <a:xfrm>
-          <a:off x="3024332" y="482811"/>
-          <a:ext cx="2452373" cy="1471423"/>
-        </a:xfrm>
-        <a:prstGeom prst="rect">
-          <a:avLst/>
-        </a:prstGeom>
-        <a:solidFill>
-          <a:schemeClr val="accent1">
-            <a:lumMod val="60000"/>
-            <a:lumOff val="40000"/>
-          </a:schemeClr>
-        </a:solidFill>
-        <a:ln w="22225" cap="rnd" cmpd="sng" algn="ctr">
-          <a:solidFill>
-            <a:schemeClr val="lt1">
-              <a:hueOff val="0"/>
-              <a:satOff val="0"/>
-              <a:lumOff val="0"/>
-              <a:alphaOff val="0"/>
-            </a:schemeClr>
-          </a:solidFill>
-          <a:prstDash val="solid"/>
-        </a:ln>
-        <a:effectLst/>
-      </dsp:spPr>
-      <dsp:style>
-        <a:lnRef idx="2">
-          <a:scrgbClr r="0" g="0" b="0"/>
-        </a:lnRef>
-        <a:fillRef idx="1">
-          <a:scrgbClr r="0" g="0" b="0"/>
-        </a:fillRef>
-        <a:effectRef idx="0">
-          <a:scrgbClr r="0" g="0" b="0"/>
-        </a:effectRef>
-        <a:fontRef idx="minor">
-          <a:schemeClr val="lt1"/>
-        </a:fontRef>
-      </dsp:style>
-      <dsp:txBody>
-        <a:bodyPr spcFirstLastPara="0" vert="horz" wrap="square" lIns="120168" tIns="126138" rIns="120168" bIns="126138" numCol="1" spcCol="1270" anchor="ctr" anchorCtr="0">
-          <a:noAutofit/>
-        </a:bodyPr>
-        <a:lstStyle/>
-        <a:p>
-          <a:pPr marL="0" lvl="0" indent="0" algn="ctr" defTabSz="800100">
-            <a:lnSpc>
-              <a:spcPct val="90000"/>
-            </a:lnSpc>
-            <a:spcBef>
-              <a:spcPct val="0"/>
-            </a:spcBef>
-            <a:spcAft>
-              <a:spcPct val="35000"/>
-            </a:spcAft>
-            <a:buNone/>
-          </a:pPr>
-          <a:r>
-            <a:rPr lang="ko-KR" sz="1800" b="0" i="0" kern="1200">
-              <a:latin typeface="Malgun Gothic Semilight" panose="020B0502040204020203" pitchFamily="50" charset="-127"/>
-              <a:ea typeface="Malgun Gothic Semilight" panose="020B0502040204020203" pitchFamily="50" charset="-127"/>
-              <a:cs typeface="Malgun Gothic Semilight" panose="020B0502040204020203" pitchFamily="50" charset="-127"/>
-            </a:rPr>
-            <a:t>공공데이터 지역코드 전처리 후 </a:t>
-          </a:r>
-          <a:r>
-            <a:rPr lang="en-US" sz="1800" b="0" i="0" kern="1200">
-              <a:latin typeface="Malgun Gothic Semilight" panose="020B0502040204020203" pitchFamily="50" charset="-127"/>
-              <a:ea typeface="Malgun Gothic Semilight" panose="020B0502040204020203" pitchFamily="50" charset="-127"/>
-              <a:cs typeface="Malgun Gothic Semilight" panose="020B0502040204020203" pitchFamily="50" charset="-127"/>
-            </a:rPr>
-            <a:t>MySQL </a:t>
-          </a:r>
-          <a:r>
-            <a:rPr lang="ko-KR" sz="1800" b="0" i="0" kern="1200">
-              <a:latin typeface="Malgun Gothic Semilight" panose="020B0502040204020203" pitchFamily="50" charset="-127"/>
-              <a:ea typeface="Malgun Gothic Semilight" panose="020B0502040204020203" pitchFamily="50" charset="-127"/>
-              <a:cs typeface="Malgun Gothic Semilight" panose="020B0502040204020203" pitchFamily="50" charset="-127"/>
-            </a:rPr>
-            <a:t>지역테이블 생성</a:t>
-          </a:r>
-          <a:endParaRPr lang="en-US" sz="1800" kern="1200">
-            <a:latin typeface="Malgun Gothic Semilight" panose="020B0502040204020203" pitchFamily="50" charset="-127"/>
-            <a:ea typeface="Malgun Gothic Semilight" panose="020B0502040204020203" pitchFamily="50" charset="-127"/>
-            <a:cs typeface="Malgun Gothic Semilight" panose="020B0502040204020203" pitchFamily="50" charset="-127"/>
-          </a:endParaRPr>
-        </a:p>
-      </dsp:txBody>
-      <dsp:txXfrm>
-        <a:off x="3024332" y="482811"/>
-        <a:ext cx="2452373" cy="1471423"/>
-      </dsp:txXfrm>
-    </dsp:sp>
-    <dsp:sp modelId="{A5B4E91D-2772-4622-B48E-4BD053049523}">
-      <dsp:nvSpPr>
-        <dsp:cNvPr id="0" name=""/>
-        <dsp:cNvSpPr/>
-      </dsp:nvSpPr>
-      <dsp:spPr>
-        <a:xfrm>
-          <a:off x="8491324" y="1172803"/>
-          <a:ext cx="533445" cy="91440"/>
-        </a:xfrm>
-        <a:custGeom>
-          <a:avLst/>
-          <a:gdLst/>
-          <a:ahLst/>
-          <a:cxnLst/>
-          <a:rect l="0" t="0" r="0" b="0"/>
-          <a:pathLst>
-            <a:path>
-              <a:moveTo>
-                <a:pt x="0" y="45720"/>
-              </a:moveTo>
-              <a:lnTo>
-                <a:pt x="533445" y="45720"/>
-              </a:lnTo>
-            </a:path>
-          </a:pathLst>
-        </a:custGeom>
-        <a:noFill/>
-        <a:ln w="12700" cap="rnd" cmpd="sng" algn="ctr">
-          <a:solidFill>
-            <a:schemeClr val="accent4">
-              <a:hueOff val="0"/>
-              <a:satOff val="0"/>
-              <a:lumOff val="0"/>
-              <a:alphaOff val="0"/>
-            </a:schemeClr>
-          </a:solidFill>
-          <a:prstDash val="solid"/>
-          <a:tailEnd type="arrow"/>
-        </a:ln>
-        <a:effectLst/>
-      </dsp:spPr>
-      <dsp:style>
-        <a:lnRef idx="1">
-          <a:scrgbClr r="0" g="0" b="0"/>
-        </a:lnRef>
-        <a:fillRef idx="0">
-          <a:scrgbClr r="0" g="0" b="0"/>
-        </a:fillRef>
-        <a:effectRef idx="0">
-          <a:scrgbClr r="0" g="0" b="0"/>
-        </a:effectRef>
-        <a:fontRef idx="minor"/>
-      </dsp:style>
-      <dsp:txBody>
-        <a:bodyPr spcFirstLastPara="0" vert="horz" wrap="square" lIns="12700" tIns="0" rIns="12700" bIns="0" numCol="1" spcCol="1270" anchor="ctr" anchorCtr="0">
-          <a:noAutofit/>
-        </a:bodyPr>
-        <a:lstStyle/>
-        <a:p>
-          <a:pPr marL="0" lvl="0" indent="0" algn="ctr" defTabSz="800100">
-            <a:lnSpc>
-              <a:spcPct val="90000"/>
-            </a:lnSpc>
-            <a:spcBef>
-              <a:spcPct val="0"/>
-            </a:spcBef>
-            <a:spcAft>
-              <a:spcPct val="35000"/>
-            </a:spcAft>
-            <a:buNone/>
-          </a:pPr>
-          <a:endParaRPr lang="en-US" sz="1800" kern="1200">
-            <a:latin typeface="Malgun Gothic Semilight" panose="020B0502040204020203" pitchFamily="50" charset="-127"/>
-            <a:ea typeface="Malgun Gothic Semilight" panose="020B0502040204020203" pitchFamily="50" charset="-127"/>
-            <a:cs typeface="Malgun Gothic Semilight" panose="020B0502040204020203" pitchFamily="50" charset="-127"/>
-          </a:endParaRPr>
-        </a:p>
-      </dsp:txBody>
-      <dsp:txXfrm>
-        <a:off x="8743946" y="1215700"/>
-        <a:ext cx="28202" cy="5645"/>
-      </dsp:txXfrm>
-    </dsp:sp>
-    <dsp:sp modelId="{B56A4F43-36F3-44E4-9F8C-B56378712F71}">
-      <dsp:nvSpPr>
-        <dsp:cNvPr id="0" name=""/>
-        <dsp:cNvSpPr/>
-      </dsp:nvSpPr>
-      <dsp:spPr>
-        <a:xfrm>
-          <a:off x="6040751" y="482811"/>
-          <a:ext cx="2452373" cy="1471423"/>
-        </a:xfrm>
-        <a:prstGeom prst="rect">
-          <a:avLst/>
-        </a:prstGeom>
-        <a:solidFill>
-          <a:schemeClr val="accent1">
-            <a:lumMod val="60000"/>
-            <a:lumOff val="40000"/>
-          </a:schemeClr>
-        </a:solidFill>
-        <a:ln w="22225" cap="rnd" cmpd="sng" algn="ctr">
-          <a:solidFill>
-            <a:schemeClr val="lt1">
-              <a:hueOff val="0"/>
-              <a:satOff val="0"/>
-              <a:lumOff val="0"/>
-              <a:alphaOff val="0"/>
-            </a:schemeClr>
-          </a:solidFill>
-          <a:prstDash val="solid"/>
-        </a:ln>
-        <a:effectLst/>
-      </dsp:spPr>
-      <dsp:style>
-        <a:lnRef idx="2">
-          <a:scrgbClr r="0" g="0" b="0"/>
-        </a:lnRef>
-        <a:fillRef idx="1">
-          <a:scrgbClr r="0" g="0" b="0"/>
-        </a:fillRef>
-        <a:effectRef idx="0">
-          <a:scrgbClr r="0" g="0" b="0"/>
-        </a:effectRef>
-        <a:fontRef idx="minor">
-          <a:schemeClr val="lt1"/>
-        </a:fontRef>
-      </dsp:style>
-      <dsp:txBody>
-        <a:bodyPr spcFirstLastPara="0" vert="horz" wrap="square" lIns="120168" tIns="126138" rIns="120168" bIns="126138" numCol="1" spcCol="1270" anchor="ctr" anchorCtr="0">
-          <a:noAutofit/>
-        </a:bodyPr>
-        <a:lstStyle/>
-        <a:p>
-          <a:pPr marL="0" lvl="0" indent="0" algn="ctr" defTabSz="800100">
-            <a:lnSpc>
-              <a:spcPct val="90000"/>
-            </a:lnSpc>
-            <a:spcBef>
-              <a:spcPct val="0"/>
-            </a:spcBef>
-            <a:spcAft>
-              <a:spcPct val="35000"/>
-            </a:spcAft>
-            <a:buNone/>
-          </a:pPr>
-          <a:r>
-            <a:rPr lang="ko-KR" sz="1800" b="0" i="0" kern="1200">
-              <a:latin typeface="Malgun Gothic Semilight" panose="020B0502040204020203" pitchFamily="50" charset="-127"/>
-              <a:ea typeface="Malgun Gothic Semilight" panose="020B0502040204020203" pitchFamily="50" charset="-127"/>
-              <a:cs typeface="Malgun Gothic Semilight" panose="020B0502040204020203" pitchFamily="50" charset="-127"/>
-            </a:rPr>
-            <a:t>지도 시각화</a:t>
-          </a:r>
-          <a:endParaRPr lang="en-US" sz="1800" kern="1200">
-            <a:latin typeface="Malgun Gothic Semilight" panose="020B0502040204020203" pitchFamily="50" charset="-127"/>
-            <a:ea typeface="Malgun Gothic Semilight" panose="020B0502040204020203" pitchFamily="50" charset="-127"/>
-            <a:cs typeface="Malgun Gothic Semilight" panose="020B0502040204020203" pitchFamily="50" charset="-127"/>
-          </a:endParaRPr>
-        </a:p>
-      </dsp:txBody>
-      <dsp:txXfrm>
-        <a:off x="6040751" y="482811"/>
-        <a:ext cx="2452373" cy="1471423"/>
-      </dsp:txXfrm>
-    </dsp:sp>
-    <dsp:sp modelId="{4950B29E-C8D8-4185-8369-86584EF07BCE}">
-      <dsp:nvSpPr>
-        <dsp:cNvPr id="0" name=""/>
-        <dsp:cNvSpPr/>
-      </dsp:nvSpPr>
-      <dsp:spPr>
-        <a:xfrm>
-          <a:off x="1234099" y="1952435"/>
-          <a:ext cx="9049257" cy="533445"/>
-        </a:xfrm>
-        <a:custGeom>
-          <a:avLst/>
-          <a:gdLst/>
-          <a:ahLst/>
-          <a:cxnLst/>
-          <a:rect l="0" t="0" r="0" b="0"/>
-          <a:pathLst>
-            <a:path>
-              <a:moveTo>
-                <a:pt x="9049257" y="0"/>
-              </a:moveTo>
-              <a:lnTo>
-                <a:pt x="9049257" y="283822"/>
-              </a:lnTo>
-              <a:lnTo>
-                <a:pt x="0" y="283822"/>
-              </a:lnTo>
-              <a:lnTo>
-                <a:pt x="0" y="533445"/>
+                <a:pt x="510099" y="45720"/>
               </a:lnTo>
             </a:path>
           </a:pathLst>
@@ -7325,7 +6844,7 @@
         </a:bodyPr>
         <a:lstStyle/>
         <a:p>
-          <a:pPr marL="0" lvl="0" indent="0" algn="ctr" defTabSz="800100">
+          <a:pPr marL="0" lvl="0" indent="0" algn="ctr" defTabSz="222250">
             <a:lnSpc>
               <a:spcPct val="90000"/>
             </a:lnSpc>
@@ -7337,7 +6856,7 @@
             </a:spcAft>
             <a:buNone/>
           </a:pPr>
-          <a:endParaRPr lang="en-US" sz="1800" kern="1200">
+          <a:endParaRPr lang="en-US" sz="500" kern="1200">
             <a:latin typeface="Malgun Gothic Semilight" panose="020B0502040204020203" pitchFamily="50" charset="-127"/>
             <a:ea typeface="Malgun Gothic Semilight" panose="020B0502040204020203" pitchFamily="50" charset="-127"/>
             <a:cs typeface="Malgun Gothic Semilight" panose="020B0502040204020203" pitchFamily="50" charset="-127"/>
@@ -7345,27 +6864,29 @@
         </a:p>
       </dsp:txBody>
       <dsp:txXfrm>
-        <a:off x="5532058" y="2216335"/>
-        <a:ext cx="453340" cy="5645"/>
+        <a:off x="2592792" y="928827"/>
+        <a:ext cx="27034" cy="5406"/>
       </dsp:txXfrm>
     </dsp:sp>
-    <dsp:sp modelId="{2C5FC553-3EC2-4B91-BD9C-6075FB93CD57}">
+    <dsp:sp modelId="{78822E08-0B45-468F-B5E4-534686D19A87}">
       <dsp:nvSpPr>
         <dsp:cNvPr id="0" name=""/>
         <dsp:cNvSpPr/>
       </dsp:nvSpPr>
       <dsp:spPr>
         <a:xfrm>
-          <a:off x="9057170" y="482811"/>
-          <a:ext cx="2452373" cy="1471423"/>
+          <a:off x="2194" y="226271"/>
+          <a:ext cx="2350865" cy="1410519"/>
         </a:xfrm>
         <a:prstGeom prst="rect">
           <a:avLst/>
         </a:prstGeom>
         <a:solidFill>
-          <a:schemeClr val="accent1">
-            <a:lumMod val="60000"/>
-            <a:lumOff val="40000"/>
+          <a:schemeClr val="accent5">
+            <a:hueOff val="0"/>
+            <a:satOff val="0"/>
+            <a:lumOff val="0"/>
+            <a:alphaOff val="0"/>
           </a:schemeClr>
         </a:solidFill>
         <a:ln w="22225" cap="rnd" cmpd="sng" algn="ctr">
@@ -7396,12 +6917,12 @@
         </a:fontRef>
       </dsp:style>
       <dsp:txBody>
-        <a:bodyPr spcFirstLastPara="0" vert="horz" wrap="square" lIns="120168" tIns="126138" rIns="120168" bIns="126138" numCol="1" spcCol="1270" anchor="ctr" anchorCtr="0">
+        <a:bodyPr spcFirstLastPara="0" vert="horz" wrap="square" lIns="115194" tIns="120917" rIns="115194" bIns="120917" numCol="1" spcCol="1270" anchor="ctr" anchorCtr="0">
           <a:noAutofit/>
         </a:bodyPr>
         <a:lstStyle/>
         <a:p>
-          <a:pPr marL="0" lvl="0" indent="0" algn="ctr" defTabSz="800100">
+          <a:pPr marL="0" lvl="0" indent="0" algn="ctr" defTabSz="666750">
             <a:lnSpc>
               <a:spcPct val="90000"/>
             </a:lnSpc>
@@ -7414,14 +6935,49 @@
             <a:buNone/>
           </a:pPr>
           <a:r>
-            <a:rPr lang="ko-KR" sz="1800" b="0" i="0" kern="1200">
+            <a:rPr lang="ko-KR" altLang="en-US" sz="1500" b="0" i="0" kern="1200" dirty="0">
               <a:latin typeface="Malgun Gothic Semilight" panose="020B0502040204020203" pitchFamily="50" charset="-127"/>
               <a:ea typeface="Malgun Gothic Semilight" panose="020B0502040204020203" pitchFamily="50" charset="-127"/>
               <a:cs typeface="Malgun Gothic Semilight" panose="020B0502040204020203" pitchFamily="50" charset="-127"/>
             </a:rPr>
-            <a:t>교통사고 데이터와 지역코드 연결하여 지도에 매핑</a:t>
+            <a:t>공공데이터</a:t>
           </a:r>
-          <a:endParaRPr lang="en-US" sz="1800" kern="1200">
+          <a:endParaRPr lang="en-US" altLang="ko-KR" sz="1500" b="0" i="0" kern="1200" dirty="0">
+            <a:latin typeface="Malgun Gothic Semilight" panose="020B0502040204020203" pitchFamily="50" charset="-127"/>
+            <a:ea typeface="Malgun Gothic Semilight" panose="020B0502040204020203" pitchFamily="50" charset="-127"/>
+            <a:cs typeface="Malgun Gothic Semilight" panose="020B0502040204020203" pitchFamily="50" charset="-127"/>
+          </a:endParaRPr>
+        </a:p>
+        <a:p>
+          <a:pPr marL="0" lvl="0" indent="0" algn="ctr" defTabSz="666750">
+            <a:lnSpc>
+              <a:spcPct val="90000"/>
+            </a:lnSpc>
+            <a:spcBef>
+              <a:spcPct val="0"/>
+            </a:spcBef>
+            <a:spcAft>
+              <a:spcPct val="35000"/>
+            </a:spcAft>
+            <a:buNone/>
+          </a:pPr>
+          <a:r>
+            <a:rPr lang="ko-KR" sz="1500" b="0" i="0" kern="1200" dirty="0">
+              <a:latin typeface="Malgun Gothic Semilight" panose="020B0502040204020203" pitchFamily="50" charset="-127"/>
+              <a:ea typeface="Malgun Gothic Semilight" panose="020B0502040204020203" pitchFamily="50" charset="-127"/>
+              <a:cs typeface="Malgun Gothic Semilight" panose="020B0502040204020203" pitchFamily="50" charset="-127"/>
+            </a:rPr>
+            <a:t>데이터 </a:t>
+          </a:r>
+          <a:r>
+            <a:rPr lang="ko-KR" sz="1500" b="0" i="0" kern="1200" dirty="0" err="1">
+              <a:latin typeface="Malgun Gothic Semilight" panose="020B0502040204020203" pitchFamily="50" charset="-127"/>
+              <a:ea typeface="Malgun Gothic Semilight" panose="020B0502040204020203" pitchFamily="50" charset="-127"/>
+              <a:cs typeface="Malgun Gothic Semilight" panose="020B0502040204020203" pitchFamily="50" charset="-127"/>
+            </a:rPr>
+            <a:t>전처리</a:t>
+          </a:r>
+          <a:endParaRPr lang="en-US" sz="1500" kern="1200" dirty="0">
             <a:latin typeface="Malgun Gothic Semilight" panose="020B0502040204020203" pitchFamily="50" charset="-127"/>
             <a:ea typeface="Malgun Gothic Semilight" panose="020B0502040204020203" pitchFamily="50" charset="-127"/>
             <a:cs typeface="Malgun Gothic Semilight" panose="020B0502040204020203" pitchFamily="50" charset="-127"/>
@@ -7429,19 +6985,19 @@
         </a:p>
       </dsp:txBody>
       <dsp:txXfrm>
-        <a:off x="9057170" y="482811"/>
-        <a:ext cx="2452373" cy="1471423"/>
+        <a:off x="2194" y="226271"/>
+        <a:ext cx="2350865" cy="1410519"/>
       </dsp:txXfrm>
     </dsp:sp>
-    <dsp:sp modelId="{8ACF7E4C-BC86-4BB6-8DE0-C58B43EE8825}">
+    <dsp:sp modelId="{535E5FFB-EB16-41E7-B278-10F2747EB4F6}">
       <dsp:nvSpPr>
         <dsp:cNvPr id="0" name=""/>
         <dsp:cNvSpPr/>
       </dsp:nvSpPr>
       <dsp:spPr>
         <a:xfrm>
-          <a:off x="2458486" y="3208273"/>
-          <a:ext cx="533445" cy="91440"/>
+          <a:off x="5242825" y="875979"/>
+          <a:ext cx="480595" cy="91440"/>
         </a:xfrm>
         <a:custGeom>
           <a:avLst/>
@@ -7452,10 +7008,16 @@
           <a:pathLst>
             <a:path>
               <a:moveTo>
-                <a:pt x="0" y="45720"/>
+                <a:pt x="0" y="55551"/>
               </a:moveTo>
               <a:lnTo>
-                <a:pt x="533445" y="45720"/>
+                <a:pt x="257397" y="55551"/>
+              </a:lnTo>
+              <a:lnTo>
+                <a:pt x="257397" y="45720"/>
+              </a:lnTo>
+              <a:lnTo>
+                <a:pt x="480595" y="45720"/>
               </a:lnTo>
             </a:path>
           </a:pathLst>
@@ -7463,10 +7025,10 @@
         <a:noFill/>
         <a:ln w="12700" cap="rnd" cmpd="sng" algn="ctr">
           <a:solidFill>
-            <a:schemeClr val="accent6">
-              <a:hueOff val="0"/>
-              <a:satOff val="0"/>
-              <a:lumOff val="0"/>
+            <a:schemeClr val="accent5">
+              <a:hueOff val="743443"/>
+              <a:satOff val="-3290"/>
+              <a:lumOff val="-3301"/>
               <a:alphaOff val="0"/>
             </a:schemeClr>
           </a:solidFill>
@@ -7493,7 +7055,7 @@
         </a:bodyPr>
         <a:lstStyle/>
         <a:p>
-          <a:pPr marL="0" lvl="0" indent="0" algn="ctr" defTabSz="800100">
+          <a:pPr marL="0" lvl="0" indent="0" algn="ctr" defTabSz="222250">
             <a:lnSpc>
               <a:spcPct val="90000"/>
             </a:lnSpc>
@@ -7505,7 +7067,7 @@
             </a:spcAft>
             <a:buNone/>
           </a:pPr>
-          <a:endParaRPr lang="en-US" sz="1800" kern="1200">
+          <a:endParaRPr lang="en-US" sz="500" kern="1200">
             <a:latin typeface="Malgun Gothic Semilight" panose="020B0502040204020203" pitchFamily="50" charset="-127"/>
             <a:ea typeface="Malgun Gothic Semilight" panose="020B0502040204020203" pitchFamily="50" charset="-127"/>
             <a:cs typeface="Malgun Gothic Semilight" panose="020B0502040204020203" pitchFamily="50" charset="-127"/>
@@ -7513,27 +7075,29 @@
         </a:p>
       </dsp:txBody>
       <dsp:txXfrm>
-        <a:off x="2711108" y="3251170"/>
-        <a:ext cx="28202" cy="5645"/>
+        <a:off x="5470341" y="918996"/>
+        <a:ext cx="25564" cy="5406"/>
       </dsp:txXfrm>
     </dsp:sp>
-    <dsp:sp modelId="{9DCC8A2A-A637-4C0C-BA04-ACCB7A6B6E17}">
+    <dsp:sp modelId="{72085849-71F1-4990-844F-4D8E9E606741}">
       <dsp:nvSpPr>
         <dsp:cNvPr id="0" name=""/>
         <dsp:cNvSpPr/>
       </dsp:nvSpPr>
       <dsp:spPr>
         <a:xfrm>
-          <a:off x="7913" y="2518281"/>
-          <a:ext cx="2452373" cy="1471423"/>
+          <a:off x="2893759" y="226271"/>
+          <a:ext cx="2350865" cy="1410519"/>
         </a:xfrm>
         <a:prstGeom prst="rect">
           <a:avLst/>
         </a:prstGeom>
         <a:solidFill>
-          <a:schemeClr val="accent1">
-            <a:lumMod val="60000"/>
-            <a:lumOff val="40000"/>
+          <a:schemeClr val="accent5">
+            <a:hueOff val="637237"/>
+            <a:satOff val="-2820"/>
+            <a:lumOff val="-2829"/>
+            <a:alphaOff val="0"/>
           </a:schemeClr>
         </a:solidFill>
         <a:ln w="22225" cap="rnd" cmpd="sng" algn="ctr">
@@ -7564,12 +7128,12 @@
         </a:fontRef>
       </dsp:style>
       <dsp:txBody>
-        <a:bodyPr spcFirstLastPara="0" vert="horz" wrap="square" lIns="120168" tIns="126138" rIns="120168" bIns="126138" numCol="1" spcCol="1270" anchor="ctr" anchorCtr="0">
+        <a:bodyPr spcFirstLastPara="0" vert="horz" wrap="square" lIns="115194" tIns="120917" rIns="115194" bIns="120917" numCol="1" spcCol="1270" anchor="ctr" anchorCtr="0">
           <a:noAutofit/>
         </a:bodyPr>
         <a:lstStyle/>
         <a:p>
-          <a:pPr marL="0" lvl="0" indent="0" algn="ctr" defTabSz="800100">
+          <a:pPr marL="0" lvl="0" indent="0" algn="ctr" defTabSz="666750">
             <a:lnSpc>
               <a:spcPct val="90000"/>
             </a:lnSpc>
@@ -7582,14 +7146,46 @@
             <a:buNone/>
           </a:pPr>
           <a:r>
-            <a:rPr lang="ko-KR" sz="1800" b="0" i="0" kern="1200">
+            <a:rPr lang="ko-KR" sz="1500" b="0" i="0" kern="1200" dirty="0">
               <a:latin typeface="Malgun Gothic Semilight" panose="020B0502040204020203" pitchFamily="50" charset="-127"/>
               <a:ea typeface="Malgun Gothic Semilight" panose="020B0502040204020203" pitchFamily="50" charset="-127"/>
               <a:cs typeface="Malgun Gothic Semilight" panose="020B0502040204020203" pitchFamily="50" charset="-127"/>
             </a:rPr>
-            <a:t>뉴스 크롤링</a:t>
+            <a:t>공공데이터 지역코드 </a:t>
           </a:r>
-          <a:endParaRPr lang="en-US" sz="1800" kern="1200">
+          <a:r>
+            <a:rPr lang="ko-KR" sz="1500" b="0" i="0" kern="1200" dirty="0" err="1">
+              <a:latin typeface="Malgun Gothic Semilight" panose="020B0502040204020203" pitchFamily="50" charset="-127"/>
+              <a:ea typeface="Malgun Gothic Semilight" panose="020B0502040204020203" pitchFamily="50" charset="-127"/>
+              <a:cs typeface="Malgun Gothic Semilight" panose="020B0502040204020203" pitchFamily="50" charset="-127"/>
+            </a:rPr>
+            <a:t>전처리</a:t>
+          </a:r>
+          <a:r>
+            <a:rPr lang="ko-KR" sz="1500" b="0" i="0" kern="1200" dirty="0">
+              <a:latin typeface="Malgun Gothic Semilight" panose="020B0502040204020203" pitchFamily="50" charset="-127"/>
+              <a:ea typeface="Malgun Gothic Semilight" panose="020B0502040204020203" pitchFamily="50" charset="-127"/>
+              <a:cs typeface="Malgun Gothic Semilight" panose="020B0502040204020203" pitchFamily="50" charset="-127"/>
+            </a:rPr>
+            <a:t> 후 </a:t>
+          </a:r>
+          <a:r>
+            <a:rPr lang="en-US" sz="1500" b="0" i="0" kern="1200" dirty="0">
+              <a:latin typeface="Malgun Gothic Semilight" panose="020B0502040204020203" pitchFamily="50" charset="-127"/>
+              <a:ea typeface="Malgun Gothic Semilight" panose="020B0502040204020203" pitchFamily="50" charset="-127"/>
+              <a:cs typeface="Malgun Gothic Semilight" panose="020B0502040204020203" pitchFamily="50" charset="-127"/>
+            </a:rPr>
+            <a:t>MySQL </a:t>
+          </a:r>
+          <a:r>
+            <a:rPr lang="ko-KR" sz="1500" b="0" i="0" kern="1200" dirty="0">
+              <a:latin typeface="Malgun Gothic Semilight" panose="020B0502040204020203" pitchFamily="50" charset="-127"/>
+              <a:ea typeface="Malgun Gothic Semilight" panose="020B0502040204020203" pitchFamily="50" charset="-127"/>
+              <a:cs typeface="Malgun Gothic Semilight" panose="020B0502040204020203" pitchFamily="50" charset="-127"/>
+            </a:rPr>
+            <a:t>지역테이블 생성</a:t>
+          </a:r>
+          <a:endParaRPr lang="en-US" sz="1500" kern="1200" dirty="0">
             <a:latin typeface="Malgun Gothic Semilight" panose="020B0502040204020203" pitchFamily="50" charset="-127"/>
             <a:ea typeface="Malgun Gothic Semilight" panose="020B0502040204020203" pitchFamily="50" charset="-127"/>
             <a:cs typeface="Malgun Gothic Semilight" panose="020B0502040204020203" pitchFamily="50" charset="-127"/>
@@ -7597,19 +7193,19 @@
         </a:p>
       </dsp:txBody>
       <dsp:txXfrm>
-        <a:off x="7913" y="2518281"/>
-        <a:ext cx="2452373" cy="1471423"/>
+        <a:off x="2893759" y="226271"/>
+        <a:ext cx="2350865" cy="1410519"/>
       </dsp:txXfrm>
     </dsp:sp>
-    <dsp:sp modelId="{ED33C6E2-A683-4457-8607-FFF5FD0D2828}">
+    <dsp:sp modelId="{F8C82E69-E18E-4507-B70C-018B92A38D7D}">
       <dsp:nvSpPr>
         <dsp:cNvPr id="0" name=""/>
         <dsp:cNvSpPr/>
       </dsp:nvSpPr>
       <dsp:spPr>
         <a:xfrm>
-          <a:off x="5474905" y="3208273"/>
-          <a:ext cx="533445" cy="91440"/>
+          <a:off x="8104887" y="875979"/>
+          <a:ext cx="539602" cy="91440"/>
         </a:xfrm>
         <a:custGeom>
           <a:avLst/>
@@ -7623,7 +7219,13 @@
                 <a:pt x="0" y="45720"/>
               </a:moveTo>
               <a:lnTo>
-                <a:pt x="533445" y="45720"/>
+                <a:pt x="286901" y="45720"/>
+              </a:lnTo>
+              <a:lnTo>
+                <a:pt x="286901" y="55551"/>
+              </a:lnTo>
+              <a:lnTo>
+                <a:pt x="539602" y="55551"/>
               </a:lnTo>
             </a:path>
           </a:pathLst>
@@ -7631,10 +7233,10 @@
         <a:noFill/>
         <a:ln w="12700" cap="rnd" cmpd="sng" algn="ctr">
           <a:solidFill>
-            <a:schemeClr val="accent2">
-              <a:hueOff val="0"/>
-              <a:satOff val="0"/>
-              <a:lumOff val="0"/>
+            <a:schemeClr val="accent5">
+              <a:hueOff val="1486885"/>
+              <a:satOff val="-6580"/>
+              <a:lumOff val="-6601"/>
               <a:alphaOff val="0"/>
             </a:schemeClr>
           </a:solidFill>
@@ -7661,7 +7263,7 @@
         </a:bodyPr>
         <a:lstStyle/>
         <a:p>
-          <a:pPr marL="0" lvl="0" indent="0" algn="ctr" defTabSz="800100">
+          <a:pPr marL="0" lvl="0" indent="0" algn="ctr" defTabSz="222250">
             <a:lnSpc>
               <a:spcPct val="90000"/>
             </a:lnSpc>
@@ -7673,7 +7275,7 @@
             </a:spcAft>
             <a:buNone/>
           </a:pPr>
-          <a:endParaRPr lang="en-US" sz="1800" kern="1200">
+          <a:endParaRPr lang="en-US" sz="500" kern="1200">
             <a:latin typeface="Malgun Gothic Semilight" panose="020B0502040204020203" pitchFamily="50" charset="-127"/>
             <a:ea typeface="Malgun Gothic Semilight" panose="020B0502040204020203" pitchFamily="50" charset="-127"/>
             <a:cs typeface="Malgun Gothic Semilight" panose="020B0502040204020203" pitchFamily="50" charset="-127"/>
@@ -7681,27 +7283,29 @@
         </a:p>
       </dsp:txBody>
       <dsp:txXfrm>
-        <a:off x="5727527" y="3251170"/>
-        <a:ext cx="28202" cy="5645"/>
+        <a:off x="8360431" y="918996"/>
+        <a:ext cx="28514" cy="5406"/>
       </dsp:txXfrm>
     </dsp:sp>
-    <dsp:sp modelId="{CF89C4C6-9D05-4BEE-BBA4-D18B235D5310}">
+    <dsp:sp modelId="{8B28A891-CDA6-4E12-9642-D89AFDB80A1E}">
       <dsp:nvSpPr>
         <dsp:cNvPr id="0" name=""/>
         <dsp:cNvSpPr/>
       </dsp:nvSpPr>
       <dsp:spPr>
         <a:xfrm>
-          <a:off x="3024332" y="2518281"/>
-          <a:ext cx="2452373" cy="1471423"/>
+          <a:off x="5755821" y="216440"/>
+          <a:ext cx="2350865" cy="1410519"/>
         </a:xfrm>
         <a:prstGeom prst="rect">
           <a:avLst/>
         </a:prstGeom>
         <a:solidFill>
-          <a:schemeClr val="accent1">
-            <a:lumMod val="60000"/>
-            <a:lumOff val="40000"/>
+          <a:schemeClr val="accent5">
+            <a:hueOff val="1274473"/>
+            <a:satOff val="-5640"/>
+            <a:lumOff val="-5658"/>
+            <a:alphaOff val="0"/>
           </a:schemeClr>
         </a:solidFill>
         <a:ln w="22225" cap="rnd" cmpd="sng" algn="ctr">
@@ -7732,12 +7336,12 @@
         </a:fontRef>
       </dsp:style>
       <dsp:txBody>
-        <a:bodyPr spcFirstLastPara="0" vert="horz" wrap="square" lIns="120168" tIns="126138" rIns="120168" bIns="126138" numCol="1" spcCol="1270" anchor="ctr" anchorCtr="0">
+        <a:bodyPr spcFirstLastPara="0" vert="horz" wrap="square" lIns="115194" tIns="120917" rIns="115194" bIns="120917" numCol="1" spcCol="1270" anchor="ctr" anchorCtr="0">
           <a:noAutofit/>
         </a:bodyPr>
         <a:lstStyle/>
         <a:p>
-          <a:pPr marL="0" lvl="0" indent="0" algn="ctr" defTabSz="800100">
+          <a:pPr marL="0" lvl="0" indent="0" algn="ctr" defTabSz="666750">
             <a:lnSpc>
               <a:spcPct val="90000"/>
             </a:lnSpc>
@@ -7750,46 +7354,14 @@
             <a:buNone/>
           </a:pPr>
           <a:r>
-            <a:rPr lang="ko-KR" sz="1800" b="0" i="0" kern="1200">
+            <a:rPr lang="ko-KR" sz="1500" b="0" i="0" kern="1200" dirty="0">
               <a:latin typeface="Malgun Gothic Semilight" panose="020B0502040204020203" pitchFamily="50" charset="-127"/>
               <a:ea typeface="Malgun Gothic Semilight" panose="020B0502040204020203" pitchFamily="50" charset="-127"/>
               <a:cs typeface="Malgun Gothic Semilight" panose="020B0502040204020203" pitchFamily="50" charset="-127"/>
             </a:rPr>
-            <a:t>선택된 지역명과 </a:t>
+            <a:t>교통사고 데이터와 지역코드 연결하여 지도에 매핑</a:t>
           </a:r>
-          <a:r>
-            <a:rPr lang="en-US" sz="1800" b="0" i="0" kern="1200">
-              <a:latin typeface="Malgun Gothic Semilight" panose="020B0502040204020203" pitchFamily="50" charset="-127"/>
-              <a:ea typeface="Malgun Gothic Semilight" panose="020B0502040204020203" pitchFamily="50" charset="-127"/>
-              <a:cs typeface="Malgun Gothic Semilight" panose="020B0502040204020203" pitchFamily="50" charset="-127"/>
-            </a:rPr>
-            <a:t>'</a:t>
-          </a:r>
-          <a:r>
-            <a:rPr lang="ko-KR" sz="1800" b="0" i="0" kern="1200">
-              <a:latin typeface="Malgun Gothic Semilight" panose="020B0502040204020203" pitchFamily="50" charset="-127"/>
-              <a:ea typeface="Malgun Gothic Semilight" panose="020B0502040204020203" pitchFamily="50" charset="-127"/>
-              <a:cs typeface="Malgun Gothic Semilight" panose="020B0502040204020203" pitchFamily="50" charset="-127"/>
-            </a:rPr>
-            <a:t>교통사고</a:t>
-          </a:r>
-          <a:r>
-            <a:rPr lang="en-US" sz="1800" b="0" i="0" kern="1200">
-              <a:latin typeface="Malgun Gothic Semilight" panose="020B0502040204020203" pitchFamily="50" charset="-127"/>
-              <a:ea typeface="Malgun Gothic Semilight" panose="020B0502040204020203" pitchFamily="50" charset="-127"/>
-              <a:cs typeface="Malgun Gothic Semilight" panose="020B0502040204020203" pitchFamily="50" charset="-127"/>
-            </a:rPr>
-            <a:t>' </a:t>
-          </a:r>
-          <a:r>
-            <a:rPr lang="ko-KR" sz="1800" b="0" i="0" kern="1200">
-              <a:latin typeface="Malgun Gothic Semilight" panose="020B0502040204020203" pitchFamily="50" charset="-127"/>
-              <a:ea typeface="Malgun Gothic Semilight" panose="020B0502040204020203" pitchFamily="50" charset="-127"/>
-              <a:cs typeface="Malgun Gothic Semilight" panose="020B0502040204020203" pitchFamily="50" charset="-127"/>
-            </a:rPr>
-            <a:t>키워드로 네이버 뉴스 검색 및 저장</a:t>
-          </a:r>
-          <a:endParaRPr lang="en-US" sz="1800" kern="1200">
+          <a:endParaRPr lang="en-US" sz="1500" kern="1200" dirty="0">
             <a:latin typeface="Malgun Gothic Semilight" panose="020B0502040204020203" pitchFamily="50" charset="-127"/>
             <a:ea typeface="Malgun Gothic Semilight" panose="020B0502040204020203" pitchFamily="50" charset="-127"/>
             <a:cs typeface="Malgun Gothic Semilight" panose="020B0502040204020203" pitchFamily="50" charset="-127"/>
@@ -7797,19 +7369,19 @@
         </a:p>
       </dsp:txBody>
       <dsp:txXfrm>
-        <a:off x="3024332" y="2518281"/>
-        <a:ext cx="2452373" cy="1471423"/>
+        <a:off x="5755821" y="216440"/>
+        <a:ext cx="2350865" cy="1410519"/>
       </dsp:txXfrm>
     </dsp:sp>
-    <dsp:sp modelId="{7336C6DA-39C5-40A8-A07B-7BFBAB47584D}">
+    <dsp:sp modelId="{8C13196F-A6C0-4194-A1D2-C4F73B5ABC89}">
       <dsp:nvSpPr>
         <dsp:cNvPr id="0" name=""/>
         <dsp:cNvSpPr/>
       </dsp:nvSpPr>
       <dsp:spPr>
         <a:xfrm>
-          <a:off x="8491324" y="3208273"/>
-          <a:ext cx="533445" cy="91440"/>
+          <a:off x="1177627" y="1634990"/>
+          <a:ext cx="8674694" cy="510099"/>
         </a:xfrm>
         <a:custGeom>
           <a:avLst/>
@@ -7820,10 +7392,16 @@
           <a:pathLst>
             <a:path>
               <a:moveTo>
-                <a:pt x="0" y="45720"/>
+                <a:pt x="8674694" y="0"/>
               </a:moveTo>
               <a:lnTo>
-                <a:pt x="533445" y="45720"/>
+                <a:pt x="8674694" y="272149"/>
+              </a:lnTo>
+              <a:lnTo>
+                <a:pt x="0" y="272149"/>
+              </a:lnTo>
+              <a:lnTo>
+                <a:pt x="0" y="510099"/>
               </a:lnTo>
             </a:path>
           </a:pathLst>
@@ -7831,10 +7409,10 @@
         <a:noFill/>
         <a:ln w="12700" cap="rnd" cmpd="sng" algn="ctr">
           <a:solidFill>
-            <a:schemeClr val="accent3">
-              <a:hueOff val="0"/>
-              <a:satOff val="0"/>
-              <a:lumOff val="0"/>
+            <a:schemeClr val="accent5">
+              <a:hueOff val="2230328"/>
+              <a:satOff val="-9870"/>
+              <a:lumOff val="-9902"/>
               <a:alphaOff val="0"/>
             </a:schemeClr>
           </a:solidFill>
@@ -7861,7 +7439,7 @@
         </a:bodyPr>
         <a:lstStyle/>
         <a:p>
-          <a:pPr marL="0" lvl="0" indent="0" algn="ctr" defTabSz="800100">
+          <a:pPr marL="0" lvl="0" indent="0" algn="ctr" defTabSz="222250">
             <a:lnSpc>
               <a:spcPct val="90000"/>
             </a:lnSpc>
@@ -7873,7 +7451,7 @@
             </a:spcAft>
             <a:buNone/>
           </a:pPr>
-          <a:endParaRPr lang="en-US" sz="1800" kern="1200">
+          <a:endParaRPr lang="en-US" sz="500" kern="1200">
             <a:latin typeface="Malgun Gothic Semilight" panose="020B0502040204020203" pitchFamily="50" charset="-127"/>
             <a:ea typeface="Malgun Gothic Semilight" panose="020B0502040204020203" pitchFamily="50" charset="-127"/>
             <a:cs typeface="Malgun Gothic Semilight" panose="020B0502040204020203" pitchFamily="50" charset="-127"/>
@@ -7881,27 +7459,29 @@
         </a:p>
       </dsp:txBody>
       <dsp:txXfrm>
-        <a:off x="8743946" y="3251170"/>
-        <a:ext cx="28202" cy="5645"/>
+        <a:off x="5297686" y="1887337"/>
+        <a:ext cx="434576" cy="5406"/>
       </dsp:txXfrm>
     </dsp:sp>
-    <dsp:sp modelId="{13D786CC-7497-4AAD-B765-C97C960F248E}">
+    <dsp:sp modelId="{F1C9BADA-D24B-4C2F-AEB6-48AC63158E43}">
       <dsp:nvSpPr>
         <dsp:cNvPr id="0" name=""/>
         <dsp:cNvSpPr/>
       </dsp:nvSpPr>
       <dsp:spPr>
         <a:xfrm>
-          <a:off x="6040751" y="2518281"/>
-          <a:ext cx="2452373" cy="1471423"/>
+          <a:off x="8676889" y="226271"/>
+          <a:ext cx="2350865" cy="1410519"/>
         </a:xfrm>
         <a:prstGeom prst="rect">
           <a:avLst/>
         </a:prstGeom>
         <a:solidFill>
-          <a:schemeClr val="accent1">
-            <a:lumMod val="60000"/>
-            <a:lumOff val="40000"/>
+          <a:schemeClr val="accent5">
+            <a:hueOff val="1911710"/>
+            <a:satOff val="-8460"/>
+            <a:lumOff val="-8487"/>
+            <a:alphaOff val="0"/>
           </a:schemeClr>
         </a:solidFill>
         <a:ln w="22225" cap="rnd" cmpd="sng" algn="ctr">
@@ -7932,12 +7512,12 @@
         </a:fontRef>
       </dsp:style>
       <dsp:txBody>
-        <a:bodyPr spcFirstLastPara="0" vert="horz" wrap="square" lIns="120168" tIns="126138" rIns="120168" bIns="126138" numCol="1" spcCol="1270" anchor="ctr" anchorCtr="0">
+        <a:bodyPr spcFirstLastPara="0" vert="horz" wrap="square" lIns="115194" tIns="120917" rIns="115194" bIns="120917" numCol="1" spcCol="1270" anchor="ctr" anchorCtr="0">
           <a:noAutofit/>
         </a:bodyPr>
         <a:lstStyle/>
         <a:p>
-          <a:pPr marL="0" lvl="0" indent="0" algn="ctr" defTabSz="800100">
+          <a:pPr marL="0" lvl="0" indent="0" algn="ctr" defTabSz="666750">
             <a:lnSpc>
               <a:spcPct val="90000"/>
             </a:lnSpc>
@@ -7950,22 +7530,14 @@
             <a:buNone/>
           </a:pPr>
           <a:r>
-            <a:rPr lang="en-US" sz="1800" b="0" i="0" kern="1200">
+            <a:rPr lang="ko-KR" altLang="en-US" sz="1500" b="0" i="0" kern="1200">
               <a:latin typeface="Malgun Gothic Semilight" panose="020B0502040204020203" pitchFamily="50" charset="-127"/>
               <a:ea typeface="Malgun Gothic Semilight" panose="020B0502040204020203" pitchFamily="50" charset="-127"/>
               <a:cs typeface="Malgun Gothic Semilight" panose="020B0502040204020203" pitchFamily="50" charset="-127"/>
             </a:rPr>
-            <a:t>AI </a:t>
+            <a:t>지도 시각화</a:t>
           </a:r>
-          <a:r>
-            <a:rPr lang="ko-KR" sz="1800" b="0" i="0" kern="1200">
-              <a:latin typeface="Malgun Gothic Semilight" panose="020B0502040204020203" pitchFamily="50" charset="-127"/>
-              <a:ea typeface="Malgun Gothic Semilight" panose="020B0502040204020203" pitchFamily="50" charset="-127"/>
-              <a:cs typeface="Malgun Gothic Semilight" panose="020B0502040204020203" pitchFamily="50" charset="-127"/>
-            </a:rPr>
-            <a:t>요약</a:t>
-          </a:r>
-          <a:endParaRPr lang="en-US" sz="1800" kern="1200">
+          <a:endParaRPr lang="en-US" sz="1500" kern="1200" dirty="0">
             <a:latin typeface="Malgun Gothic Semilight" panose="020B0502040204020203" pitchFamily="50" charset="-127"/>
             <a:ea typeface="Malgun Gothic Semilight" panose="020B0502040204020203" pitchFamily="50" charset="-127"/>
             <a:cs typeface="Malgun Gothic Semilight" panose="020B0502040204020203" pitchFamily="50" charset="-127"/>
@@ -7973,27 +7545,113 @@
         </a:p>
       </dsp:txBody>
       <dsp:txXfrm>
-        <a:off x="6040751" y="2518281"/>
-        <a:ext cx="2452373" cy="1471423"/>
+        <a:off x="8676889" y="226271"/>
+        <a:ext cx="2350865" cy="1410519"/>
       </dsp:txXfrm>
     </dsp:sp>
-    <dsp:sp modelId="{2204336E-AB55-4F9D-9490-D2A6A56A0F25}">
+    <dsp:sp modelId="{B6A9826A-AE3B-4312-8616-FE2CB4A428B6}">
       <dsp:nvSpPr>
         <dsp:cNvPr id="0" name=""/>
         <dsp:cNvSpPr/>
       </dsp:nvSpPr>
       <dsp:spPr>
         <a:xfrm>
-          <a:off x="9057170" y="2518281"/>
-          <a:ext cx="2452373" cy="1471423"/>
+          <a:off x="2351260" y="2837029"/>
+          <a:ext cx="510099" cy="91440"/>
+        </a:xfrm>
+        <a:custGeom>
+          <a:avLst/>
+          <a:gdLst/>
+          <a:ahLst/>
+          <a:cxnLst/>
+          <a:rect l="0" t="0" r="0" b="0"/>
+          <a:pathLst>
+            <a:path>
+              <a:moveTo>
+                <a:pt x="0" y="45720"/>
+              </a:moveTo>
+              <a:lnTo>
+                <a:pt x="510099" y="45720"/>
+              </a:lnTo>
+            </a:path>
+          </a:pathLst>
+        </a:custGeom>
+        <a:noFill/>
+        <a:ln w="12700" cap="rnd" cmpd="sng" algn="ctr">
+          <a:solidFill>
+            <a:schemeClr val="accent5">
+              <a:hueOff val="2973771"/>
+              <a:satOff val="-13160"/>
+              <a:lumOff val="-13203"/>
+              <a:alphaOff val="0"/>
+            </a:schemeClr>
+          </a:solidFill>
+          <a:prstDash val="solid"/>
+          <a:tailEnd type="arrow"/>
+        </a:ln>
+        <a:effectLst/>
+      </dsp:spPr>
+      <dsp:style>
+        <a:lnRef idx="1">
+          <a:scrgbClr r="0" g="0" b="0"/>
+        </a:lnRef>
+        <a:fillRef idx="0">
+          <a:scrgbClr r="0" g="0" b="0"/>
+        </a:fillRef>
+        <a:effectRef idx="0">
+          <a:scrgbClr r="0" g="0" b="0"/>
+        </a:effectRef>
+        <a:fontRef idx="minor"/>
+      </dsp:style>
+      <dsp:txBody>
+        <a:bodyPr spcFirstLastPara="0" vert="horz" wrap="square" lIns="12700" tIns="0" rIns="12700" bIns="0" numCol="1" spcCol="1270" anchor="ctr" anchorCtr="0">
+          <a:noAutofit/>
+        </a:bodyPr>
+        <a:lstStyle/>
+        <a:p>
+          <a:pPr marL="0" lvl="0" indent="0" algn="ctr" defTabSz="222250">
+            <a:lnSpc>
+              <a:spcPct val="90000"/>
+            </a:lnSpc>
+            <a:spcBef>
+              <a:spcPct val="0"/>
+            </a:spcBef>
+            <a:spcAft>
+              <a:spcPct val="35000"/>
+            </a:spcAft>
+            <a:buNone/>
+          </a:pPr>
+          <a:endParaRPr lang="en-US" sz="500" kern="1200">
+            <a:latin typeface="Malgun Gothic Semilight" panose="020B0502040204020203" pitchFamily="50" charset="-127"/>
+            <a:ea typeface="Malgun Gothic Semilight" panose="020B0502040204020203" pitchFamily="50" charset="-127"/>
+            <a:cs typeface="Malgun Gothic Semilight" panose="020B0502040204020203" pitchFamily="50" charset="-127"/>
+          </a:endParaRPr>
+        </a:p>
+      </dsp:txBody>
+      <dsp:txXfrm>
+        <a:off x="2592792" y="2880046"/>
+        <a:ext cx="27034" cy="5406"/>
+      </dsp:txXfrm>
+    </dsp:sp>
+    <dsp:sp modelId="{EEB1C634-FA1E-4923-8A99-7CDD3E47F562}">
+      <dsp:nvSpPr>
+        <dsp:cNvPr id="0" name=""/>
+        <dsp:cNvSpPr/>
+      </dsp:nvSpPr>
+      <dsp:spPr>
+        <a:xfrm>
+          <a:off x="2194" y="2177490"/>
+          <a:ext cx="2350865" cy="1410519"/>
         </a:xfrm>
         <a:prstGeom prst="rect">
           <a:avLst/>
         </a:prstGeom>
         <a:solidFill>
-          <a:schemeClr val="accent1">
-            <a:lumMod val="60000"/>
-            <a:lumOff val="40000"/>
+          <a:schemeClr val="accent5">
+            <a:hueOff val="2548946"/>
+            <a:satOff val="-11280"/>
+            <a:lumOff val="-11317"/>
+            <a:alphaOff val="0"/>
           </a:schemeClr>
         </a:solidFill>
         <a:ln w="22225" cap="rnd" cmpd="sng" algn="ctr">
@@ -8024,12 +7682,12 @@
         </a:fontRef>
       </dsp:style>
       <dsp:txBody>
-        <a:bodyPr spcFirstLastPara="0" vert="horz" wrap="square" lIns="120168" tIns="126138" rIns="120168" bIns="126138" numCol="1" spcCol="1270" anchor="ctr" anchorCtr="0">
+        <a:bodyPr spcFirstLastPara="0" vert="horz" wrap="square" lIns="115194" tIns="120917" rIns="115194" bIns="120917" numCol="1" spcCol="1270" anchor="ctr" anchorCtr="0">
           <a:noAutofit/>
         </a:bodyPr>
         <a:lstStyle/>
         <a:p>
-          <a:pPr marL="0" lvl="0" indent="0" algn="ctr" defTabSz="800100">
+          <a:pPr marL="0" lvl="0" indent="0" algn="ctr" defTabSz="666750">
             <a:lnSpc>
               <a:spcPct val="90000"/>
             </a:lnSpc>
@@ -8042,7 +7700,473 @@
             <a:buNone/>
           </a:pPr>
           <a:r>
-            <a:rPr lang="en-US" sz="1800" b="0" i="0" kern="1200">
+            <a:rPr lang="ko-KR" sz="1500" b="0" i="0" kern="1200">
+              <a:latin typeface="Malgun Gothic Semilight" panose="020B0502040204020203" pitchFamily="50" charset="-127"/>
+              <a:ea typeface="Malgun Gothic Semilight" panose="020B0502040204020203" pitchFamily="50" charset="-127"/>
+              <a:cs typeface="Malgun Gothic Semilight" panose="020B0502040204020203" pitchFamily="50" charset="-127"/>
+            </a:rPr>
+            <a:t>뉴스 크롤링</a:t>
+          </a:r>
+          <a:endParaRPr lang="en-US" sz="1500" kern="1200">
+            <a:latin typeface="Malgun Gothic Semilight" panose="020B0502040204020203" pitchFamily="50" charset="-127"/>
+            <a:ea typeface="Malgun Gothic Semilight" panose="020B0502040204020203" pitchFamily="50" charset="-127"/>
+            <a:cs typeface="Malgun Gothic Semilight" panose="020B0502040204020203" pitchFamily="50" charset="-127"/>
+          </a:endParaRPr>
+        </a:p>
+      </dsp:txBody>
+      <dsp:txXfrm>
+        <a:off x="2194" y="2177490"/>
+        <a:ext cx="2350865" cy="1410519"/>
+      </dsp:txXfrm>
+    </dsp:sp>
+    <dsp:sp modelId="{D3DB01C5-D50A-4558-A87E-E0494A6D7E33}">
+      <dsp:nvSpPr>
+        <dsp:cNvPr id="0" name=""/>
+        <dsp:cNvSpPr/>
+      </dsp:nvSpPr>
+      <dsp:spPr>
+        <a:xfrm>
+          <a:off x="5242825" y="2837029"/>
+          <a:ext cx="510099" cy="91440"/>
+        </a:xfrm>
+        <a:custGeom>
+          <a:avLst/>
+          <a:gdLst/>
+          <a:ahLst/>
+          <a:cxnLst/>
+          <a:rect l="0" t="0" r="0" b="0"/>
+          <a:pathLst>
+            <a:path>
+              <a:moveTo>
+                <a:pt x="0" y="45720"/>
+              </a:moveTo>
+              <a:lnTo>
+                <a:pt x="510099" y="45720"/>
+              </a:lnTo>
+            </a:path>
+          </a:pathLst>
+        </a:custGeom>
+        <a:noFill/>
+        <a:ln w="12700" cap="rnd" cmpd="sng" algn="ctr">
+          <a:solidFill>
+            <a:schemeClr val="accent5">
+              <a:hueOff val="3717213"/>
+              <a:satOff val="-16450"/>
+              <a:lumOff val="-16503"/>
+              <a:alphaOff val="0"/>
+            </a:schemeClr>
+          </a:solidFill>
+          <a:prstDash val="solid"/>
+          <a:tailEnd type="arrow"/>
+        </a:ln>
+        <a:effectLst/>
+      </dsp:spPr>
+      <dsp:style>
+        <a:lnRef idx="1">
+          <a:scrgbClr r="0" g="0" b="0"/>
+        </a:lnRef>
+        <a:fillRef idx="0">
+          <a:scrgbClr r="0" g="0" b="0"/>
+        </a:fillRef>
+        <a:effectRef idx="0">
+          <a:scrgbClr r="0" g="0" b="0"/>
+        </a:effectRef>
+        <a:fontRef idx="minor"/>
+      </dsp:style>
+      <dsp:txBody>
+        <a:bodyPr spcFirstLastPara="0" vert="horz" wrap="square" lIns="12700" tIns="0" rIns="12700" bIns="0" numCol="1" spcCol="1270" anchor="ctr" anchorCtr="0">
+          <a:noAutofit/>
+        </a:bodyPr>
+        <a:lstStyle/>
+        <a:p>
+          <a:pPr marL="0" lvl="0" indent="0" algn="ctr" defTabSz="222250">
+            <a:lnSpc>
+              <a:spcPct val="90000"/>
+            </a:lnSpc>
+            <a:spcBef>
+              <a:spcPct val="0"/>
+            </a:spcBef>
+            <a:spcAft>
+              <a:spcPct val="35000"/>
+            </a:spcAft>
+            <a:buNone/>
+          </a:pPr>
+          <a:endParaRPr lang="en-US" sz="500" kern="1200">
+            <a:latin typeface="Malgun Gothic Semilight" panose="020B0502040204020203" pitchFamily="50" charset="-127"/>
+            <a:ea typeface="Malgun Gothic Semilight" panose="020B0502040204020203" pitchFamily="50" charset="-127"/>
+            <a:cs typeface="Malgun Gothic Semilight" panose="020B0502040204020203" pitchFamily="50" charset="-127"/>
+          </a:endParaRPr>
+        </a:p>
+      </dsp:txBody>
+      <dsp:txXfrm>
+        <a:off x="5484357" y="2880046"/>
+        <a:ext cx="27034" cy="5406"/>
+      </dsp:txXfrm>
+    </dsp:sp>
+    <dsp:sp modelId="{CA3A5890-C566-4718-9D93-0A3C29011C41}">
+      <dsp:nvSpPr>
+        <dsp:cNvPr id="0" name=""/>
+        <dsp:cNvSpPr/>
+      </dsp:nvSpPr>
+      <dsp:spPr>
+        <a:xfrm>
+          <a:off x="2893759" y="2177490"/>
+          <a:ext cx="2350865" cy="1410519"/>
+        </a:xfrm>
+        <a:prstGeom prst="rect">
+          <a:avLst/>
+        </a:prstGeom>
+        <a:solidFill>
+          <a:schemeClr val="accent5">
+            <a:hueOff val="3186183"/>
+            <a:satOff val="-14100"/>
+            <a:lumOff val="-14146"/>
+            <a:alphaOff val="0"/>
+          </a:schemeClr>
+        </a:solidFill>
+        <a:ln w="22225" cap="rnd" cmpd="sng" algn="ctr">
+          <a:solidFill>
+            <a:schemeClr val="lt1">
+              <a:hueOff val="0"/>
+              <a:satOff val="0"/>
+              <a:lumOff val="0"/>
+              <a:alphaOff val="0"/>
+            </a:schemeClr>
+          </a:solidFill>
+          <a:prstDash val="solid"/>
+        </a:ln>
+        <a:effectLst/>
+      </dsp:spPr>
+      <dsp:style>
+        <a:lnRef idx="2">
+          <a:scrgbClr r="0" g="0" b="0"/>
+        </a:lnRef>
+        <a:fillRef idx="1">
+          <a:scrgbClr r="0" g="0" b="0"/>
+        </a:fillRef>
+        <a:effectRef idx="0">
+          <a:scrgbClr r="0" g="0" b="0"/>
+        </a:effectRef>
+        <a:fontRef idx="minor">
+          <a:schemeClr val="lt1"/>
+        </a:fontRef>
+      </dsp:style>
+      <dsp:txBody>
+        <a:bodyPr spcFirstLastPara="0" vert="horz" wrap="square" lIns="115194" tIns="120917" rIns="115194" bIns="120917" numCol="1" spcCol="1270" anchor="ctr" anchorCtr="0">
+          <a:noAutofit/>
+        </a:bodyPr>
+        <a:lstStyle/>
+        <a:p>
+          <a:pPr marL="0" lvl="0" indent="0" algn="ctr" defTabSz="666750">
+            <a:lnSpc>
+              <a:spcPct val="90000"/>
+            </a:lnSpc>
+            <a:spcBef>
+              <a:spcPct val="0"/>
+            </a:spcBef>
+            <a:spcAft>
+              <a:spcPct val="35000"/>
+            </a:spcAft>
+            <a:buNone/>
+          </a:pPr>
+          <a:r>
+            <a:rPr lang="ko-KR" sz="1500" b="0" i="0" kern="1200">
+              <a:latin typeface="Malgun Gothic Semilight" panose="020B0502040204020203" pitchFamily="50" charset="-127"/>
+              <a:ea typeface="Malgun Gothic Semilight" panose="020B0502040204020203" pitchFamily="50" charset="-127"/>
+              <a:cs typeface="Malgun Gothic Semilight" panose="020B0502040204020203" pitchFamily="50" charset="-127"/>
+            </a:rPr>
+            <a:t>선택된 지역명과 </a:t>
+          </a:r>
+          <a:r>
+            <a:rPr lang="en-US" sz="1500" b="0" i="0" kern="1200">
+              <a:latin typeface="Malgun Gothic Semilight" panose="020B0502040204020203" pitchFamily="50" charset="-127"/>
+              <a:ea typeface="Malgun Gothic Semilight" panose="020B0502040204020203" pitchFamily="50" charset="-127"/>
+              <a:cs typeface="Malgun Gothic Semilight" panose="020B0502040204020203" pitchFamily="50" charset="-127"/>
+            </a:rPr>
+            <a:t>'</a:t>
+          </a:r>
+          <a:r>
+            <a:rPr lang="ko-KR" sz="1500" b="0" i="0" kern="1200">
+              <a:latin typeface="Malgun Gothic Semilight" panose="020B0502040204020203" pitchFamily="50" charset="-127"/>
+              <a:ea typeface="Malgun Gothic Semilight" panose="020B0502040204020203" pitchFamily="50" charset="-127"/>
+              <a:cs typeface="Malgun Gothic Semilight" panose="020B0502040204020203" pitchFamily="50" charset="-127"/>
+            </a:rPr>
+            <a:t>교통사고</a:t>
+          </a:r>
+          <a:r>
+            <a:rPr lang="en-US" sz="1500" b="0" i="0" kern="1200">
+              <a:latin typeface="Malgun Gothic Semilight" panose="020B0502040204020203" pitchFamily="50" charset="-127"/>
+              <a:ea typeface="Malgun Gothic Semilight" panose="020B0502040204020203" pitchFamily="50" charset="-127"/>
+              <a:cs typeface="Malgun Gothic Semilight" panose="020B0502040204020203" pitchFamily="50" charset="-127"/>
+            </a:rPr>
+            <a:t>' </a:t>
+          </a:r>
+          <a:r>
+            <a:rPr lang="ko-KR" sz="1500" b="0" i="0" kern="1200">
+              <a:latin typeface="Malgun Gothic Semilight" panose="020B0502040204020203" pitchFamily="50" charset="-127"/>
+              <a:ea typeface="Malgun Gothic Semilight" panose="020B0502040204020203" pitchFamily="50" charset="-127"/>
+              <a:cs typeface="Malgun Gothic Semilight" panose="020B0502040204020203" pitchFamily="50" charset="-127"/>
+            </a:rPr>
+            <a:t>키워드로 네이버 뉴스 검색 및 저장</a:t>
+          </a:r>
+          <a:endParaRPr lang="en-US" sz="1500" kern="1200">
+            <a:latin typeface="Malgun Gothic Semilight" panose="020B0502040204020203" pitchFamily="50" charset="-127"/>
+            <a:ea typeface="Malgun Gothic Semilight" panose="020B0502040204020203" pitchFamily="50" charset="-127"/>
+            <a:cs typeface="Malgun Gothic Semilight" panose="020B0502040204020203" pitchFamily="50" charset="-127"/>
+          </a:endParaRPr>
+        </a:p>
+      </dsp:txBody>
+      <dsp:txXfrm>
+        <a:off x="2893759" y="2177490"/>
+        <a:ext cx="2350865" cy="1410519"/>
+      </dsp:txXfrm>
+    </dsp:sp>
+    <dsp:sp modelId="{1A394F9B-1884-44B6-BC8D-463824435020}">
+      <dsp:nvSpPr>
+        <dsp:cNvPr id="0" name=""/>
+        <dsp:cNvSpPr/>
+      </dsp:nvSpPr>
+      <dsp:spPr>
+        <a:xfrm>
+          <a:off x="8134390" y="2837029"/>
+          <a:ext cx="510099" cy="91440"/>
+        </a:xfrm>
+        <a:custGeom>
+          <a:avLst/>
+          <a:gdLst/>
+          <a:ahLst/>
+          <a:cxnLst/>
+          <a:rect l="0" t="0" r="0" b="0"/>
+          <a:pathLst>
+            <a:path>
+              <a:moveTo>
+                <a:pt x="0" y="45720"/>
+              </a:moveTo>
+              <a:lnTo>
+                <a:pt x="510099" y="45720"/>
+              </a:lnTo>
+            </a:path>
+          </a:pathLst>
+        </a:custGeom>
+        <a:noFill/>
+        <a:ln w="12700" cap="rnd" cmpd="sng" algn="ctr">
+          <a:solidFill>
+            <a:schemeClr val="accent5">
+              <a:hueOff val="4460656"/>
+              <a:satOff val="-19740"/>
+              <a:lumOff val="-19804"/>
+              <a:alphaOff val="0"/>
+            </a:schemeClr>
+          </a:solidFill>
+          <a:prstDash val="solid"/>
+          <a:tailEnd type="arrow"/>
+        </a:ln>
+        <a:effectLst/>
+      </dsp:spPr>
+      <dsp:style>
+        <a:lnRef idx="1">
+          <a:scrgbClr r="0" g="0" b="0"/>
+        </a:lnRef>
+        <a:fillRef idx="0">
+          <a:scrgbClr r="0" g="0" b="0"/>
+        </a:fillRef>
+        <a:effectRef idx="0">
+          <a:scrgbClr r="0" g="0" b="0"/>
+        </a:effectRef>
+        <a:fontRef idx="minor"/>
+      </dsp:style>
+      <dsp:txBody>
+        <a:bodyPr spcFirstLastPara="0" vert="horz" wrap="square" lIns="12700" tIns="0" rIns="12700" bIns="0" numCol="1" spcCol="1270" anchor="ctr" anchorCtr="0">
+          <a:noAutofit/>
+        </a:bodyPr>
+        <a:lstStyle/>
+        <a:p>
+          <a:pPr marL="0" lvl="0" indent="0" algn="ctr" defTabSz="222250">
+            <a:lnSpc>
+              <a:spcPct val="90000"/>
+            </a:lnSpc>
+            <a:spcBef>
+              <a:spcPct val="0"/>
+            </a:spcBef>
+            <a:spcAft>
+              <a:spcPct val="35000"/>
+            </a:spcAft>
+            <a:buNone/>
+          </a:pPr>
+          <a:endParaRPr lang="en-US" sz="500" kern="1200">
+            <a:latin typeface="Malgun Gothic Semilight" panose="020B0502040204020203" pitchFamily="50" charset="-127"/>
+            <a:ea typeface="Malgun Gothic Semilight" panose="020B0502040204020203" pitchFamily="50" charset="-127"/>
+            <a:cs typeface="Malgun Gothic Semilight" panose="020B0502040204020203" pitchFamily="50" charset="-127"/>
+          </a:endParaRPr>
+        </a:p>
+      </dsp:txBody>
+      <dsp:txXfrm>
+        <a:off x="8375922" y="2880046"/>
+        <a:ext cx="27034" cy="5406"/>
+      </dsp:txXfrm>
+    </dsp:sp>
+    <dsp:sp modelId="{3B2D3CB5-1FA7-40BB-B8C7-927BBD3D7DEE}">
+      <dsp:nvSpPr>
+        <dsp:cNvPr id="0" name=""/>
+        <dsp:cNvSpPr/>
+      </dsp:nvSpPr>
+      <dsp:spPr>
+        <a:xfrm>
+          <a:off x="5785324" y="2177490"/>
+          <a:ext cx="2350865" cy="1410519"/>
+        </a:xfrm>
+        <a:prstGeom prst="rect">
+          <a:avLst/>
+        </a:prstGeom>
+        <a:solidFill>
+          <a:schemeClr val="accent5">
+            <a:hueOff val="3823419"/>
+            <a:satOff val="-16920"/>
+            <a:lumOff val="-16975"/>
+            <a:alphaOff val="0"/>
+          </a:schemeClr>
+        </a:solidFill>
+        <a:ln w="22225" cap="rnd" cmpd="sng" algn="ctr">
+          <a:solidFill>
+            <a:schemeClr val="lt1">
+              <a:hueOff val="0"/>
+              <a:satOff val="0"/>
+              <a:lumOff val="0"/>
+              <a:alphaOff val="0"/>
+            </a:schemeClr>
+          </a:solidFill>
+          <a:prstDash val="solid"/>
+        </a:ln>
+        <a:effectLst/>
+      </dsp:spPr>
+      <dsp:style>
+        <a:lnRef idx="2">
+          <a:scrgbClr r="0" g="0" b="0"/>
+        </a:lnRef>
+        <a:fillRef idx="1">
+          <a:scrgbClr r="0" g="0" b="0"/>
+        </a:fillRef>
+        <a:effectRef idx="0">
+          <a:scrgbClr r="0" g="0" b="0"/>
+        </a:effectRef>
+        <a:fontRef idx="minor">
+          <a:schemeClr val="lt1"/>
+        </a:fontRef>
+      </dsp:style>
+      <dsp:txBody>
+        <a:bodyPr spcFirstLastPara="0" vert="horz" wrap="square" lIns="115194" tIns="120917" rIns="115194" bIns="120917" numCol="1" spcCol="1270" anchor="ctr" anchorCtr="0">
+          <a:noAutofit/>
+        </a:bodyPr>
+        <a:lstStyle/>
+        <a:p>
+          <a:pPr marL="0" lvl="0" indent="0" algn="ctr" defTabSz="666750">
+            <a:lnSpc>
+              <a:spcPct val="90000"/>
+            </a:lnSpc>
+            <a:spcBef>
+              <a:spcPct val="0"/>
+            </a:spcBef>
+            <a:spcAft>
+              <a:spcPct val="35000"/>
+            </a:spcAft>
+            <a:buNone/>
+          </a:pPr>
+          <a:r>
+            <a:rPr lang="en-US" sz="1500" b="0" i="0" kern="1200">
+              <a:latin typeface="Malgun Gothic Semilight" panose="020B0502040204020203" pitchFamily="50" charset="-127"/>
+              <a:ea typeface="Malgun Gothic Semilight" panose="020B0502040204020203" pitchFamily="50" charset="-127"/>
+              <a:cs typeface="Malgun Gothic Semilight" panose="020B0502040204020203" pitchFamily="50" charset="-127"/>
+            </a:rPr>
+            <a:t>AI </a:t>
+          </a:r>
+          <a:r>
+            <a:rPr lang="ko-KR" sz="1500" b="0" i="0" kern="1200">
+              <a:latin typeface="Malgun Gothic Semilight" panose="020B0502040204020203" pitchFamily="50" charset="-127"/>
+              <a:ea typeface="Malgun Gothic Semilight" panose="020B0502040204020203" pitchFamily="50" charset="-127"/>
+              <a:cs typeface="Malgun Gothic Semilight" panose="020B0502040204020203" pitchFamily="50" charset="-127"/>
+            </a:rPr>
+            <a:t>요약</a:t>
+          </a:r>
+          <a:endParaRPr lang="en-US" sz="1500" kern="1200">
+            <a:latin typeface="Malgun Gothic Semilight" panose="020B0502040204020203" pitchFamily="50" charset="-127"/>
+            <a:ea typeface="Malgun Gothic Semilight" panose="020B0502040204020203" pitchFamily="50" charset="-127"/>
+            <a:cs typeface="Malgun Gothic Semilight" panose="020B0502040204020203" pitchFamily="50" charset="-127"/>
+          </a:endParaRPr>
+        </a:p>
+      </dsp:txBody>
+      <dsp:txXfrm>
+        <a:off x="5785324" y="2177490"/>
+        <a:ext cx="2350865" cy="1410519"/>
+      </dsp:txXfrm>
+    </dsp:sp>
+    <dsp:sp modelId="{F4FFDADB-FEA3-4FF6-BECD-F51E353FD66A}">
+      <dsp:nvSpPr>
+        <dsp:cNvPr id="0" name=""/>
+        <dsp:cNvSpPr/>
+      </dsp:nvSpPr>
+      <dsp:spPr>
+        <a:xfrm>
+          <a:off x="8676889" y="2177490"/>
+          <a:ext cx="2350865" cy="1410519"/>
+        </a:xfrm>
+        <a:prstGeom prst="rect">
+          <a:avLst/>
+        </a:prstGeom>
+        <a:solidFill>
+          <a:schemeClr val="accent5">
+            <a:hueOff val="4460656"/>
+            <a:satOff val="-19740"/>
+            <a:lumOff val="-19804"/>
+            <a:alphaOff val="0"/>
+          </a:schemeClr>
+        </a:solidFill>
+        <a:ln w="22225" cap="rnd" cmpd="sng" algn="ctr">
+          <a:solidFill>
+            <a:schemeClr val="lt1">
+              <a:hueOff val="0"/>
+              <a:satOff val="0"/>
+              <a:lumOff val="0"/>
+              <a:alphaOff val="0"/>
+            </a:schemeClr>
+          </a:solidFill>
+          <a:prstDash val="solid"/>
+        </a:ln>
+        <a:effectLst/>
+      </dsp:spPr>
+      <dsp:style>
+        <a:lnRef idx="2">
+          <a:scrgbClr r="0" g="0" b="0"/>
+        </a:lnRef>
+        <a:fillRef idx="1">
+          <a:scrgbClr r="0" g="0" b="0"/>
+        </a:fillRef>
+        <a:effectRef idx="0">
+          <a:scrgbClr r="0" g="0" b="0"/>
+        </a:effectRef>
+        <a:fontRef idx="minor">
+          <a:schemeClr val="lt1"/>
+        </a:fontRef>
+      </dsp:style>
+      <dsp:txBody>
+        <a:bodyPr spcFirstLastPara="0" vert="horz" wrap="square" lIns="115194" tIns="120917" rIns="115194" bIns="120917" numCol="1" spcCol="1270" anchor="ctr" anchorCtr="0">
+          <a:noAutofit/>
+        </a:bodyPr>
+        <a:lstStyle/>
+        <a:p>
+          <a:pPr marL="0" lvl="0" indent="0" algn="ctr" defTabSz="666750">
+            <a:lnSpc>
+              <a:spcPct val="90000"/>
+            </a:lnSpc>
+            <a:spcBef>
+              <a:spcPct val="0"/>
+            </a:spcBef>
+            <a:spcAft>
+              <a:spcPct val="35000"/>
+            </a:spcAft>
+            <a:buNone/>
+          </a:pPr>
+          <a:r>
+            <a:rPr lang="en-US" sz="1500" b="0" i="0" kern="1200">
               <a:latin typeface="Malgun Gothic Semilight" panose="020B0502040204020203" pitchFamily="50" charset="-127"/>
               <a:ea typeface="Malgun Gothic Semilight" panose="020B0502040204020203" pitchFamily="50" charset="-127"/>
               <a:cs typeface="Malgun Gothic Semilight" panose="020B0502040204020203" pitchFamily="50" charset="-127"/>
@@ -8050,14 +8174,14 @@
             <a:t>LLM </a:t>
           </a:r>
           <a:r>
-            <a:rPr lang="ko-KR" sz="1800" b="0" i="0" kern="1200">
+            <a:rPr lang="ko-KR" sz="1500" b="0" i="0" kern="1200">
               <a:latin typeface="Malgun Gothic Semilight" panose="020B0502040204020203" pitchFamily="50" charset="-127"/>
               <a:ea typeface="Malgun Gothic Semilight" panose="020B0502040204020203" pitchFamily="50" charset="-127"/>
               <a:cs typeface="Malgun Gothic Semilight" panose="020B0502040204020203" pitchFamily="50" charset="-127"/>
             </a:rPr>
             <a:t>모델을 활용한 뉴스 기사 요약 및 음성 변환</a:t>
           </a:r>
-          <a:endParaRPr lang="en-US" sz="1800" kern="1200">
+          <a:endParaRPr lang="en-US" sz="1500" kern="1200">
             <a:latin typeface="Malgun Gothic Semilight" panose="020B0502040204020203" pitchFamily="50" charset="-127"/>
             <a:ea typeface="Malgun Gothic Semilight" panose="020B0502040204020203" pitchFamily="50" charset="-127"/>
             <a:cs typeface="Malgun Gothic Semilight" panose="020B0502040204020203" pitchFamily="50" charset="-127"/>
@@ -8065,8 +8189,8 @@
         </a:p>
       </dsp:txBody>
       <dsp:txXfrm>
-        <a:off x="9057170" y="2518281"/>
-        <a:ext cx="2452373" cy="1471423"/>
+        <a:off x="8676889" y="2177490"/>
+        <a:ext cx="2350865" cy="1410519"/>
       </dsp:txXfrm>
     </dsp:sp>
   </dsp:spTree>
@@ -8540,12 +8664,12 @@
 </file>
 
 <file path=ppt/diagrams/layout2.xml><?xml version="1.0" encoding="utf-8"?>
-<dgm:layoutDef xmlns:dgm="http://schemas.openxmlformats.org/drawingml/2006/diagram" xmlns:a="http://schemas.openxmlformats.org/drawingml/2006/main" uniqueId="urn:microsoft.com/office/officeart/2005/8/layout/vList2">
+<dgm:layoutDef xmlns:dgm="http://schemas.openxmlformats.org/drawingml/2006/diagram" xmlns:a="http://schemas.openxmlformats.org/drawingml/2006/main" uniqueId="urn:microsoft.com/office/officeart/2008/layout/LinedList">
   <dgm:title val=""/>
   <dgm:desc val=""/>
   <dgm:catLst>
-    <dgm:cat type="list" pri="3000"/>
-    <dgm:cat type="convert" pri="1000"/>
+    <dgm:cat type="hierarchy" pri="8000"/>
+    <dgm:cat type="list" pri="2500"/>
   </dgm:catLst>
   <dgm:sampData>
     <dgm:dataModel>
@@ -8557,18 +8681,18 @@
         <dgm:pt modelId="11">
           <dgm:prSet phldr="1"/>
         </dgm:pt>
-        <dgm:pt modelId="2">
+        <dgm:pt modelId="12">
           <dgm:prSet phldr="1"/>
         </dgm:pt>
-        <dgm:pt modelId="21">
+        <dgm:pt modelId="13">
           <dgm:prSet phldr="1"/>
         </dgm:pt>
       </dgm:ptLst>
       <dgm:cxnLst>
-        <dgm:cxn modelId="4" srcId="0" destId="1" srcOrd="0" destOrd="0"/>
-        <dgm:cxn modelId="5" srcId="0" destId="2" srcOrd="1" destOrd="0"/>
-        <dgm:cxn modelId="12" srcId="1" destId="11" srcOrd="0" destOrd="0"/>
-        <dgm:cxn modelId="23" srcId="2" destId="21" srcOrd="0" destOrd="0"/>
+        <dgm:cxn modelId="2" srcId="0" destId="1" srcOrd="0" destOrd="0"/>
+        <dgm:cxn modelId="3" srcId="1" destId="11" srcOrd="0" destOrd="0"/>
+        <dgm:cxn modelId="4" srcId="1" destId="12" srcOrd="1" destOrd="0"/>
+        <dgm:cxn modelId="5" srcId="1" destId="13" srcOrd="2" destOrd="0"/>
       </dgm:cxnLst>
       <dgm:bg/>
       <dgm:whole/>
@@ -8578,12 +8702,20 @@
     <dgm:dataModel>
       <dgm:ptLst>
         <dgm:pt modelId="0" type="doc"/>
-        <dgm:pt modelId="1"/>
-        <dgm:pt modelId="2"/>
+        <dgm:pt modelId="1">
+          <dgm:prSet phldr="1"/>
+        </dgm:pt>
+        <dgm:pt modelId="11">
+          <dgm:prSet phldr="1"/>
+        </dgm:pt>
+        <dgm:pt modelId="12">
+          <dgm:prSet phldr="1"/>
+        </dgm:pt>
       </dgm:ptLst>
       <dgm:cxnLst>
-        <dgm:cxn modelId="3" srcId="0" destId="1" srcOrd="0" destOrd="0"/>
-        <dgm:cxn modelId="4" srcId="0" destId="2" srcOrd="1" destOrd="0"/>
+        <dgm:cxn modelId="2" srcId="0" destId="1" srcOrd="0" destOrd="0"/>
+        <dgm:cxn modelId="3" srcId="1" destId="11" srcOrd="0" destOrd="0"/>
+        <dgm:cxn modelId="4" srcId="1" destId="12" srcOrd="1" destOrd="0"/>
       </dgm:cxnLst>
       <dgm:bg/>
       <dgm:whole/>
@@ -8593,114 +8725,405 @@
     <dgm:dataModel>
       <dgm:ptLst>
         <dgm:pt modelId="0" type="doc"/>
-        <dgm:pt modelId="1"/>
-        <dgm:pt modelId="2"/>
-        <dgm:pt modelId="3"/>
-        <dgm:pt modelId="4"/>
+        <dgm:pt modelId="1">
+          <dgm:prSet phldr="1"/>
+        </dgm:pt>
+        <dgm:pt modelId="11">
+          <dgm:prSet phldr="1"/>
+        </dgm:pt>
+        <dgm:pt modelId="12">
+          <dgm:prSet phldr="1"/>
+        </dgm:pt>
       </dgm:ptLst>
       <dgm:cxnLst>
-        <dgm:cxn modelId="5" srcId="0" destId="1" srcOrd="0" destOrd="0"/>
-        <dgm:cxn modelId="6" srcId="0" destId="2" srcOrd="1" destOrd="0"/>
-        <dgm:cxn modelId="7" srcId="0" destId="3" srcOrd="2" destOrd="0"/>
-        <dgm:cxn modelId="8" srcId="0" destId="4" srcOrd="3" destOrd="0"/>
+        <dgm:cxn modelId="2" srcId="0" destId="1" srcOrd="0" destOrd="0"/>
+        <dgm:cxn modelId="3" srcId="1" destId="11" srcOrd="0" destOrd="0"/>
+        <dgm:cxn modelId="4" srcId="1" destId="12" srcOrd="1" destOrd="0"/>
       </dgm:cxnLst>
       <dgm:bg/>
       <dgm:whole/>
     </dgm:dataModel>
   </dgm:clrData>
-  <dgm:layoutNode name="linear">
+  <dgm:layoutNode name="vert0">
     <dgm:varLst>
+      <dgm:dir/>
+      <dgm:animOne val="branch"/>
       <dgm:animLvl val="lvl"/>
-      <dgm:resizeHandles val="exact"/>
     </dgm:varLst>
-    <dgm:alg type="lin">
-      <dgm:param type="linDir" val="fromT"/>
-      <dgm:param type="vertAlign" val="mid"/>
-    </dgm:alg>
+    <dgm:choose name="Name0">
+      <dgm:if name="Name1" func="var" arg="dir" op="equ" val="norm">
+        <dgm:alg type="lin">
+          <dgm:param type="linDir" val="fromT"/>
+          <dgm:param type="nodeHorzAlign" val="l"/>
+        </dgm:alg>
+      </dgm:if>
+      <dgm:else name="Name2">
+        <dgm:alg type="lin">
+          <dgm:param type="linDir" val="fromT"/>
+          <dgm:param type="nodeHorzAlign" val="r"/>
+        </dgm:alg>
+      </dgm:else>
+    </dgm:choose>
     <dgm:shape xmlns:r="http://schemas.openxmlformats.org/officeDocument/2006/relationships" r:blip="">
       <dgm:adjLst/>
     </dgm:shape>
     <dgm:presOf/>
     <dgm:constrLst>
-      <dgm:constr type="w" for="ch" forName="parentText" refType="w"/>
-      <dgm:constr type="h" for="ch" forName="parentText" refType="primFontSz" refFor="ch" refForName="parentText" fact="0.52"/>
-      <dgm:constr type="w" for="ch" forName="childText" refType="w"/>
-      <dgm:constr type="h" for="ch" forName="childText" refType="primFontSz" refFor="ch" refForName="parentText" fact="0.46"/>
-      <dgm:constr type="h" for="ch" forName="parentText" op="equ"/>
-      <dgm:constr type="primFontSz" for="ch" forName="parentText" op="equ" val="65"/>
-      <dgm:constr type="primFontSz" for="ch" forName="childText" refType="primFontSz" refFor="ch" refForName="parentText" op="equ"/>
-      <dgm:constr type="h" for="ch" forName="spacer" refType="primFontSz" refFor="ch" refForName="parentText" fact="0.08"/>
+      <dgm:constr type="w" for="ch" forName="horz1" refType="w"/>
+      <dgm:constr type="h" for="ch" forName="horz1" refType="h"/>
+      <dgm:constr type="h" for="des" forName="vert1" refType="h"/>
+      <dgm:constr type="h" for="des" forName="tx1" refType="h"/>
+      <dgm:constr type="h" for="des" forName="horz2" refType="h"/>
+      <dgm:constr type="h" for="des" forName="vert2" refType="h"/>
+      <dgm:constr type="h" for="des" forName="horz3" refType="h"/>
+      <dgm:constr type="h" for="des" forName="vert3" refType="h"/>
+      <dgm:constr type="h" for="des" forName="horz4" refType="h"/>
+      <dgm:constr type="h" for="des" ptType="node" refType="h"/>
+      <dgm:constr type="primFontSz" for="des" forName="tx1" op="equ" val="65"/>
+      <dgm:constr type="primFontSz" for="des" forName="tx2" op="equ" val="65"/>
+      <dgm:constr type="primFontSz" for="des" forName="tx3" op="equ" val="65"/>
+      <dgm:constr type="primFontSz" for="des" forName="tx4" op="equ" val="65"/>
+      <dgm:constr type="w" for="des" forName="thickLine" refType="w"/>
+      <dgm:constr type="h" for="des" forName="thickLine"/>
+      <dgm:constr type="h" for="des" forName="thinLine1"/>
+      <dgm:constr type="h" for="des" forName="thinLine2b"/>
+      <dgm:constr type="h" for="des" forName="thinLine3"/>
+      <dgm:constr type="h" for="des" forName="vertSpace2a" refType="h" fact="0.05"/>
+      <dgm:constr type="h" for="des" forName="vertSpace2b" refType="h" refFor="des" refForName="vertSpace2a"/>
     </dgm:constrLst>
-    <dgm:ruleLst>
-      <dgm:rule type="primFontSz" for="ch" forName="parentText" val="5" fact="NaN" max="NaN"/>
-    </dgm:ruleLst>
-    <dgm:forEach name="Name0" axis="ch" ptType="node">
-      <dgm:layoutNode name="parentText" styleLbl="node1">
-        <dgm:varLst>
-          <dgm:chMax val="0"/>
-          <dgm:bulletEnabled val="1"/>
-        </dgm:varLst>
-        <dgm:alg type="tx">
-          <dgm:param type="parTxLTRAlign" val="l"/>
-          <dgm:param type="parTxRTLAlign" val="r"/>
-        </dgm:alg>
-        <dgm:shape xmlns:r="http://schemas.openxmlformats.org/officeDocument/2006/relationships" type="roundRect" r:blip="">
+    <dgm:forEach name="Name3" axis="ch" ptType="node">
+      <dgm:layoutNode name="thickLine" styleLbl="alignNode1">
+        <dgm:alg type="sp"/>
+        <dgm:shape xmlns:r="http://schemas.openxmlformats.org/officeDocument/2006/relationships" type="line" r:blip="">
           <dgm:adjLst/>
         </dgm:shape>
-        <dgm:presOf axis="self"/>
-        <dgm:constrLst>
-          <dgm:constr type="tMarg" refType="primFontSz" fact="0.3"/>
-          <dgm:constr type="bMarg" refType="primFontSz" fact="0.3"/>
-          <dgm:constr type="lMarg" refType="primFontSz" fact="0.3"/>
-          <dgm:constr type="rMarg" refType="primFontSz" fact="0.3"/>
-        </dgm:constrLst>
-        <dgm:ruleLst>
-          <dgm:rule type="h" val="INF" fact="NaN" max="NaN"/>
-        </dgm:ruleLst>
+        <dgm:presOf/>
       </dgm:layoutNode>
-      <dgm:choose name="Name1">
-        <dgm:if name="Name2" axis="ch" ptType="node" func="cnt" op="gte" val="1">
-          <dgm:layoutNode name="childText" styleLbl="revTx">
-            <dgm:varLst>
-              <dgm:bulletEnabled val="1"/>
-            </dgm:varLst>
-            <dgm:alg type="tx">
-              <dgm:param type="stBulletLvl" val="1"/>
-              <dgm:param type="lnSpAfChP" val="20"/>
+      <dgm:layoutNode name="horz1">
+        <dgm:choose name="Name4">
+          <dgm:if name="Name5" func="var" arg="dir" op="equ" val="norm">
+            <dgm:alg type="lin">
+              <dgm:param type="linDir" val="fromL"/>
+              <dgm:param type="nodeVertAlign" val="t"/>
             </dgm:alg>
-            <dgm:shape xmlns:r="http://schemas.openxmlformats.org/officeDocument/2006/relationships" type="rect" r:blip="">
-              <dgm:adjLst/>
-            </dgm:shape>
-            <dgm:presOf axis="des" ptType="node"/>
+          </dgm:if>
+          <dgm:else name="Name6">
+            <dgm:alg type="lin">
+              <dgm:param type="linDir" val="fromR"/>
+              <dgm:param type="nodeVertAlign" val="t"/>
+            </dgm:alg>
+          </dgm:else>
+        </dgm:choose>
+        <dgm:shape xmlns:r="http://schemas.openxmlformats.org/officeDocument/2006/relationships" r:blip="">
+          <dgm:adjLst/>
+        </dgm:shape>
+        <dgm:presOf/>
+        <dgm:choose name="Name7">
+          <dgm:if name="Name8" axis="root des" func="maxDepth" op="equ" val="1">
             <dgm:constrLst>
-              <dgm:constr type="tMarg" refType="primFontSz" fact="0.1"/>
-              <dgm:constr type="bMarg" refType="primFontSz" fact="0.1"/>
-              <dgm:constr type="lMarg" refType="w" fact="0.09"/>
+              <dgm:constr type="w" for="ch" forName="tx1" refType="w"/>
             </dgm:constrLst>
-            <dgm:ruleLst>
-              <dgm:rule type="h" val="INF" fact="NaN" max="NaN"/>
-            </dgm:ruleLst>
-          </dgm:layoutNode>
-        </dgm:if>
-        <dgm:else name="Name3">
-          <dgm:choose name="Name4">
-            <dgm:if name="Name5" axis="par ch" ptType="doc node" func="cnt" op="gte" val="2">
-              <dgm:forEach name="Name6" axis="followSib" ptType="sibTrans" cnt="1">
-                <dgm:layoutNode name="spacer">
+          </dgm:if>
+          <dgm:if name="Name9" axis="root des" func="maxDepth" op="equ" val="2">
+            <dgm:constrLst>
+              <dgm:constr type="w" for="ch" forName="tx1" refType="w" fact="0.2"/>
+              <dgm:constr type="w" for="des" forName="tx2" refType="w" fact="0.785"/>
+              <dgm:constr type="w" for="des" forName="horzSpace2" refType="w" fact="0.015"/>
+              <dgm:constr type="w" for="des" forName="thinLine2b" refType="w" fact="0.8"/>
+            </dgm:constrLst>
+          </dgm:if>
+          <dgm:if name="Name10" axis="root des" func="maxDepth" op="equ" val="3">
+            <dgm:constrLst>
+              <dgm:constr type="w" for="ch" forName="tx1" refType="w" fact="0.2"/>
+              <dgm:constr type="w" for="des" forName="tx2" refType="w" fact="0.385"/>
+              <dgm:constr type="w" for="des" forName="tx3" refType="w" fact="0.385"/>
+              <dgm:constr type="w" for="des" forName="horzSpace2" refType="w" fact="0.015"/>
+              <dgm:constr type="w" for="des" forName="horzSpace3" refType="w" fact="0.015"/>
+              <dgm:constr type="w" for="des" forName="thinLine2b" refType="w" fact="0.8"/>
+              <dgm:constr type="w" for="des" forName="thinLine3" refType="w" fact="0.385"/>
+            </dgm:constrLst>
+          </dgm:if>
+          <dgm:if name="Name11" axis="root des" func="maxDepth" op="gte" val="4">
+            <dgm:constrLst>
+              <dgm:constr type="w" for="ch" forName="tx1" refType="w" fact="0.2"/>
+              <dgm:constr type="w" for="des" forName="tx2" refType="w" fact="0.2516"/>
+              <dgm:constr type="w" for="des" forName="tx3" refType="w" fact="0.2516"/>
+              <dgm:constr type="w" for="des" forName="tx4" refType="w" fact="0.2516"/>
+              <dgm:constr type="w" for="des" forName="horzSpace2" refType="w" fact="0.015"/>
+              <dgm:constr type="w" for="des" forName="horzSpace3" refType="w" fact="0.015"/>
+              <dgm:constr type="w" for="des" forName="horzSpace4" refType="w" fact="0.015"/>
+              <dgm:constr type="w" for="des" forName="thinLine2b" refType="w" fact="0.8"/>
+              <dgm:constr type="w" for="des" forName="thinLine3" refType="w" fact="0.5332"/>
+            </dgm:constrLst>
+          </dgm:if>
+          <dgm:else name="Name12"/>
+        </dgm:choose>
+        <dgm:layoutNode name="tx1" styleLbl="revTx">
+          <dgm:alg type="tx">
+            <dgm:param type="parTxLTRAlign" val="l"/>
+            <dgm:param type="parTxRTLAlign" val="r"/>
+            <dgm:param type="txAnchorVert" val="t"/>
+          </dgm:alg>
+          <dgm:shape xmlns:r="http://schemas.openxmlformats.org/officeDocument/2006/relationships" type="rect" r:blip="">
+            <dgm:adjLst/>
+          </dgm:shape>
+          <dgm:presOf axis="self"/>
+          <dgm:constrLst>
+            <dgm:constr type="tMarg" refType="primFontSz" fact="0.3"/>
+            <dgm:constr type="bMarg" refType="primFontSz" fact="0.3"/>
+            <dgm:constr type="lMarg" refType="primFontSz" fact="0.3"/>
+            <dgm:constr type="rMarg" refType="primFontSz" fact="0.3"/>
+          </dgm:constrLst>
+          <dgm:ruleLst>
+            <dgm:rule type="primFontSz" val="5" fact="NaN" max="NaN"/>
+          </dgm:ruleLst>
+        </dgm:layoutNode>
+        <dgm:layoutNode name="vert1">
+          <dgm:choose name="Name13">
+            <dgm:if name="Name14" func="var" arg="dir" op="equ" val="norm">
+              <dgm:alg type="lin">
+                <dgm:param type="linDir" val="fromT"/>
+                <dgm:param type="nodeHorzAlign" val="l"/>
+              </dgm:alg>
+            </dgm:if>
+            <dgm:else name="Name15">
+              <dgm:alg type="lin">
+                <dgm:param type="linDir" val="fromT"/>
+                <dgm:param type="nodeHorzAlign" val="r"/>
+              </dgm:alg>
+            </dgm:else>
+          </dgm:choose>
+          <dgm:shape xmlns:r="http://schemas.openxmlformats.org/officeDocument/2006/relationships" r:blip="">
+            <dgm:adjLst/>
+          </dgm:shape>
+          <dgm:presOf/>
+          <dgm:forEach name="Name16" axis="ch" ptType="node">
+            <dgm:choose name="Name17">
+              <dgm:if name="Name18" axis="self" ptType="node" func="pos" op="equ" val="1">
+                <dgm:layoutNode name="vertSpace2a">
                   <dgm:alg type="sp"/>
                   <dgm:shape xmlns:r="http://schemas.openxmlformats.org/officeDocument/2006/relationships" r:blip="">
                     <dgm:adjLst/>
                   </dgm:shape>
                   <dgm:presOf/>
-                  <dgm:constrLst/>
-                  <dgm:ruleLst/>
                 </dgm:layoutNode>
-              </dgm:forEach>
-            </dgm:if>
-            <dgm:else name="Name7"/>
-          </dgm:choose>
-        </dgm:else>
-      </dgm:choose>
+              </dgm:if>
+              <dgm:else name="Name19"/>
+            </dgm:choose>
+            <dgm:layoutNode name="horz2">
+              <dgm:choose name="Name20">
+                <dgm:if name="Name21" func="var" arg="dir" op="equ" val="norm">
+                  <dgm:alg type="lin">
+                    <dgm:param type="linDir" val="fromL"/>
+                    <dgm:param type="nodeVertAlign" val="t"/>
+                  </dgm:alg>
+                </dgm:if>
+                <dgm:else name="Name22">
+                  <dgm:alg type="lin">
+                    <dgm:param type="linDir" val="fromR"/>
+                    <dgm:param type="nodeVertAlign" val="t"/>
+                  </dgm:alg>
+                </dgm:else>
+              </dgm:choose>
+              <dgm:shape xmlns:r="http://schemas.openxmlformats.org/officeDocument/2006/relationships" r:blip="">
+                <dgm:adjLst/>
+              </dgm:shape>
+              <dgm:presOf/>
+              <dgm:layoutNode name="horzSpace2">
+                <dgm:alg type="sp"/>
+                <dgm:shape xmlns:r="http://schemas.openxmlformats.org/officeDocument/2006/relationships" r:blip="">
+                  <dgm:adjLst/>
+                </dgm:shape>
+                <dgm:presOf/>
+              </dgm:layoutNode>
+              <dgm:layoutNode name="tx2" styleLbl="revTx">
+                <dgm:alg type="tx">
+                  <dgm:param type="parTxLTRAlign" val="l"/>
+                  <dgm:param type="parTxRTLAlign" val="r"/>
+                  <dgm:param type="txAnchorVert" val="t"/>
+                </dgm:alg>
+                <dgm:shape xmlns:r="http://schemas.openxmlformats.org/officeDocument/2006/relationships" type="rect" r:blip="">
+                  <dgm:adjLst/>
+                </dgm:shape>
+                <dgm:presOf axis="self"/>
+                <dgm:constrLst>
+                  <dgm:constr type="tMarg" refType="primFontSz" fact="0.3"/>
+                  <dgm:constr type="bMarg" refType="primFontSz" fact="0.3"/>
+                  <dgm:constr type="lMarg" refType="primFontSz" fact="0.3"/>
+                  <dgm:constr type="rMarg" refType="primFontSz" fact="0.3"/>
+                </dgm:constrLst>
+                <dgm:ruleLst>
+                  <dgm:rule type="primFontSz" val="5" fact="NaN" max="NaN"/>
+                </dgm:ruleLst>
+              </dgm:layoutNode>
+              <dgm:layoutNode name="vert2">
+                <dgm:choose name="Name23">
+                  <dgm:if name="Name24" func="var" arg="dir" op="equ" val="norm">
+                    <dgm:alg type="lin">
+                      <dgm:param type="linDir" val="fromT"/>
+                      <dgm:param type="nodeHorzAlign" val="l"/>
+                    </dgm:alg>
+                  </dgm:if>
+                  <dgm:else name="Name25">
+                    <dgm:alg type="lin">
+                      <dgm:param type="linDir" val="fromT"/>
+                      <dgm:param type="nodeHorzAlign" val="r"/>
+                    </dgm:alg>
+                  </dgm:else>
+                </dgm:choose>
+                <dgm:shape xmlns:r="http://schemas.openxmlformats.org/officeDocument/2006/relationships" r:blip="">
+                  <dgm:adjLst/>
+                </dgm:shape>
+                <dgm:presOf/>
+                <dgm:forEach name="Name26" axis="ch" ptType="node">
+                  <dgm:layoutNode name="horz3">
+                    <dgm:choose name="Name27">
+                      <dgm:if name="Name28" func="var" arg="dir" op="equ" val="norm">
+                        <dgm:alg type="lin">
+                          <dgm:param type="linDir" val="fromL"/>
+                          <dgm:param type="nodeVertAlign" val="t"/>
+                        </dgm:alg>
+                      </dgm:if>
+                      <dgm:else name="Name29">
+                        <dgm:alg type="lin">
+                          <dgm:param type="linDir" val="fromR"/>
+                          <dgm:param type="nodeVertAlign" val="t"/>
+                        </dgm:alg>
+                      </dgm:else>
+                    </dgm:choose>
+                    <dgm:shape xmlns:r="http://schemas.openxmlformats.org/officeDocument/2006/relationships" r:blip="">
+                      <dgm:adjLst/>
+                    </dgm:shape>
+                    <dgm:presOf/>
+                    <dgm:layoutNode name="horzSpace3">
+                      <dgm:alg type="sp"/>
+                      <dgm:shape xmlns:r="http://schemas.openxmlformats.org/officeDocument/2006/relationships" r:blip="">
+                        <dgm:adjLst/>
+                      </dgm:shape>
+                      <dgm:presOf/>
+                    </dgm:layoutNode>
+                    <dgm:layoutNode name="tx3" styleLbl="revTx">
+                      <dgm:alg type="tx">
+                        <dgm:param type="parTxLTRAlign" val="l"/>
+                        <dgm:param type="parTxRTLAlign" val="r"/>
+                        <dgm:param type="txAnchorVert" val="t"/>
+                      </dgm:alg>
+                      <dgm:shape xmlns:r="http://schemas.openxmlformats.org/officeDocument/2006/relationships" type="rect" r:blip="">
+                        <dgm:adjLst/>
+                      </dgm:shape>
+                      <dgm:presOf axis="self"/>
+                      <dgm:constrLst>
+                        <dgm:constr type="tMarg" refType="primFontSz" fact="0.3"/>
+                        <dgm:constr type="bMarg" refType="primFontSz" fact="0.3"/>
+                        <dgm:constr type="lMarg" refType="primFontSz" fact="0.3"/>
+                        <dgm:constr type="rMarg" refType="primFontSz" fact="0.3"/>
+                      </dgm:constrLst>
+                      <dgm:ruleLst>
+                        <dgm:rule type="primFontSz" val="5" fact="NaN" max="NaN"/>
+                      </dgm:ruleLst>
+                    </dgm:layoutNode>
+                    <dgm:layoutNode name="vert3">
+                      <dgm:choose name="Name30">
+                        <dgm:if name="Name31" func="var" arg="dir" op="equ" val="norm">
+                          <dgm:alg type="lin">
+                            <dgm:param type="linDir" val="fromT"/>
+                            <dgm:param type="nodeHorzAlign" val="l"/>
+                          </dgm:alg>
+                        </dgm:if>
+                        <dgm:else name="Name32">
+                          <dgm:alg type="lin">
+                            <dgm:param type="linDir" val="fromT"/>
+                            <dgm:param type="nodeHorzAlign" val="r"/>
+                          </dgm:alg>
+                        </dgm:else>
+                      </dgm:choose>
+                      <dgm:shape xmlns:r="http://schemas.openxmlformats.org/officeDocument/2006/relationships" r:blip="">
+                        <dgm:adjLst/>
+                      </dgm:shape>
+                      <dgm:presOf/>
+                      <dgm:forEach name="Name33" axis="ch" ptType="node">
+                        <dgm:layoutNode name="horz4">
+                          <dgm:choose name="Name34">
+                            <dgm:if name="Name35" func="var" arg="dir" op="equ" val="norm">
+                              <dgm:alg type="lin">
+                                <dgm:param type="linDir" val="fromL"/>
+                                <dgm:param type="nodeVertAlign" val="t"/>
+                              </dgm:alg>
+                            </dgm:if>
+                            <dgm:else name="Name36">
+                              <dgm:alg type="lin">
+                                <dgm:param type="linDir" val="fromR"/>
+                                <dgm:param type="nodeVertAlign" val="t"/>
+                              </dgm:alg>
+                            </dgm:else>
+                          </dgm:choose>
+                          <dgm:shape xmlns:r="http://schemas.openxmlformats.org/officeDocument/2006/relationships" r:blip="">
+                            <dgm:adjLst/>
+                          </dgm:shape>
+                          <dgm:presOf/>
+                          <dgm:layoutNode name="horzSpace4">
+                            <dgm:alg type="sp"/>
+                            <dgm:shape xmlns:r="http://schemas.openxmlformats.org/officeDocument/2006/relationships" r:blip="">
+                              <dgm:adjLst/>
+                            </dgm:shape>
+                            <dgm:presOf/>
+                          </dgm:layoutNode>
+                          <dgm:layoutNode name="tx4" styleLbl="revTx">
+                            <dgm:varLst>
+                              <dgm:bulletEnabled val="1"/>
+                            </dgm:varLst>
+                            <dgm:alg type="tx">
+                              <dgm:param type="parTxLTRAlign" val="l"/>
+                              <dgm:param type="parTxRTLAlign" val="r"/>
+                              <dgm:param type="txAnchorVert" val="t"/>
+                            </dgm:alg>
+                            <dgm:shape xmlns:r="http://schemas.openxmlformats.org/officeDocument/2006/relationships" type="rect" r:blip="">
+                              <dgm:adjLst/>
+                            </dgm:shape>
+                            <dgm:presOf axis="desOrSelf" ptType="node"/>
+                            <dgm:constrLst>
+                              <dgm:constr type="tMarg" refType="primFontSz" fact="0.3"/>
+                              <dgm:constr type="bMarg" refType="primFontSz" fact="0.3"/>
+                              <dgm:constr type="lMarg" refType="primFontSz" fact="0.3"/>
+                              <dgm:constr type="rMarg" refType="primFontSz" fact="0.3"/>
+                            </dgm:constrLst>
+                            <dgm:ruleLst>
+                              <dgm:rule type="primFontSz" val="5" fact="NaN" max="NaN"/>
+                            </dgm:ruleLst>
+                          </dgm:layoutNode>
+                        </dgm:layoutNode>
+                      </dgm:forEach>
+                    </dgm:layoutNode>
+                  </dgm:layoutNode>
+                  <dgm:forEach name="Name37" axis="followSib" ptType="sibTrans" cnt="1">
+                    <dgm:layoutNode name="thinLine3" styleLbl="callout">
+                      <dgm:alg type="sp"/>
+                      <dgm:shape xmlns:r="http://schemas.openxmlformats.org/officeDocument/2006/relationships" type="line" r:blip="">
+                        <dgm:adjLst/>
+                      </dgm:shape>
+                      <dgm:presOf/>
+                    </dgm:layoutNode>
+                  </dgm:forEach>
+                </dgm:forEach>
+              </dgm:layoutNode>
+            </dgm:layoutNode>
+            <dgm:layoutNode name="thinLine2b" styleLbl="callout">
+              <dgm:alg type="sp"/>
+              <dgm:shape xmlns:r="http://schemas.openxmlformats.org/officeDocument/2006/relationships" type="line" r:blip="">
+                <dgm:adjLst/>
+              </dgm:shape>
+              <dgm:presOf/>
+            </dgm:layoutNode>
+            <dgm:layoutNode name="vertSpace2b">
+              <dgm:alg type="sp"/>
+              <dgm:shape xmlns:r="http://schemas.openxmlformats.org/officeDocument/2006/relationships" r:blip="">
+                <dgm:adjLst/>
+              </dgm:shape>
+              <dgm:presOf/>
+            </dgm:layoutNode>
+          </dgm:forEach>
+        </dgm:layoutNode>
+      </dgm:layoutNode>
     </dgm:forEach>
   </dgm:layoutNode>
 </dgm:layoutDef>
@@ -12378,8 +12801,8 @@
         </p:nvSpPr>
         <p:spPr>
           <a:xfrm>
-            <a:off x="571500" y="714375"/>
-            <a:ext cx="4572000" cy="1928813"/>
+            <a:off x="1143000" y="714375"/>
+            <a:ext cx="3429000" cy="1928813"/>
           </a:xfrm>
           <a:custGeom>
             <a:avLst/>
@@ -20331,7 +20754,7 @@
         </p:spPr>
         <p:txBody>
           <a:bodyPr>
-            <a:normAutofit/>
+            <a:normAutofit fontScale="92500" lnSpcReduction="10000"/>
           </a:bodyPr>
           <a:lstStyle/>
           <a:p>
@@ -20346,44 +20769,44 @@
             </a:pPr>
             <a:r>
               <a:rPr lang="ko-KR" altLang="en-US" sz="2400" b="1" dirty="0" err="1">
-                <a:latin typeface="Malgun Gothic"/>
-                <a:ea typeface="Malgun Gothic"/>
-                <a:cs typeface="Malgun Gothic"/>
+                <a:latin typeface="Malgun Gothic Semilight" panose="020B0502040204020203" pitchFamily="50" charset="-127"/>
+                <a:ea typeface="Malgun Gothic Semilight" panose="020B0502040204020203" pitchFamily="50" charset="-127"/>
+                <a:cs typeface="Malgun Gothic Semilight" panose="020B0502040204020203" pitchFamily="50" charset="-127"/>
                 <a:sym typeface="Malgun Gothic"/>
               </a:rPr>
               <a:t>프론트엔드</a:t>
             </a:r>
             <a:r>
               <a:rPr lang="en-US" altLang="ko-KR" sz="2400" b="1" dirty="0">
-                <a:latin typeface="Malgun Gothic"/>
-                <a:ea typeface="Malgun Gothic"/>
-                <a:cs typeface="Malgun Gothic"/>
+                <a:latin typeface="Malgun Gothic Semilight" panose="020B0502040204020203" pitchFamily="50" charset="-127"/>
+                <a:ea typeface="Malgun Gothic Semilight" panose="020B0502040204020203" pitchFamily="50" charset="-127"/>
+                <a:cs typeface="Malgun Gothic Semilight" panose="020B0502040204020203" pitchFamily="50" charset="-127"/>
                 <a:sym typeface="Malgun Gothic"/>
               </a:rPr>
               <a:t>:</a:t>
             </a:r>
             <a:r>
               <a:rPr lang="ko-KR" altLang="en-US" sz="2400" dirty="0">
-                <a:latin typeface="Malgun Gothic"/>
-                <a:ea typeface="Malgun Gothic"/>
-                <a:cs typeface="Malgun Gothic"/>
+                <a:latin typeface="Malgun Gothic Semilight" panose="020B0502040204020203" pitchFamily="50" charset="-127"/>
+                <a:ea typeface="Malgun Gothic Semilight" panose="020B0502040204020203" pitchFamily="50" charset="-127"/>
+                <a:cs typeface="Malgun Gothic Semilight" panose="020B0502040204020203" pitchFamily="50" charset="-127"/>
                 <a:sym typeface="Malgun Gothic"/>
               </a:rPr>
               <a:t> </a:t>
             </a:r>
             <a:r>
               <a:rPr lang="en-US" altLang="ko" sz="2400" dirty="0" err="1">
-                <a:latin typeface="Malgun Gothic"/>
-                <a:ea typeface="Malgun Gothic"/>
-                <a:cs typeface="Malgun Gothic"/>
+                <a:latin typeface="Malgun Gothic Semilight" panose="020B0502040204020203" pitchFamily="50" charset="-127"/>
+                <a:ea typeface="Malgun Gothic Semilight" panose="020B0502040204020203" pitchFamily="50" charset="-127"/>
+                <a:cs typeface="Malgun Gothic Semilight" panose="020B0502040204020203" pitchFamily="50" charset="-127"/>
                 <a:sym typeface="Malgun Gothic"/>
               </a:rPr>
               <a:t>Streamlit</a:t>
             </a:r>
             <a:endParaRPr lang="en-US" altLang="ko-KR" sz="2400" dirty="0">
-              <a:latin typeface="Malgun Gothic"/>
-              <a:ea typeface="Malgun Gothic"/>
-              <a:cs typeface="Malgun Gothic"/>
+              <a:latin typeface="Malgun Gothic Semilight" panose="020B0502040204020203" pitchFamily="50" charset="-127"/>
+              <a:ea typeface="Malgun Gothic Semilight" panose="020B0502040204020203" pitchFamily="50" charset="-127"/>
+              <a:cs typeface="Malgun Gothic Semilight" panose="020B0502040204020203" pitchFamily="50" charset="-127"/>
               <a:sym typeface="Malgun Gothic"/>
             </a:endParaRPr>
           </a:p>
@@ -20398,9 +20821,9 @@
               <a:buNone/>
             </a:pPr>
             <a:endParaRPr lang="en-US" altLang="ko-KR" sz="2400" dirty="0">
-              <a:latin typeface="Malgun Gothic"/>
-              <a:ea typeface="Malgun Gothic"/>
-              <a:cs typeface="Malgun Gothic"/>
+              <a:latin typeface="Malgun Gothic Semilight" panose="020B0502040204020203" pitchFamily="50" charset="-127"/>
+              <a:ea typeface="Malgun Gothic Semilight" panose="020B0502040204020203" pitchFamily="50" charset="-127"/>
+              <a:cs typeface="Malgun Gothic Semilight" panose="020B0502040204020203" pitchFamily="50" charset="-127"/>
               <a:sym typeface="Malgun Gothic"/>
             </a:endParaRPr>
           </a:p>
@@ -20416,35 +20839,35 @@
             </a:pPr>
             <a:r>
               <a:rPr lang="ko-KR" altLang="en-US" sz="2400" b="1" dirty="0" err="1">
-                <a:latin typeface="Malgun Gothic"/>
-                <a:ea typeface="Malgun Gothic"/>
-                <a:cs typeface="Malgun Gothic"/>
+                <a:latin typeface="Malgun Gothic Semilight" panose="020B0502040204020203" pitchFamily="50" charset="-127"/>
+                <a:ea typeface="Malgun Gothic Semilight" panose="020B0502040204020203" pitchFamily="50" charset="-127"/>
+                <a:cs typeface="Malgun Gothic Semilight" panose="020B0502040204020203" pitchFamily="50" charset="-127"/>
                 <a:sym typeface="Malgun Gothic"/>
               </a:rPr>
               <a:t>백엔드</a:t>
             </a:r>
             <a:r>
               <a:rPr lang="en-US" altLang="ko-KR" sz="2400" dirty="0">
-                <a:latin typeface="Malgun Gothic"/>
-                <a:ea typeface="Malgun Gothic"/>
-                <a:cs typeface="Malgun Gothic"/>
+                <a:latin typeface="Malgun Gothic Semilight" panose="020B0502040204020203" pitchFamily="50" charset="-127"/>
+                <a:ea typeface="Malgun Gothic Semilight" panose="020B0502040204020203" pitchFamily="50" charset="-127"/>
+                <a:cs typeface="Malgun Gothic Semilight" panose="020B0502040204020203" pitchFamily="50" charset="-127"/>
                 <a:sym typeface="Malgun Gothic"/>
               </a:rPr>
               <a:t>: </a:t>
             </a:r>
             <a:r>
               <a:rPr lang="en-US" altLang="ko" sz="2400" dirty="0">
-                <a:latin typeface="Malgun Gothic"/>
-                <a:ea typeface="Malgun Gothic"/>
-                <a:cs typeface="Malgun Gothic"/>
+                <a:latin typeface="Malgun Gothic Semilight" panose="020B0502040204020203" pitchFamily="50" charset="-127"/>
+                <a:ea typeface="Malgun Gothic Semilight" panose="020B0502040204020203" pitchFamily="50" charset="-127"/>
+                <a:cs typeface="Malgun Gothic Semilight" panose="020B0502040204020203" pitchFamily="50" charset="-127"/>
                 <a:sym typeface="Malgun Gothic"/>
               </a:rPr>
               <a:t>Python</a:t>
             </a:r>
             <a:endParaRPr lang="en-US" altLang="ko-KR" sz="2400" dirty="0">
-              <a:latin typeface="Malgun Gothic"/>
-              <a:ea typeface="Malgun Gothic"/>
-              <a:cs typeface="Malgun Gothic"/>
+              <a:latin typeface="Malgun Gothic Semilight" panose="020B0502040204020203" pitchFamily="50" charset="-127"/>
+              <a:ea typeface="Malgun Gothic Semilight" panose="020B0502040204020203" pitchFamily="50" charset="-127"/>
+              <a:cs typeface="Malgun Gothic Semilight" panose="020B0502040204020203" pitchFamily="50" charset="-127"/>
               <a:sym typeface="Malgun Gothic"/>
             </a:endParaRPr>
           </a:p>
@@ -20459,9 +20882,9 @@
               <a:buNone/>
             </a:pPr>
             <a:endParaRPr lang="en-US" altLang="ko-KR" sz="2400" dirty="0">
-              <a:latin typeface="Malgun Gothic"/>
-              <a:ea typeface="Malgun Gothic"/>
-              <a:cs typeface="Malgun Gothic"/>
+              <a:latin typeface="Malgun Gothic Semilight" panose="020B0502040204020203" pitchFamily="50" charset="-127"/>
+              <a:ea typeface="Malgun Gothic Semilight" panose="020B0502040204020203" pitchFamily="50" charset="-127"/>
+              <a:cs typeface="Malgun Gothic Semilight" panose="020B0502040204020203" pitchFamily="50" charset="-127"/>
               <a:sym typeface="Malgun Gothic"/>
             </a:endParaRPr>
           </a:p>
@@ -20477,44 +20900,44 @@
             </a:pPr>
             <a:r>
               <a:rPr lang="en-US" altLang="ko" sz="2400" b="1" dirty="0">
-                <a:latin typeface="Malgun Gothic"/>
-                <a:ea typeface="Malgun Gothic"/>
-                <a:cs typeface="Malgun Gothic"/>
+                <a:latin typeface="Malgun Gothic Semilight" panose="020B0502040204020203" pitchFamily="50" charset="-127"/>
+                <a:ea typeface="Malgun Gothic Semilight" panose="020B0502040204020203" pitchFamily="50" charset="-127"/>
+                <a:cs typeface="Malgun Gothic Semilight" panose="020B0502040204020203" pitchFamily="50" charset="-127"/>
                 <a:sym typeface="Malgun Gothic"/>
               </a:rPr>
               <a:t>LLM</a:t>
             </a:r>
             <a:r>
               <a:rPr lang="en-US" altLang="ko" sz="2400" dirty="0">
-                <a:latin typeface="Malgun Gothic"/>
-                <a:ea typeface="Malgun Gothic"/>
-                <a:cs typeface="Malgun Gothic"/>
+                <a:latin typeface="Malgun Gothic Semilight" panose="020B0502040204020203" pitchFamily="50" charset="-127"/>
+                <a:ea typeface="Malgun Gothic Semilight" panose="020B0502040204020203" pitchFamily="50" charset="-127"/>
+                <a:cs typeface="Malgun Gothic Semilight" panose="020B0502040204020203" pitchFamily="50" charset="-127"/>
                 <a:sym typeface="Malgun Gothic"/>
               </a:rPr>
               <a:t>: OpenAI GPT-3.5 (</a:t>
             </a:r>
             <a:r>
               <a:rPr lang="ko-KR" altLang="en-US" sz="2400" dirty="0">
-                <a:latin typeface="Malgun Gothic"/>
-                <a:ea typeface="Malgun Gothic"/>
-                <a:cs typeface="Malgun Gothic"/>
+                <a:latin typeface="Malgun Gothic Semilight" panose="020B0502040204020203" pitchFamily="50" charset="-127"/>
+                <a:ea typeface="Malgun Gothic Semilight" panose="020B0502040204020203" pitchFamily="50" charset="-127"/>
+                <a:cs typeface="Malgun Gothic Semilight" panose="020B0502040204020203" pitchFamily="50" charset="-127"/>
                 <a:sym typeface="Malgun Gothic"/>
               </a:rPr>
               <a:t>텍스트 요약</a:t>
             </a:r>
             <a:r>
               <a:rPr lang="en-US" altLang="ko-KR" sz="2400" dirty="0">
-                <a:latin typeface="Malgun Gothic"/>
-                <a:ea typeface="Malgun Gothic"/>
-                <a:cs typeface="Malgun Gothic"/>
+                <a:latin typeface="Malgun Gothic Semilight" panose="020B0502040204020203" pitchFamily="50" charset="-127"/>
+                <a:ea typeface="Malgun Gothic Semilight" panose="020B0502040204020203" pitchFamily="50" charset="-127"/>
+                <a:cs typeface="Malgun Gothic Semilight" panose="020B0502040204020203" pitchFamily="50" charset="-127"/>
                 <a:sym typeface="Malgun Gothic"/>
               </a:rPr>
               <a:t>)</a:t>
             </a:r>
             <a:endParaRPr lang="ko-KR" altLang="en-US" sz="2400" dirty="0">
-              <a:latin typeface="Malgun Gothic"/>
-              <a:ea typeface="Malgun Gothic"/>
-              <a:cs typeface="Malgun Gothic"/>
+              <a:latin typeface="Malgun Gothic Semilight" panose="020B0502040204020203" pitchFamily="50" charset="-127"/>
+              <a:ea typeface="Malgun Gothic Semilight" panose="020B0502040204020203" pitchFamily="50" charset="-127"/>
+              <a:cs typeface="Malgun Gothic Semilight" panose="020B0502040204020203" pitchFamily="50" charset="-127"/>
               <a:sym typeface="Malgun Gothic"/>
             </a:endParaRPr>
           </a:p>
@@ -20529,9 +20952,9 @@
               <a:buNone/>
             </a:pPr>
             <a:endParaRPr lang="ko-KR" altLang="en-US" sz="2400" dirty="0">
-              <a:latin typeface="Malgun Gothic"/>
-              <a:ea typeface="Malgun Gothic"/>
-              <a:cs typeface="Malgun Gothic"/>
+              <a:latin typeface="Malgun Gothic Semilight" panose="020B0502040204020203" pitchFamily="50" charset="-127"/>
+              <a:ea typeface="Malgun Gothic Semilight" panose="020B0502040204020203" pitchFamily="50" charset="-127"/>
+              <a:cs typeface="Malgun Gothic Semilight" panose="020B0502040204020203" pitchFamily="50" charset="-127"/>
               <a:sym typeface="Malgun Gothic"/>
             </a:endParaRPr>
           </a:p>
@@ -20547,44 +20970,44 @@
             </a:pPr>
             <a:r>
               <a:rPr lang="en-US" altLang="ko" sz="2400" b="1" dirty="0">
-                <a:latin typeface="Malgun Gothic"/>
-                <a:ea typeface="Malgun Gothic"/>
-                <a:cs typeface="Malgun Gothic"/>
+                <a:latin typeface="Malgun Gothic Semilight" panose="020B0502040204020203" pitchFamily="50" charset="-127"/>
+                <a:ea typeface="Malgun Gothic Semilight" panose="020B0502040204020203" pitchFamily="50" charset="-127"/>
+                <a:cs typeface="Malgun Gothic Semilight" panose="020B0502040204020203" pitchFamily="50" charset="-127"/>
                 <a:sym typeface="Malgun Gothic"/>
               </a:rPr>
               <a:t>TTS</a:t>
             </a:r>
             <a:r>
               <a:rPr lang="en-US" altLang="ko" sz="2400" dirty="0">
-                <a:latin typeface="Malgun Gothic"/>
-                <a:ea typeface="Malgun Gothic"/>
-                <a:cs typeface="Malgun Gothic"/>
+                <a:latin typeface="Malgun Gothic Semilight" panose="020B0502040204020203" pitchFamily="50" charset="-127"/>
+                <a:ea typeface="Malgun Gothic Semilight" panose="020B0502040204020203" pitchFamily="50" charset="-127"/>
+                <a:cs typeface="Malgun Gothic Semilight" panose="020B0502040204020203" pitchFamily="50" charset="-127"/>
                 <a:sym typeface="Malgun Gothic"/>
               </a:rPr>
               <a:t>: Google TTS (</a:t>
             </a:r>
             <a:r>
               <a:rPr lang="en-US" altLang="ko" sz="2400" dirty="0" err="1">
-                <a:latin typeface="Malgun Gothic"/>
-                <a:ea typeface="Malgun Gothic"/>
-                <a:cs typeface="Malgun Gothic"/>
+                <a:latin typeface="Malgun Gothic Semilight" panose="020B0502040204020203" pitchFamily="50" charset="-127"/>
+                <a:ea typeface="Malgun Gothic Semilight" panose="020B0502040204020203" pitchFamily="50" charset="-127"/>
+                <a:cs typeface="Malgun Gothic Semilight" panose="020B0502040204020203" pitchFamily="50" charset="-127"/>
                 <a:sym typeface="Malgun Gothic"/>
               </a:rPr>
               <a:t>gTTS</a:t>
             </a:r>
             <a:r>
               <a:rPr lang="en-US" altLang="ko" sz="2400" dirty="0">
-                <a:latin typeface="Malgun Gothic"/>
-                <a:ea typeface="Malgun Gothic"/>
-                <a:cs typeface="Malgun Gothic"/>
+                <a:latin typeface="Malgun Gothic Semilight" panose="020B0502040204020203" pitchFamily="50" charset="-127"/>
+                <a:ea typeface="Malgun Gothic Semilight" panose="020B0502040204020203" pitchFamily="50" charset="-127"/>
+                <a:cs typeface="Malgun Gothic Semilight" panose="020B0502040204020203" pitchFamily="50" charset="-127"/>
                 <a:sym typeface="Malgun Gothic"/>
               </a:rPr>
               <a:t>)</a:t>
             </a:r>
             <a:endParaRPr lang="en-US" altLang="ko-KR" sz="2400" dirty="0">
-              <a:latin typeface="Malgun Gothic"/>
-              <a:ea typeface="Malgun Gothic"/>
-              <a:cs typeface="Malgun Gothic"/>
+              <a:latin typeface="Malgun Gothic Semilight" panose="020B0502040204020203" pitchFamily="50" charset="-127"/>
+              <a:ea typeface="Malgun Gothic Semilight" panose="020B0502040204020203" pitchFamily="50" charset="-127"/>
+              <a:cs typeface="Malgun Gothic Semilight" panose="020B0502040204020203" pitchFamily="50" charset="-127"/>
               <a:sym typeface="Malgun Gothic"/>
             </a:endParaRPr>
           </a:p>
@@ -20599,9 +21022,9 @@
               <a:buNone/>
             </a:pPr>
             <a:endParaRPr lang="en-US" altLang="ko-KR" sz="2400" dirty="0">
-              <a:latin typeface="Malgun Gothic"/>
-              <a:ea typeface="Malgun Gothic"/>
-              <a:cs typeface="Malgun Gothic"/>
+              <a:latin typeface="Malgun Gothic Semilight" panose="020B0502040204020203" pitchFamily="50" charset="-127"/>
+              <a:ea typeface="Malgun Gothic Semilight" panose="020B0502040204020203" pitchFamily="50" charset="-127"/>
+              <a:cs typeface="Malgun Gothic Semilight" panose="020B0502040204020203" pitchFamily="50" charset="-127"/>
               <a:sym typeface="Malgun Gothic"/>
             </a:endParaRPr>
           </a:p>
@@ -20617,26 +21040,26 @@
             </a:pPr>
             <a:r>
               <a:rPr lang="en-US" altLang="ko" sz="2400" b="1" dirty="0">
-                <a:latin typeface="Malgun Gothic"/>
-                <a:ea typeface="Malgun Gothic"/>
-                <a:cs typeface="Malgun Gothic"/>
+                <a:latin typeface="Malgun Gothic Semilight" panose="020B0502040204020203" pitchFamily="50" charset="-127"/>
+                <a:ea typeface="Malgun Gothic Semilight" panose="020B0502040204020203" pitchFamily="50" charset="-127"/>
+                <a:cs typeface="Malgun Gothic Semilight" panose="020B0502040204020203" pitchFamily="50" charset="-127"/>
                 <a:sym typeface="Malgun Gothic"/>
               </a:rPr>
               <a:t>DB</a:t>
             </a:r>
             <a:r>
               <a:rPr lang="en-US" altLang="ko" sz="2400" dirty="0">
-                <a:latin typeface="Malgun Gothic"/>
-                <a:ea typeface="Malgun Gothic"/>
-                <a:cs typeface="Malgun Gothic"/>
+                <a:latin typeface="Malgun Gothic Semilight" panose="020B0502040204020203" pitchFamily="50" charset="-127"/>
+                <a:ea typeface="Malgun Gothic Semilight" panose="020B0502040204020203" pitchFamily="50" charset="-127"/>
+                <a:cs typeface="Malgun Gothic Semilight" panose="020B0502040204020203" pitchFamily="50" charset="-127"/>
                 <a:sym typeface="Malgun Gothic"/>
               </a:rPr>
               <a:t>: MySQL</a:t>
             </a:r>
             <a:endParaRPr lang="en-US" altLang="ko-KR" sz="2400" dirty="0">
-              <a:latin typeface="Malgun Gothic"/>
-              <a:ea typeface="Malgun Gothic"/>
-              <a:cs typeface="Malgun Gothic"/>
+              <a:latin typeface="Malgun Gothic Semilight" panose="020B0502040204020203" pitchFamily="50" charset="-127"/>
+              <a:ea typeface="Malgun Gothic Semilight" panose="020B0502040204020203" pitchFamily="50" charset="-127"/>
+              <a:cs typeface="Malgun Gothic Semilight" panose="020B0502040204020203" pitchFamily="50" charset="-127"/>
               <a:sym typeface="Malgun Gothic"/>
             </a:endParaRPr>
           </a:p>
@@ -20651,9 +21074,9 @@
               <a:buNone/>
             </a:pPr>
             <a:endParaRPr lang="en-US" altLang="ko-KR" sz="2400" dirty="0">
-              <a:latin typeface="Malgun Gothic"/>
-              <a:ea typeface="Malgun Gothic"/>
-              <a:cs typeface="Malgun Gothic"/>
+              <a:latin typeface="Malgun Gothic Semilight" panose="020B0502040204020203" pitchFamily="50" charset="-127"/>
+              <a:ea typeface="Malgun Gothic Semilight" panose="020B0502040204020203" pitchFamily="50" charset="-127"/>
+              <a:cs typeface="Malgun Gothic Semilight" panose="020B0502040204020203" pitchFamily="50" charset="-127"/>
               <a:sym typeface="Malgun Gothic"/>
             </a:endParaRPr>
           </a:p>
@@ -20669,67 +21092,115 @@
             </a:pPr>
             <a:r>
               <a:rPr lang="ko-KR" altLang="en-US" sz="2400" b="1" dirty="0">
-                <a:latin typeface="Malgun Gothic"/>
-                <a:ea typeface="Malgun Gothic"/>
-                <a:cs typeface="Malgun Gothic"/>
+                <a:latin typeface="Malgun Gothic Semilight" panose="020B0502040204020203" pitchFamily="50" charset="-127"/>
+                <a:ea typeface="Malgun Gothic Semilight" panose="020B0502040204020203" pitchFamily="50" charset="-127"/>
+                <a:cs typeface="Malgun Gothic Semilight" panose="020B0502040204020203" pitchFamily="50" charset="-127"/>
                 <a:sym typeface="Malgun Gothic"/>
               </a:rPr>
               <a:t>웹 </a:t>
             </a:r>
             <a:r>
               <a:rPr lang="ko-KR" altLang="en-US" sz="2400" b="1" dirty="0" err="1">
-                <a:latin typeface="Malgun Gothic"/>
-                <a:ea typeface="Malgun Gothic"/>
-                <a:cs typeface="Malgun Gothic"/>
+                <a:latin typeface="Malgun Gothic Semilight" panose="020B0502040204020203" pitchFamily="50" charset="-127"/>
+                <a:ea typeface="Malgun Gothic Semilight" panose="020B0502040204020203" pitchFamily="50" charset="-127"/>
+                <a:cs typeface="Malgun Gothic Semilight" panose="020B0502040204020203" pitchFamily="50" charset="-127"/>
                 <a:sym typeface="Malgun Gothic"/>
               </a:rPr>
               <a:t>크롤링</a:t>
             </a:r>
             <a:r>
               <a:rPr lang="en-US" altLang="ko-KR" sz="2400" b="1" dirty="0">
-                <a:latin typeface="Malgun Gothic"/>
-                <a:ea typeface="Malgun Gothic"/>
-                <a:cs typeface="Malgun Gothic"/>
+                <a:latin typeface="Malgun Gothic Semilight" panose="020B0502040204020203" pitchFamily="50" charset="-127"/>
+                <a:ea typeface="Malgun Gothic Semilight" panose="020B0502040204020203" pitchFamily="50" charset="-127"/>
+                <a:cs typeface="Malgun Gothic Semilight" panose="020B0502040204020203" pitchFamily="50" charset="-127"/>
                 <a:sym typeface="Malgun Gothic"/>
               </a:rPr>
               <a:t>:</a:t>
             </a:r>
             <a:r>
               <a:rPr lang="ko-KR" altLang="en-US" sz="2400" dirty="0">
-                <a:latin typeface="Malgun Gothic"/>
-                <a:ea typeface="Malgun Gothic"/>
-                <a:cs typeface="Malgun Gothic"/>
+                <a:latin typeface="Malgun Gothic Semilight" panose="020B0502040204020203" pitchFamily="50" charset="-127"/>
+                <a:ea typeface="Malgun Gothic Semilight" panose="020B0502040204020203" pitchFamily="50" charset="-127"/>
+                <a:cs typeface="Malgun Gothic Semilight" panose="020B0502040204020203" pitchFamily="50" charset="-127"/>
                 <a:sym typeface="Malgun Gothic"/>
               </a:rPr>
               <a:t> </a:t>
             </a:r>
             <a:r>
               <a:rPr lang="en-US" altLang="ko" sz="2400" dirty="0" err="1">
-                <a:latin typeface="Malgun Gothic"/>
-                <a:ea typeface="Malgun Gothic"/>
-                <a:cs typeface="Malgun Gothic"/>
+                <a:latin typeface="Malgun Gothic Semilight" panose="020B0502040204020203" pitchFamily="50" charset="-127"/>
+                <a:ea typeface="Malgun Gothic Semilight" panose="020B0502040204020203" pitchFamily="50" charset="-127"/>
+                <a:cs typeface="Malgun Gothic Semilight" panose="020B0502040204020203" pitchFamily="50" charset="-127"/>
                 <a:sym typeface="Malgun Gothic"/>
               </a:rPr>
               <a:t>BeautifulSoup</a:t>
             </a:r>
             <a:r>
               <a:rPr lang="en-US" altLang="ko" sz="2400" dirty="0">
-                <a:latin typeface="Malgun Gothic"/>
-                <a:ea typeface="Malgun Gothic"/>
-                <a:cs typeface="Malgun Gothic"/>
+                <a:latin typeface="Malgun Gothic Semilight" panose="020B0502040204020203" pitchFamily="50" charset="-127"/>
+                <a:ea typeface="Malgun Gothic Semilight" panose="020B0502040204020203" pitchFamily="50" charset="-127"/>
+                <a:cs typeface="Malgun Gothic Semilight" panose="020B0502040204020203" pitchFamily="50" charset="-127"/>
                 <a:sym typeface="Malgun Gothic"/>
               </a:rPr>
               <a:t>, requests</a:t>
             </a:r>
             <a:endParaRPr lang="en-US" altLang="ko-KR" sz="2400" dirty="0">
-              <a:latin typeface="Malgun Gothic"/>
-              <a:ea typeface="Malgun Gothic"/>
-              <a:cs typeface="Malgun Gothic"/>
+              <a:latin typeface="Malgun Gothic Semilight" panose="020B0502040204020203" pitchFamily="50" charset="-127"/>
+              <a:ea typeface="Malgun Gothic Semilight" panose="020B0502040204020203" pitchFamily="50" charset="-127"/>
+              <a:cs typeface="Malgun Gothic Semilight" panose="020B0502040204020203" pitchFamily="50" charset="-127"/>
               <a:sym typeface="Malgun Gothic"/>
             </a:endParaRPr>
           </a:p>
           <a:p>
-            <a:endParaRPr lang="ko-KR" altLang="en-US" sz="2400" dirty="0"/>
+            <a:pPr marL="0" indent="0">
+              <a:buNone/>
+            </a:pPr>
+            <a:endParaRPr lang="en-US" altLang="ko-KR" sz="2400" dirty="0">
+              <a:latin typeface="Malgun Gothic Semilight" panose="020B0502040204020203" pitchFamily="50" charset="-127"/>
+              <a:ea typeface="Malgun Gothic Semilight" panose="020B0502040204020203" pitchFamily="50" charset="-127"/>
+              <a:cs typeface="Malgun Gothic Semilight" panose="020B0502040204020203" pitchFamily="50" charset="-127"/>
+            </a:endParaRPr>
+          </a:p>
+          <a:p>
+            <a:pPr marL="0" indent="0">
+              <a:buNone/>
+            </a:pPr>
+            <a:r>
+              <a:rPr lang="ko-KR" altLang="en-US" sz="2400" b="1" dirty="0">
+                <a:latin typeface="Malgun Gothic Semilight" panose="020B0502040204020203" pitchFamily="50" charset="-127"/>
+                <a:ea typeface="Malgun Gothic Semilight" panose="020B0502040204020203" pitchFamily="50" charset="-127"/>
+                <a:cs typeface="Malgun Gothic Semilight" panose="020B0502040204020203" pitchFamily="50" charset="-127"/>
+              </a:rPr>
+              <a:t>맵 구현 </a:t>
+            </a:r>
+            <a:r>
+              <a:rPr lang="en-US" altLang="ko-KR" sz="2400" dirty="0">
+                <a:latin typeface="Malgun Gothic Semilight" panose="020B0502040204020203" pitchFamily="50" charset="-127"/>
+                <a:ea typeface="Malgun Gothic Semilight" panose="020B0502040204020203" pitchFamily="50" charset="-127"/>
+                <a:cs typeface="Malgun Gothic Semilight" panose="020B0502040204020203" pitchFamily="50" charset="-127"/>
+              </a:rPr>
+              <a:t>: folium , </a:t>
+            </a:r>
+            <a:r>
+              <a:rPr lang="en-US" altLang="ko-KR" sz="2400" dirty="0" err="1">
+                <a:latin typeface="Malgun Gothic Semilight" panose="020B0502040204020203" pitchFamily="50" charset="-127"/>
+                <a:ea typeface="Malgun Gothic Semilight" panose="020B0502040204020203" pitchFamily="50" charset="-127"/>
+                <a:cs typeface="Malgun Gothic Semilight" panose="020B0502040204020203" pitchFamily="50" charset="-127"/>
+              </a:rPr>
+              <a:t>pands</a:t>
+            </a:r>
+            <a:endParaRPr lang="en-US" altLang="ko-KR" sz="2400" dirty="0">
+              <a:latin typeface="Malgun Gothic Semilight" panose="020B0502040204020203" pitchFamily="50" charset="-127"/>
+              <a:ea typeface="Malgun Gothic Semilight" panose="020B0502040204020203" pitchFamily="50" charset="-127"/>
+              <a:cs typeface="Malgun Gothic Semilight" panose="020B0502040204020203" pitchFamily="50" charset="-127"/>
+            </a:endParaRPr>
+          </a:p>
+          <a:p>
+            <a:endParaRPr lang="ko-KR" altLang="en-US" sz="2400" dirty="0">
+              <a:latin typeface="Malgun Gothic Semilight" panose="020B0502040204020203" pitchFamily="50" charset="-127"/>
+              <a:ea typeface="Malgun Gothic Semilight" panose="020B0502040204020203" pitchFamily="50" charset="-127"/>
+              <a:cs typeface="Malgun Gothic Semilight" panose="020B0502040204020203" pitchFamily="50" charset="-127"/>
+            </a:endParaRPr>
           </a:p>
         </p:txBody>
       </p:sp>
@@ -21117,14 +21588,14 @@
             <p:ph idx="1"/>
             <p:extLst>
               <p:ext uri="{D42A27DB-BD31-4B8C-83A1-F6EECF244321}">
-                <p14:modId xmlns:p14="http://schemas.microsoft.com/office/powerpoint/2010/main" val="925242644"/>
+                <p14:modId xmlns:p14="http://schemas.microsoft.com/office/powerpoint/2010/main" val="1268334349"/>
               </p:ext>
             </p:extLst>
           </p:nvPr>
         </p:nvGraphicFramePr>
         <p:xfrm>
-          <a:off x="228600" y="1683327"/>
-          <a:ext cx="11517457" cy="4472517"/>
+          <a:off x="581025" y="2341563"/>
+          <a:ext cx="11029950" cy="3814281"/>
         </p:xfrm>
         <a:graphic>
           <a:graphicData uri="http://schemas.openxmlformats.org/drawingml/2006/diagram">
@@ -23104,42 +23575,6 @@
           </a:p>
         </p:txBody>
       </p:sp>
-      <p:pic>
-        <p:nvPicPr>
-          <p:cNvPr id="9" name="그림 8" descr="만화 영화, 미소, 인간의 얼굴, 사람이(가) 표시된 사진&#10;&#10;AI가 생성한 콘텐츠는 부정확할 수 있습니다.">
-            <a:extLst>
-              <a:ext uri="{FF2B5EF4-FFF2-40B4-BE49-F238E27FC236}">
-                <a16:creationId xmlns:a16="http://schemas.microsoft.com/office/drawing/2014/main" id="{EADF36E6-144F-84E4-BC1C-0C8B61D05948}"/>
-              </a:ext>
-            </a:extLst>
-          </p:cNvPr>
-          <p:cNvPicPr>
-            <a:picLocks noChangeAspect="1"/>
-          </p:cNvPicPr>
-          <p:nvPr/>
-        </p:nvPicPr>
-        <p:blipFill>
-          <a:blip r:embed="rId3">
-            <a:extLst>
-              <a:ext uri="{28A0092B-C50C-407E-A947-70E740481C1C}">
-                <a14:useLocalDpi xmlns:a14="http://schemas.microsoft.com/office/drawing/2010/main" val="0"/>
-              </a:ext>
-            </a:extLst>
-          </a:blip>
-          <a:stretch>
-            <a:fillRect/>
-          </a:stretch>
-        </p:blipFill>
-        <p:spPr>
-          <a:xfrm>
-            <a:off x="4406922" y="2196332"/>
-            <a:ext cx="2465333" cy="2465333"/>
-          </a:xfrm>
-          <a:prstGeom prst="rect">
-            <a:avLst/>
-          </a:prstGeom>
-        </p:spPr>
-      </p:pic>
       <p:sp>
         <p:nvSpPr>
           <p:cNvPr id="10" name="TextBox 9">
@@ -23229,9 +23664,9 @@
                 <a:solidFill>
                   <a:srgbClr val="2C2821"/>
                 </a:solidFill>
-                <a:latin typeface="Comic Sans MS"/>
-                <a:ea typeface="Comic Sans MS"/>
-                <a:cs typeface="Comic Sans MS"/>
+                <a:latin typeface="Malgun Gothic Semilight" panose="020B0502040204020203" pitchFamily="50" charset="-127"/>
+                <a:ea typeface="Malgun Gothic Semilight" panose="020B0502040204020203" pitchFamily="50" charset="-127"/>
+                <a:cs typeface="Malgun Gothic Semilight" panose="020B0502040204020203" pitchFamily="50" charset="-127"/>
                 <a:sym typeface="Comic Sans MS"/>
               </a:rPr>
               <a:t>공공데이터 </a:t>
@@ -23241,9 +23676,9 @@
                 <a:solidFill>
                   <a:srgbClr val="2C2821"/>
                 </a:solidFill>
-                <a:latin typeface="Comic Sans MS"/>
-                <a:ea typeface="Comic Sans MS"/>
-                <a:cs typeface="Comic Sans MS"/>
+                <a:latin typeface="Malgun Gothic Semilight" panose="020B0502040204020203" pitchFamily="50" charset="-127"/>
+                <a:ea typeface="Malgun Gothic Semilight" panose="020B0502040204020203" pitchFamily="50" charset="-127"/>
+                <a:cs typeface="Malgun Gothic Semilight" panose="020B0502040204020203" pitchFamily="50" charset="-127"/>
                 <a:sym typeface="Comic Sans MS"/>
               </a:rPr>
               <a:t>&amp; </a:t>
@@ -23253,58 +23688,22 @@
                 <a:solidFill>
                   <a:srgbClr val="2C2821"/>
                 </a:solidFill>
-                <a:latin typeface="Comic Sans MS"/>
-                <a:ea typeface="Comic Sans MS"/>
-                <a:cs typeface="Comic Sans MS"/>
+                <a:latin typeface="Malgun Gothic Semilight" panose="020B0502040204020203" pitchFamily="50" charset="-127"/>
+                <a:ea typeface="Malgun Gothic Semilight" panose="020B0502040204020203" pitchFamily="50" charset="-127"/>
+                <a:cs typeface="Malgun Gothic Semilight" panose="020B0502040204020203" pitchFamily="50" charset="-127"/>
                 <a:sym typeface="Comic Sans MS"/>
               </a:rPr>
               <a:t>지역코드 정제 및 지도 시각화</a:t>
             </a:r>
             <a:endParaRPr lang="ko-KR" altLang="en-US" sz="1800" i="0" u="none" strike="noStrike" cap="none" dirty="0">
-              <a:latin typeface="Comic Sans MS"/>
-              <a:ea typeface="Comic Sans MS"/>
-              <a:cs typeface="Comic Sans MS"/>
+              <a:latin typeface="Malgun Gothic Semilight" panose="020B0502040204020203" pitchFamily="50" charset="-127"/>
+              <a:ea typeface="Malgun Gothic Semilight" panose="020B0502040204020203" pitchFamily="50" charset="-127"/>
+              <a:cs typeface="Malgun Gothic Semilight" panose="020B0502040204020203" pitchFamily="50" charset="-127"/>
               <a:sym typeface="Comic Sans MS"/>
             </a:endParaRPr>
           </a:p>
         </p:txBody>
       </p:sp>
-      <p:pic>
-        <p:nvPicPr>
-          <p:cNvPr id="12" name="그림 11" descr="만화 영화, 미소, 인간의 얼굴, 사람이(가) 표시된 사진&#10;&#10;AI가 생성한 콘텐츠는 부정확할 수 있습니다.">
-            <a:extLst>
-              <a:ext uri="{FF2B5EF4-FFF2-40B4-BE49-F238E27FC236}">
-                <a16:creationId xmlns:a16="http://schemas.microsoft.com/office/drawing/2014/main" id="{1BD53A59-0019-45A7-87BE-CBAA4D370BD3}"/>
-              </a:ext>
-            </a:extLst>
-          </p:cNvPr>
-          <p:cNvPicPr>
-            <a:picLocks noChangeAspect="1"/>
-          </p:cNvPicPr>
-          <p:nvPr/>
-        </p:nvPicPr>
-        <p:blipFill>
-          <a:blip r:embed="rId3">
-            <a:extLst>
-              <a:ext uri="{28A0092B-C50C-407E-A947-70E740481C1C}">
-                <a14:useLocalDpi xmlns:a14="http://schemas.microsoft.com/office/drawing/2010/main" val="0"/>
-              </a:ext>
-            </a:extLst>
-          </a:blip>
-          <a:stretch>
-            <a:fillRect/>
-          </a:stretch>
-        </p:blipFill>
-        <p:spPr>
-          <a:xfrm>
-            <a:off x="6597738" y="2235326"/>
-            <a:ext cx="2465333" cy="2465333"/>
-          </a:xfrm>
-          <a:prstGeom prst="rect">
-            <a:avLst/>
-          </a:prstGeom>
-        </p:spPr>
-      </p:pic>
       <p:sp>
         <p:nvSpPr>
           <p:cNvPr id="13" name="TextBox 12">
@@ -23394,9 +23793,9 @@
                 <a:solidFill>
                   <a:srgbClr val="2C2821"/>
                 </a:solidFill>
-                <a:latin typeface="Comic Sans MS"/>
-                <a:ea typeface="Comic Sans MS"/>
-                <a:cs typeface="Comic Sans MS"/>
+                <a:latin typeface="Malgun Gothic Semilight" panose="020B0502040204020203" pitchFamily="50" charset="-127"/>
+                <a:ea typeface="Malgun Gothic Semilight" panose="020B0502040204020203" pitchFamily="50" charset="-127"/>
+                <a:cs typeface="Malgun Gothic Semilight" panose="020B0502040204020203" pitchFamily="50" charset="-127"/>
                 <a:sym typeface="Comic Sans MS"/>
               </a:rPr>
               <a:t>뉴스 </a:t>
@@ -23406,9 +23805,9 @@
                 <a:solidFill>
                   <a:srgbClr val="2C2821"/>
                 </a:solidFill>
-                <a:latin typeface="Comic Sans MS"/>
-                <a:ea typeface="Comic Sans MS"/>
-                <a:cs typeface="Comic Sans MS"/>
+                <a:latin typeface="Malgun Gothic Semilight" panose="020B0502040204020203" pitchFamily="50" charset="-127"/>
+                <a:ea typeface="Malgun Gothic Semilight" panose="020B0502040204020203" pitchFamily="50" charset="-127"/>
+                <a:cs typeface="Malgun Gothic Semilight" panose="020B0502040204020203" pitchFamily="50" charset="-127"/>
                 <a:sym typeface="Comic Sans MS"/>
               </a:rPr>
               <a:t>크롤링</a:t>
@@ -23418,58 +23817,22 @@
                 <a:solidFill>
                   <a:srgbClr val="2C2821"/>
                 </a:solidFill>
-                <a:latin typeface="Comic Sans MS"/>
-                <a:ea typeface="Comic Sans MS"/>
-                <a:cs typeface="Comic Sans MS"/>
+                <a:latin typeface="Malgun Gothic Semilight" panose="020B0502040204020203" pitchFamily="50" charset="-127"/>
+                <a:ea typeface="Malgun Gothic Semilight" panose="020B0502040204020203" pitchFamily="50" charset="-127"/>
+                <a:cs typeface="Malgun Gothic Semilight" panose="020B0502040204020203" pitchFamily="50" charset="-127"/>
                 <a:sym typeface="Comic Sans MS"/>
               </a:rPr>
               <a:t>  정확도순 조회 구현</a:t>
             </a:r>
             <a:endParaRPr lang="ko-KR" altLang="en-US" sz="1800" i="0" u="none" strike="noStrike" cap="none" dirty="0">
-              <a:latin typeface="Comic Sans MS"/>
-              <a:ea typeface="Comic Sans MS"/>
-              <a:cs typeface="Comic Sans MS"/>
+              <a:latin typeface="Malgun Gothic Semilight" panose="020B0502040204020203" pitchFamily="50" charset="-127"/>
+              <a:ea typeface="Malgun Gothic Semilight" panose="020B0502040204020203" pitchFamily="50" charset="-127"/>
+              <a:cs typeface="Malgun Gothic Semilight" panose="020B0502040204020203" pitchFamily="50" charset="-127"/>
               <a:sym typeface="Comic Sans MS"/>
             </a:endParaRPr>
           </a:p>
         </p:txBody>
       </p:sp>
-      <p:pic>
-        <p:nvPicPr>
-          <p:cNvPr id="15" name="그림 14" descr="만화 영화, 미소, 인간의 얼굴, 사람이(가) 표시된 사진&#10;&#10;AI가 생성한 콘텐츠는 부정확할 수 있습니다.">
-            <a:extLst>
-              <a:ext uri="{FF2B5EF4-FFF2-40B4-BE49-F238E27FC236}">
-                <a16:creationId xmlns:a16="http://schemas.microsoft.com/office/drawing/2014/main" id="{19AC36E0-3FE1-CF1B-61FA-8F46E321E007}"/>
-              </a:ext>
-            </a:extLst>
-          </p:cNvPr>
-          <p:cNvPicPr>
-            <a:picLocks noChangeAspect="1"/>
-          </p:cNvPicPr>
-          <p:nvPr/>
-        </p:nvPicPr>
-        <p:blipFill>
-          <a:blip r:embed="rId3">
-            <a:extLst>
-              <a:ext uri="{28A0092B-C50C-407E-A947-70E740481C1C}">
-                <a14:useLocalDpi xmlns:a14="http://schemas.microsoft.com/office/drawing/2010/main" val="0"/>
-              </a:ext>
-            </a:extLst>
-          </a:blip>
-          <a:stretch>
-            <a:fillRect/>
-          </a:stretch>
-        </p:blipFill>
-        <p:spPr>
-          <a:xfrm>
-            <a:off x="8874001" y="2196331"/>
-            <a:ext cx="2465333" cy="2465333"/>
-          </a:xfrm>
-          <a:prstGeom prst="rect">
-            <a:avLst/>
-          </a:prstGeom>
-        </p:spPr>
-      </p:pic>
       <p:sp>
         <p:nvSpPr>
           <p:cNvPr id="16" name="TextBox 15">
@@ -23559,9 +23922,9 @@
                 <a:solidFill>
                   <a:srgbClr val="2C2821"/>
                 </a:solidFill>
-                <a:latin typeface="Comic Sans MS"/>
-                <a:ea typeface="Comic Sans MS"/>
-                <a:cs typeface="Comic Sans MS"/>
+                <a:latin typeface="Malgun Gothic Semilight" panose="020B0502040204020203" pitchFamily="50" charset="-127"/>
+                <a:ea typeface="Malgun Gothic Semilight" panose="020B0502040204020203" pitchFamily="50" charset="-127"/>
+                <a:cs typeface="Malgun Gothic Semilight" panose="020B0502040204020203" pitchFamily="50" charset="-127"/>
                 <a:sym typeface="Comic Sans MS"/>
               </a:rPr>
               <a:t>공공데이터 </a:t>
@@ -23571,9 +23934,9 @@
                 <a:solidFill>
                   <a:srgbClr val="2C2821"/>
                 </a:solidFill>
-                <a:latin typeface="Comic Sans MS"/>
-                <a:ea typeface="Comic Sans MS"/>
-                <a:cs typeface="Comic Sans MS"/>
+                <a:latin typeface="Malgun Gothic Semilight" panose="020B0502040204020203" pitchFamily="50" charset="-127"/>
+                <a:ea typeface="Malgun Gothic Semilight" panose="020B0502040204020203" pitchFamily="50" charset="-127"/>
+                <a:cs typeface="Malgun Gothic Semilight" panose="020B0502040204020203" pitchFamily="50" charset="-127"/>
                 <a:sym typeface="Comic Sans MS"/>
               </a:rPr>
               <a:t>&amp; </a:t>
@@ -23583,22 +23946,58 @@
                 <a:solidFill>
                   <a:srgbClr val="2C2821"/>
                 </a:solidFill>
-                <a:latin typeface="Comic Sans MS"/>
-                <a:ea typeface="Comic Sans MS"/>
-                <a:cs typeface="Comic Sans MS"/>
+                <a:latin typeface="Malgun Gothic Semilight" panose="020B0502040204020203" pitchFamily="50" charset="-127"/>
+                <a:ea typeface="Malgun Gothic Semilight" panose="020B0502040204020203" pitchFamily="50" charset="-127"/>
+                <a:cs typeface="Malgun Gothic Semilight" panose="020B0502040204020203" pitchFamily="50" charset="-127"/>
                 <a:sym typeface="Comic Sans MS"/>
               </a:rPr>
               <a:t>지역코드 정제 및 지도 시각화</a:t>
             </a:r>
             <a:endParaRPr lang="ko-KR" altLang="en-US" sz="1800" i="0" u="none" strike="noStrike" cap="none" dirty="0">
-              <a:latin typeface="Comic Sans MS"/>
-              <a:ea typeface="Comic Sans MS"/>
-              <a:cs typeface="Comic Sans MS"/>
+              <a:latin typeface="Malgun Gothic Semilight" panose="020B0502040204020203" pitchFamily="50" charset="-127"/>
+              <a:ea typeface="Malgun Gothic Semilight" panose="020B0502040204020203" pitchFamily="50" charset="-127"/>
+              <a:cs typeface="Malgun Gothic Semilight" panose="020B0502040204020203" pitchFamily="50" charset="-127"/>
               <a:sym typeface="Comic Sans MS"/>
             </a:endParaRPr>
           </a:p>
         </p:txBody>
       </p:sp>
+      <p:pic>
+        <p:nvPicPr>
+          <p:cNvPr id="19" name="그림 18">
+            <a:extLst>
+              <a:ext uri="{FF2B5EF4-FFF2-40B4-BE49-F238E27FC236}">
+                <a16:creationId xmlns:a16="http://schemas.microsoft.com/office/drawing/2014/main" id="{2F3B4E55-677F-FD50-AE2B-66939DE30DD1}"/>
+              </a:ext>
+            </a:extLst>
+          </p:cNvPr>
+          <p:cNvPicPr>
+            <a:picLocks noChangeAspect="1"/>
+          </p:cNvPicPr>
+          <p:nvPr/>
+        </p:nvPicPr>
+        <p:blipFill>
+          <a:blip r:embed="rId4">
+            <a:extLst>
+              <a:ext uri="{28A0092B-C50C-407E-A947-70E740481C1C}">
+                <a14:useLocalDpi xmlns:a14="http://schemas.microsoft.com/office/drawing/2010/main" val="0"/>
+              </a:ext>
+            </a:extLst>
+          </a:blip>
+          <a:stretch>
+            <a:fillRect/>
+          </a:stretch>
+        </p:blipFill>
+        <p:spPr>
+          <a:xfrm>
+            <a:off x="9475890" y="2306119"/>
+            <a:ext cx="1469089" cy="2066090"/>
+          </a:xfrm>
+          <a:prstGeom prst="rect">
+            <a:avLst/>
+          </a:prstGeom>
+        </p:spPr>
+      </p:pic>
     </p:spTree>
     <p:extLst>
       <p:ext uri="{BB962C8B-B14F-4D97-AF65-F5344CB8AC3E}">
@@ -24927,7 +25326,7 @@
         </p:nvSpPr>
         <p:spPr>
           <a:xfrm>
-            <a:off x="581192" y="702156"/>
+            <a:off x="420083" y="656007"/>
             <a:ext cx="11029616" cy="1188720"/>
           </a:xfrm>
         </p:spPr>
@@ -24979,14 +25378,14 @@
             <p:ph idx="1"/>
             <p:extLst>
               <p:ext uri="{D42A27DB-BD31-4B8C-83A1-F6EECF244321}">
-                <p14:modId xmlns:p14="http://schemas.microsoft.com/office/powerpoint/2010/main" val="2528263293"/>
+                <p14:modId xmlns:p14="http://schemas.microsoft.com/office/powerpoint/2010/main" val="127003039"/>
               </p:ext>
             </p:extLst>
           </p:nvPr>
         </p:nvGraphicFramePr>
         <p:xfrm>
-          <a:off x="580858" y="1718108"/>
-          <a:ext cx="11029950" cy="4339792"/>
+          <a:off x="420083" y="1486996"/>
+          <a:ext cx="11426923" cy="4813320"/>
         </p:xfrm>
         <a:graphic>
           <a:graphicData uri="http://schemas.openxmlformats.org/drawingml/2006/diagram">
@@ -25174,8 +25573,8 @@
                 <a:solidFill>
                   <a:srgbClr val="2C2821"/>
                 </a:solidFill>
-                <a:latin typeface="Alice"/>
-                <a:ea typeface="Alice"/>
+                <a:latin typeface="+mj-ea"/>
+                <a:ea typeface="+mj-ea"/>
                 <a:cs typeface="Alice"/>
                 <a:sym typeface="Alice"/>
               </a:rPr>
@@ -25186,8 +25585,8 @@
                 <a:solidFill>
                   <a:srgbClr val="2C2821"/>
                 </a:solidFill>
-                <a:latin typeface="Alice"/>
-                <a:ea typeface="Alice"/>
+                <a:latin typeface="+mj-ea"/>
+                <a:ea typeface="+mj-ea"/>
                 <a:cs typeface="Alice"/>
                 <a:sym typeface="Alice"/>
               </a:rPr>
@@ -25198,8 +25597,8 @@
                 <a:solidFill>
                   <a:srgbClr val="2C2821"/>
                 </a:solidFill>
-                <a:latin typeface="Alice"/>
-                <a:ea typeface="Alice"/>
+                <a:latin typeface="+mj-ea"/>
+                <a:ea typeface="+mj-ea"/>
                 <a:cs typeface="Alice"/>
                 <a:sym typeface="Alice"/>
               </a:rPr>
@@ -25209,7 +25608,8 @@
               <a:solidFill>
                 <a:srgbClr val="000000"/>
               </a:solidFill>
-              <a:latin typeface="Arial"/>
+              <a:latin typeface="+mj-ea"/>
+              <a:ea typeface="+mj-ea"/>
               <a:cs typeface="Arial"/>
               <a:sym typeface="Arial"/>
             </a:endParaRPr>
@@ -25224,8 +25624,8 @@
         </p:nvSpPr>
         <p:spPr>
           <a:xfrm>
-            <a:off x="4240213" y="2261891"/>
-            <a:ext cx="2582268" cy="302419"/>
+            <a:off x="4240213" y="2261892"/>
+            <a:ext cx="4097542" cy="289712"/>
           </a:xfrm>
           <a:prstGeom prst="rect">
             <a:avLst/>
@@ -25255,8 +25655,8 @@
                 <a:solidFill>
                   <a:srgbClr val="2C2821"/>
                 </a:solidFill>
-                <a:latin typeface="Lora"/>
-                <a:ea typeface="Lora"/>
+                <a:latin typeface="+mj-ea"/>
+                <a:ea typeface="+mj-ea"/>
                 <a:cs typeface="Lora"/>
                 <a:sym typeface="Lora"/>
               </a:rPr>
@@ -25266,7 +25666,8 @@
               <a:solidFill>
                 <a:srgbClr val="000000"/>
               </a:solidFill>
-              <a:latin typeface="Arial"/>
+              <a:latin typeface="+mj-ea"/>
+              <a:ea typeface="+mj-ea"/>
               <a:cs typeface="Arial"/>
               <a:sym typeface="Arial"/>
             </a:endParaRPr>
@@ -25407,22 +25808,23 @@
               <a:buSzPts val="1400"/>
             </a:pPr>
             <a:r>
-              <a:rPr lang="ko" altLang="en-US" sz="1867" kern="0">
+              <a:rPr lang="ko" altLang="en-US" sz="1867" kern="0" dirty="0">
                 <a:solidFill>
                   <a:srgbClr val="2C2821"/>
                 </a:solidFill>
-                <a:latin typeface="Alice"/>
-                <a:ea typeface="Alice"/>
+                <a:latin typeface="+mj-ea"/>
+                <a:ea typeface="+mj-ea"/>
                 <a:cs typeface="Alice"/>
                 <a:sym typeface="Alice"/>
               </a:rPr>
               <a:t>뉴스  크롤및 텍스트 추출</a:t>
             </a:r>
-            <a:endParaRPr sz="1867" kern="0">
+            <a:endParaRPr sz="1867" kern="0" dirty="0">
               <a:solidFill>
                 <a:srgbClr val="000000"/>
               </a:solidFill>
-              <a:latin typeface="Arial"/>
+              <a:latin typeface="+mj-ea"/>
+              <a:ea typeface="+mj-ea"/>
               <a:cs typeface="Arial"/>
               <a:sym typeface="Arial"/>
             </a:endParaRPr>
@@ -25437,8 +25839,8 @@
         </p:nvSpPr>
         <p:spPr>
           <a:xfrm>
-            <a:off x="4912717" y="3398243"/>
-            <a:ext cx="2777232" cy="302419"/>
+            <a:off x="4912717" y="3398244"/>
+            <a:ext cx="4260780" cy="228068"/>
           </a:xfrm>
           <a:prstGeom prst="rect">
             <a:avLst/>
@@ -25464,70 +25866,71 @@
               <a:buSzPts val="1100"/>
             </a:pPr>
             <a:r>
-              <a:rPr lang="ko" altLang="en-US" sz="1467" kern="0">
+              <a:rPr lang="ko" altLang="en-US" sz="1467" kern="0" dirty="0">
                 <a:solidFill>
                   <a:srgbClr val="2C2821"/>
                 </a:solidFill>
-                <a:latin typeface="Lora"/>
-                <a:ea typeface="Lora"/>
+                <a:latin typeface="+mj-ea"/>
+                <a:ea typeface="+mj-ea"/>
                 <a:cs typeface="Lora"/>
                 <a:sym typeface="Lora"/>
               </a:rPr>
               <a:t>광고</a:t>
             </a:r>
             <a:r>
-              <a:rPr lang="en-US" altLang="ko" sz="1467" kern="0">
+              <a:rPr lang="en-US" altLang="ko" sz="1467" kern="0" dirty="0">
                 <a:solidFill>
                   <a:srgbClr val="2C2821"/>
                 </a:solidFill>
-                <a:latin typeface="Lora"/>
-                <a:ea typeface="Lora"/>
+                <a:latin typeface="+mj-ea"/>
+                <a:ea typeface="+mj-ea"/>
                 <a:cs typeface="Lora"/>
                 <a:sym typeface="Lora"/>
               </a:rPr>
               <a:t>, </a:t>
             </a:r>
             <a:r>
-              <a:rPr lang="ko" altLang="en-US" sz="1467" kern="0">
+              <a:rPr lang="ko" altLang="en-US" sz="1467" kern="0" dirty="0">
                 <a:solidFill>
                   <a:srgbClr val="2C2821"/>
                 </a:solidFill>
-                <a:latin typeface="Lora"/>
-                <a:ea typeface="Lora"/>
+                <a:latin typeface="+mj-ea"/>
+                <a:ea typeface="+mj-ea"/>
                 <a:cs typeface="Lora"/>
                 <a:sym typeface="Lora"/>
               </a:rPr>
               <a:t>메뉴</a:t>
             </a:r>
             <a:r>
-              <a:rPr lang="en-US" altLang="ko" sz="1467" kern="0">
+              <a:rPr lang="en-US" altLang="ko" sz="1467" kern="0" dirty="0">
                 <a:solidFill>
                   <a:srgbClr val="2C2821"/>
                 </a:solidFill>
-                <a:latin typeface="Lora"/>
-                <a:ea typeface="Lora"/>
+                <a:latin typeface="+mj-ea"/>
+                <a:ea typeface="+mj-ea"/>
                 <a:cs typeface="Lora"/>
                 <a:sym typeface="Lora"/>
               </a:rPr>
               <a:t>, </a:t>
             </a:r>
             <a:r>
-              <a:rPr lang="ko" altLang="en-US" sz="1467" kern="0">
+              <a:rPr lang="ko" altLang="en-US" sz="1467" kern="0" dirty="0">
                 <a:solidFill>
                   <a:srgbClr val="2C2821"/>
                 </a:solidFill>
-                <a:latin typeface="Lora"/>
-                <a:ea typeface="Lora"/>
+                <a:latin typeface="+mj-ea"/>
+                <a:ea typeface="+mj-ea"/>
                 <a:cs typeface="Lora"/>
                 <a:sym typeface="Lora"/>
               </a:rPr>
               <a:t>댓글 제외한 본문만 추출</a:t>
             </a:r>
-            <a:endParaRPr sz="1467" kern="0">
+            <a:endParaRPr sz="1467" kern="0" dirty="0">
               <a:solidFill>
                 <a:srgbClr val="000000"/>
               </a:solidFill>
-              <a:latin typeface="Arial"/>
+              <a:latin typeface="+mj-ea"/>
+              <a:ea typeface="+mj-ea"/>
               <a:cs typeface="Arial"/>
               <a:sym typeface="Arial"/>
             </a:endParaRPr>
@@ -25672,8 +26075,8 @@
                 <a:solidFill>
                   <a:srgbClr val="2C2821"/>
                 </a:solidFill>
-                <a:latin typeface="Alice"/>
-                <a:ea typeface="Alice"/>
+                <a:latin typeface="+mj-ea"/>
+                <a:ea typeface="+mj-ea"/>
                 <a:cs typeface="Alice"/>
                 <a:sym typeface="Alice"/>
               </a:rPr>
@@ -25684,8 +26087,8 @@
                 <a:solidFill>
                   <a:srgbClr val="2C2821"/>
                 </a:solidFill>
-                <a:latin typeface="Alice"/>
-                <a:ea typeface="Alice"/>
+                <a:latin typeface="+mj-ea"/>
+                <a:ea typeface="+mj-ea"/>
                 <a:cs typeface="Alice"/>
                 <a:sym typeface="Alice"/>
               </a:rPr>
@@ -25695,7 +26098,8 @@
               <a:solidFill>
                 <a:srgbClr val="000000"/>
               </a:solidFill>
-              <a:latin typeface="Arial"/>
+              <a:latin typeface="+mj-ea"/>
+              <a:ea typeface="+mj-ea"/>
               <a:cs typeface="Arial"/>
               <a:sym typeface="Arial"/>
             </a:endParaRPr>
@@ -25711,7 +26115,7 @@
         <p:spPr>
           <a:xfrm>
             <a:off x="5585221" y="4534595"/>
-            <a:ext cx="2651819" cy="302419"/>
+            <a:ext cx="4035028" cy="425252"/>
           </a:xfrm>
           <a:prstGeom prst="rect">
             <a:avLst/>
@@ -25737,58 +26141,59 @@
               <a:buSzPts val="1100"/>
             </a:pPr>
             <a:r>
-              <a:rPr lang="en-US" altLang="ko" sz="1467" kern="0">
+              <a:rPr lang="en-US" altLang="ko" sz="1467" kern="0" dirty="0">
                 <a:solidFill>
                   <a:srgbClr val="2C2821"/>
                 </a:solidFill>
-                <a:latin typeface="Lora"/>
-                <a:ea typeface="Lora"/>
+                <a:latin typeface="+mj-ea"/>
+                <a:ea typeface="+mj-ea"/>
                 <a:cs typeface="Lora"/>
                 <a:sym typeface="Lora"/>
               </a:rPr>
               <a:t>GPT-3</a:t>
             </a:r>
             <a:r>
-              <a:rPr lang="ko" altLang="en-US" sz="1467" kern="0">
+              <a:rPr lang="ko" altLang="en-US" sz="1467" kern="0" dirty="0">
                 <a:solidFill>
                   <a:srgbClr val="2C2821"/>
                 </a:solidFill>
-                <a:latin typeface="Lora"/>
-                <a:ea typeface="Lora"/>
+                <a:latin typeface="+mj-ea"/>
+                <a:ea typeface="+mj-ea"/>
                 <a:cs typeface="Lora"/>
                 <a:sym typeface="Lora"/>
               </a:rPr>
               <a:t>로 핵심 내용 </a:t>
             </a:r>
             <a:r>
-              <a:rPr lang="en-US" altLang="ko" sz="1467" kern="0">
+              <a:rPr lang="en-US" altLang="ko" sz="1467" kern="0" dirty="0">
                 <a:solidFill>
                   <a:srgbClr val="2C2821"/>
                 </a:solidFill>
-                <a:latin typeface="Lora"/>
-                <a:ea typeface="Lora"/>
+                <a:latin typeface="+mj-ea"/>
+                <a:ea typeface="+mj-ea"/>
                 <a:cs typeface="Lora"/>
                 <a:sym typeface="Lora"/>
               </a:rPr>
               <a:t>3</a:t>
             </a:r>
             <a:r>
-              <a:rPr lang="ko" altLang="en-US" sz="1467" kern="0">
+              <a:rPr lang="ko" altLang="en-US" sz="1467" kern="0" dirty="0">
                 <a:solidFill>
                   <a:srgbClr val="2C2821"/>
                 </a:solidFill>
-                <a:latin typeface="Lora"/>
-                <a:ea typeface="Lora"/>
+                <a:latin typeface="+mj-ea"/>
+                <a:ea typeface="+mj-ea"/>
                 <a:cs typeface="Lora"/>
                 <a:sym typeface="Lora"/>
               </a:rPr>
               <a:t>줄 이내 요약</a:t>
             </a:r>
-            <a:endParaRPr sz="1467" kern="0">
+            <a:endParaRPr sz="1467" kern="0" dirty="0">
               <a:solidFill>
                 <a:srgbClr val="000000"/>
               </a:solidFill>
-              <a:latin typeface="Arial"/>
+              <a:latin typeface="+mj-ea"/>
+              <a:ea typeface="+mj-ea"/>
               <a:cs typeface="Arial"/>
               <a:sym typeface="Arial"/>
             </a:endParaRPr>
@@ -25929,22 +26334,23 @@
               <a:buSzPts val="1400"/>
             </a:pPr>
             <a:r>
-              <a:rPr lang="ko" altLang="en-US" sz="1867" kern="0">
+              <a:rPr lang="ko" altLang="en-US" sz="1867" kern="0" dirty="0">
                 <a:solidFill>
                   <a:srgbClr val="2C2821"/>
                 </a:solidFill>
-                <a:latin typeface="Alice"/>
-                <a:ea typeface="Alice"/>
+                <a:latin typeface="+mj-ea"/>
+                <a:ea typeface="+mj-ea"/>
                 <a:cs typeface="Alice"/>
                 <a:sym typeface="Alice"/>
               </a:rPr>
               <a:t>음성 변환</a:t>
             </a:r>
-            <a:endParaRPr sz="1867" kern="0">
+            <a:endParaRPr sz="1867" kern="0" dirty="0">
               <a:solidFill>
                 <a:srgbClr val="000000"/>
               </a:solidFill>
-              <a:latin typeface="Arial"/>
+              <a:latin typeface="+mj-ea"/>
+              <a:ea typeface="+mj-ea"/>
               <a:cs typeface="Arial"/>
               <a:sym typeface="Arial"/>
             </a:endParaRPr>
@@ -25960,7 +26366,7 @@
         <p:spPr>
           <a:xfrm>
             <a:off x="6257727" y="5670947"/>
-            <a:ext cx="1997472" cy="302419"/>
+            <a:ext cx="3212844" cy="251619"/>
           </a:xfrm>
           <a:prstGeom prst="rect">
             <a:avLst/>
@@ -25986,34 +26392,35 @@
               <a:buSzPts val="1100"/>
             </a:pPr>
             <a:r>
-              <a:rPr lang="en-US" altLang="ko" sz="1467" kern="0">
+              <a:rPr lang="en-US" altLang="ko" sz="1467" kern="0" dirty="0" err="1">
                 <a:solidFill>
                   <a:srgbClr val="2C2821"/>
                 </a:solidFill>
-                <a:latin typeface="Lora"/>
-                <a:ea typeface="Lora"/>
+                <a:latin typeface="+mj-ea"/>
+                <a:ea typeface="+mj-ea"/>
                 <a:cs typeface="Lora"/>
                 <a:sym typeface="Lora"/>
               </a:rPr>
               <a:t>gTTS</a:t>
             </a:r>
             <a:r>
-              <a:rPr lang="ko" altLang="en-US" sz="1467" kern="0">
+              <a:rPr lang="ko" altLang="en-US" sz="1467" kern="0" dirty="0">
                 <a:solidFill>
                   <a:srgbClr val="2C2821"/>
                 </a:solidFill>
-                <a:latin typeface="Lora"/>
-                <a:ea typeface="Lora"/>
+                <a:latin typeface="+mj-ea"/>
+                <a:ea typeface="+mj-ea"/>
                 <a:cs typeface="Lora"/>
                 <a:sym typeface="Lora"/>
               </a:rPr>
               <a:t>로 한국어 음성 생성</a:t>
             </a:r>
-            <a:endParaRPr sz="1467" kern="0">
+            <a:endParaRPr sz="1467" kern="0" dirty="0">
               <a:solidFill>
                 <a:srgbClr val="000000"/>
               </a:solidFill>
-              <a:latin typeface="Arial"/>
+              <a:latin typeface="+mj-ea"/>
+              <a:ea typeface="+mj-ea"/>
               <a:cs typeface="Arial"/>
               <a:sym typeface="Arial"/>
             </a:endParaRPr>
@@ -26029,101 +26436,6 @@
 </file>
 
 <file path=ppt/slides/slide8.xml><?xml version="1.0" encoding="utf-8"?>
-<p:sld xmlns:a="http://schemas.openxmlformats.org/drawingml/2006/main" xmlns:r="http://schemas.openxmlformats.org/officeDocument/2006/relationships" xmlns:p="http://schemas.openxmlformats.org/presentationml/2006/main">
-  <p:cSld>
-    <p:spTree>
-      <p:nvGrpSpPr>
-        <p:cNvPr id="1" name=""/>
-        <p:cNvGrpSpPr/>
-        <p:nvPr/>
-      </p:nvGrpSpPr>
-      <p:grpSpPr>
-        <a:xfrm>
-          <a:off x="0" y="0"/>
-          <a:ext cx="0" cy="0"/>
-          <a:chOff x="0" y="0"/>
-          <a:chExt cx="0" cy="0"/>
-        </a:xfrm>
-      </p:grpSpPr>
-      <p:sp>
-        <p:nvSpPr>
-          <p:cNvPr id="2" name="제목 1">
-            <a:extLst>
-              <a:ext uri="{FF2B5EF4-FFF2-40B4-BE49-F238E27FC236}">
-                <a16:creationId xmlns:a16="http://schemas.microsoft.com/office/drawing/2014/main" id="{E14DBAAF-4119-5471-1C99-1A33991FF1F8}"/>
-              </a:ext>
-            </a:extLst>
-          </p:cNvPr>
-          <p:cNvSpPr>
-            <a:spLocks noGrp="1"/>
-          </p:cNvSpPr>
-          <p:nvPr>
-            <p:ph type="title"/>
-          </p:nvPr>
-        </p:nvSpPr>
-        <p:spPr/>
-        <p:txBody>
-          <a:bodyPr/>
-          <a:lstStyle/>
-          <a:p>
-            <a:r>
-              <a:rPr lang="ko-KR" altLang="en-US" sz="3600" b="0" i="0" u="none" strike="noStrike" cap="none" dirty="0">
-                <a:solidFill>
-                  <a:srgbClr val="233E32"/>
-                </a:solidFill>
-                <a:latin typeface="Alice"/>
-                <a:ea typeface="Alice"/>
-                <a:cs typeface="Alice"/>
-                <a:sym typeface="Alice"/>
-              </a:rPr>
-              <a:t>시스템 아키텍처</a:t>
-            </a:r>
-            <a:br>
-              <a:rPr lang="ko-KR" altLang="en-US" sz="3600" b="0" i="0" u="none" strike="noStrike" cap="none" dirty="0"/>
-            </a:br>
-            <a:endParaRPr lang="ko-KR" altLang="en-US" dirty="0"/>
-          </a:p>
-        </p:txBody>
-      </p:sp>
-      <p:sp>
-        <p:nvSpPr>
-          <p:cNvPr id="3" name="내용 개체 틀 2">
-            <a:extLst>
-              <a:ext uri="{FF2B5EF4-FFF2-40B4-BE49-F238E27FC236}">
-                <a16:creationId xmlns:a16="http://schemas.microsoft.com/office/drawing/2014/main" id="{6EAC4FD9-3D7C-E5E1-3E63-AC3BF42301A1}"/>
-              </a:ext>
-            </a:extLst>
-          </p:cNvPr>
-          <p:cNvSpPr>
-            <a:spLocks noGrp="1"/>
-          </p:cNvSpPr>
-          <p:nvPr>
-            <p:ph idx="1"/>
-          </p:nvPr>
-        </p:nvSpPr>
-        <p:spPr/>
-        <p:txBody>
-          <a:bodyPr/>
-          <a:lstStyle/>
-          <a:p>
-            <a:endParaRPr lang="ko-KR" altLang="en-US" dirty="0"/>
-          </a:p>
-        </p:txBody>
-      </p:sp>
-    </p:spTree>
-    <p:extLst>
-      <p:ext uri="{BB962C8B-B14F-4D97-AF65-F5344CB8AC3E}">
-        <p14:creationId xmlns:p14="http://schemas.microsoft.com/office/powerpoint/2010/main" val="2658287581"/>
-      </p:ext>
-    </p:extLst>
-  </p:cSld>
-  <p:clrMapOvr>
-    <a:masterClrMapping/>
-  </p:clrMapOvr>
-</p:sld>
-</file>
-
-<file path=ppt/slides/slide9.xml><?xml version="1.0" encoding="utf-8"?>
 <p:sld xmlns:a="http://schemas.openxmlformats.org/drawingml/2006/main" xmlns:r="http://schemas.openxmlformats.org/officeDocument/2006/relationships" xmlns:p="http://schemas.openxmlformats.org/presentationml/2006/main">
   <p:cSld>
     <p:spTree>
@@ -26167,17 +26479,136 @@
             </a:r>
             <a:r>
               <a:rPr lang="ko-KR" altLang="en-US" dirty="0"/>
-              <a:t>설계도</a:t>
+              <a:t>설계도 </a:t>
             </a:r>
+            <a:r>
+              <a:rPr lang="en-US" altLang="ko-KR" dirty="0"/>
+              <a:t>– </a:t>
+            </a:r>
+            <a:r>
+              <a:rPr lang="ko-KR" altLang="en-US" dirty="0" err="1"/>
+              <a:t>맵에</a:t>
+            </a:r>
+            <a:r>
+              <a:rPr lang="ko-KR" altLang="en-US" dirty="0"/>
+              <a:t> 사용한 </a:t>
+            </a:r>
+            <a:r>
+              <a:rPr lang="en-US" altLang="ko-KR" dirty="0"/>
+              <a:t>DB</a:t>
+            </a:r>
+            <a:endParaRPr lang="ko-KR" altLang="en-US" dirty="0"/>
           </a:p>
         </p:txBody>
       </p:sp>
+      <p:pic>
+        <p:nvPicPr>
+          <p:cNvPr id="9" name="그림 8">
+            <a:extLst>
+              <a:ext uri="{FF2B5EF4-FFF2-40B4-BE49-F238E27FC236}">
+                <a16:creationId xmlns:a16="http://schemas.microsoft.com/office/drawing/2014/main" id="{994634BA-E9C4-691B-06B7-DA26CD3AC7A7}"/>
+              </a:ext>
+            </a:extLst>
+          </p:cNvPr>
+          <p:cNvPicPr>
+            <a:picLocks noChangeAspect="1"/>
+          </p:cNvPicPr>
+          <p:nvPr/>
+        </p:nvPicPr>
+        <p:blipFill>
+          <a:blip r:embed="rId2">
+            <a:extLst>
+              <a:ext uri="{28A0092B-C50C-407E-A947-70E740481C1C}">
+                <a14:useLocalDpi xmlns:a14="http://schemas.microsoft.com/office/drawing/2010/main" val="0"/>
+              </a:ext>
+            </a:extLst>
+          </a:blip>
+          <a:stretch>
+            <a:fillRect/>
+          </a:stretch>
+        </p:blipFill>
+        <p:spPr>
+          <a:xfrm>
+            <a:off x="254000" y="1992630"/>
+            <a:ext cx="11704320" cy="4742179"/>
+          </a:xfrm>
+          <a:prstGeom prst="rect">
+            <a:avLst/>
+          </a:prstGeom>
+        </p:spPr>
+      </p:pic>
+    </p:spTree>
+    <p:extLst>
+      <p:ext uri="{BB962C8B-B14F-4D97-AF65-F5344CB8AC3E}">
+        <p14:creationId xmlns:p14="http://schemas.microsoft.com/office/powerpoint/2010/main" val="797226350"/>
+      </p:ext>
+    </p:extLst>
+  </p:cSld>
+  <p:clrMapOvr>
+    <a:masterClrMapping/>
+  </p:clrMapOvr>
+</p:sld>
+</file>
+
+<file path=ppt/slides/slide9.xml><?xml version="1.0" encoding="utf-8"?>
+<p:sld xmlns:a="http://schemas.openxmlformats.org/drawingml/2006/main" xmlns:r="http://schemas.openxmlformats.org/officeDocument/2006/relationships" xmlns:p="http://schemas.openxmlformats.org/presentationml/2006/main">
+  <p:cSld>
+    <p:spTree>
+      <p:nvGrpSpPr>
+        <p:cNvPr id="1" name=""/>
+        <p:cNvGrpSpPr/>
+        <p:nvPr/>
+      </p:nvGrpSpPr>
+      <p:grpSpPr>
+        <a:xfrm>
+          <a:off x="0" y="0"/>
+          <a:ext cx="0" cy="0"/>
+          <a:chOff x="0" y="0"/>
+          <a:chExt cx="0" cy="0"/>
+        </a:xfrm>
+      </p:grpSpPr>
+      <p:pic>
+        <p:nvPicPr>
+          <p:cNvPr id="4" name="그림 3">
+            <a:extLst>
+              <a:ext uri="{FF2B5EF4-FFF2-40B4-BE49-F238E27FC236}">
+                <a16:creationId xmlns:a16="http://schemas.microsoft.com/office/drawing/2014/main" id="{DA6E94F8-8F24-8442-2BE5-DA7FD598D6CB}"/>
+              </a:ext>
+            </a:extLst>
+          </p:cNvPr>
+          <p:cNvPicPr>
+            <a:picLocks noChangeAspect="1"/>
+          </p:cNvPicPr>
+          <p:nvPr/>
+        </p:nvPicPr>
+        <p:blipFill>
+          <a:blip r:embed="rId2">
+            <a:extLst>
+              <a:ext uri="{28A0092B-C50C-407E-A947-70E740481C1C}">
+                <a14:useLocalDpi xmlns:a14="http://schemas.microsoft.com/office/drawing/2010/main" val="0"/>
+              </a:ext>
+            </a:extLst>
+          </a:blip>
+          <a:stretch>
+            <a:fillRect/>
+          </a:stretch>
+        </p:blipFill>
+        <p:spPr>
+          <a:xfrm>
+            <a:off x="812800" y="2225400"/>
+            <a:ext cx="3195628" cy="4214923"/>
+          </a:xfrm>
+          <a:prstGeom prst="rect">
+            <a:avLst/>
+          </a:prstGeom>
+        </p:spPr>
+      </p:pic>
       <p:sp>
         <p:nvSpPr>
-          <p:cNvPr id="3" name="내용 개체 틀 2">
+          <p:cNvPr id="5" name="제목 1">
             <a:extLst>
               <a:ext uri="{FF2B5EF4-FFF2-40B4-BE49-F238E27FC236}">
-                <a16:creationId xmlns:a16="http://schemas.microsoft.com/office/drawing/2014/main" id="{E6E5849F-0271-F821-124A-26E546CE412B}"/>
+                <a16:creationId xmlns:a16="http://schemas.microsoft.com/office/drawing/2014/main" id="{B94096E2-8928-D501-824B-F6237D8C1C79}"/>
               </a:ext>
             </a:extLst>
           </p:cNvPr>
@@ -26185,14 +26616,47 @@
             <a:spLocks noGrp="1"/>
           </p:cNvSpPr>
           <p:nvPr>
-            <p:ph idx="1"/>
+            <p:ph type="title"/>
           </p:nvPr>
         </p:nvSpPr>
-        <p:spPr/>
+        <p:spPr>
+          <a:xfrm>
+            <a:off x="581192" y="702156"/>
+            <a:ext cx="11029616" cy="1188720"/>
+          </a:xfrm>
+        </p:spPr>
         <p:txBody>
           <a:bodyPr/>
           <a:lstStyle/>
           <a:p>
+            <a:r>
+              <a:rPr lang="en-US" altLang="ko-KR" dirty="0"/>
+              <a:t>EPD </a:t>
+            </a:r>
+            <a:r>
+              <a:rPr lang="ko-KR" altLang="en-US" dirty="0"/>
+              <a:t>설계도 </a:t>
+            </a:r>
+            <a:r>
+              <a:rPr lang="en-US" altLang="ko-KR" dirty="0"/>
+              <a:t>– </a:t>
+            </a:r>
+            <a:r>
+              <a:rPr lang="ko-KR" altLang="en-US" dirty="0"/>
+              <a:t>뉴스 </a:t>
+            </a:r>
+            <a:r>
+              <a:rPr lang="ko-KR" altLang="en-US" dirty="0" err="1"/>
+              <a:t>크롤에</a:t>
+            </a:r>
+            <a:r>
+              <a:rPr lang="ko-KR" altLang="en-US" dirty="0"/>
+              <a:t> 사용한 </a:t>
+            </a:r>
+            <a:r>
+              <a:rPr lang="en-US" altLang="ko-KR" dirty="0"/>
+              <a:t>DB</a:t>
+            </a:r>
             <a:endParaRPr lang="ko-KR" altLang="en-US" dirty="0"/>
           </a:p>
         </p:txBody>
@@ -26200,7 +26664,7 @@
     </p:spTree>
     <p:extLst>
       <p:ext uri="{BB962C8B-B14F-4D97-AF65-F5344CB8AC3E}">
-        <p14:creationId xmlns:p14="http://schemas.microsoft.com/office/powerpoint/2010/main" val="797226350"/>
+        <p14:creationId xmlns:p14="http://schemas.microsoft.com/office/powerpoint/2010/main" val="2645681785"/>
       </p:ext>
     </p:extLst>
   </p:cSld>
